--- a/Dokumentation/Kolloquium Janfi.pptx
+++ b/Dokumentation/Kolloquium Janfi.pptx
@@ -1,14 +1,14 @@
 
 <file path=ppt/presentation.xml><?xml version="1.0" encoding="utf-8"?>
-<p:presentation xmlns:a="http://schemas.openxmlformats.org/drawingml/2006/main" xmlns:r="http://schemas.openxmlformats.org/officeDocument/2006/relationships" xmlns:p="http://schemas.openxmlformats.org/presentationml/2006/main" saveSubsetFonts="1">
+<p:presentation xmlns:a="http://schemas.openxmlformats.org/drawingml/2006/main" xmlns:r="http://schemas.openxmlformats.org/officeDocument/2006/relationships" xmlns:p="http://schemas.openxmlformats.org/presentationml/2006/main" showSpecialPlsOnTitleSld="0" saveSubsetFonts="1">
   <p:sldMasterIdLst>
     <p:sldMasterId id="2147483660" r:id="rId4"/>
   </p:sldMasterIdLst>
   <p:notesMasterIdLst>
-    <p:notesMasterId r:id="rId16"/>
+    <p:notesMasterId r:id="rId15"/>
   </p:notesMasterIdLst>
   <p:handoutMasterIdLst>
-    <p:handoutMasterId r:id="rId17"/>
+    <p:handoutMasterId r:id="rId16"/>
   </p:handoutMasterIdLst>
   <p:sldIdLst>
     <p:sldId id="257" r:id="rId5"/>
@@ -17,11 +17,10 @@
     <p:sldId id="269" r:id="rId8"/>
     <p:sldId id="270" r:id="rId9"/>
     <p:sldId id="259" r:id="rId10"/>
-    <p:sldId id="261" r:id="rId11"/>
-    <p:sldId id="262" r:id="rId12"/>
-    <p:sldId id="263" r:id="rId13"/>
-    <p:sldId id="271" r:id="rId14"/>
-    <p:sldId id="265" r:id="rId15"/>
+    <p:sldId id="272" r:id="rId11"/>
+    <p:sldId id="273" r:id="rId12"/>
+    <p:sldId id="271" r:id="rId13"/>
+    <p:sldId id="265" r:id="rId14"/>
   </p:sldIdLst>
   <p:sldSz cx="12188825" cy="6858000"/>
   <p:notesSz cx="6858000" cy="9144000"/>
@@ -153,940 +152,501 @@
 </p:presentation>
 </file>
 
-<file path=ppt/charts/chart1.xml><?xml version="1.0" encoding="utf-8"?>
-<c:chartSpace xmlns:c="http://schemas.openxmlformats.org/drawingml/2006/chart" xmlns:a="http://schemas.openxmlformats.org/drawingml/2006/main" xmlns:r="http://schemas.openxmlformats.org/officeDocument/2006/relationships" xmlns:c16r2="http://schemas.microsoft.com/office/drawing/2015/06/chart">
-  <c:date1904 val="0"/>
-  <c:lang val="de-DE"/>
-  <c:roundedCorners val="0"/>
-  <mc:AlternateContent xmlns:mc="http://schemas.openxmlformats.org/markup-compatibility/2006">
-    <mc:Choice xmlns:c14="http://schemas.microsoft.com/office/drawing/2007/8/2/chart" Requires="c14">
-      <c14:style val="102"/>
-    </mc:Choice>
-    <mc:Fallback>
-      <c:style val="2"/>
-    </mc:Fallback>
-  </mc:AlternateContent>
-  <c:chart>
-    <c:autoTitleDeleted val="0"/>
-    <c:plotArea>
-      <c:layout/>
-      <c:barChart>
-        <c:barDir val="col"/>
-        <c:grouping val="clustered"/>
-        <c:varyColors val="0"/>
-        <c:ser>
-          <c:idx val="0"/>
-          <c:order val="0"/>
-          <c:tx>
-            <c:strRef>
-              <c:f>Sheet1!$B$1</c:f>
-              <c:strCache>
-                <c:ptCount val="1"/>
-                <c:pt idx="0">
-                  <c:v>Serie 1</c:v>
-                </c:pt>
-              </c:strCache>
-            </c:strRef>
-          </c:tx>
-          <c:spPr>
-            <a:noFill/>
-            <a:ln w="25400" cap="flat" cmpd="sng" algn="ctr">
-              <a:solidFill>
-                <a:schemeClr val="accent1"/>
-              </a:solidFill>
-              <a:miter lim="800000"/>
-            </a:ln>
-            <a:effectLst/>
-          </c:spPr>
-          <c:invertIfNegative val="0"/>
-          <c:cat>
-            <c:strRef>
-              <c:f>Sheet1!$A$2:$A$5</c:f>
-              <c:strCache>
-                <c:ptCount val="4"/>
-                <c:pt idx="0">
-                  <c:v>Kategorie 1</c:v>
-                </c:pt>
-                <c:pt idx="1">
-                  <c:v>Kategorie 2</c:v>
-                </c:pt>
-                <c:pt idx="2">
-                  <c:v>Kategorie 3</c:v>
-                </c:pt>
-                <c:pt idx="3">
-                  <c:v>Kategorie 4</c:v>
-                </c:pt>
-              </c:strCache>
-            </c:strRef>
-          </c:cat>
-          <c:val>
-            <c:numRef>
-              <c:f>Sheet1!$B$2:$B$5</c:f>
-              <c:numCache>
-                <c:formatCode>General</c:formatCode>
-                <c:ptCount val="4"/>
-                <c:pt idx="0">
-                  <c:v>4.3</c:v>
-                </c:pt>
-                <c:pt idx="1">
-                  <c:v>2.5</c:v>
-                </c:pt>
-                <c:pt idx="2">
-                  <c:v>3.5</c:v>
-                </c:pt>
-                <c:pt idx="3">
-                  <c:v>4.5</c:v>
-                </c:pt>
-              </c:numCache>
-            </c:numRef>
-          </c:val>
-          <c:extLst>
-            <c:ext xmlns:c16="http://schemas.microsoft.com/office/drawing/2014/chart" uri="{C3380CC4-5D6E-409C-BE32-E72D297353CC}">
-              <c16:uniqueId val="{00000000-5E92-4051-99BC-2623F45BF7E0}"/>
-            </c:ext>
-          </c:extLst>
-        </c:ser>
-        <c:ser>
-          <c:idx val="1"/>
-          <c:order val="1"/>
-          <c:tx>
-            <c:strRef>
-              <c:f>Sheet1!$C$1</c:f>
-              <c:strCache>
-                <c:ptCount val="1"/>
-                <c:pt idx="0">
-                  <c:v>Serie 2</c:v>
-                </c:pt>
-              </c:strCache>
-            </c:strRef>
-          </c:tx>
-          <c:spPr>
-            <a:noFill/>
-            <a:ln w="25400" cap="flat" cmpd="sng" algn="ctr">
-              <a:solidFill>
-                <a:schemeClr val="accent2"/>
-              </a:solidFill>
-              <a:miter lim="800000"/>
-            </a:ln>
-            <a:effectLst/>
-          </c:spPr>
-          <c:invertIfNegative val="0"/>
-          <c:cat>
-            <c:strRef>
-              <c:f>Sheet1!$A$2:$A$5</c:f>
-              <c:strCache>
-                <c:ptCount val="4"/>
-                <c:pt idx="0">
-                  <c:v>Kategorie 1</c:v>
-                </c:pt>
-                <c:pt idx="1">
-                  <c:v>Kategorie 2</c:v>
-                </c:pt>
-                <c:pt idx="2">
-                  <c:v>Kategorie 3</c:v>
-                </c:pt>
-                <c:pt idx="3">
-                  <c:v>Kategorie 4</c:v>
-                </c:pt>
-              </c:strCache>
-            </c:strRef>
-          </c:cat>
-          <c:val>
-            <c:numRef>
-              <c:f>Sheet1!$C$2:$C$5</c:f>
-              <c:numCache>
-                <c:formatCode>General</c:formatCode>
-                <c:ptCount val="4"/>
-                <c:pt idx="0">
-                  <c:v>2.4</c:v>
-                </c:pt>
-                <c:pt idx="1">
-                  <c:v>4.4000000000000004</c:v>
-                </c:pt>
-                <c:pt idx="2">
-                  <c:v>1.8</c:v>
-                </c:pt>
-                <c:pt idx="3">
-                  <c:v>2.8</c:v>
-                </c:pt>
-              </c:numCache>
-            </c:numRef>
-          </c:val>
-          <c:extLst>
-            <c:ext xmlns:c16="http://schemas.microsoft.com/office/drawing/2014/chart" uri="{C3380CC4-5D6E-409C-BE32-E72D297353CC}">
-              <c16:uniqueId val="{00000001-5E92-4051-99BC-2623F45BF7E0}"/>
-            </c:ext>
-          </c:extLst>
-        </c:ser>
-        <c:ser>
-          <c:idx val="2"/>
-          <c:order val="2"/>
-          <c:tx>
-            <c:strRef>
-              <c:f>Sheet1!$D$1</c:f>
-              <c:strCache>
-                <c:ptCount val="1"/>
-                <c:pt idx="0">
-                  <c:v>Serie 3</c:v>
-                </c:pt>
-              </c:strCache>
-            </c:strRef>
-          </c:tx>
-          <c:spPr>
-            <a:noFill/>
-            <a:ln w="25400" cap="flat" cmpd="sng" algn="ctr">
-              <a:solidFill>
-                <a:schemeClr val="accent3"/>
-              </a:solidFill>
-              <a:miter lim="800000"/>
-            </a:ln>
-            <a:effectLst/>
-          </c:spPr>
-          <c:invertIfNegative val="0"/>
-          <c:cat>
-            <c:strRef>
-              <c:f>Sheet1!$A$2:$A$5</c:f>
-              <c:strCache>
-                <c:ptCount val="4"/>
-                <c:pt idx="0">
-                  <c:v>Kategorie 1</c:v>
-                </c:pt>
-                <c:pt idx="1">
-                  <c:v>Kategorie 2</c:v>
-                </c:pt>
-                <c:pt idx="2">
-                  <c:v>Kategorie 3</c:v>
-                </c:pt>
-                <c:pt idx="3">
-                  <c:v>Kategorie 4</c:v>
-                </c:pt>
-              </c:strCache>
-            </c:strRef>
-          </c:cat>
-          <c:val>
-            <c:numRef>
-              <c:f>Sheet1!$D$2:$D$5</c:f>
-              <c:numCache>
-                <c:formatCode>General</c:formatCode>
-                <c:ptCount val="4"/>
-                <c:pt idx="0">
-                  <c:v>2</c:v>
-                </c:pt>
-                <c:pt idx="1">
-                  <c:v>2</c:v>
-                </c:pt>
-                <c:pt idx="2">
-                  <c:v>3</c:v>
-                </c:pt>
-                <c:pt idx="3">
-                  <c:v>5</c:v>
-                </c:pt>
-              </c:numCache>
-            </c:numRef>
-          </c:val>
-          <c:extLst>
-            <c:ext xmlns:c16="http://schemas.microsoft.com/office/drawing/2014/chart" uri="{C3380CC4-5D6E-409C-BE32-E72D297353CC}">
-              <c16:uniqueId val="{00000002-5E92-4051-99BC-2623F45BF7E0}"/>
-            </c:ext>
-          </c:extLst>
-        </c:ser>
-        <c:dLbls>
-          <c:showLegendKey val="0"/>
-          <c:showVal val="0"/>
-          <c:showCatName val="0"/>
-          <c:showSerName val="0"/>
-          <c:showPercent val="0"/>
-          <c:showBubbleSize val="0"/>
-        </c:dLbls>
-        <c:gapWidth val="164"/>
-        <c:overlap val="-35"/>
-        <c:axId val="632163384"/>
-        <c:axId val="632166128"/>
-      </c:barChart>
-      <c:catAx>
-        <c:axId val="632163384"/>
-        <c:scaling>
-          <c:orientation val="minMax"/>
-        </c:scaling>
-        <c:delete val="0"/>
-        <c:axPos val="b"/>
-        <c:numFmt formatCode="General" sourceLinked="0"/>
-        <c:majorTickMark val="none"/>
-        <c:minorTickMark val="none"/>
-        <c:tickLblPos val="nextTo"/>
-        <c:spPr>
-          <a:noFill/>
-          <a:ln>
-            <a:noFill/>
-          </a:ln>
-          <a:effectLst/>
-        </c:spPr>
-        <c:txPr>
-          <a:bodyPr rot="-60000000" spcFirstLastPara="1" vertOverflow="ellipsis" vert="horz" wrap="square" anchor="ctr" anchorCtr="1"/>
-          <a:lstStyle/>
-          <a:p>
-            <a:pPr>
-              <a:defRPr sz="1197" b="0" i="0" u="none" strike="noStrike" kern="1200" baseline="0">
-                <a:solidFill>
-                  <a:schemeClr val="tx1">
-                    <a:lumMod val="50000"/>
-                    <a:lumOff val="50000"/>
-                  </a:schemeClr>
-                </a:solidFill>
-                <a:latin typeface="+mn-lt"/>
-                <a:ea typeface="+mn-ea"/>
-                <a:cs typeface="+mn-cs"/>
-              </a:defRPr>
-            </a:pPr>
-            <a:endParaRPr lang="de-DE"/>
-          </a:p>
-        </c:txPr>
-        <c:crossAx val="632166128"/>
-        <c:crosses val="autoZero"/>
-        <c:auto val="1"/>
-        <c:lblAlgn val="ctr"/>
-        <c:lblOffset val="100"/>
-        <c:noMultiLvlLbl val="0"/>
-      </c:catAx>
-      <c:valAx>
-        <c:axId val="632166128"/>
-        <c:scaling>
-          <c:orientation val="minMax"/>
-        </c:scaling>
-        <c:delete val="0"/>
-        <c:axPos val="l"/>
-        <c:numFmt formatCode="General" sourceLinked="1"/>
-        <c:majorTickMark val="none"/>
-        <c:minorTickMark val="none"/>
-        <c:tickLblPos val="nextTo"/>
-        <c:spPr>
-          <a:noFill/>
-          <a:ln>
-            <a:noFill/>
-          </a:ln>
-          <a:effectLst/>
-        </c:spPr>
-        <c:txPr>
-          <a:bodyPr rot="-60000000" spcFirstLastPara="1" vertOverflow="ellipsis" vert="horz" wrap="square" anchor="ctr" anchorCtr="1"/>
-          <a:lstStyle/>
-          <a:p>
-            <a:pPr>
-              <a:defRPr sz="1197" b="0" i="0" u="none" strike="noStrike" kern="1200" baseline="0">
-                <a:solidFill>
-                  <a:schemeClr val="tx1">
-                    <a:lumMod val="50000"/>
-                    <a:lumOff val="50000"/>
-                  </a:schemeClr>
-                </a:solidFill>
-                <a:latin typeface="+mn-lt"/>
-                <a:ea typeface="+mn-ea"/>
-                <a:cs typeface="+mn-cs"/>
-              </a:defRPr>
-            </a:pPr>
-            <a:endParaRPr lang="de-DE"/>
-          </a:p>
-        </c:txPr>
-        <c:crossAx val="632163384"/>
-        <c:crosses val="autoZero"/>
-        <c:crossBetween val="between"/>
-      </c:valAx>
-      <c:spPr>
-        <a:noFill/>
-        <a:ln>
-          <a:noFill/>
-        </a:ln>
-        <a:effectLst/>
-      </c:spPr>
-    </c:plotArea>
-    <c:legend>
-      <c:legendPos val="t"/>
-      <c:overlay val="0"/>
-      <c:spPr>
-        <a:noFill/>
-        <a:ln>
-          <a:noFill/>
-        </a:ln>
-        <a:effectLst/>
-      </c:spPr>
-      <c:txPr>
-        <a:bodyPr rot="0" spcFirstLastPara="1" vertOverflow="ellipsis" vert="horz" wrap="square" anchor="ctr" anchorCtr="1"/>
-        <a:lstStyle/>
-        <a:p>
-          <a:pPr>
-            <a:defRPr sz="1197" b="0" i="0" u="none" strike="noStrike" kern="1200" baseline="0">
-              <a:solidFill>
-                <a:schemeClr val="tx1">
-                  <a:lumMod val="50000"/>
-                  <a:lumOff val="50000"/>
-                </a:schemeClr>
-              </a:solidFill>
-              <a:latin typeface="+mn-lt"/>
-              <a:ea typeface="+mn-ea"/>
-              <a:cs typeface="+mn-cs"/>
-            </a:defRPr>
-          </a:pPr>
-          <a:endParaRPr lang="de-DE"/>
-        </a:p>
-      </c:txPr>
-    </c:legend>
-    <c:plotVisOnly val="1"/>
-    <c:dispBlanksAs val="gap"/>
-    <c:showDLblsOverMax val="0"/>
-  </c:chart>
-  <c:spPr>
-    <a:noFill/>
-    <a:ln>
-      <a:noFill/>
-    </a:ln>
-    <a:effectLst/>
-  </c:spPr>
-  <c:txPr>
-    <a:bodyPr/>
-    <a:lstStyle/>
-    <a:p>
-      <a:pPr>
-        <a:defRPr/>
-      </a:pPr>
-      <a:endParaRPr lang="de-DE"/>
-    </a:p>
-  </c:txPr>
-  <c:externalData r:id="rId3">
-    <c:autoUpdate val="0"/>
-  </c:externalData>
-</c:chartSpace>
+<file path=ppt/revisionInfo.xml><?xml version="1.0" encoding="utf-8"?>
+<p1510:revInfo xmlns:a="http://schemas.openxmlformats.org/drawingml/2006/main" xmlns:r="http://schemas.openxmlformats.org/officeDocument/2006/relationships" xmlns:p1510="http://schemas.microsoft.com/office/powerpoint/2015/10/main">
+  <p1510:revLst>
+    <p1510:client id="{DE1D76EB-46C5-4903-8540-B48A61834A60}" v="693" dt="2018-07-02T19:33:50.212"/>
+  </p1510:revLst>
+</p1510:revInfo>
 </file>
 
-<file path=ppt/charts/colors1.xml><?xml version="1.0" encoding="utf-8"?>
-<cs:colorStyle xmlns:cs="http://schemas.microsoft.com/office/drawing/2012/chartStyle" xmlns:a="http://schemas.openxmlformats.org/drawingml/2006/main" meth="cycle" id="10">
-  <a:schemeClr val="accent1"/>
-  <a:schemeClr val="accent2"/>
-  <a:schemeClr val="accent3"/>
-  <a:schemeClr val="accent4"/>
-  <a:schemeClr val="accent5"/>
-  <a:schemeClr val="accent6"/>
-  <cs:variation/>
-  <cs:variation>
-    <a:lumMod val="60000"/>
-  </cs:variation>
-  <cs:variation>
-    <a:lumMod val="80000"/>
-    <a:lumOff val="20000"/>
-  </cs:variation>
-  <cs:variation>
-    <a:lumMod val="80000"/>
-  </cs:variation>
-  <cs:variation>
-    <a:lumMod val="60000"/>
-    <a:lumOff val="40000"/>
-  </cs:variation>
-  <cs:variation>
-    <a:lumMod val="50000"/>
-  </cs:variation>
-  <cs:variation>
-    <a:lumMod val="70000"/>
-    <a:lumOff val="30000"/>
-  </cs:variation>
-  <cs:variation>
-    <a:lumMod val="70000"/>
-  </cs:variation>
-  <cs:variation>
-    <a:lumMod val="50000"/>
-    <a:lumOff val="50000"/>
-  </cs:variation>
-</cs:colorStyle>
-</file>
-
-<file path=ppt/charts/style1.xml><?xml version="1.0" encoding="utf-8"?>
-<cs:chartStyle xmlns:cs="http://schemas.microsoft.com/office/drawing/2012/chartStyle" xmlns:a="http://schemas.openxmlformats.org/drawingml/2006/main" id="211">
-  <cs:axisTitle>
-    <cs:lnRef idx="0"/>
-    <cs:fillRef idx="0"/>
-    <cs:effectRef idx="0"/>
-    <cs:fontRef idx="minor">
-      <a:schemeClr val="tx1">
-        <a:lumMod val="50000"/>
-        <a:lumOff val="50000"/>
-      </a:schemeClr>
-    </cs:fontRef>
-    <cs:defRPr sz="1197" kern="1200"/>
-  </cs:axisTitle>
-  <cs:categoryAxis>
-    <cs:lnRef idx="0"/>
-    <cs:fillRef idx="0"/>
-    <cs:effectRef idx="0"/>
-    <cs:fontRef idx="minor">
-      <a:schemeClr val="tx1">
-        <a:lumMod val="50000"/>
-        <a:lumOff val="50000"/>
-      </a:schemeClr>
-    </cs:fontRef>
-    <cs:defRPr sz="1197" kern="1200"/>
-  </cs:categoryAxis>
-  <cs:chartArea mods="allowNoFillOverride allowNoLineOverride">
-    <cs:lnRef idx="0"/>
-    <cs:fillRef idx="0"/>
-    <cs:effectRef idx="0"/>
-    <cs:fontRef idx="minor">
-      <a:schemeClr val="dk1"/>
-    </cs:fontRef>
-    <cs:spPr>
-      <a:solidFill>
-        <a:schemeClr val="bg1"/>
-      </a:solidFill>
-      <a:ln w="9525" cap="flat" cmpd="sng" algn="ctr">
-        <a:solidFill>
-          <a:schemeClr val="tx1">
-            <a:lumMod val="15000"/>
-            <a:lumOff val="85000"/>
-          </a:schemeClr>
-        </a:solidFill>
-        <a:round/>
-      </a:ln>
-    </cs:spPr>
-    <cs:defRPr sz="1197" kern="1200"/>
-  </cs:chartArea>
-  <cs:dataLabel>
-    <cs:lnRef idx="0"/>
-    <cs:fillRef idx="0"/>
-    <cs:effectRef idx="0"/>
-    <cs:fontRef idx="minor">
-      <a:schemeClr val="tx1">
-        <a:lumMod val="65000"/>
-        <a:lumOff val="35000"/>
-      </a:schemeClr>
-    </cs:fontRef>
-    <cs:defRPr sz="1197" kern="1200"/>
-  </cs:dataLabel>
-  <cs:dataLabelCallout>
-    <cs:lnRef idx="0"/>
-    <cs:fillRef idx="0"/>
-    <cs:effectRef idx="0"/>
-    <cs:fontRef idx="minor">
-      <a:schemeClr val="bg1"/>
-    </cs:fontRef>
-    <cs:spPr>
-      <a:solidFill>
-        <a:schemeClr val="tx1">
-          <a:lumMod val="35000"/>
-          <a:lumOff val="65000"/>
-        </a:schemeClr>
-      </a:solidFill>
-    </cs:spPr>
-    <cs:defRPr sz="1197"/>
-  </cs:dataLabelCallout>
-  <cs:dataPoint>
-    <cs:lnRef idx="0">
-      <cs:styleClr val="auto"/>
-    </cs:lnRef>
-    <cs:fillRef idx="0"/>
-    <cs:effectRef idx="0"/>
-    <cs:fontRef idx="minor">
-      <a:schemeClr val="dk1"/>
-    </cs:fontRef>
-    <cs:spPr>
-      <a:noFill/>
-      <a:ln w="25400" cap="flat" cmpd="sng" algn="ctr">
-        <a:solidFill>
-          <a:schemeClr val="phClr"/>
-        </a:solidFill>
-        <a:miter lim="800000"/>
-      </a:ln>
-    </cs:spPr>
-  </cs:dataPoint>
-  <cs:dataPoint3D>
-    <cs:lnRef idx="0">
-      <cs:styleClr val="auto"/>
-    </cs:lnRef>
-    <cs:fillRef idx="0">
-      <cs:styleClr val="auto"/>
-    </cs:fillRef>
-    <cs:effectRef idx="0"/>
-    <cs:fontRef idx="minor">
-      <a:schemeClr val="dk1"/>
-    </cs:fontRef>
-    <cs:spPr>
-      <a:ln w="19050" cap="flat" cmpd="sng" algn="ctr">
-        <a:solidFill>
-          <a:schemeClr val="phClr"/>
-        </a:solidFill>
-        <a:miter lim="800000"/>
-      </a:ln>
-    </cs:spPr>
-  </cs:dataPoint3D>
-  <cs:dataPointLine>
-    <cs:lnRef idx="0">
-      <cs:styleClr val="auto"/>
-    </cs:lnRef>
-    <cs:fillRef idx="0"/>
-    <cs:effectRef idx="0"/>
-    <cs:fontRef idx="minor">
-      <a:schemeClr val="dk1"/>
-    </cs:fontRef>
-    <cs:spPr>
-      <a:ln w="28575" cap="rnd">
-        <a:solidFill>
-          <a:schemeClr val="phClr"/>
-        </a:solidFill>
-        <a:round/>
-      </a:ln>
-    </cs:spPr>
-  </cs:dataPointLine>
-  <cs:dataPointMarker>
-    <cs:lnRef idx="0">
-      <cs:styleClr val="auto"/>
-    </cs:lnRef>
-    <cs:fillRef idx="0">
-      <cs:styleClr val="auto"/>
-    </cs:fillRef>
-    <cs:effectRef idx="0"/>
-    <cs:fontRef idx="minor">
-      <a:schemeClr val="dk1"/>
-    </cs:fontRef>
-    <cs:spPr>
-      <a:ln w="19050" cap="rnd">
-        <a:solidFill>
-          <a:schemeClr val="phClr"/>
-        </a:solidFill>
-        <a:round/>
-      </a:ln>
-    </cs:spPr>
-  </cs:dataPointMarker>
-  <cs:dataPointMarkerLayout symbol="circle" size="6"/>
-  <cs:dataPointWireframe>
-    <cs:lnRef idx="0">
-      <cs:styleClr val="auto"/>
-    </cs:lnRef>
-    <cs:fillRef idx="1"/>
-    <cs:effectRef idx="0"/>
-    <cs:fontRef idx="minor">
-      <a:schemeClr val="tx1"/>
-    </cs:fontRef>
-    <cs:spPr>
-      <a:ln w="9525">
-        <a:solidFill>
-          <a:schemeClr val="phClr"/>
-        </a:solidFill>
-      </a:ln>
-    </cs:spPr>
-  </cs:dataPointWireframe>
-  <cs:dataTable>
-    <cs:lnRef idx="0"/>
-    <cs:fillRef idx="0"/>
-    <cs:effectRef idx="0"/>
-    <cs:fontRef idx="minor">
-      <a:schemeClr val="tx1">
-        <a:lumMod val="50000"/>
-        <a:lumOff val="50000"/>
-      </a:schemeClr>
-    </cs:fontRef>
-    <cs:spPr>
-      <a:ln w="9525">
-        <a:solidFill>
-          <a:schemeClr val="tx1">
-            <a:lumMod val="15000"/>
-            <a:lumOff val="85000"/>
-          </a:schemeClr>
-        </a:solidFill>
-      </a:ln>
-    </cs:spPr>
-    <cs:defRPr sz="1197" kern="1200"/>
-  </cs:dataTable>
-  <cs:downBar>
-    <cs:lnRef idx="0"/>
-    <cs:fillRef idx="0"/>
-    <cs:effectRef idx="0"/>
-    <cs:fontRef idx="minor">
-      <a:schemeClr val="dk1"/>
-    </cs:fontRef>
-    <cs:spPr>
-      <a:solidFill>
-        <a:schemeClr val="dk1">
-          <a:lumMod val="75000"/>
-          <a:lumOff val="25000"/>
-        </a:schemeClr>
-      </a:solidFill>
-      <a:ln w="9525" cap="flat" cmpd="sng" algn="ctr">
-        <a:solidFill>
-          <a:schemeClr val="tx1">
-            <a:lumMod val="50000"/>
-            <a:lumOff val="50000"/>
-          </a:schemeClr>
-        </a:solidFill>
-        <a:round/>
-      </a:ln>
-    </cs:spPr>
-  </cs:downBar>
-  <cs:dropLine>
-    <cs:lnRef idx="0"/>
-    <cs:fillRef idx="0"/>
-    <cs:effectRef idx="0"/>
-    <cs:fontRef idx="minor">
-      <a:schemeClr val="dk1"/>
-    </cs:fontRef>
-    <cs:spPr>
-      <a:ln w="9525" cap="flat" cmpd="sng" algn="ctr">
-        <a:solidFill>
-          <a:schemeClr val="tx1">
-            <a:lumMod val="35000"/>
-            <a:lumOff val="65000"/>
-          </a:schemeClr>
-        </a:solidFill>
-        <a:round/>
-      </a:ln>
-    </cs:spPr>
-  </cs:dropLine>
-  <cs:errorBar>
-    <cs:lnRef idx="0"/>
-    <cs:fillRef idx="0"/>
-    <cs:effectRef idx="0"/>
-    <cs:fontRef idx="minor">
-      <a:schemeClr val="dk1"/>
-    </cs:fontRef>
-    <cs:spPr>
-      <a:ln w="9525" cap="flat" cmpd="sng" algn="ctr">
-        <a:solidFill>
-          <a:schemeClr val="tx1">
-            <a:lumMod val="50000"/>
-            <a:lumOff val="50000"/>
-          </a:schemeClr>
-        </a:solidFill>
-        <a:round/>
-      </a:ln>
-    </cs:spPr>
-  </cs:errorBar>
-  <cs:floor>
-    <cs:lnRef idx="0"/>
-    <cs:fillRef idx="0"/>
-    <cs:effectRef idx="0"/>
-    <cs:fontRef idx="minor">
-      <a:schemeClr val="dk1"/>
-    </cs:fontRef>
-  </cs:floor>
-  <cs:gridlineMajor>
-    <cs:lnRef idx="0"/>
-    <cs:fillRef idx="0"/>
-    <cs:effectRef idx="0"/>
-    <cs:fontRef idx="minor">
-      <a:schemeClr val="dk1"/>
-    </cs:fontRef>
-    <cs:spPr>
-      <a:ln w="9525">
-        <a:solidFill>
-          <a:schemeClr val="tx1">
-            <a:lumMod val="15000"/>
-            <a:lumOff val="85000"/>
-          </a:schemeClr>
-        </a:solidFill>
-      </a:ln>
-    </cs:spPr>
-  </cs:gridlineMajor>
-  <cs:gridlineMinor>
-    <cs:lnRef idx="0"/>
-    <cs:fillRef idx="0"/>
-    <cs:effectRef idx="0"/>
-    <cs:fontRef idx="minor">
-      <a:schemeClr val="dk1"/>
-    </cs:fontRef>
-    <cs:spPr>
-      <a:ln w="9525">
-        <a:solidFill>
-          <a:schemeClr val="tx1">
-            <a:lumMod val="5000"/>
-            <a:lumOff val="95000"/>
-          </a:schemeClr>
-        </a:solidFill>
-      </a:ln>
-    </cs:spPr>
-  </cs:gridlineMinor>
-  <cs:hiLoLine>
-    <cs:lnRef idx="0"/>
-    <cs:fillRef idx="0"/>
-    <cs:effectRef idx="0"/>
-    <cs:fontRef idx="minor">
-      <a:schemeClr val="dk1"/>
-    </cs:fontRef>
-    <cs:spPr>
-      <a:ln w="9525" cap="flat" cmpd="sng" algn="ctr">
-        <a:solidFill>
-          <a:schemeClr val="tx1">
-            <a:lumMod val="35000"/>
-            <a:lumOff val="65000"/>
-          </a:schemeClr>
-        </a:solidFill>
-        <a:round/>
-      </a:ln>
-    </cs:spPr>
-  </cs:hiLoLine>
-  <cs:leaderLine>
-    <cs:lnRef idx="0"/>
-    <cs:fillRef idx="0"/>
-    <cs:effectRef idx="0"/>
-    <cs:fontRef idx="minor">
-      <a:schemeClr val="dk1"/>
-    </cs:fontRef>
-    <cs:spPr>
-      <a:ln w="9525" cap="flat" cmpd="sng" algn="ctr">
-        <a:solidFill>
-          <a:schemeClr val="tx1">
-            <a:lumMod val="35000"/>
-            <a:lumOff val="65000"/>
-          </a:schemeClr>
-        </a:solidFill>
-        <a:round/>
-      </a:ln>
-    </cs:spPr>
-  </cs:leaderLine>
-  <cs:legend>
-    <cs:lnRef idx="0"/>
-    <cs:fillRef idx="0"/>
-    <cs:effectRef idx="0"/>
-    <cs:fontRef idx="minor">
-      <a:schemeClr val="tx1">
-        <a:lumMod val="50000"/>
-        <a:lumOff val="50000"/>
-      </a:schemeClr>
-    </cs:fontRef>
-    <cs:defRPr sz="1197" kern="1200"/>
-  </cs:legend>
-  <cs:plotArea mods="allowNoFillOverride allowNoLineOverride">
-    <cs:lnRef idx="0"/>
-    <cs:fillRef idx="0"/>
-    <cs:effectRef idx="0"/>
-    <cs:fontRef idx="minor">
-      <a:schemeClr val="dk1"/>
-    </cs:fontRef>
-  </cs:plotArea>
-  <cs:plotArea3D mods="allowNoFillOverride allowNoLineOverride">
-    <cs:lnRef idx="0"/>
-    <cs:fillRef idx="0"/>
-    <cs:effectRef idx="0"/>
-    <cs:fontRef idx="minor">
-      <a:schemeClr val="dk1"/>
-    </cs:fontRef>
-  </cs:plotArea3D>
-  <cs:seriesAxis>
-    <cs:lnRef idx="0"/>
-    <cs:fillRef idx="0"/>
-    <cs:effectRef idx="0"/>
-    <cs:fontRef idx="minor">
-      <a:schemeClr val="tx1">
-        <a:lumMod val="50000"/>
-        <a:lumOff val="50000"/>
-      </a:schemeClr>
-    </cs:fontRef>
-    <cs:defRPr sz="1197" kern="1200"/>
-  </cs:seriesAxis>
-  <cs:seriesLine>
-    <cs:lnRef idx="0"/>
-    <cs:fillRef idx="0"/>
-    <cs:effectRef idx="0"/>
-    <cs:fontRef idx="minor">
-      <a:schemeClr val="dk1"/>
-    </cs:fontRef>
-    <cs:spPr>
-      <a:ln w="9525" cap="flat" cmpd="sng" algn="ctr">
-        <a:solidFill>
-          <a:schemeClr val="tx1">
-            <a:lumMod val="35000"/>
-            <a:lumOff val="65000"/>
-          </a:schemeClr>
-        </a:solidFill>
-        <a:round/>
-      </a:ln>
-    </cs:spPr>
-  </cs:seriesLine>
-  <cs:title>
-    <cs:lnRef idx="0"/>
-    <cs:fillRef idx="0"/>
-    <cs:effectRef idx="0"/>
-    <cs:fontRef idx="minor">
-      <a:schemeClr val="tx1">
-        <a:lumMod val="65000"/>
-        <a:lumOff val="35000"/>
-      </a:schemeClr>
-    </cs:fontRef>
-    <cs:defRPr sz="2200" b="0" kern="1200" cap="none" spc="50" baseline="0"/>
-  </cs:title>
-  <cs:trendline>
-    <cs:lnRef idx="0">
-      <cs:styleClr val="auto"/>
-    </cs:lnRef>
-    <cs:fillRef idx="0"/>
-    <cs:effectRef idx="0"/>
-    <cs:fontRef idx="minor">
-      <a:schemeClr val="dk1"/>
-    </cs:fontRef>
-    <cs:spPr>
-      <a:ln w="19050" cap="rnd">
-        <a:solidFill>
-          <a:schemeClr val="phClr"/>
-        </a:solidFill>
-      </a:ln>
-    </cs:spPr>
-  </cs:trendline>
-  <cs:trendlineLabel>
-    <cs:lnRef idx="0"/>
-    <cs:fillRef idx="0"/>
-    <cs:effectRef idx="0"/>
-    <cs:fontRef idx="minor">
-      <a:schemeClr val="tx1">
-        <a:lumMod val="50000"/>
-        <a:lumOff val="50000"/>
-      </a:schemeClr>
-    </cs:fontRef>
-    <cs:defRPr sz="1197" kern="1200"/>
-  </cs:trendlineLabel>
-  <cs:upBar>
-    <cs:lnRef idx="0"/>
-    <cs:fillRef idx="0"/>
-    <cs:effectRef idx="0"/>
-    <cs:fontRef idx="minor">
-      <a:schemeClr val="dk1"/>
-    </cs:fontRef>
-    <cs:spPr>
-      <a:solidFill>
-        <a:schemeClr val="lt1"/>
-      </a:solidFill>
-      <a:ln w="9525" cap="flat" cmpd="sng" algn="ctr">
-        <a:solidFill>
-          <a:schemeClr val="tx1">
-            <a:lumMod val="50000"/>
-            <a:lumOff val="50000"/>
-          </a:schemeClr>
-        </a:solidFill>
-        <a:round/>
-      </a:ln>
-    </cs:spPr>
-  </cs:upBar>
-  <cs:valueAxis>
-    <cs:lnRef idx="0"/>
-    <cs:fillRef idx="0"/>
-    <cs:effectRef idx="0"/>
-    <cs:fontRef idx="minor">
-      <a:schemeClr val="tx1">
-        <a:lumMod val="50000"/>
-        <a:lumOff val="50000"/>
-      </a:schemeClr>
-    </cs:fontRef>
-    <cs:defRPr sz="1197" kern="1200"/>
-  </cs:valueAxis>
-  <cs:wall>
-    <cs:lnRef idx="0"/>
-    <cs:fillRef idx="0"/>
-    <cs:effectRef idx="0"/>
-    <cs:fontRef idx="minor">
-      <a:schemeClr val="dk1"/>
-    </cs:fontRef>
-  </cs:wall>
-</cs:chartStyle>
+<file path=ppt/changesInfos/changesInfo1.xml><?xml version="1.0" encoding="utf-8"?>
+<pc:chgInfo xmlns:a="http://schemas.openxmlformats.org/drawingml/2006/main" xmlns:r="http://schemas.openxmlformats.org/officeDocument/2006/relationships" xmlns:ac="http://schemas.microsoft.com/office/drawing/2013/main/command" xmlns:pc="http://schemas.microsoft.com/office/powerpoint/2013/main/command">
+  <pc:docChgLst>
+    <pc:chgData name="Jan-Philipp Töberg" userId="61b3c11f-7c6c-4a2d-9956-070099e56e1e" providerId="ADAL" clId="{DE1D76EB-46C5-4903-8540-B48A61834A60}"/>
+    <pc:docChg chg="custSel addSld delSld modSld">
+      <pc:chgData name="Jan-Philipp Töberg" userId="61b3c11f-7c6c-4a2d-9956-070099e56e1e" providerId="ADAL" clId="{DE1D76EB-46C5-4903-8540-B48A61834A60}" dt="2018-07-02T19:33:50.211" v="688"/>
+      <pc:docMkLst>
+        <pc:docMk/>
+      </pc:docMkLst>
+      <pc:sldChg chg="addSp delSp modSp">
+        <pc:chgData name="Jan-Philipp Töberg" userId="61b3c11f-7c6c-4a2d-9956-070099e56e1e" providerId="ADAL" clId="{DE1D76EB-46C5-4903-8540-B48A61834A60}" dt="2018-07-02T19:08:47.203" v="534" actId="1076"/>
+        <pc:sldMkLst>
+          <pc:docMk/>
+          <pc:sldMk cId="4264977537" sldId="259"/>
+        </pc:sldMkLst>
+        <pc:spChg chg="mod">
+          <ac:chgData name="Jan-Philipp Töberg" userId="61b3c11f-7c6c-4a2d-9956-070099e56e1e" providerId="ADAL" clId="{DE1D76EB-46C5-4903-8540-B48A61834A60}" dt="2018-07-02T19:07:53.652" v="514" actId="20577"/>
+          <ac:spMkLst>
+            <pc:docMk/>
+            <pc:sldMk cId="4264977537" sldId="259"/>
+            <ac:spMk id="4" creationId="{00000000-0000-0000-0000-000000000000}"/>
+          </ac:spMkLst>
+        </pc:spChg>
+        <pc:spChg chg="del">
+          <ac:chgData name="Jan-Philipp Töberg" userId="61b3c11f-7c6c-4a2d-9956-070099e56e1e" providerId="ADAL" clId="{DE1D76EB-46C5-4903-8540-B48A61834A60}" dt="2018-07-02T19:05:43.932" v="397"/>
+          <ac:spMkLst>
+            <pc:docMk/>
+            <pc:sldMk cId="4264977537" sldId="259"/>
+            <ac:spMk id="5" creationId="{00000000-0000-0000-0000-000000000000}"/>
+          </ac:spMkLst>
+        </pc:spChg>
+        <pc:spChg chg="add del mod">
+          <ac:chgData name="Jan-Philipp Töberg" userId="61b3c11f-7c6c-4a2d-9956-070099e56e1e" providerId="ADAL" clId="{DE1D76EB-46C5-4903-8540-B48A61834A60}" dt="2018-07-02T19:08:29.362" v="530" actId="931"/>
+          <ac:spMkLst>
+            <pc:docMk/>
+            <pc:sldMk cId="4264977537" sldId="259"/>
+            <ac:spMk id="6" creationId="{2331A4E7-78F8-441A-9EE9-FB1343682B8C}"/>
+          </ac:spMkLst>
+        </pc:spChg>
+        <pc:picChg chg="add mod">
+          <ac:chgData name="Jan-Philipp Töberg" userId="61b3c11f-7c6c-4a2d-9956-070099e56e1e" providerId="ADAL" clId="{DE1D76EB-46C5-4903-8540-B48A61834A60}" dt="2018-07-02T19:08:47.203" v="534" actId="1076"/>
+          <ac:picMkLst>
+            <pc:docMk/>
+            <pc:sldMk cId="4264977537" sldId="259"/>
+            <ac:picMk id="8" creationId="{43E8FCE4-A37C-4C02-9439-EFC1BC76FBE3}"/>
+          </ac:picMkLst>
+        </pc:picChg>
+      </pc:sldChg>
+      <pc:sldChg chg="del">
+        <pc:chgData name="Jan-Philipp Töberg" userId="61b3c11f-7c6c-4a2d-9956-070099e56e1e" providerId="ADAL" clId="{DE1D76EB-46C5-4903-8540-B48A61834A60}" dt="2018-07-02T19:05:50.819" v="401" actId="2696"/>
+        <pc:sldMkLst>
+          <pc:docMk/>
+          <pc:sldMk cId="2672039197" sldId="261"/>
+        </pc:sldMkLst>
+      </pc:sldChg>
+      <pc:sldChg chg="del">
+        <pc:chgData name="Jan-Philipp Töberg" userId="61b3c11f-7c6c-4a2d-9956-070099e56e1e" providerId="ADAL" clId="{DE1D76EB-46C5-4903-8540-B48A61834A60}" dt="2018-07-02T19:05:50.817" v="400" actId="2696"/>
+        <pc:sldMkLst>
+          <pc:docMk/>
+          <pc:sldMk cId="397710800" sldId="262"/>
+        </pc:sldMkLst>
+      </pc:sldChg>
+      <pc:sldChg chg="del">
+        <pc:chgData name="Jan-Philipp Töberg" userId="61b3c11f-7c6c-4a2d-9956-070099e56e1e" providerId="ADAL" clId="{DE1D76EB-46C5-4903-8540-B48A61834A60}" dt="2018-07-02T19:05:50.816" v="399" actId="2696"/>
+        <pc:sldMkLst>
+          <pc:docMk/>
+          <pc:sldMk cId="1405850135" sldId="263"/>
+        </pc:sldMkLst>
+      </pc:sldChg>
+      <pc:sldChg chg="delSp modSp">
+        <pc:chgData name="Jan-Philipp Töberg" userId="61b3c11f-7c6c-4a2d-9956-070099e56e1e" providerId="ADAL" clId="{DE1D76EB-46C5-4903-8540-B48A61834A60}" dt="2018-07-02T19:07:05.151" v="490" actId="313"/>
+        <pc:sldMkLst>
+          <pc:docMk/>
+          <pc:sldMk cId="3480339974" sldId="265"/>
+        </pc:sldMkLst>
+        <pc:spChg chg="mod">
+          <ac:chgData name="Jan-Philipp Töberg" userId="61b3c11f-7c6c-4a2d-9956-070099e56e1e" providerId="ADAL" clId="{DE1D76EB-46C5-4903-8540-B48A61834A60}" dt="2018-07-02T19:07:05.151" v="490" actId="313"/>
+          <ac:spMkLst>
+            <pc:docMk/>
+            <pc:sldMk cId="3480339974" sldId="265"/>
+            <ac:spMk id="3" creationId="{00000000-0000-0000-0000-000000000000}"/>
+          </ac:spMkLst>
+        </pc:spChg>
+        <pc:spChg chg="del">
+          <ac:chgData name="Jan-Philipp Töberg" userId="61b3c11f-7c6c-4a2d-9956-070099e56e1e" providerId="ADAL" clId="{DE1D76EB-46C5-4903-8540-B48A61834A60}" dt="2018-07-02T19:06:40.814" v="448" actId="478"/>
+          <ac:spMkLst>
+            <pc:docMk/>
+            <pc:sldMk cId="3480339974" sldId="265"/>
+            <ac:spMk id="5" creationId="{00000000-0000-0000-0000-000000000000}"/>
+          </ac:spMkLst>
+        </pc:spChg>
+        <pc:spChg chg="del">
+          <ac:chgData name="Jan-Philipp Töberg" userId="61b3c11f-7c6c-4a2d-9956-070099e56e1e" providerId="ADAL" clId="{DE1D76EB-46C5-4903-8540-B48A61834A60}" dt="2018-07-02T19:06:39.974" v="447" actId="478"/>
+          <ac:spMkLst>
+            <pc:docMk/>
+            <pc:sldMk cId="3480339974" sldId="265"/>
+            <ac:spMk id="6" creationId="{00000000-0000-0000-0000-000000000000}"/>
+          </ac:spMkLst>
+        </pc:spChg>
+      </pc:sldChg>
+      <pc:sldChg chg="addSp delSp modSp modNotesTx">
+        <pc:chgData name="Jan-Philipp Töberg" userId="61b3c11f-7c6c-4a2d-9956-070099e56e1e" providerId="ADAL" clId="{DE1D76EB-46C5-4903-8540-B48A61834A60}" dt="2018-07-02T19:23:12.164" v="621" actId="20577"/>
+        <pc:sldMkLst>
+          <pc:docMk/>
+          <pc:sldMk cId="1484811712" sldId="267"/>
+        </pc:sldMkLst>
+        <pc:spChg chg="add del mod">
+          <ac:chgData name="Jan-Philipp Töberg" userId="61b3c11f-7c6c-4a2d-9956-070099e56e1e" providerId="ADAL" clId="{DE1D76EB-46C5-4903-8540-B48A61834A60}" dt="2018-07-02T18:57:45.766" v="323" actId="1032"/>
+          <ac:spMkLst>
+            <pc:docMk/>
+            <pc:sldMk cId="1484811712" sldId="267"/>
+            <ac:spMk id="4" creationId="{07420088-F06E-49DB-8F0C-464F9FB92336}"/>
+          </ac:spMkLst>
+        </pc:spChg>
+        <pc:spChg chg="add del mod">
+          <ac:chgData name="Jan-Philipp Töberg" userId="61b3c11f-7c6c-4a2d-9956-070099e56e1e" providerId="ADAL" clId="{DE1D76EB-46C5-4903-8540-B48A61834A60}" dt="2018-07-02T19:22:24.270" v="585" actId="931"/>
+          <ac:spMkLst>
+            <pc:docMk/>
+            <pc:sldMk cId="1484811712" sldId="267"/>
+            <ac:spMk id="6" creationId="{88468C23-9092-47E1-BA73-F9E3BDA29EDE}"/>
+          </ac:spMkLst>
+        </pc:spChg>
+        <pc:spChg chg="mod">
+          <ac:chgData name="Jan-Philipp Töberg" userId="61b3c11f-7c6c-4a2d-9956-070099e56e1e" providerId="ADAL" clId="{DE1D76EB-46C5-4903-8540-B48A61834A60}" dt="2018-07-02T19:04:54.859" v="338" actId="1076"/>
+          <ac:spMkLst>
+            <pc:docMk/>
+            <pc:sldMk cId="1484811712" sldId="267"/>
+            <ac:spMk id="7" creationId="{00000000-0000-0000-0000-000000000000}"/>
+          </ac:spMkLst>
+        </pc:spChg>
+        <pc:graphicFrameChg chg="add del mod">
+          <ac:chgData name="Jan-Philipp Töberg" userId="61b3c11f-7c6c-4a2d-9956-070099e56e1e" providerId="ADAL" clId="{DE1D76EB-46C5-4903-8540-B48A61834A60}" dt="2018-07-02T19:03:43.370" v="333" actId="478"/>
+          <ac:graphicFrameMkLst>
+            <pc:docMk/>
+            <pc:sldMk cId="1484811712" sldId="267"/>
+            <ac:graphicFrameMk id="5" creationId="{BE2A6893-16F8-4FFA-B545-BE21BC3034B0}"/>
+          </ac:graphicFrameMkLst>
+        </pc:graphicFrameChg>
+        <pc:graphicFrameChg chg="del">
+          <ac:chgData name="Jan-Philipp Töberg" userId="61b3c11f-7c6c-4a2d-9956-070099e56e1e" providerId="ADAL" clId="{DE1D76EB-46C5-4903-8540-B48A61834A60}" dt="2018-07-02T18:56:52.155" v="321" actId="478"/>
+          <ac:graphicFrameMkLst>
+            <pc:docMk/>
+            <pc:sldMk cId="1484811712" sldId="267"/>
+            <ac:graphicFrameMk id="9" creationId="{00000000-0000-0000-0000-000000000000}"/>
+          </ac:graphicFrameMkLst>
+        </pc:graphicFrameChg>
+        <pc:picChg chg="add mod">
+          <ac:chgData name="Jan-Philipp Töberg" userId="61b3c11f-7c6c-4a2d-9956-070099e56e1e" providerId="ADAL" clId="{DE1D76EB-46C5-4903-8540-B48A61834A60}" dt="2018-07-02T19:22:32.313" v="587" actId="1076"/>
+          <ac:picMkLst>
+            <pc:docMk/>
+            <pc:sldMk cId="1484811712" sldId="267"/>
+            <ac:picMk id="10" creationId="{0C13305E-4E1D-48E6-B86F-C5CBE83EEC07}"/>
+          </ac:picMkLst>
+        </pc:picChg>
+      </pc:sldChg>
+      <pc:sldChg chg="addSp delSp modSp">
+        <pc:chgData name="Jan-Philipp Töberg" userId="61b3c11f-7c6c-4a2d-9956-070099e56e1e" providerId="ADAL" clId="{DE1D76EB-46C5-4903-8540-B48A61834A60}" dt="2018-07-02T18:55:11.343" v="304" actId="14100"/>
+        <pc:sldMkLst>
+          <pc:docMk/>
+          <pc:sldMk cId="3529114326" sldId="268"/>
+        </pc:sldMkLst>
+        <pc:spChg chg="add del mod">
+          <ac:chgData name="Jan-Philipp Töberg" userId="61b3c11f-7c6c-4a2d-9956-070099e56e1e" providerId="ADAL" clId="{DE1D76EB-46C5-4903-8540-B48A61834A60}" dt="2018-07-02T18:54:52.504" v="297" actId="478"/>
+          <ac:spMkLst>
+            <pc:docMk/>
+            <pc:sldMk cId="3529114326" sldId="268"/>
+            <ac:spMk id="6" creationId="{3E8AAE42-93E4-40B1-BC48-67E2E8FAD787}"/>
+          </ac:spMkLst>
+        </pc:spChg>
+        <pc:spChg chg="mod">
+          <ac:chgData name="Jan-Philipp Töberg" userId="61b3c11f-7c6c-4a2d-9956-070099e56e1e" providerId="ADAL" clId="{DE1D76EB-46C5-4903-8540-B48A61834A60}" dt="2018-07-02T18:55:11.343" v="304" actId="14100"/>
+          <ac:spMkLst>
+            <pc:docMk/>
+            <pc:sldMk cId="3529114326" sldId="268"/>
+            <ac:spMk id="13" creationId="{00000000-0000-0000-0000-000000000000}"/>
+          </ac:spMkLst>
+        </pc:spChg>
+        <pc:spChg chg="del mod">
+          <ac:chgData name="Jan-Philipp Töberg" userId="61b3c11f-7c6c-4a2d-9956-070099e56e1e" providerId="ADAL" clId="{DE1D76EB-46C5-4903-8540-B48A61834A60}" dt="2018-07-02T18:54:50.291" v="296" actId="478"/>
+          <ac:spMkLst>
+            <pc:docMk/>
+            <pc:sldMk cId="3529114326" sldId="268"/>
+            <ac:spMk id="14" creationId="{00000000-0000-0000-0000-000000000000}"/>
+          </ac:spMkLst>
+        </pc:spChg>
+        <pc:graphicFrameChg chg="add mod">
+          <ac:chgData name="Jan-Philipp Töberg" userId="61b3c11f-7c6c-4a2d-9956-070099e56e1e" providerId="ADAL" clId="{DE1D76EB-46C5-4903-8540-B48A61834A60}" dt="2018-07-02T18:54:45.743" v="295" actId="1076"/>
+          <ac:graphicFrameMkLst>
+            <pc:docMk/>
+            <pc:sldMk cId="3529114326" sldId="268"/>
+            <ac:graphicFrameMk id="4" creationId="{D0F020CD-C4F4-44DC-A686-C70B6F7A3DDA}"/>
+          </ac:graphicFrameMkLst>
+        </pc:graphicFrameChg>
+      </pc:sldChg>
+      <pc:sldChg chg="addSp delSp modSp">
+        <pc:chgData name="Jan-Philipp Töberg" userId="61b3c11f-7c6c-4a2d-9956-070099e56e1e" providerId="ADAL" clId="{DE1D76EB-46C5-4903-8540-B48A61834A60}" dt="2018-07-02T19:07:17.704" v="493" actId="478"/>
+        <pc:sldMkLst>
+          <pc:docMk/>
+          <pc:sldMk cId="2341911148" sldId="269"/>
+        </pc:sldMkLst>
+        <pc:spChg chg="mod">
+          <ac:chgData name="Jan-Philipp Töberg" userId="61b3c11f-7c6c-4a2d-9956-070099e56e1e" providerId="ADAL" clId="{DE1D76EB-46C5-4903-8540-B48A61834A60}" dt="2018-07-02T19:05:17.708" v="368" actId="20577"/>
+          <ac:spMkLst>
+            <pc:docMk/>
+            <pc:sldMk cId="2341911148" sldId="269"/>
+            <ac:spMk id="2" creationId="{00000000-0000-0000-0000-000000000000}"/>
+          </ac:spMkLst>
+        </pc:spChg>
+        <pc:spChg chg="del">
+          <ac:chgData name="Jan-Philipp Töberg" userId="61b3c11f-7c6c-4a2d-9956-070099e56e1e" providerId="ADAL" clId="{DE1D76EB-46C5-4903-8540-B48A61834A60}" dt="2018-07-02T19:07:15.592" v="491" actId="478"/>
+          <ac:spMkLst>
+            <pc:docMk/>
+            <pc:sldMk cId="2341911148" sldId="269"/>
+            <ac:spMk id="3" creationId="{00000000-0000-0000-0000-000000000000}"/>
+          </ac:spMkLst>
+        </pc:spChg>
+        <pc:spChg chg="add mod">
+          <ac:chgData name="Jan-Philipp Töberg" userId="61b3c11f-7c6c-4a2d-9956-070099e56e1e" providerId="ADAL" clId="{DE1D76EB-46C5-4903-8540-B48A61834A60}" dt="2018-07-02T19:07:15.592" v="491" actId="478"/>
+          <ac:spMkLst>
+            <pc:docMk/>
+            <pc:sldMk cId="2341911148" sldId="269"/>
+            <ac:spMk id="8" creationId="{6F44A896-D30B-46EA-85C5-6B30E78AAD7F}"/>
+          </ac:spMkLst>
+        </pc:spChg>
+        <pc:spChg chg="add mod">
+          <ac:chgData name="Jan-Philipp Töberg" userId="61b3c11f-7c6c-4a2d-9956-070099e56e1e" providerId="ADAL" clId="{DE1D76EB-46C5-4903-8540-B48A61834A60}" dt="2018-07-02T19:07:17.704" v="493" actId="478"/>
+          <ac:spMkLst>
+            <pc:docMk/>
+            <pc:sldMk cId="2341911148" sldId="269"/>
+            <ac:spMk id="10" creationId="{176075E8-5EEA-4518-8BA3-7CB21980E5DF}"/>
+          </ac:spMkLst>
+        </pc:spChg>
+        <pc:graphicFrameChg chg="del modGraphic">
+          <ac:chgData name="Jan-Philipp Töberg" userId="61b3c11f-7c6c-4a2d-9956-070099e56e1e" providerId="ADAL" clId="{DE1D76EB-46C5-4903-8540-B48A61834A60}" dt="2018-07-02T19:07:17.704" v="493" actId="478"/>
+          <ac:graphicFrameMkLst>
+            <pc:docMk/>
+            <pc:sldMk cId="2341911148" sldId="269"/>
+            <ac:graphicFrameMk id="5" creationId="{00000000-0000-0000-0000-000000000000}"/>
+          </ac:graphicFrameMkLst>
+        </pc:graphicFrameChg>
+      </pc:sldChg>
+      <pc:sldChg chg="addSp delSp modSp">
+        <pc:chgData name="Jan-Philipp Töberg" userId="61b3c11f-7c6c-4a2d-9956-070099e56e1e" providerId="ADAL" clId="{DE1D76EB-46C5-4903-8540-B48A61834A60}" dt="2018-07-02T19:11:06.293" v="554" actId="1076"/>
+        <pc:sldMkLst>
+          <pc:docMk/>
+          <pc:sldMk cId="4123189245" sldId="270"/>
+        </pc:sldMkLst>
+        <pc:spChg chg="mod">
+          <ac:chgData name="Jan-Philipp Töberg" userId="61b3c11f-7c6c-4a2d-9956-070099e56e1e" providerId="ADAL" clId="{DE1D76EB-46C5-4903-8540-B48A61834A60}" dt="2018-07-02T19:05:38.140" v="396" actId="20577"/>
+          <ac:spMkLst>
+            <pc:docMk/>
+            <pc:sldMk cId="4123189245" sldId="270"/>
+            <ac:spMk id="2" creationId="{00000000-0000-0000-0000-000000000000}"/>
+          </ac:spMkLst>
+        </pc:spChg>
+        <pc:spChg chg="del">
+          <ac:chgData name="Jan-Philipp Töberg" userId="61b3c11f-7c6c-4a2d-9956-070099e56e1e" providerId="ADAL" clId="{DE1D76EB-46C5-4903-8540-B48A61834A60}" dt="2018-07-02T19:07:20.685" v="494" actId="478"/>
+          <ac:spMkLst>
+            <pc:docMk/>
+            <pc:sldMk cId="4123189245" sldId="270"/>
+            <ac:spMk id="3" creationId="{00000000-0000-0000-0000-000000000000}"/>
+          </ac:spMkLst>
+        </pc:spChg>
+        <pc:spChg chg="add del mod">
+          <ac:chgData name="Jan-Philipp Töberg" userId="61b3c11f-7c6c-4a2d-9956-070099e56e1e" providerId="ADAL" clId="{DE1D76EB-46C5-4903-8540-B48A61834A60}" dt="2018-07-02T19:10:38.678" v="544" actId="931"/>
+          <ac:spMkLst>
+            <pc:docMk/>
+            <pc:sldMk cId="4123189245" sldId="270"/>
+            <ac:spMk id="8" creationId="{3AFD3366-1AA7-4AAF-AF4E-30688247CB35}"/>
+          </ac:spMkLst>
+        </pc:spChg>
+        <pc:spChg chg="add del mod">
+          <ac:chgData name="Jan-Philipp Töberg" userId="61b3c11f-7c6c-4a2d-9956-070099e56e1e" providerId="ADAL" clId="{DE1D76EB-46C5-4903-8540-B48A61834A60}" dt="2018-07-02T19:10:45.230" v="545" actId="931"/>
+          <ac:spMkLst>
+            <pc:docMk/>
+            <pc:sldMk cId="4123189245" sldId="270"/>
+            <ac:spMk id="9" creationId="{DADB7423-21CD-4718-A70F-D88947D7E129}"/>
+          </ac:spMkLst>
+        </pc:spChg>
+        <pc:spChg chg="add del mod">
+          <ac:chgData name="Jan-Philipp Töberg" userId="61b3c11f-7c6c-4a2d-9956-070099e56e1e" providerId="ADAL" clId="{DE1D76EB-46C5-4903-8540-B48A61834A60}" dt="2018-07-02T19:10:58.656" v="551" actId="931"/>
+          <ac:spMkLst>
+            <pc:docMk/>
+            <pc:sldMk cId="4123189245" sldId="270"/>
+            <ac:spMk id="15" creationId="{16C95B4E-B8DC-4889-96E9-37EE915E96EE}"/>
+          </ac:spMkLst>
+        </pc:spChg>
+        <pc:spChg chg="add del mod">
+          <ac:chgData name="Jan-Philipp Töberg" userId="61b3c11f-7c6c-4a2d-9956-070099e56e1e" providerId="ADAL" clId="{DE1D76EB-46C5-4903-8540-B48A61834A60}" dt="2018-07-02T19:10:54.975" v="550" actId="478"/>
+          <ac:spMkLst>
+            <pc:docMk/>
+            <pc:sldMk cId="4123189245" sldId="270"/>
+            <ac:spMk id="17" creationId="{3EE79BE7-C06B-4919-A251-2F357CDF2BE1}"/>
+          </ac:spMkLst>
+        </pc:spChg>
+        <pc:graphicFrameChg chg="del mod">
+          <ac:chgData name="Jan-Philipp Töberg" userId="61b3c11f-7c6c-4a2d-9956-070099e56e1e" providerId="ADAL" clId="{DE1D76EB-46C5-4903-8540-B48A61834A60}" dt="2018-07-02T19:07:23.860" v="498" actId="478"/>
+          <ac:graphicFrameMkLst>
+            <pc:docMk/>
+            <pc:sldMk cId="4123189245" sldId="270"/>
+            <ac:graphicFrameMk id="5" creationId="{00000000-0000-0000-0000-000000000000}"/>
+          </ac:graphicFrameMkLst>
+        </pc:graphicFrameChg>
+        <pc:picChg chg="add del mod">
+          <ac:chgData name="Jan-Philipp Töberg" userId="61b3c11f-7c6c-4a2d-9956-070099e56e1e" providerId="ADAL" clId="{DE1D76EB-46C5-4903-8540-B48A61834A60}" dt="2018-07-02T19:10:47.013" v="546" actId="478"/>
+          <ac:picMkLst>
+            <pc:docMk/>
+            <pc:sldMk cId="4123189245" sldId="270"/>
+            <ac:picMk id="11" creationId="{E374269D-571E-4290-B99D-C2D1821210F8}"/>
+          </ac:picMkLst>
+        </pc:picChg>
+        <pc:picChg chg="add del mod">
+          <ac:chgData name="Jan-Philipp Töberg" userId="61b3c11f-7c6c-4a2d-9956-070099e56e1e" providerId="ADAL" clId="{DE1D76EB-46C5-4903-8540-B48A61834A60}" dt="2018-07-02T19:10:53.520" v="549" actId="478"/>
+          <ac:picMkLst>
+            <pc:docMk/>
+            <pc:sldMk cId="4123189245" sldId="270"/>
+            <ac:picMk id="13" creationId="{0BAE55CF-1BBA-4640-83A0-24F21853D8ED}"/>
+          </ac:picMkLst>
+        </pc:picChg>
+        <pc:picChg chg="add mod">
+          <ac:chgData name="Jan-Philipp Töberg" userId="61b3c11f-7c6c-4a2d-9956-070099e56e1e" providerId="ADAL" clId="{DE1D76EB-46C5-4903-8540-B48A61834A60}" dt="2018-07-02T19:11:06.293" v="554" actId="1076"/>
+          <ac:picMkLst>
+            <pc:docMk/>
+            <pc:sldMk cId="4123189245" sldId="270"/>
+            <ac:picMk id="19" creationId="{EE02371D-32F4-4476-8801-D736DF1ADEF6}"/>
+          </ac:picMkLst>
+        </pc:picChg>
+      </pc:sldChg>
+      <pc:sldChg chg="modSp add">
+        <pc:chgData name="Jan-Philipp Töberg" userId="61b3c11f-7c6c-4a2d-9956-070099e56e1e" providerId="ADAL" clId="{DE1D76EB-46C5-4903-8540-B48A61834A60}" dt="2018-07-02T19:06:34.344" v="446" actId="122"/>
+        <pc:sldMkLst>
+          <pc:docMk/>
+          <pc:sldMk cId="1910293589" sldId="271"/>
+        </pc:sldMkLst>
+        <pc:spChg chg="mod">
+          <ac:chgData name="Jan-Philipp Töberg" userId="61b3c11f-7c6c-4a2d-9956-070099e56e1e" providerId="ADAL" clId="{DE1D76EB-46C5-4903-8540-B48A61834A60}" dt="2018-07-02T19:06:34.344" v="446" actId="122"/>
+          <ac:spMkLst>
+            <pc:docMk/>
+            <pc:sldMk cId="1910293589" sldId="271"/>
+            <ac:spMk id="2" creationId="{76F6CAED-B24C-4FB2-8C6B-43BD39D24D8A}"/>
+          </ac:spMkLst>
+        </pc:spChg>
+      </pc:sldChg>
+      <pc:sldChg chg="del">
+        <pc:chgData name="Jan-Philipp Töberg" userId="61b3c11f-7c6c-4a2d-9956-070099e56e1e" providerId="ADAL" clId="{DE1D76EB-46C5-4903-8540-B48A61834A60}" dt="2018-07-02T19:05:50.815" v="398" actId="2696"/>
+        <pc:sldMkLst>
+          <pc:docMk/>
+          <pc:sldMk cId="2319046984" sldId="271"/>
+        </pc:sldMkLst>
+      </pc:sldChg>
+      <pc:sldChg chg="addSp delSp modSp add modAnim">
+        <pc:chgData name="Jan-Philipp Töberg" userId="61b3c11f-7c6c-4a2d-9956-070099e56e1e" providerId="ADAL" clId="{DE1D76EB-46C5-4903-8540-B48A61834A60}" dt="2018-07-02T19:33:50.211" v="688"/>
+        <pc:sldMkLst>
+          <pc:docMk/>
+          <pc:sldMk cId="2555442231" sldId="272"/>
+        </pc:sldMkLst>
+        <pc:spChg chg="mod">
+          <ac:chgData name="Jan-Philipp Töberg" userId="61b3c11f-7c6c-4a2d-9956-070099e56e1e" providerId="ADAL" clId="{DE1D76EB-46C5-4903-8540-B48A61834A60}" dt="2018-07-02T19:07:59.988" v="521" actId="20577"/>
+          <ac:spMkLst>
+            <pc:docMk/>
+            <pc:sldMk cId="2555442231" sldId="272"/>
+            <ac:spMk id="4" creationId="{00000000-0000-0000-0000-000000000000}"/>
+          </ac:spMkLst>
+        </pc:spChg>
+        <pc:spChg chg="del mod">
+          <ac:chgData name="Jan-Philipp Töberg" userId="61b3c11f-7c6c-4a2d-9956-070099e56e1e" providerId="ADAL" clId="{DE1D76EB-46C5-4903-8540-B48A61834A60}" dt="2018-07-02T19:09:50.051" v="539" actId="931"/>
+          <ac:spMkLst>
+            <pc:docMk/>
+            <pc:sldMk cId="2555442231" sldId="272"/>
+            <ac:spMk id="6" creationId="{2331A4E7-78F8-441A-9EE9-FB1343682B8C}"/>
+          </ac:spMkLst>
+        </pc:spChg>
+        <pc:spChg chg="add mod">
+          <ac:chgData name="Jan-Philipp Töberg" userId="61b3c11f-7c6c-4a2d-9956-070099e56e1e" providerId="ADAL" clId="{DE1D76EB-46C5-4903-8540-B48A61834A60}" dt="2018-07-02T19:24:15.510" v="645" actId="962"/>
+          <ac:spMkLst>
+            <pc:docMk/>
+            <pc:sldMk cId="2555442231" sldId="272"/>
+            <ac:spMk id="8" creationId="{0238B822-9713-4829-884D-0338FD0BC233}"/>
+          </ac:spMkLst>
+        </pc:spChg>
+        <pc:spChg chg="add mod">
+          <ac:chgData name="Jan-Philipp Töberg" userId="61b3c11f-7c6c-4a2d-9956-070099e56e1e" providerId="ADAL" clId="{DE1D76EB-46C5-4903-8540-B48A61834A60}" dt="2018-07-02T19:12:21.901" v="565" actId="14100"/>
+          <ac:spMkLst>
+            <pc:docMk/>
+            <pc:sldMk cId="2555442231" sldId="272"/>
+            <ac:spMk id="9" creationId="{317C69AE-5E14-47FC-BEB7-3C20D24F2373}"/>
+          </ac:spMkLst>
+        </pc:spChg>
+        <pc:spChg chg="add mod">
+          <ac:chgData name="Jan-Philipp Töberg" userId="61b3c11f-7c6c-4a2d-9956-070099e56e1e" providerId="ADAL" clId="{DE1D76EB-46C5-4903-8540-B48A61834A60}" dt="2018-07-02T19:12:55.207" v="572" actId="14100"/>
+          <ac:spMkLst>
+            <pc:docMk/>
+            <pc:sldMk cId="2555442231" sldId="272"/>
+            <ac:spMk id="10" creationId="{C53AB220-1BB3-406E-8803-B06DBE8C66B5}"/>
+          </ac:spMkLst>
+        </pc:spChg>
+        <pc:spChg chg="add mod">
+          <ac:chgData name="Jan-Philipp Töberg" userId="61b3c11f-7c6c-4a2d-9956-070099e56e1e" providerId="ADAL" clId="{DE1D76EB-46C5-4903-8540-B48A61834A60}" dt="2018-07-02T19:13:09.294" v="578" actId="14100"/>
+          <ac:spMkLst>
+            <pc:docMk/>
+            <pc:sldMk cId="2555442231" sldId="272"/>
+            <ac:spMk id="11" creationId="{A4F5292E-285A-488E-82AF-5E481A2CB773}"/>
+          </ac:spMkLst>
+        </pc:spChg>
+        <pc:spChg chg="add mod">
+          <ac:chgData name="Jan-Philipp Töberg" userId="61b3c11f-7c6c-4a2d-9956-070099e56e1e" providerId="ADAL" clId="{DE1D76EB-46C5-4903-8540-B48A61834A60}" dt="2018-07-02T19:13:25.112" v="584" actId="14100"/>
+          <ac:spMkLst>
+            <pc:docMk/>
+            <pc:sldMk cId="2555442231" sldId="272"/>
+            <ac:spMk id="12" creationId="{DDA2DC37-4846-4381-9D46-AE88DA5447EE}"/>
+          </ac:spMkLst>
+        </pc:spChg>
+        <pc:picChg chg="add mod">
+          <ac:chgData name="Jan-Philipp Töberg" userId="61b3c11f-7c6c-4a2d-9956-070099e56e1e" providerId="ADAL" clId="{DE1D76EB-46C5-4903-8540-B48A61834A60}" dt="2018-07-02T19:10:07.046" v="543" actId="1076"/>
+          <ac:picMkLst>
+            <pc:docMk/>
+            <pc:sldMk cId="2555442231" sldId="272"/>
+            <ac:picMk id="7" creationId="{2EB70D72-431E-4C7F-AFC5-990CA137F13B}"/>
+          </ac:picMkLst>
+        </pc:picChg>
+        <pc:picChg chg="add mod">
+          <ac:chgData name="Jan-Philipp Töberg" userId="61b3c11f-7c6c-4a2d-9956-070099e56e1e" providerId="ADAL" clId="{DE1D76EB-46C5-4903-8540-B48A61834A60}" dt="2018-07-02T19:29:37.869" v="648" actId="208"/>
+          <ac:picMkLst>
+            <pc:docMk/>
+            <pc:sldMk cId="2555442231" sldId="272"/>
+            <ac:picMk id="14" creationId="{F7893E36-29F1-4AC2-92EE-FC37F60CB5A7}"/>
+          </ac:picMkLst>
+        </pc:picChg>
+        <pc:picChg chg="add mod">
+          <ac:chgData name="Jan-Philipp Töberg" userId="61b3c11f-7c6c-4a2d-9956-070099e56e1e" providerId="ADAL" clId="{DE1D76EB-46C5-4903-8540-B48A61834A60}" dt="2018-07-02T19:31:27.489" v="665" actId="1076"/>
+          <ac:picMkLst>
+            <pc:docMk/>
+            <pc:sldMk cId="2555442231" sldId="272"/>
+            <ac:picMk id="16" creationId="{C777CB18-16F0-400B-8050-6F8A59BC703E}"/>
+          </ac:picMkLst>
+        </pc:picChg>
+        <pc:picChg chg="add mod">
+          <ac:chgData name="Jan-Philipp Töberg" userId="61b3c11f-7c6c-4a2d-9956-070099e56e1e" providerId="ADAL" clId="{DE1D76EB-46C5-4903-8540-B48A61834A60}" dt="2018-07-02T19:31:45.287" v="669" actId="1076"/>
+          <ac:picMkLst>
+            <pc:docMk/>
+            <pc:sldMk cId="2555442231" sldId="272"/>
+            <ac:picMk id="18" creationId="{77A7F7F1-349B-4F97-8BBD-67012B51B053}"/>
+          </ac:picMkLst>
+        </pc:picChg>
+        <pc:picChg chg="add mod">
+          <ac:chgData name="Jan-Philipp Töberg" userId="61b3c11f-7c6c-4a2d-9956-070099e56e1e" providerId="ADAL" clId="{DE1D76EB-46C5-4903-8540-B48A61834A60}" dt="2018-07-02T19:32:15.185" v="676" actId="1076"/>
+          <ac:picMkLst>
+            <pc:docMk/>
+            <pc:sldMk cId="2555442231" sldId="272"/>
+            <ac:picMk id="20" creationId="{90EEFFB5-DDB7-4C59-B116-01081D4738A9}"/>
+          </ac:picMkLst>
+        </pc:picChg>
+        <pc:picChg chg="add mod">
+          <ac:chgData name="Jan-Philipp Töberg" userId="61b3c11f-7c6c-4a2d-9956-070099e56e1e" providerId="ADAL" clId="{DE1D76EB-46C5-4903-8540-B48A61834A60}" dt="2018-07-02T19:32:40.208" v="683" actId="1076"/>
+          <ac:picMkLst>
+            <pc:docMk/>
+            <pc:sldMk cId="2555442231" sldId="272"/>
+            <ac:picMk id="22" creationId="{03A9BEC7-933E-4EB3-A5C5-F1869E628477}"/>
+          </ac:picMkLst>
+        </pc:picChg>
+      </pc:sldChg>
+      <pc:sldChg chg="modSp add">
+        <pc:chgData name="Jan-Philipp Töberg" userId="61b3c11f-7c6c-4a2d-9956-070099e56e1e" providerId="ADAL" clId="{DE1D76EB-46C5-4903-8540-B48A61834A60}" dt="2018-07-02T19:08:04.222" v="528" actId="20577"/>
+        <pc:sldMkLst>
+          <pc:docMk/>
+          <pc:sldMk cId="2900288021" sldId="273"/>
+        </pc:sldMkLst>
+        <pc:spChg chg="mod">
+          <ac:chgData name="Jan-Philipp Töberg" userId="61b3c11f-7c6c-4a2d-9956-070099e56e1e" providerId="ADAL" clId="{DE1D76EB-46C5-4903-8540-B48A61834A60}" dt="2018-07-02T19:08:04.222" v="528" actId="20577"/>
+          <ac:spMkLst>
+            <pc:docMk/>
+            <pc:sldMk cId="2900288021" sldId="273"/>
+            <ac:spMk id="4" creationId="{00000000-0000-0000-0000-000000000000}"/>
+          </ac:spMkLst>
+        </pc:spChg>
+      </pc:sldChg>
+    </pc:docChg>
+  </pc:docChgLst>
+</pc:chgInfo>
 </file>
 
 <file path=ppt/diagrams/colors1.xml><?xml version="1.0" encoding="utf-8"?>
-<dgm:colorsDef xmlns:dgm="http://schemas.openxmlformats.org/drawingml/2006/diagram" xmlns:a="http://schemas.openxmlformats.org/drawingml/2006/main" uniqueId="urn:microsoft.com/office/officeart/2005/8/colors/colorful1">
+<dgm:colorsDef xmlns:dgm="http://schemas.openxmlformats.org/drawingml/2006/diagram" xmlns:a="http://schemas.openxmlformats.org/drawingml/2006/main" uniqueId="urn:microsoft.com/office/officeart/2005/8/colors/accent1_2">
   <dgm:title val=""/>
   <dgm:desc val=""/>
   <dgm:catLst>
-    <dgm:cat type="colorful" pri="10100"/>
+    <dgm:cat type="accent1" pri="11200"/>
   </dgm:catLst>
   <dgm:styleLbl name="node0">
     <dgm:fillClrLst meth="repeat">
@@ -1100,13 +660,21 @@
     <dgm:txFillClrLst/>
     <dgm:txEffectClrLst/>
   </dgm:styleLbl>
+  <dgm:styleLbl name="alignNode1">
+    <dgm:fillClrLst meth="repeat">
+      <a:schemeClr val="accent1"/>
+    </dgm:fillClrLst>
+    <dgm:linClrLst meth="repeat">
+      <a:schemeClr val="accent1"/>
+    </dgm:linClrLst>
+    <dgm:effectClrLst/>
+    <dgm:txLinClrLst/>
+    <dgm:txFillClrLst/>
+    <dgm:txEffectClrLst/>
+  </dgm:styleLbl>
   <dgm:styleLbl name="node1">
     <dgm:fillClrLst meth="repeat">
-      <a:schemeClr val="accent2"/>
-      <a:schemeClr val="accent3"/>
-      <a:schemeClr val="accent4"/>
-      <a:schemeClr val="accent5"/>
-      <a:schemeClr val="accent6"/>
+      <a:schemeClr val="accent1"/>
     </dgm:fillClrLst>
     <dgm:linClrLst meth="repeat">
       <a:schemeClr val="lt1"/>
@@ -1116,33 +684,9 @@
     <dgm:txFillClrLst/>
     <dgm:txEffectClrLst/>
   </dgm:styleLbl>
-  <dgm:styleLbl name="alignNode1">
-    <dgm:fillClrLst meth="repeat">
-      <a:schemeClr val="accent2"/>
-      <a:schemeClr val="accent3"/>
-      <a:schemeClr val="accent4"/>
-      <a:schemeClr val="accent5"/>
-      <a:schemeClr val="accent6"/>
-    </dgm:fillClrLst>
-    <dgm:linClrLst meth="repeat">
-      <a:schemeClr val="accent2"/>
-      <a:schemeClr val="accent3"/>
-      <a:schemeClr val="accent4"/>
-      <a:schemeClr val="accent5"/>
-      <a:schemeClr val="accent6"/>
-    </dgm:linClrLst>
-    <dgm:effectClrLst/>
-    <dgm:txLinClrLst/>
-    <dgm:txFillClrLst/>
-    <dgm:txEffectClrLst/>
-  </dgm:styleLbl>
   <dgm:styleLbl name="lnNode1">
     <dgm:fillClrLst meth="repeat">
-      <a:schemeClr val="accent2"/>
-      <a:schemeClr val="accent3"/>
-      <a:schemeClr val="accent4"/>
-      <a:schemeClr val="accent5"/>
-      <a:schemeClr val="accent6"/>
+      <a:schemeClr val="accent1"/>
     </dgm:fillClrLst>
     <dgm:linClrLst meth="repeat">
       <a:schemeClr val="lt1"/>
@@ -1154,19 +698,7 @@
   </dgm:styleLbl>
   <dgm:styleLbl name="vennNode1">
     <dgm:fillClrLst meth="repeat">
-      <a:schemeClr val="accent2">
-        <a:alpha val="50000"/>
-      </a:schemeClr>
-      <a:schemeClr val="accent3">
-        <a:alpha val="50000"/>
-      </a:schemeClr>
-      <a:schemeClr val="accent4">
-        <a:alpha val="50000"/>
-      </a:schemeClr>
-      <a:schemeClr val="accent5">
-        <a:alpha val="50000"/>
-      </a:schemeClr>
-      <a:schemeClr val="accent6">
+      <a:schemeClr val="accent1">
         <a:alpha val="50000"/>
       </a:schemeClr>
     </dgm:fillClrLst>
@@ -1179,8 +711,8 @@
     <dgm:txEffectClrLst/>
   </dgm:styleLbl>
   <dgm:styleLbl name="node2">
-    <dgm:fillClrLst>
-      <a:schemeClr val="accent2"/>
+    <dgm:fillClrLst meth="repeat">
+      <a:schemeClr val="accent1"/>
     </dgm:fillClrLst>
     <dgm:linClrLst meth="repeat">
       <a:schemeClr val="lt1"/>
@@ -1191,8 +723,8 @@
     <dgm:txEffectClrLst/>
   </dgm:styleLbl>
   <dgm:styleLbl name="node3">
-    <dgm:fillClrLst>
-      <a:schemeClr val="accent3"/>
+    <dgm:fillClrLst meth="repeat">
+      <a:schemeClr val="accent1"/>
     </dgm:fillClrLst>
     <dgm:linClrLst meth="repeat">
       <a:schemeClr val="lt1"/>
@@ -1203,8 +735,8 @@
     <dgm:txEffectClrLst/>
   </dgm:styleLbl>
   <dgm:styleLbl name="node4">
-    <dgm:fillClrLst>
-      <a:schemeClr val="accent4"/>
+    <dgm:fillClrLst meth="repeat">
+      <a:schemeClr val="accent1"/>
     </dgm:fillClrLst>
     <dgm:linClrLst meth="repeat">
       <a:schemeClr val="lt1"/>
@@ -1216,19 +748,7 @@
   </dgm:styleLbl>
   <dgm:styleLbl name="fgImgPlace1">
     <dgm:fillClrLst meth="repeat">
-      <a:schemeClr val="accent2">
-        <a:tint val="50000"/>
-      </a:schemeClr>
-      <a:schemeClr val="accent3">
-        <a:tint val="50000"/>
-      </a:schemeClr>
-      <a:schemeClr val="accent4">
-        <a:tint val="50000"/>
-      </a:schemeClr>
-      <a:schemeClr val="accent5">
-        <a:tint val="50000"/>
-      </a:schemeClr>
-      <a:schemeClr val="accent6">
+      <a:schemeClr val="accent1">
         <a:tint val="50000"/>
       </a:schemeClr>
     </dgm:fillClrLst>
@@ -1243,12 +763,9 @@
     <dgm:txEffectClrLst/>
   </dgm:styleLbl>
   <dgm:styleLbl name="alignImgPlace1">
-    <dgm:fillClrLst>
+    <dgm:fillClrLst meth="repeat">
       <a:schemeClr val="accent1">
         <a:tint val="50000"/>
-      </a:schemeClr>
-      <a:schemeClr val="accent2">
-        <a:tint val="20000"/>
       </a:schemeClr>
     </dgm:fillClrLst>
     <dgm:linClrLst meth="repeat">
@@ -1262,12 +779,9 @@
     <dgm:txEffectClrLst/>
   </dgm:styleLbl>
   <dgm:styleLbl name="bgImgPlace1">
-    <dgm:fillClrLst>
+    <dgm:fillClrLst meth="repeat">
       <a:schemeClr val="accent1">
         <a:tint val="50000"/>
-      </a:schemeClr>
-      <a:schemeClr val="accent2">
-        <a:tint val="20000"/>
       </a:schemeClr>
     </dgm:fillClrLst>
     <dgm:linClrLst meth="repeat">
@@ -1282,14 +796,14 @@
   </dgm:styleLbl>
   <dgm:styleLbl name="sibTrans2D1">
     <dgm:fillClrLst meth="repeat">
-      <a:schemeClr val="accent2"/>
-      <a:schemeClr val="accent3"/>
-      <a:schemeClr val="accent4"/>
-      <a:schemeClr val="accent5"/>
-      <a:schemeClr val="accent6"/>
+      <a:schemeClr val="accent1">
+        <a:tint val="60000"/>
+      </a:schemeClr>
     </dgm:fillClrLst>
-    <dgm:linClrLst meth="cycle">
-      <a:schemeClr val="lt1"/>
+    <dgm:linClrLst meth="repeat">
+      <a:schemeClr val="accent1">
+        <a:tint val="60000"/>
+      </a:schemeClr>
     </dgm:linClrLst>
     <dgm:effectClrLst/>
     <dgm:txLinClrLst/>
@@ -1298,54 +812,42 @@
   </dgm:styleLbl>
   <dgm:styleLbl name="fgSibTrans2D1">
     <dgm:fillClrLst meth="repeat">
-      <a:schemeClr val="accent2"/>
-      <a:schemeClr val="accent3"/>
-      <a:schemeClr val="accent4"/>
-      <a:schemeClr val="accent5"/>
-      <a:schemeClr val="accent6"/>
+      <a:schemeClr val="accent1">
+        <a:tint val="60000"/>
+      </a:schemeClr>
     </dgm:fillClrLst>
-    <dgm:linClrLst meth="cycle">
-      <a:schemeClr val="lt1"/>
+    <dgm:linClrLst meth="repeat">
+      <a:schemeClr val="accent1">
+        <a:tint val="60000"/>
+      </a:schemeClr>
     </dgm:linClrLst>
     <dgm:effectClrLst/>
     <dgm:txLinClrLst/>
-    <dgm:txFillClrLst meth="repeat">
-      <a:schemeClr val="lt1"/>
-    </dgm:txFillClrLst>
+    <dgm:txFillClrLst/>
     <dgm:txEffectClrLst/>
   </dgm:styleLbl>
   <dgm:styleLbl name="bgSibTrans2D1">
     <dgm:fillClrLst meth="repeat">
-      <a:schemeClr val="accent2"/>
-      <a:schemeClr val="accent3"/>
-      <a:schemeClr val="accent4"/>
-      <a:schemeClr val="accent5"/>
-      <a:schemeClr val="accent6"/>
+      <a:schemeClr val="accent1">
+        <a:tint val="60000"/>
+      </a:schemeClr>
     </dgm:fillClrLst>
-    <dgm:linClrLst meth="cycle">
-      <a:schemeClr val="lt1"/>
+    <dgm:linClrLst meth="repeat">
+      <a:schemeClr val="accent1">
+        <a:tint val="60000"/>
+      </a:schemeClr>
     </dgm:linClrLst>
     <dgm:effectClrLst/>
     <dgm:txLinClrLst/>
-    <dgm:txFillClrLst meth="repeat">
-      <a:schemeClr val="lt1"/>
-    </dgm:txFillClrLst>
+    <dgm:txFillClrLst/>
     <dgm:txEffectClrLst/>
   </dgm:styleLbl>
   <dgm:styleLbl name="sibTrans1D1">
     <dgm:fillClrLst meth="repeat">
-      <a:schemeClr val="accent2"/>
-      <a:schemeClr val="accent3"/>
-      <a:schemeClr val="accent4"/>
-      <a:schemeClr val="accent5"/>
-      <a:schemeClr val="accent6"/>
+      <a:schemeClr val="accent1"/>
     </dgm:fillClrLst>
     <dgm:linClrLst meth="repeat">
-      <a:schemeClr val="accent2"/>
-      <a:schemeClr val="accent3"/>
-      <a:schemeClr val="accent4"/>
-      <a:schemeClr val="accent5"/>
-      <a:schemeClr val="accent6"/>
+      <a:schemeClr val="accent1"/>
     </dgm:linClrLst>
     <dgm:effectClrLst/>
     <dgm:txLinClrLst/>
@@ -1356,10 +858,10 @@
   </dgm:styleLbl>
   <dgm:styleLbl name="callout">
     <dgm:fillClrLst meth="repeat">
-      <a:schemeClr val="accent2"/>
+      <a:schemeClr val="accent1"/>
     </dgm:fillClrLst>
     <dgm:linClrLst meth="repeat">
-      <a:schemeClr val="accent2">
+      <a:schemeClr val="accent1">
         <a:tint val="50000"/>
       </a:schemeClr>
     </dgm:linClrLst>
@@ -1384,7 +886,7 @@
   </dgm:styleLbl>
   <dgm:styleLbl name="asst1">
     <dgm:fillClrLst meth="repeat">
-      <a:schemeClr val="accent2"/>
+      <a:schemeClr val="accent1"/>
     </dgm:fillClrLst>
     <dgm:linClrLst meth="repeat">
       <a:schemeClr val="lt1"/>
@@ -1395,8 +897,8 @@
     <dgm:txEffectClrLst/>
   </dgm:styleLbl>
   <dgm:styleLbl name="asst2">
-    <dgm:fillClrLst>
-      <a:schemeClr val="accent3"/>
+    <dgm:fillClrLst meth="repeat">
+      <a:schemeClr val="accent1"/>
     </dgm:fillClrLst>
     <dgm:linClrLst meth="repeat">
       <a:schemeClr val="lt1"/>
@@ -1407,8 +909,8 @@
     <dgm:txEffectClrLst/>
   </dgm:styleLbl>
   <dgm:styleLbl name="asst3">
-    <dgm:fillClrLst>
-      <a:schemeClr val="accent4"/>
+    <dgm:fillClrLst meth="repeat">
+      <a:schemeClr val="accent1"/>
     </dgm:fillClrLst>
     <dgm:linClrLst meth="repeat">
       <a:schemeClr val="lt1"/>
@@ -1419,8 +921,8 @@
     <dgm:txEffectClrLst/>
   </dgm:styleLbl>
   <dgm:styleLbl name="asst4">
-    <dgm:fillClrLst>
-      <a:schemeClr val="accent5"/>
+    <dgm:fillClrLst meth="repeat">
+      <a:schemeClr val="accent1"/>
     </dgm:fillClrLst>
     <dgm:linClrLst meth="repeat">
       <a:schemeClr val="lt1"/>
@@ -1432,10 +934,14 @@
   </dgm:styleLbl>
   <dgm:styleLbl name="parChTrans2D1">
     <dgm:fillClrLst meth="repeat">
-      <a:schemeClr val="accent2"/>
+      <a:schemeClr val="accent1">
+        <a:tint val="60000"/>
+      </a:schemeClr>
     </dgm:fillClrLst>
     <dgm:linClrLst meth="repeat">
-      <a:schemeClr val="lt1"/>
+      <a:schemeClr val="accent1">
+        <a:tint val="60000"/>
+      </a:schemeClr>
     </dgm:linClrLst>
     <dgm:effectClrLst/>
     <dgm:txLinClrLst/>
@@ -1446,34 +952,38 @@
   </dgm:styleLbl>
   <dgm:styleLbl name="parChTrans2D2">
     <dgm:fillClrLst meth="repeat">
-      <a:schemeClr val="accent3"/>
+      <a:schemeClr val="accent1"/>
     </dgm:fillClrLst>
     <dgm:linClrLst meth="repeat">
-      <a:schemeClr val="lt1"/>
+      <a:schemeClr val="accent1"/>
     </dgm:linClrLst>
     <dgm:effectClrLst/>
     <dgm:txLinClrLst/>
-    <dgm:txFillClrLst/>
+    <dgm:txFillClrLst meth="repeat">
+      <a:schemeClr val="lt1"/>
+    </dgm:txFillClrLst>
     <dgm:txEffectClrLst/>
   </dgm:styleLbl>
   <dgm:styleLbl name="parChTrans2D3">
     <dgm:fillClrLst meth="repeat">
-      <a:schemeClr val="accent4"/>
+      <a:schemeClr val="accent1"/>
     </dgm:fillClrLst>
     <dgm:linClrLst meth="repeat">
-      <a:schemeClr val="lt1"/>
+      <a:schemeClr val="accent1"/>
     </dgm:linClrLst>
     <dgm:effectClrLst/>
     <dgm:txLinClrLst/>
-    <dgm:txFillClrLst/>
+    <dgm:txFillClrLst meth="repeat">
+      <a:schemeClr val="lt1"/>
+    </dgm:txFillClrLst>
     <dgm:txEffectClrLst/>
   </dgm:styleLbl>
   <dgm:styleLbl name="parChTrans2D4">
     <dgm:fillClrLst meth="repeat">
-      <a:schemeClr val="accent5"/>
+      <a:schemeClr val="accent1"/>
     </dgm:fillClrLst>
     <dgm:linClrLst meth="repeat">
-      <a:schemeClr val="lt1"/>
+      <a:schemeClr val="accent1"/>
     </dgm:linClrLst>
     <dgm:effectClrLst/>
     <dgm:txLinClrLst/>
@@ -1484,10 +994,12 @@
   </dgm:styleLbl>
   <dgm:styleLbl name="parChTrans1D1">
     <dgm:fillClrLst meth="repeat">
-      <a:schemeClr val="accent2"/>
+      <a:schemeClr val="accent1"/>
     </dgm:fillClrLst>
     <dgm:linClrLst meth="repeat">
-      <a:schemeClr val="accent1"/>
+      <a:schemeClr val="accent1">
+        <a:shade val="60000"/>
+      </a:schemeClr>
     </dgm:linClrLst>
     <dgm:effectClrLst/>
     <dgm:txLinClrLst/>
@@ -1498,12 +1010,12 @@
   </dgm:styleLbl>
   <dgm:styleLbl name="parChTrans1D2">
     <dgm:fillClrLst meth="repeat">
-      <a:schemeClr val="accent3">
-        <a:tint val="90000"/>
-      </a:schemeClr>
+      <a:schemeClr val="accent1"/>
     </dgm:fillClrLst>
     <dgm:linClrLst meth="repeat">
-      <a:schemeClr val="accent2"/>
+      <a:schemeClr val="accent1">
+        <a:shade val="60000"/>
+      </a:schemeClr>
     </dgm:linClrLst>
     <dgm:effectClrLst/>
     <dgm:txLinClrLst/>
@@ -1514,12 +1026,12 @@
   </dgm:styleLbl>
   <dgm:styleLbl name="parChTrans1D3">
     <dgm:fillClrLst meth="repeat">
-      <a:schemeClr val="accent4">
-        <a:tint val="70000"/>
-      </a:schemeClr>
+      <a:schemeClr val="accent1"/>
     </dgm:fillClrLst>
     <dgm:linClrLst meth="repeat">
-      <a:schemeClr val="accent3"/>
+      <a:schemeClr val="accent1">
+        <a:shade val="80000"/>
+      </a:schemeClr>
     </dgm:linClrLst>
     <dgm:effectClrLst/>
     <dgm:txLinClrLst/>
@@ -1530,12 +1042,12 @@
   </dgm:styleLbl>
   <dgm:styleLbl name="parChTrans1D4">
     <dgm:fillClrLst meth="repeat">
-      <a:schemeClr val="accent5">
-        <a:tint val="50000"/>
-      </a:schemeClr>
+      <a:schemeClr val="accent1"/>
     </dgm:fillClrLst>
     <dgm:linClrLst meth="repeat">
-      <a:schemeClr val="accent4"/>
+      <a:schemeClr val="accent1">
+        <a:shade val="80000"/>
+      </a:schemeClr>
     </dgm:linClrLst>
     <dgm:effectClrLst/>
     <dgm:txLinClrLst/>
@@ -1551,11 +1063,7 @@
       </a:schemeClr>
     </dgm:fillClrLst>
     <dgm:linClrLst meth="repeat">
-      <a:schemeClr val="accent2"/>
-      <a:schemeClr val="accent3"/>
-      <a:schemeClr val="accent4"/>
-      <a:schemeClr val="accent5"/>
-      <a:schemeClr val="accent6"/>
+      <a:schemeClr val="accent1"/>
     </dgm:linClrLst>
     <dgm:effectClrLst/>
     <dgm:txLinClrLst/>
@@ -1571,11 +1079,7 @@
       </a:schemeClr>
     </dgm:fillClrLst>
     <dgm:linClrLst meth="repeat">
-      <a:schemeClr val="accent2"/>
-      <a:schemeClr val="accent3"/>
-      <a:schemeClr val="accent4"/>
-      <a:schemeClr val="accent5"/>
-      <a:schemeClr val="accent6"/>
+      <a:schemeClr val="accent1"/>
     </dgm:linClrLst>
     <dgm:effectClrLst/>
     <dgm:txLinClrLst/>
@@ -1591,11 +1095,7 @@
       </a:schemeClr>
     </dgm:fillClrLst>
     <dgm:linClrLst meth="repeat">
-      <a:schemeClr val="accent2"/>
-      <a:schemeClr val="accent3"/>
-      <a:schemeClr val="accent4"/>
-      <a:schemeClr val="accent5"/>
-      <a:schemeClr val="accent6"/>
+      <a:schemeClr val="accent1"/>
     </dgm:linClrLst>
     <dgm:effectClrLst/>
     <dgm:txLinClrLst/>
@@ -1627,11 +1127,7 @@
       </a:schemeClr>
     </dgm:fillClrLst>
     <dgm:linClrLst meth="repeat">
-      <a:schemeClr val="accent2"/>
-      <a:schemeClr val="accent3"/>
-      <a:schemeClr val="accent4"/>
-      <a:schemeClr val="accent5"/>
-      <a:schemeClr val="accent6"/>
+      <a:schemeClr val="accent1"/>
     </dgm:linClrLst>
     <dgm:effectClrLst/>
     <dgm:txLinClrLst/>
@@ -1645,11 +1141,7 @@
       <a:schemeClr val="lt1"/>
     </dgm:fillClrLst>
     <dgm:linClrLst meth="repeat">
-      <a:schemeClr val="accent2"/>
-      <a:schemeClr val="accent3"/>
-      <a:schemeClr val="accent4"/>
-      <a:schemeClr val="accent5"/>
-      <a:schemeClr val="accent6"/>
+      <a:schemeClr val="accent1"/>
     </dgm:linClrLst>
     <dgm:effectClrLst/>
     <dgm:txLinClrLst/>
@@ -1663,11 +1155,7 @@
       <a:schemeClr val="lt1"/>
     </dgm:fillClrLst>
     <dgm:linClrLst meth="repeat">
-      <a:schemeClr val="accent2"/>
-      <a:schemeClr val="accent3"/>
-      <a:schemeClr val="accent4"/>
-      <a:schemeClr val="accent5"/>
-      <a:schemeClr val="accent6"/>
+      <a:schemeClr val="accent1"/>
     </dgm:linClrLst>
     <dgm:effectClrLst/>
     <dgm:txLinClrLst/>
@@ -1681,11 +1169,7 @@
       <a:schemeClr val="lt1"/>
     </dgm:fillClrLst>
     <dgm:linClrLst meth="repeat">
-      <a:schemeClr val="accent2"/>
-      <a:schemeClr val="accent3"/>
-      <a:schemeClr val="accent4"/>
-      <a:schemeClr val="accent5"/>
-      <a:schemeClr val="accent6"/>
+      <a:schemeClr val="accent1"/>
     </dgm:linClrLst>
     <dgm:effectClrLst/>
     <dgm:txLinClrLst/>
@@ -1696,47 +1180,15 @@
   </dgm:styleLbl>
   <dgm:styleLbl name="fgAccFollowNode1">
     <dgm:fillClrLst meth="repeat">
-      <a:schemeClr val="accent2">
+      <a:schemeClr val="accent1">
+        <a:alpha val="90000"/>
         <a:tint val="40000"/>
-        <a:alpha val="90000"/>
-      </a:schemeClr>
-      <a:schemeClr val="accent3">
-        <a:tint val="40000"/>
-        <a:alpha val="90000"/>
-      </a:schemeClr>
-      <a:schemeClr val="accent4">
-        <a:tint val="40000"/>
-        <a:alpha val="90000"/>
-      </a:schemeClr>
-      <a:schemeClr val="accent5">
-        <a:tint val="40000"/>
-        <a:alpha val="90000"/>
-      </a:schemeClr>
-      <a:schemeClr val="accent6">
-        <a:tint val="40000"/>
-        <a:alpha val="90000"/>
       </a:schemeClr>
     </dgm:fillClrLst>
     <dgm:linClrLst meth="repeat">
-      <a:schemeClr val="accent2">
+      <a:schemeClr val="accent1">
+        <a:alpha val="90000"/>
         <a:tint val="40000"/>
-        <a:alpha val="90000"/>
-      </a:schemeClr>
-      <a:schemeClr val="accent3">
-        <a:tint val="40000"/>
-        <a:alpha val="90000"/>
-      </a:schemeClr>
-      <a:schemeClr val="accent4">
-        <a:tint val="40000"/>
-        <a:alpha val="90000"/>
-      </a:schemeClr>
-      <a:schemeClr val="accent5">
-        <a:tint val="40000"/>
-        <a:alpha val="90000"/>
-      </a:schemeClr>
-      <a:schemeClr val="accent6">
-        <a:tint val="40000"/>
-        <a:alpha val="90000"/>
       </a:schemeClr>
     </dgm:linClrLst>
     <dgm:effectClrLst/>
@@ -1748,47 +1200,15 @@
   </dgm:styleLbl>
   <dgm:styleLbl name="alignAccFollowNode1">
     <dgm:fillClrLst meth="repeat">
-      <a:schemeClr val="accent2">
+      <a:schemeClr val="accent1">
+        <a:alpha val="90000"/>
         <a:tint val="40000"/>
-        <a:alpha val="90000"/>
-      </a:schemeClr>
-      <a:schemeClr val="accent3">
-        <a:tint val="40000"/>
-        <a:alpha val="90000"/>
-      </a:schemeClr>
-      <a:schemeClr val="accent4">
-        <a:tint val="40000"/>
-        <a:alpha val="90000"/>
-      </a:schemeClr>
-      <a:schemeClr val="accent5">
-        <a:tint val="40000"/>
-        <a:alpha val="90000"/>
-      </a:schemeClr>
-      <a:schemeClr val="accent6">
-        <a:tint val="40000"/>
-        <a:alpha val="90000"/>
       </a:schemeClr>
     </dgm:fillClrLst>
     <dgm:linClrLst meth="repeat">
-      <a:schemeClr val="accent2">
+      <a:schemeClr val="accent1">
+        <a:alpha val="90000"/>
         <a:tint val="40000"/>
-        <a:alpha val="90000"/>
-      </a:schemeClr>
-      <a:schemeClr val="accent3">
-        <a:tint val="40000"/>
-        <a:alpha val="90000"/>
-      </a:schemeClr>
-      <a:schemeClr val="accent4">
-        <a:tint val="40000"/>
-        <a:alpha val="90000"/>
-      </a:schemeClr>
-      <a:schemeClr val="accent5">
-        <a:tint val="40000"/>
-        <a:alpha val="90000"/>
-      </a:schemeClr>
-      <a:schemeClr val="accent6">
-        <a:tint val="40000"/>
-        <a:alpha val="90000"/>
       </a:schemeClr>
     </dgm:linClrLst>
     <dgm:effectClrLst/>
@@ -1800,47 +1220,15 @@
   </dgm:styleLbl>
   <dgm:styleLbl name="bgAccFollowNode1">
     <dgm:fillClrLst meth="repeat">
-      <a:schemeClr val="accent2">
+      <a:schemeClr val="accent1">
+        <a:alpha val="90000"/>
         <a:tint val="40000"/>
-        <a:alpha val="90000"/>
-      </a:schemeClr>
-      <a:schemeClr val="accent3">
-        <a:tint val="40000"/>
-        <a:alpha val="90000"/>
-      </a:schemeClr>
-      <a:schemeClr val="accent4">
-        <a:tint val="40000"/>
-        <a:alpha val="90000"/>
-      </a:schemeClr>
-      <a:schemeClr val="accent5">
-        <a:tint val="40000"/>
-        <a:alpha val="90000"/>
-      </a:schemeClr>
-      <a:schemeClr val="accent6">
-        <a:tint val="40000"/>
-        <a:alpha val="90000"/>
       </a:schemeClr>
     </dgm:fillClrLst>
     <dgm:linClrLst meth="repeat">
-      <a:schemeClr val="accent2">
+      <a:schemeClr val="accent1">
+        <a:alpha val="90000"/>
         <a:tint val="40000"/>
-        <a:alpha val="90000"/>
-      </a:schemeClr>
-      <a:schemeClr val="accent3">
-        <a:tint val="40000"/>
-        <a:alpha val="90000"/>
-      </a:schemeClr>
-      <a:schemeClr val="accent4">
-        <a:tint val="40000"/>
-        <a:alpha val="90000"/>
-      </a:schemeClr>
-      <a:schemeClr val="accent5">
-        <a:tint val="40000"/>
-        <a:alpha val="90000"/>
-      </a:schemeClr>
-      <a:schemeClr val="accent6">
-        <a:tint val="40000"/>
-        <a:alpha val="90000"/>
       </a:schemeClr>
     </dgm:linClrLst>
     <dgm:effectClrLst/>
@@ -1856,7 +1244,7 @@
         <a:alpha val="90000"/>
       </a:schemeClr>
     </dgm:fillClrLst>
-    <dgm:linClrLst>
+    <dgm:linClrLst meth="repeat">
       <a:schemeClr val="accent1"/>
     </dgm:linClrLst>
     <dgm:effectClrLst/>
@@ -1872,8 +1260,8 @@
         <a:alpha val="90000"/>
       </a:schemeClr>
     </dgm:fillClrLst>
-    <dgm:linClrLst>
-      <a:schemeClr val="accent2"/>
+    <dgm:linClrLst meth="repeat">
+      <a:schemeClr val="accent1"/>
     </dgm:linClrLst>
     <dgm:effectClrLst/>
     <dgm:txLinClrLst/>
@@ -1888,8 +1276,8 @@
         <a:alpha val="90000"/>
       </a:schemeClr>
     </dgm:fillClrLst>
-    <dgm:linClrLst>
-      <a:schemeClr val="accent3"/>
+    <dgm:linClrLst meth="repeat">
+      <a:schemeClr val="accent1"/>
     </dgm:linClrLst>
     <dgm:effectClrLst/>
     <dgm:txLinClrLst/>
@@ -1904,8 +1292,8 @@
         <a:alpha val="90000"/>
       </a:schemeClr>
     </dgm:fillClrLst>
-    <dgm:linClrLst>
-      <a:schemeClr val="accent4"/>
+    <dgm:linClrLst meth="repeat">
+      <a:schemeClr val="accent1"/>
     </dgm:linClrLst>
     <dgm:effectClrLst/>
     <dgm:txLinClrLst/>
@@ -1916,12 +1304,12 @@
   </dgm:styleLbl>
   <dgm:styleLbl name="bgShp">
     <dgm:fillClrLst meth="repeat">
-      <a:schemeClr val="accent2">
+      <a:schemeClr val="accent1">
         <a:tint val="40000"/>
       </a:schemeClr>
     </dgm:fillClrLst>
     <dgm:linClrLst meth="repeat">
-      <a:schemeClr val="dk1"/>
+      <a:schemeClr val="accent1"/>
     </dgm:linClrLst>
     <dgm:effectClrLst/>
     <dgm:txLinClrLst/>
@@ -1932,12 +1320,12 @@
   </dgm:styleLbl>
   <dgm:styleLbl name="dkBgShp">
     <dgm:fillClrLst meth="repeat">
-      <a:schemeClr val="accent2">
-        <a:shade val="90000"/>
+      <a:schemeClr val="accent1">
+        <a:shade val="80000"/>
       </a:schemeClr>
     </dgm:fillClrLst>
     <dgm:linClrLst meth="repeat">
-      <a:schemeClr val="dk1"/>
+      <a:schemeClr val="accent1"/>
     </dgm:linClrLst>
     <dgm:effectClrLst/>
     <dgm:txLinClrLst/>
@@ -1954,7 +1342,7 @@
       </a:schemeClr>
     </dgm:fillClrLst>
     <dgm:linClrLst meth="repeat">
-      <a:schemeClr val="accent2"/>
+      <a:schemeClr val="accent1"/>
     </dgm:linClrLst>
     <dgm:effectClrLst/>
     <dgm:txLinClrLst/>
@@ -1965,8 +1353,8 @@
   </dgm:styleLbl>
   <dgm:styleLbl name="fgShp">
     <dgm:fillClrLst meth="repeat">
-      <a:schemeClr val="accent2">
-        <a:tint val="40000"/>
+      <a:schemeClr val="accent1">
+        <a:tint val="60000"/>
       </a:schemeClr>
     </dgm:fillClrLst>
     <dgm:linClrLst meth="repeat">
@@ -2003,261 +1391,289 @@
 <file path=ppt/diagrams/data1.xml><?xml version="1.0" encoding="utf-8"?>
 <dgm:dataModel xmlns:dgm="http://schemas.openxmlformats.org/drawingml/2006/diagram" xmlns:a="http://schemas.openxmlformats.org/drawingml/2006/main">
   <dgm:ptLst>
-    <dgm:pt modelId="{CD7942A0-B7D2-4B14-8FEA-55FC702F5BE7}" type="doc">
-      <dgm:prSet loTypeId="urn:microsoft.com/office/officeart/2005/8/layout/vProcess5" loCatId="process" qsTypeId="urn:microsoft.com/office/officeart/2005/8/quickstyle/simple4" qsCatId="simple" csTypeId="urn:microsoft.com/office/officeart/2005/8/colors/colorful1" csCatId="colorful" phldr="1"/>
+    <dgm:pt modelId="{8CDD8CF6-0521-443C-953D-66C7E945FFE4}" type="doc">
+      <dgm:prSet loTypeId="urn:microsoft.com/office/officeart/2005/8/layout/vList3" loCatId="list" qsTypeId="urn:microsoft.com/office/officeart/2005/8/quickstyle/simple1" qsCatId="simple" csTypeId="urn:microsoft.com/office/officeart/2005/8/colors/accent1_2" csCatId="accent1" phldr="1"/>
       <dgm:spPr/>
-      <dgm:t>
-        <a:bodyPr rtlCol="0"/>
-        <a:lstStyle/>
-        <a:p>
-          <a:pPr rtl="0"/>
-          <a:endParaRPr lang="en-US"/>
-        </a:p>
-      </dgm:t>
     </dgm:pt>
-    <dgm:pt modelId="{095A5E99-E976-4550-8F80-53CC813F2F5A}">
-      <dgm:prSet phldrT="[Text]"/>
-      <dgm:spPr>
-        <a:gradFill rotWithShape="0">
-          <a:gsLst>
-            <a:gs pos="0">
-              <a:srgbClr val="703000"/>
-            </a:gs>
-            <a:gs pos="50000">
-              <a:srgbClr val="A44A00"/>
-            </a:gs>
-            <a:gs pos="70000">
-              <a:srgbClr val="BC5500"/>
-            </a:gs>
-            <a:gs pos="100000">
-              <a:srgbClr val="F26D00"/>
-            </a:gs>
-          </a:gsLst>
-        </a:gradFill>
-      </dgm:spPr>
-      <dgm:t>
-        <a:bodyPr rtlCol="0"/>
-        <a:lstStyle/>
-        <a:p>
-          <a:pPr rtl="0"/>
-          <a:r>
-            <a:rPr lang="de-DE" noProof="0" dirty="0"/>
-            <a:t>Aufgabe 1</a:t>
-          </a:r>
-        </a:p>
-      </dgm:t>
-      <dgm:extLst>
-        <a:ext uri="{E40237B7-FDA0-4F09-8148-C483321AD2D9}">
-          <dgm14:cNvPr xmlns:dgm14="http://schemas.microsoft.com/office/drawing/2010/diagram" id="0" name="" descr="Staggered process showing 3 tasks arranged one below the other and two downward pointing arrows are used to indicate progression from first task to second task and second task to third task."/>
-        </a:ext>
-      </dgm:extLst>
-    </dgm:pt>
-    <dgm:pt modelId="{03339A0D-5DC0-4B29-8353-C5AEBFD4DE86}" type="parTrans" cxnId="{D1A4D8E6-F04E-4AB1-8D0C-63DC7AB1E81F}">
-      <dgm:prSet/>
-      <dgm:spPr/>
-      <dgm:t>
-        <a:bodyPr rtlCol="0"/>
-        <a:lstStyle/>
-        <a:p>
-          <a:pPr rtl="0"/>
-          <a:endParaRPr lang="en-US"/>
-        </a:p>
-      </dgm:t>
-    </dgm:pt>
-    <dgm:pt modelId="{8877691F-1B60-4485-9174-DDEC7EE68B70}" type="sibTrans" cxnId="{D1A4D8E6-F04E-4AB1-8D0C-63DC7AB1E81F}">
-      <dgm:prSet/>
-      <dgm:spPr/>
-      <dgm:t>
-        <a:bodyPr rtlCol="0"/>
-        <a:lstStyle/>
-        <a:p>
-          <a:pPr rtl="0"/>
-          <a:endParaRPr lang="en-US"/>
-        </a:p>
-      </dgm:t>
-    </dgm:pt>
-    <dgm:pt modelId="{8EC937D8-BD76-4A12-A3E5-900D5C1E2E05}">
+    <dgm:pt modelId="{C4D56C75-215B-47B5-B0EE-AAA37AFA7894}">
       <dgm:prSet phldrT="[Text]"/>
       <dgm:spPr/>
       <dgm:t>
-        <a:bodyPr rtlCol="0"/>
+        <a:bodyPr/>
         <a:lstStyle/>
         <a:p>
-          <a:pPr rtl="0"/>
           <a:r>
-            <a:rPr lang="de-DE" noProof="0" dirty="0"/>
-            <a:t>Aufgabe 2</a:t>
+            <a:rPr lang="de-DE" dirty="0"/>
+            <a:t>Projektphasen</a:t>
           </a:r>
         </a:p>
       </dgm:t>
     </dgm:pt>
-    <dgm:pt modelId="{8265EE85-9851-494E-A6D3-1CDACE947DF3}" type="parTrans" cxnId="{43DC8383-AEE5-490C-A8E5-1F216F2B8FE6}">
+    <dgm:pt modelId="{2EB3752F-04A0-4FB8-B73A-758ED06CB00D}" type="parTrans" cxnId="{EF0D0484-4D9B-49EE-ADAA-CB95635E433E}">
       <dgm:prSet/>
       <dgm:spPr/>
       <dgm:t>
-        <a:bodyPr rtlCol="0"/>
+        <a:bodyPr/>
         <a:lstStyle/>
         <a:p>
-          <a:pPr rtl="0"/>
-          <a:endParaRPr lang="en-US"/>
+          <a:endParaRPr lang="de-DE"/>
         </a:p>
       </dgm:t>
     </dgm:pt>
-    <dgm:pt modelId="{B3EFD4A5-9FA1-4ABE-B722-05162509509B}" type="sibTrans" cxnId="{43DC8383-AEE5-490C-A8E5-1F216F2B8FE6}">
+    <dgm:pt modelId="{42604BAE-9874-49A0-91B5-0A571C53DBF8}" type="sibTrans" cxnId="{EF0D0484-4D9B-49EE-ADAA-CB95635E433E}">
       <dgm:prSet/>
       <dgm:spPr/>
       <dgm:t>
-        <a:bodyPr rtlCol="0"/>
+        <a:bodyPr/>
         <a:lstStyle/>
         <a:p>
-          <a:pPr rtl="0"/>
-          <a:endParaRPr lang="en-US"/>
+          <a:endParaRPr lang="de-DE"/>
         </a:p>
       </dgm:t>
     </dgm:pt>
-    <dgm:pt modelId="{7133ECF5-4190-4604-AA2F-03C9A0A9210F}">
+    <dgm:pt modelId="{F5249CBC-37A1-4C8A-8441-BD3A52DD84A6}">
       <dgm:prSet phldrT="[Text]"/>
-      <dgm:spPr>
-        <a:gradFill rotWithShape="0">
-          <a:gsLst>
-            <a:gs pos="0">
-              <a:srgbClr val="394404"/>
-            </a:gs>
-            <a:gs pos="50000">
-              <a:srgbClr val="5F6F0F"/>
-            </a:gs>
-            <a:gs pos="70000">
-              <a:srgbClr val="65741A"/>
-            </a:gs>
-            <a:gs pos="100000">
-              <a:schemeClr val="accent4">
-                <a:hueOff val="0"/>
-                <a:satOff val="0"/>
-                <a:lumOff val="0"/>
-                <a:alphaOff val="0"/>
-                <a:tint val="100000"/>
-                <a:shade val="100000"/>
-                <a:satMod val="155000"/>
-              </a:schemeClr>
-            </a:gs>
-          </a:gsLst>
-        </a:gradFill>
-      </dgm:spPr>
+      <dgm:spPr/>
       <dgm:t>
-        <a:bodyPr rtlCol="0"/>
+        <a:bodyPr/>
         <a:lstStyle/>
         <a:p>
-          <a:pPr rtl="0"/>
           <a:r>
-            <a:rPr lang="de-DE" noProof="0" dirty="0"/>
-            <a:t>Aufgabe 3</a:t>
+            <a:rPr lang="de-DE" dirty="0"/>
+            <a:t>Analyse der c‘t</a:t>
           </a:r>
         </a:p>
       </dgm:t>
-      <dgm:extLst>
-        <a:ext uri="{E40237B7-FDA0-4F09-8148-C483321AD2D9}">
-          <dgm14:cNvPr xmlns:dgm14="http://schemas.microsoft.com/office/drawing/2010/diagram" id="0" name="" descr="Staggered process showing 3 tasks arranged one below the other and two downward pointing arrows are used to indicate progression from first task to second task and second task to third task."/>
-        </a:ext>
-      </dgm:extLst>
     </dgm:pt>
-    <dgm:pt modelId="{7D1B29D7-21DD-436A-8F7C-E87DE53C1431}" type="parTrans" cxnId="{011A9761-E983-4C7D-AB1D-2038261D8FF8}">
+    <dgm:pt modelId="{2CC6AC87-7DEF-4D55-8ADF-08DC09DC82CE}" type="parTrans" cxnId="{A749DB4A-67AE-41F4-A2FC-E8E86316BD1B}">
       <dgm:prSet/>
       <dgm:spPr/>
       <dgm:t>
-        <a:bodyPr rtlCol="0"/>
+        <a:bodyPr/>
         <a:lstStyle/>
         <a:p>
-          <a:pPr rtl="0"/>
-          <a:endParaRPr lang="en-US"/>
+          <a:endParaRPr lang="de-DE"/>
         </a:p>
       </dgm:t>
     </dgm:pt>
-    <dgm:pt modelId="{46037378-034A-4662-877A-B53E1DA069A3}" type="sibTrans" cxnId="{011A9761-E983-4C7D-AB1D-2038261D8FF8}">
+    <dgm:pt modelId="{C831B9A5-9ADE-4A3B-8875-B9CCAA0C32A8}" type="sibTrans" cxnId="{A749DB4A-67AE-41F4-A2FC-E8E86316BD1B}">
       <dgm:prSet/>
       <dgm:spPr/>
       <dgm:t>
-        <a:bodyPr rtlCol="0"/>
+        <a:bodyPr/>
         <a:lstStyle/>
         <a:p>
-          <a:pPr rtl="0"/>
-          <a:endParaRPr lang="en-US"/>
+          <a:endParaRPr lang="de-DE"/>
         </a:p>
       </dgm:t>
     </dgm:pt>
-    <dgm:pt modelId="{1D84D8B6-AB32-4491-B5D2-EFE3D7668B88}" type="pres">
-      <dgm:prSet presAssocID="{CD7942A0-B7D2-4B14-8FEA-55FC702F5BE7}" presName="outerComposite" presStyleCnt="0">
+    <dgm:pt modelId="{5D15E311-A1FD-43CE-8ADB-5C16028BA30F}">
+      <dgm:prSet phldrT="[Text]"/>
+      <dgm:spPr/>
+      <dgm:t>
+        <a:bodyPr/>
+        <a:lstStyle/>
+        <a:p>
+          <a:r>
+            <a:rPr lang="de-DE" dirty="0"/>
+            <a:t>Entwurf des Webinterface</a:t>
+          </a:r>
+        </a:p>
+      </dgm:t>
+    </dgm:pt>
+    <dgm:pt modelId="{A29C397D-9FC9-4394-9579-11AAA5A29D47}" type="parTrans" cxnId="{570F09BF-154F-4312-8269-176BF171FDE6}">
+      <dgm:prSet/>
+      <dgm:spPr/>
+      <dgm:t>
+        <a:bodyPr/>
+        <a:lstStyle/>
+        <a:p>
+          <a:endParaRPr lang="de-DE"/>
+        </a:p>
+      </dgm:t>
+    </dgm:pt>
+    <dgm:pt modelId="{427601A5-CAF1-4178-BF38-C50DFC4D2BF1}" type="sibTrans" cxnId="{570F09BF-154F-4312-8269-176BF171FDE6}">
+      <dgm:prSet/>
+      <dgm:spPr/>
+      <dgm:t>
+        <a:bodyPr/>
+        <a:lstStyle/>
+        <a:p>
+          <a:endParaRPr lang="de-DE"/>
+        </a:p>
+      </dgm:t>
+    </dgm:pt>
+    <dgm:pt modelId="{40CE98B6-7B17-4A1C-B56D-A510FB156127}">
+      <dgm:prSet phldrT="[Text]"/>
+      <dgm:spPr/>
+      <dgm:t>
+        <a:bodyPr/>
+        <a:lstStyle/>
+        <a:p>
+          <a:r>
+            <a:rPr lang="de-DE" dirty="0"/>
+            <a:t>Umsetzung</a:t>
+          </a:r>
+        </a:p>
+      </dgm:t>
+    </dgm:pt>
+    <dgm:pt modelId="{3675D6D4-72F6-42F9-A070-EC1FCDCA68E5}" type="parTrans" cxnId="{85E386E6-AF7D-4B33-8EF0-29C417592077}">
+      <dgm:prSet/>
+      <dgm:spPr/>
+      <dgm:t>
+        <a:bodyPr/>
+        <a:lstStyle/>
+        <a:p>
+          <a:endParaRPr lang="de-DE"/>
+        </a:p>
+      </dgm:t>
+    </dgm:pt>
+    <dgm:pt modelId="{059EA570-2130-4D38-A3FA-ED447F3D3E2C}" type="sibTrans" cxnId="{85E386E6-AF7D-4B33-8EF0-29C417592077}">
+      <dgm:prSet/>
+      <dgm:spPr/>
+      <dgm:t>
+        <a:bodyPr/>
+        <a:lstStyle/>
+        <a:p>
+          <a:endParaRPr lang="de-DE"/>
+        </a:p>
+      </dgm:t>
+    </dgm:pt>
+    <dgm:pt modelId="{85B7942F-4078-45FD-8057-49DA9BC4B716}">
+      <dgm:prSet phldrT="[Text]"/>
+      <dgm:spPr/>
+      <dgm:t>
+        <a:bodyPr/>
+        <a:lstStyle/>
+        <a:p>
+          <a:r>
+            <a:rPr lang="de-DE" dirty="0"/>
+            <a:t>Soll- / Ist-Vergleich</a:t>
+          </a:r>
+        </a:p>
+      </dgm:t>
+    </dgm:pt>
+    <dgm:pt modelId="{6A424B3F-6FE0-4EF4-B1AF-A50CA99AD8FE}" type="parTrans" cxnId="{F510C53B-CD11-4D35-A379-A717615E9053}">
+      <dgm:prSet/>
+      <dgm:spPr/>
+      <dgm:t>
+        <a:bodyPr/>
+        <a:lstStyle/>
+        <a:p>
+          <a:endParaRPr lang="de-DE"/>
+        </a:p>
+      </dgm:t>
+    </dgm:pt>
+    <dgm:pt modelId="{63C836F6-4D81-454E-8FA7-307003149ED4}" type="sibTrans" cxnId="{F510C53B-CD11-4D35-A379-A717615E9053}">
+      <dgm:prSet/>
+      <dgm:spPr/>
+      <dgm:t>
+        <a:bodyPr/>
+        <a:lstStyle/>
+        <a:p>
+          <a:endParaRPr lang="de-DE"/>
+        </a:p>
+      </dgm:t>
+    </dgm:pt>
+    <dgm:pt modelId="{7E474F9C-2627-4C14-ABCB-2616BC1D5183}" type="pres">
+      <dgm:prSet presAssocID="{8CDD8CF6-0521-443C-953D-66C7E945FFE4}" presName="linearFlow" presStyleCnt="0">
         <dgm:presLayoutVars>
-          <dgm:chMax val="5"/>
           <dgm:dir/>
           <dgm:resizeHandles val="exact"/>
         </dgm:presLayoutVars>
       </dgm:prSet>
       <dgm:spPr/>
     </dgm:pt>
-    <dgm:pt modelId="{3E0E8213-E460-4EB7-9A92-C2B1CC553F0D}" type="pres">
-      <dgm:prSet presAssocID="{CD7942A0-B7D2-4B14-8FEA-55FC702F5BE7}" presName="dummyMaxCanvas" presStyleCnt="0">
-        <dgm:presLayoutVars/>
-      </dgm:prSet>
+    <dgm:pt modelId="{0BCFEC3C-2326-4A1B-B44E-ED35BB740714}" type="pres">
+      <dgm:prSet presAssocID="{C4D56C75-215B-47B5-B0EE-AAA37AFA7894}" presName="composite" presStyleCnt="0"/>
       <dgm:spPr/>
     </dgm:pt>
-    <dgm:pt modelId="{124EF20B-D98C-45B2-BB13-7B93B5373CEB}" type="pres">
-      <dgm:prSet presAssocID="{CD7942A0-B7D2-4B14-8FEA-55FC702F5BE7}" presName="ThreeNodes_1" presStyleLbl="node1" presStyleIdx="0" presStyleCnt="3">
+    <dgm:pt modelId="{04D8072E-3488-4E6D-9AE8-52A94EB61490}" type="pres">
+      <dgm:prSet presAssocID="{C4D56C75-215B-47B5-B0EE-AAA37AFA7894}" presName="imgShp" presStyleLbl="fgImgPlace1" presStyleIdx="0" presStyleCnt="5"/>
+      <dgm:spPr/>
+    </dgm:pt>
+    <dgm:pt modelId="{3CFFDBED-22E7-42DD-869D-68DDB27DBCFA}" type="pres">
+      <dgm:prSet presAssocID="{C4D56C75-215B-47B5-B0EE-AAA37AFA7894}" presName="txShp" presStyleLbl="node1" presStyleIdx="0" presStyleCnt="5">
         <dgm:presLayoutVars>
           <dgm:bulletEnabled val="1"/>
         </dgm:presLayoutVars>
       </dgm:prSet>
       <dgm:spPr/>
     </dgm:pt>
-    <dgm:pt modelId="{CA544AF7-F7B2-4CA5-9251-B4CDB8D06634}" type="pres">
-      <dgm:prSet presAssocID="{CD7942A0-B7D2-4B14-8FEA-55FC702F5BE7}" presName="ThreeNodes_2" presStyleLbl="node1" presStyleIdx="1" presStyleCnt="3">
+    <dgm:pt modelId="{2F1D695E-B2A2-4714-8A5E-02BBAC019932}" type="pres">
+      <dgm:prSet presAssocID="{42604BAE-9874-49A0-91B5-0A571C53DBF8}" presName="spacing" presStyleCnt="0"/>
+      <dgm:spPr/>
+    </dgm:pt>
+    <dgm:pt modelId="{431611EE-16AB-4012-AA90-FB179F549781}" type="pres">
+      <dgm:prSet presAssocID="{F5249CBC-37A1-4C8A-8441-BD3A52DD84A6}" presName="composite" presStyleCnt="0"/>
+      <dgm:spPr/>
+    </dgm:pt>
+    <dgm:pt modelId="{23233F74-0B91-4DFB-94A7-E83D606160F0}" type="pres">
+      <dgm:prSet presAssocID="{F5249CBC-37A1-4C8A-8441-BD3A52DD84A6}" presName="imgShp" presStyleLbl="fgImgPlace1" presStyleIdx="1" presStyleCnt="5"/>
+      <dgm:spPr/>
+    </dgm:pt>
+    <dgm:pt modelId="{0E4D1F20-0DB1-4A3D-A487-6CE96BE3BF6B}" type="pres">
+      <dgm:prSet presAssocID="{F5249CBC-37A1-4C8A-8441-BD3A52DD84A6}" presName="txShp" presStyleLbl="node1" presStyleIdx="1" presStyleCnt="5">
         <dgm:presLayoutVars>
           <dgm:bulletEnabled val="1"/>
         </dgm:presLayoutVars>
       </dgm:prSet>
       <dgm:spPr/>
     </dgm:pt>
-    <dgm:pt modelId="{2AE92D3F-F0FA-45DD-BB60-4C6FBC6BC016}" type="pres">
-      <dgm:prSet presAssocID="{CD7942A0-B7D2-4B14-8FEA-55FC702F5BE7}" presName="ThreeNodes_3" presStyleLbl="node1" presStyleIdx="2" presStyleCnt="3">
+    <dgm:pt modelId="{D848F648-861C-4DC1-8A21-85FC6CB79652}" type="pres">
+      <dgm:prSet presAssocID="{C831B9A5-9ADE-4A3B-8875-B9CCAA0C32A8}" presName="spacing" presStyleCnt="0"/>
+      <dgm:spPr/>
+    </dgm:pt>
+    <dgm:pt modelId="{101A98AE-2901-4651-B01D-32C8808D9743}" type="pres">
+      <dgm:prSet presAssocID="{5D15E311-A1FD-43CE-8ADB-5C16028BA30F}" presName="composite" presStyleCnt="0"/>
+      <dgm:spPr/>
+    </dgm:pt>
+    <dgm:pt modelId="{C335AEC9-E7C5-41CA-893D-B5F1515C0C24}" type="pres">
+      <dgm:prSet presAssocID="{5D15E311-A1FD-43CE-8ADB-5C16028BA30F}" presName="imgShp" presStyleLbl="fgImgPlace1" presStyleIdx="2" presStyleCnt="5"/>
+      <dgm:spPr/>
+    </dgm:pt>
+    <dgm:pt modelId="{FAA343AB-657E-4FB6-A8D8-D752FB3BFC4E}" type="pres">
+      <dgm:prSet presAssocID="{5D15E311-A1FD-43CE-8ADB-5C16028BA30F}" presName="txShp" presStyleLbl="node1" presStyleIdx="2" presStyleCnt="5">
         <dgm:presLayoutVars>
           <dgm:bulletEnabled val="1"/>
         </dgm:presLayoutVars>
       </dgm:prSet>
       <dgm:spPr/>
     </dgm:pt>
-    <dgm:pt modelId="{9CA877D8-99F8-40A0-89E9-59A61C9A70F4}" type="pres">
-      <dgm:prSet presAssocID="{CD7942A0-B7D2-4B14-8FEA-55FC702F5BE7}" presName="ThreeConn_1-2" presStyleLbl="fgAccFollowNode1" presStyleIdx="0" presStyleCnt="2">
+    <dgm:pt modelId="{FBB175AC-579E-46C8-AC09-2FDD1C26A5EE}" type="pres">
+      <dgm:prSet presAssocID="{427601A5-CAF1-4178-BF38-C50DFC4D2BF1}" presName="spacing" presStyleCnt="0"/>
+      <dgm:spPr/>
+    </dgm:pt>
+    <dgm:pt modelId="{52C637E6-61A1-45F7-BE1B-C541FC3762BD}" type="pres">
+      <dgm:prSet presAssocID="{40CE98B6-7B17-4A1C-B56D-A510FB156127}" presName="composite" presStyleCnt="0"/>
+      <dgm:spPr/>
+    </dgm:pt>
+    <dgm:pt modelId="{56690C92-AA94-4B47-A583-2884B9585C23}" type="pres">
+      <dgm:prSet presAssocID="{40CE98B6-7B17-4A1C-B56D-A510FB156127}" presName="imgShp" presStyleLbl="fgImgPlace1" presStyleIdx="3" presStyleCnt="5"/>
+      <dgm:spPr/>
+    </dgm:pt>
+    <dgm:pt modelId="{2A9620BA-B741-45CD-9811-3E32ED2A75AE}" type="pres">
+      <dgm:prSet presAssocID="{40CE98B6-7B17-4A1C-B56D-A510FB156127}" presName="txShp" presStyleLbl="node1" presStyleIdx="3" presStyleCnt="5">
         <dgm:presLayoutVars>
           <dgm:bulletEnabled val="1"/>
         </dgm:presLayoutVars>
       </dgm:prSet>
       <dgm:spPr/>
     </dgm:pt>
-    <dgm:pt modelId="{62643EF2-016C-41F1-8CBC-398422A85727}" type="pres">
-      <dgm:prSet presAssocID="{CD7942A0-B7D2-4B14-8FEA-55FC702F5BE7}" presName="ThreeConn_2-3" presStyleLbl="fgAccFollowNode1" presStyleIdx="1" presStyleCnt="2">
-        <dgm:presLayoutVars>
-          <dgm:bulletEnabled val="1"/>
-        </dgm:presLayoutVars>
-      </dgm:prSet>
+    <dgm:pt modelId="{214FFCAC-DC5F-42D0-8E57-8C07F3CD7B87}" type="pres">
+      <dgm:prSet presAssocID="{059EA570-2130-4D38-A3FA-ED447F3D3E2C}" presName="spacing" presStyleCnt="0"/>
       <dgm:spPr/>
     </dgm:pt>
-    <dgm:pt modelId="{7A2F6994-DA87-4497-BFC7-DD9D6EC5315F}" type="pres">
-      <dgm:prSet presAssocID="{CD7942A0-B7D2-4B14-8FEA-55FC702F5BE7}" presName="ThreeNodes_1_text" presStyleLbl="node1" presStyleIdx="2" presStyleCnt="3">
-        <dgm:presLayoutVars>
-          <dgm:bulletEnabled val="1"/>
-        </dgm:presLayoutVars>
-      </dgm:prSet>
+    <dgm:pt modelId="{25390CF5-330F-4E31-BB58-415047E4F3CD}" type="pres">
+      <dgm:prSet presAssocID="{85B7942F-4078-45FD-8057-49DA9BC4B716}" presName="composite" presStyleCnt="0"/>
       <dgm:spPr/>
     </dgm:pt>
-    <dgm:pt modelId="{916C48CB-E452-4B79-A9B9-4C9A90B47960}" type="pres">
-      <dgm:prSet presAssocID="{CD7942A0-B7D2-4B14-8FEA-55FC702F5BE7}" presName="ThreeNodes_2_text" presStyleLbl="node1" presStyleIdx="2" presStyleCnt="3">
-        <dgm:presLayoutVars>
-          <dgm:bulletEnabled val="1"/>
-        </dgm:presLayoutVars>
-      </dgm:prSet>
+    <dgm:pt modelId="{7F5CBE9A-D910-4BB0-8870-2403BAB2C9C9}" type="pres">
+      <dgm:prSet presAssocID="{85B7942F-4078-45FD-8057-49DA9BC4B716}" presName="imgShp" presStyleLbl="fgImgPlace1" presStyleIdx="4" presStyleCnt="5"/>
       <dgm:spPr/>
     </dgm:pt>
-    <dgm:pt modelId="{A31D264E-E285-4E5C-8EB7-762CD501BE72}" type="pres">
-      <dgm:prSet presAssocID="{CD7942A0-B7D2-4B14-8FEA-55FC702F5BE7}" presName="ThreeNodes_3_text" presStyleLbl="node1" presStyleIdx="2" presStyleCnt="3">
+    <dgm:pt modelId="{50772E46-F5E4-4FB9-9403-01C44A6EE54D}" type="pres">
+      <dgm:prSet presAssocID="{85B7942F-4078-45FD-8057-49DA9BC4B716}" presName="txShp" presStyleLbl="node1" presStyleIdx="4" presStyleCnt="5">
         <dgm:presLayoutVars>
           <dgm:bulletEnabled val="1"/>
         </dgm:presLayoutVars>
@@ -2266,27 +1682,36 @@
     </dgm:pt>
   </dgm:ptLst>
   <dgm:cxnLst>
-    <dgm:cxn modelId="{5A89A138-BC1A-490F-935E-2EC3F74E8E18}" type="presOf" srcId="{7133ECF5-4190-4604-AA2F-03C9A0A9210F}" destId="{2AE92D3F-F0FA-45DD-BB60-4C6FBC6BC016}" srcOrd="0" destOrd="0" presId="urn:microsoft.com/office/officeart/2005/8/layout/vProcess5"/>
-    <dgm:cxn modelId="{011A9761-E983-4C7D-AB1D-2038261D8FF8}" srcId="{CD7942A0-B7D2-4B14-8FEA-55FC702F5BE7}" destId="{7133ECF5-4190-4604-AA2F-03C9A0A9210F}" srcOrd="2" destOrd="0" parTransId="{7D1B29D7-21DD-436A-8F7C-E87DE53C1431}" sibTransId="{46037378-034A-4662-877A-B53E1DA069A3}"/>
-    <dgm:cxn modelId="{8A063A46-8F8D-405A-B2D6-6495FA638F46}" type="presOf" srcId="{8EC937D8-BD76-4A12-A3E5-900D5C1E2E05}" destId="{CA544AF7-F7B2-4CA5-9251-B4CDB8D06634}" srcOrd="0" destOrd="0" presId="urn:microsoft.com/office/officeart/2005/8/layout/vProcess5"/>
-    <dgm:cxn modelId="{A071614A-8A85-47B2-A113-0652CAB9B428}" type="presOf" srcId="{095A5E99-E976-4550-8F80-53CC813F2F5A}" destId="{124EF20B-D98C-45B2-BB13-7B93B5373CEB}" srcOrd="0" destOrd="0" presId="urn:microsoft.com/office/officeart/2005/8/layout/vProcess5"/>
-    <dgm:cxn modelId="{43DC8383-AEE5-490C-A8E5-1F216F2B8FE6}" srcId="{CD7942A0-B7D2-4B14-8FEA-55FC702F5BE7}" destId="{8EC937D8-BD76-4A12-A3E5-900D5C1E2E05}" srcOrd="1" destOrd="0" parTransId="{8265EE85-9851-494E-A6D3-1CDACE947DF3}" sibTransId="{B3EFD4A5-9FA1-4ABE-B722-05162509509B}"/>
-    <dgm:cxn modelId="{03E7038C-2CC0-496B-88A0-60396CDC31E4}" type="presOf" srcId="{7133ECF5-4190-4604-AA2F-03C9A0A9210F}" destId="{A31D264E-E285-4E5C-8EB7-762CD501BE72}" srcOrd="1" destOrd="0" presId="urn:microsoft.com/office/officeart/2005/8/layout/vProcess5"/>
-    <dgm:cxn modelId="{C2D0E194-BD14-4AD2-9E3A-CE984C34B6CD}" type="presOf" srcId="{CD7942A0-B7D2-4B14-8FEA-55FC702F5BE7}" destId="{1D84D8B6-AB32-4491-B5D2-EFE3D7668B88}" srcOrd="0" destOrd="0" presId="urn:microsoft.com/office/officeart/2005/8/layout/vProcess5"/>
-    <dgm:cxn modelId="{BB374C9D-646D-46E6-89B4-117F0E21BA34}" type="presOf" srcId="{8EC937D8-BD76-4A12-A3E5-900D5C1E2E05}" destId="{916C48CB-E452-4B79-A9B9-4C9A90B47960}" srcOrd="1" destOrd="0" presId="urn:microsoft.com/office/officeart/2005/8/layout/vProcess5"/>
-    <dgm:cxn modelId="{12FC7FDE-4033-4970-A683-61DE6FA84E89}" type="presOf" srcId="{8877691F-1B60-4485-9174-DDEC7EE68B70}" destId="{9CA877D8-99F8-40A0-89E9-59A61C9A70F4}" srcOrd="0" destOrd="0" presId="urn:microsoft.com/office/officeart/2005/8/layout/vProcess5"/>
-    <dgm:cxn modelId="{D1A4D8E6-F04E-4AB1-8D0C-63DC7AB1E81F}" srcId="{CD7942A0-B7D2-4B14-8FEA-55FC702F5BE7}" destId="{095A5E99-E976-4550-8F80-53CC813F2F5A}" srcOrd="0" destOrd="0" parTransId="{03339A0D-5DC0-4B29-8353-C5AEBFD4DE86}" sibTransId="{8877691F-1B60-4485-9174-DDEC7EE68B70}"/>
-    <dgm:cxn modelId="{7C007CEB-6418-4EA7-9CB6-5B93D0C655E6}" type="presOf" srcId="{095A5E99-E976-4550-8F80-53CC813F2F5A}" destId="{7A2F6994-DA87-4497-BFC7-DD9D6EC5315F}" srcOrd="1" destOrd="0" presId="urn:microsoft.com/office/officeart/2005/8/layout/vProcess5"/>
-    <dgm:cxn modelId="{6CF7D6F9-A5F2-48E3-AF5C-A2074559AE21}" type="presOf" srcId="{B3EFD4A5-9FA1-4ABE-B722-05162509509B}" destId="{62643EF2-016C-41F1-8CBC-398422A85727}" srcOrd="0" destOrd="0" presId="urn:microsoft.com/office/officeart/2005/8/layout/vProcess5"/>
-    <dgm:cxn modelId="{768DB908-A4BF-48A6-A740-5DD0CBAFBB11}" type="presParOf" srcId="{1D84D8B6-AB32-4491-B5D2-EFE3D7668B88}" destId="{3E0E8213-E460-4EB7-9A92-C2B1CC553F0D}" srcOrd="0" destOrd="0" presId="urn:microsoft.com/office/officeart/2005/8/layout/vProcess5"/>
-    <dgm:cxn modelId="{A8B17D3B-E670-4FE0-A845-244C702B8151}" type="presParOf" srcId="{1D84D8B6-AB32-4491-B5D2-EFE3D7668B88}" destId="{124EF20B-D98C-45B2-BB13-7B93B5373CEB}" srcOrd="1" destOrd="0" presId="urn:microsoft.com/office/officeart/2005/8/layout/vProcess5"/>
-    <dgm:cxn modelId="{1E8E2D8B-A980-4080-A16E-1F74528DE4D0}" type="presParOf" srcId="{1D84D8B6-AB32-4491-B5D2-EFE3D7668B88}" destId="{CA544AF7-F7B2-4CA5-9251-B4CDB8D06634}" srcOrd="2" destOrd="0" presId="urn:microsoft.com/office/officeart/2005/8/layout/vProcess5"/>
-    <dgm:cxn modelId="{7992440C-9F36-432D-90EE-E2A708CEB38B}" type="presParOf" srcId="{1D84D8B6-AB32-4491-B5D2-EFE3D7668B88}" destId="{2AE92D3F-F0FA-45DD-BB60-4C6FBC6BC016}" srcOrd="3" destOrd="0" presId="urn:microsoft.com/office/officeart/2005/8/layout/vProcess5"/>
-    <dgm:cxn modelId="{DBE883B8-7D13-43BA-A456-8DBB93D30C93}" type="presParOf" srcId="{1D84D8B6-AB32-4491-B5D2-EFE3D7668B88}" destId="{9CA877D8-99F8-40A0-89E9-59A61C9A70F4}" srcOrd="4" destOrd="0" presId="urn:microsoft.com/office/officeart/2005/8/layout/vProcess5"/>
-    <dgm:cxn modelId="{A3B9E6ED-FFD0-430E-B609-EBE8E75E7C44}" type="presParOf" srcId="{1D84D8B6-AB32-4491-B5D2-EFE3D7668B88}" destId="{62643EF2-016C-41F1-8CBC-398422A85727}" srcOrd="5" destOrd="0" presId="urn:microsoft.com/office/officeart/2005/8/layout/vProcess5"/>
-    <dgm:cxn modelId="{278FE748-9C54-4E36-9203-E948DB63C99A}" type="presParOf" srcId="{1D84D8B6-AB32-4491-B5D2-EFE3D7668B88}" destId="{7A2F6994-DA87-4497-BFC7-DD9D6EC5315F}" srcOrd="6" destOrd="0" presId="urn:microsoft.com/office/officeart/2005/8/layout/vProcess5"/>
-    <dgm:cxn modelId="{E81279B5-23BF-4F73-A353-8831FC04E9BC}" type="presParOf" srcId="{1D84D8B6-AB32-4491-B5D2-EFE3D7668B88}" destId="{916C48CB-E452-4B79-A9B9-4C9A90B47960}" srcOrd="7" destOrd="0" presId="urn:microsoft.com/office/officeart/2005/8/layout/vProcess5"/>
-    <dgm:cxn modelId="{16289EC3-0C51-4B32-B6CC-FE8F7F6F6C76}" type="presParOf" srcId="{1D84D8B6-AB32-4491-B5D2-EFE3D7668B88}" destId="{A31D264E-E285-4E5C-8EB7-762CD501BE72}" srcOrd="8" destOrd="0" presId="urn:microsoft.com/office/officeart/2005/8/layout/vProcess5"/>
+    <dgm:cxn modelId="{B030552D-F6EC-4FA3-A556-9D0DA07749A8}" type="presOf" srcId="{F5249CBC-37A1-4C8A-8441-BD3A52DD84A6}" destId="{0E4D1F20-0DB1-4A3D-A487-6CE96BE3BF6B}" srcOrd="0" destOrd="0" presId="urn:microsoft.com/office/officeart/2005/8/layout/vList3"/>
+    <dgm:cxn modelId="{F510C53B-CD11-4D35-A379-A717615E9053}" srcId="{8CDD8CF6-0521-443C-953D-66C7E945FFE4}" destId="{85B7942F-4078-45FD-8057-49DA9BC4B716}" srcOrd="4" destOrd="0" parTransId="{6A424B3F-6FE0-4EF4-B1AF-A50CA99AD8FE}" sibTransId="{63C836F6-4D81-454E-8FA7-307003149ED4}"/>
+    <dgm:cxn modelId="{435DBD40-15FE-496D-87AA-295DBB6843DC}" type="presOf" srcId="{5D15E311-A1FD-43CE-8ADB-5C16028BA30F}" destId="{FAA343AB-657E-4FB6-A8D8-D752FB3BFC4E}" srcOrd="0" destOrd="0" presId="urn:microsoft.com/office/officeart/2005/8/layout/vList3"/>
+    <dgm:cxn modelId="{A749DB4A-67AE-41F4-A2FC-E8E86316BD1B}" srcId="{8CDD8CF6-0521-443C-953D-66C7E945FFE4}" destId="{F5249CBC-37A1-4C8A-8441-BD3A52DD84A6}" srcOrd="1" destOrd="0" parTransId="{2CC6AC87-7DEF-4D55-8ADF-08DC09DC82CE}" sibTransId="{C831B9A5-9ADE-4A3B-8875-B9CCAA0C32A8}"/>
+    <dgm:cxn modelId="{5C2E187A-8F1E-4015-81A7-5348943553E1}" type="presOf" srcId="{40CE98B6-7B17-4A1C-B56D-A510FB156127}" destId="{2A9620BA-B741-45CD-9811-3E32ED2A75AE}" srcOrd="0" destOrd="0" presId="urn:microsoft.com/office/officeart/2005/8/layout/vList3"/>
+    <dgm:cxn modelId="{EF0D0484-4D9B-49EE-ADAA-CB95635E433E}" srcId="{8CDD8CF6-0521-443C-953D-66C7E945FFE4}" destId="{C4D56C75-215B-47B5-B0EE-AAA37AFA7894}" srcOrd="0" destOrd="0" parTransId="{2EB3752F-04A0-4FB8-B73A-758ED06CB00D}" sibTransId="{42604BAE-9874-49A0-91B5-0A571C53DBF8}"/>
+    <dgm:cxn modelId="{570F09BF-154F-4312-8269-176BF171FDE6}" srcId="{8CDD8CF6-0521-443C-953D-66C7E945FFE4}" destId="{5D15E311-A1FD-43CE-8ADB-5C16028BA30F}" srcOrd="2" destOrd="0" parTransId="{A29C397D-9FC9-4394-9579-11AAA5A29D47}" sibTransId="{427601A5-CAF1-4178-BF38-C50DFC4D2BF1}"/>
+    <dgm:cxn modelId="{2FD401CC-2061-424F-9360-24E4EB5F946C}" type="presOf" srcId="{C4D56C75-215B-47B5-B0EE-AAA37AFA7894}" destId="{3CFFDBED-22E7-42DD-869D-68DDB27DBCFA}" srcOrd="0" destOrd="0" presId="urn:microsoft.com/office/officeart/2005/8/layout/vList3"/>
+    <dgm:cxn modelId="{7E293EDF-C298-4CC6-94BB-A74B3E9726ED}" type="presOf" srcId="{85B7942F-4078-45FD-8057-49DA9BC4B716}" destId="{50772E46-F5E4-4FB9-9403-01C44A6EE54D}" srcOrd="0" destOrd="0" presId="urn:microsoft.com/office/officeart/2005/8/layout/vList3"/>
+    <dgm:cxn modelId="{3169E8DF-9CAC-488F-B143-58C011479FF8}" type="presOf" srcId="{8CDD8CF6-0521-443C-953D-66C7E945FFE4}" destId="{7E474F9C-2627-4C14-ABCB-2616BC1D5183}" srcOrd="0" destOrd="0" presId="urn:microsoft.com/office/officeart/2005/8/layout/vList3"/>
+    <dgm:cxn modelId="{85E386E6-AF7D-4B33-8EF0-29C417592077}" srcId="{8CDD8CF6-0521-443C-953D-66C7E945FFE4}" destId="{40CE98B6-7B17-4A1C-B56D-A510FB156127}" srcOrd="3" destOrd="0" parTransId="{3675D6D4-72F6-42F9-A070-EC1FCDCA68E5}" sibTransId="{059EA570-2130-4D38-A3FA-ED447F3D3E2C}"/>
+    <dgm:cxn modelId="{5CA80D69-89E3-413F-83DF-2FA12D6B9571}" type="presParOf" srcId="{7E474F9C-2627-4C14-ABCB-2616BC1D5183}" destId="{0BCFEC3C-2326-4A1B-B44E-ED35BB740714}" srcOrd="0" destOrd="0" presId="urn:microsoft.com/office/officeart/2005/8/layout/vList3"/>
+    <dgm:cxn modelId="{E87A490A-A6AE-42AE-BF36-A46335D2FC77}" type="presParOf" srcId="{0BCFEC3C-2326-4A1B-B44E-ED35BB740714}" destId="{04D8072E-3488-4E6D-9AE8-52A94EB61490}" srcOrd="0" destOrd="0" presId="urn:microsoft.com/office/officeart/2005/8/layout/vList3"/>
+    <dgm:cxn modelId="{1A2ACE2A-E3DA-4B18-9A99-1DAB323AE372}" type="presParOf" srcId="{0BCFEC3C-2326-4A1B-B44E-ED35BB740714}" destId="{3CFFDBED-22E7-42DD-869D-68DDB27DBCFA}" srcOrd="1" destOrd="0" presId="urn:microsoft.com/office/officeart/2005/8/layout/vList3"/>
+    <dgm:cxn modelId="{C096DBBE-8113-400B-8868-635A06C4E064}" type="presParOf" srcId="{7E474F9C-2627-4C14-ABCB-2616BC1D5183}" destId="{2F1D695E-B2A2-4714-8A5E-02BBAC019932}" srcOrd="1" destOrd="0" presId="urn:microsoft.com/office/officeart/2005/8/layout/vList3"/>
+    <dgm:cxn modelId="{1B9AB4F2-F32B-4A1C-9377-003CCBC98D89}" type="presParOf" srcId="{7E474F9C-2627-4C14-ABCB-2616BC1D5183}" destId="{431611EE-16AB-4012-AA90-FB179F549781}" srcOrd="2" destOrd="0" presId="urn:microsoft.com/office/officeart/2005/8/layout/vList3"/>
+    <dgm:cxn modelId="{921503BF-32B6-4029-991D-58C4C5CDE178}" type="presParOf" srcId="{431611EE-16AB-4012-AA90-FB179F549781}" destId="{23233F74-0B91-4DFB-94A7-E83D606160F0}" srcOrd="0" destOrd="0" presId="urn:microsoft.com/office/officeart/2005/8/layout/vList3"/>
+    <dgm:cxn modelId="{84E19C6F-A29F-421D-963C-BB5FF55525AC}" type="presParOf" srcId="{431611EE-16AB-4012-AA90-FB179F549781}" destId="{0E4D1F20-0DB1-4A3D-A487-6CE96BE3BF6B}" srcOrd="1" destOrd="0" presId="urn:microsoft.com/office/officeart/2005/8/layout/vList3"/>
+    <dgm:cxn modelId="{11E9F189-CF7C-44EB-9020-97D2BE32972A}" type="presParOf" srcId="{7E474F9C-2627-4C14-ABCB-2616BC1D5183}" destId="{D848F648-861C-4DC1-8A21-85FC6CB79652}" srcOrd="3" destOrd="0" presId="urn:microsoft.com/office/officeart/2005/8/layout/vList3"/>
+    <dgm:cxn modelId="{A63B772D-318A-4963-95C8-B0B3546405F7}" type="presParOf" srcId="{7E474F9C-2627-4C14-ABCB-2616BC1D5183}" destId="{101A98AE-2901-4651-B01D-32C8808D9743}" srcOrd="4" destOrd="0" presId="urn:microsoft.com/office/officeart/2005/8/layout/vList3"/>
+    <dgm:cxn modelId="{0C986BC8-7F99-4C7F-A45A-18FDA86CEADA}" type="presParOf" srcId="{101A98AE-2901-4651-B01D-32C8808D9743}" destId="{C335AEC9-E7C5-41CA-893D-B5F1515C0C24}" srcOrd="0" destOrd="0" presId="urn:microsoft.com/office/officeart/2005/8/layout/vList3"/>
+    <dgm:cxn modelId="{C098ABA7-25C1-463B-B274-2DCD5631D7A9}" type="presParOf" srcId="{101A98AE-2901-4651-B01D-32C8808D9743}" destId="{FAA343AB-657E-4FB6-A8D8-D752FB3BFC4E}" srcOrd="1" destOrd="0" presId="urn:microsoft.com/office/officeart/2005/8/layout/vList3"/>
+    <dgm:cxn modelId="{F24E538D-59A0-447A-A465-1C95E212FA92}" type="presParOf" srcId="{7E474F9C-2627-4C14-ABCB-2616BC1D5183}" destId="{FBB175AC-579E-46C8-AC09-2FDD1C26A5EE}" srcOrd="5" destOrd="0" presId="urn:microsoft.com/office/officeart/2005/8/layout/vList3"/>
+    <dgm:cxn modelId="{D72F36D1-4710-442A-AB78-F08298030D1B}" type="presParOf" srcId="{7E474F9C-2627-4C14-ABCB-2616BC1D5183}" destId="{52C637E6-61A1-45F7-BE1B-C541FC3762BD}" srcOrd="6" destOrd="0" presId="urn:microsoft.com/office/officeart/2005/8/layout/vList3"/>
+    <dgm:cxn modelId="{D62A313F-F383-4124-A0AE-FB6AD9C8F18B}" type="presParOf" srcId="{52C637E6-61A1-45F7-BE1B-C541FC3762BD}" destId="{56690C92-AA94-4B47-A583-2884B9585C23}" srcOrd="0" destOrd="0" presId="urn:microsoft.com/office/officeart/2005/8/layout/vList3"/>
+    <dgm:cxn modelId="{B2BC6819-98B1-4052-BB3A-4D5BC0D34EBB}" type="presParOf" srcId="{52C637E6-61A1-45F7-BE1B-C541FC3762BD}" destId="{2A9620BA-B741-45CD-9811-3E32ED2A75AE}" srcOrd="1" destOrd="0" presId="urn:microsoft.com/office/officeart/2005/8/layout/vList3"/>
+    <dgm:cxn modelId="{6AC0B681-D242-4AD0-8490-A80EFB880F68}" type="presParOf" srcId="{7E474F9C-2627-4C14-ABCB-2616BC1D5183}" destId="{214FFCAC-DC5F-42D0-8E57-8C07F3CD7B87}" srcOrd="7" destOrd="0" presId="urn:microsoft.com/office/officeart/2005/8/layout/vList3"/>
+    <dgm:cxn modelId="{C0928FAB-63C2-42FC-B3B7-E6EBD7AC76D3}" type="presParOf" srcId="{7E474F9C-2627-4C14-ABCB-2616BC1D5183}" destId="{25390CF5-330F-4E31-BB58-415047E4F3CD}" srcOrd="8" destOrd="0" presId="urn:microsoft.com/office/officeart/2005/8/layout/vList3"/>
+    <dgm:cxn modelId="{B5A7445B-7CFD-4EC1-AB33-032ABDBD9E29}" type="presParOf" srcId="{25390CF5-330F-4E31-BB58-415047E4F3CD}" destId="{7F5CBE9A-D910-4BB0-8870-2403BAB2C9C9}" srcOrd="0" destOrd="0" presId="urn:microsoft.com/office/officeart/2005/8/layout/vList3"/>
+    <dgm:cxn modelId="{406A887A-FBFA-48AB-BC77-D1CD3B5ABE33}" type="presParOf" srcId="{25390CF5-330F-4E31-BB58-415047E4F3CD}" destId="{50772E46-F5E4-4FB9-9403-01C44A6EE54D}" srcOrd="1" destOrd="0" presId="urn:microsoft.com/office/officeart/2005/8/layout/vList3"/>
   </dgm:cxnLst>
   <dgm:bg/>
   <dgm:whole/>
@@ -2306,57 +1731,48 @@
       <dsp:cNvGrpSpPr/>
     </dsp:nvGrpSpPr>
     <dsp:grpSpPr/>
-    <dsp:sp modelId="{124EF20B-D98C-45B2-BB13-7B93B5373CEB}">
+    <dsp:sp modelId="{3CFFDBED-22E7-42DD-869D-68DDB27DBCFA}">
       <dsp:nvSpPr>
         <dsp:cNvPr id="0" name=""/>
         <dsp:cNvSpPr/>
       </dsp:nvSpPr>
       <dsp:spPr>
-        <a:xfrm>
-          <a:off x="0" y="0"/>
-          <a:ext cx="4316650" cy="1339691"/>
+        <a:xfrm rot="10800000">
+          <a:off x="1579404" y="4083"/>
+          <a:ext cx="5403712" cy="873274"/>
         </a:xfrm>
-        <a:prstGeom prst="roundRect">
-          <a:avLst>
-            <a:gd name="adj" fmla="val 10000"/>
-          </a:avLst>
+        <a:prstGeom prst="homePlate">
+          <a:avLst/>
         </a:prstGeom>
-        <a:gradFill rotWithShape="0">
-          <a:gsLst>
-            <a:gs pos="0">
-              <a:srgbClr val="703000"/>
-            </a:gs>
-            <a:gs pos="50000">
-              <a:srgbClr val="A44A00"/>
-            </a:gs>
-            <a:gs pos="70000">
-              <a:srgbClr val="BC5500"/>
-            </a:gs>
-            <a:gs pos="100000">
-              <a:srgbClr val="F26D00"/>
-            </a:gs>
-          </a:gsLst>
-          <a:lin ang="16200000" scaled="0"/>
-        </a:gradFill>
-        <a:ln>
-          <a:noFill/>
+        <a:solidFill>
+          <a:schemeClr val="accent1">
+            <a:hueOff val="0"/>
+            <a:satOff val="0"/>
+            <a:lumOff val="0"/>
+            <a:alphaOff val="0"/>
+          </a:schemeClr>
+        </a:solidFill>
+        <a:ln w="25400" cap="flat" cmpd="sng" algn="ctr">
+          <a:solidFill>
+            <a:schemeClr val="lt1">
+              <a:hueOff val="0"/>
+              <a:satOff val="0"/>
+              <a:lumOff val="0"/>
+              <a:alphaOff val="0"/>
+            </a:schemeClr>
+          </a:solidFill>
+          <a:miter lim="800000"/>
         </a:ln>
-        <a:effectLst>
-          <a:outerShdw blurRad="38100" dist="25400" dir="2700000" algn="br" rotWithShape="0">
-            <a:srgbClr val="000000">
-              <a:alpha val="60000"/>
-            </a:srgbClr>
-          </a:outerShdw>
-        </a:effectLst>
+        <a:effectLst/>
       </dsp:spPr>
       <dsp:style>
-        <a:lnRef idx="0">
+        <a:lnRef idx="2">
           <a:scrgbClr r="0" g="0" b="0"/>
         </a:lnRef>
-        <a:fillRef idx="3">
+        <a:fillRef idx="1">
           <a:scrgbClr r="0" g="0" b="0"/>
         </a:fillRef>
-        <a:effectRef idx="2">
+        <a:effectRef idx="0">
           <a:scrgbClr r="0" g="0" b="0"/>
         </a:effectRef>
         <a:fontRef idx="minor">
@@ -2364,12 +1780,12 @@
         </a:fontRef>
       </dsp:style>
       <dsp:txBody>
-        <a:bodyPr spcFirstLastPara="0" vert="horz" wrap="square" lIns="182880" tIns="182880" rIns="182880" bIns="182880" numCol="1" spcCol="1270" rtlCol="0" anchor="ctr" anchorCtr="0">
+        <a:bodyPr spcFirstLastPara="0" vert="horz" wrap="square" lIns="385090" tIns="125730" rIns="234696" bIns="125730" numCol="1" spcCol="1270" anchor="ctr" anchorCtr="0">
           <a:noAutofit/>
         </a:bodyPr>
         <a:lstStyle/>
         <a:p>
-          <a:pPr marL="0" lvl="0" indent="0" algn="l" defTabSz="2133600" rtl="0">
+          <a:pPr marL="0" lvl="0" indent="0" algn="ctr" defTabSz="1466850">
             <a:lnSpc>
               <a:spcPct val="90000"/>
             </a:lnSpc>
@@ -2382,97 +1798,106 @@
             <a:buNone/>
           </a:pPr>
           <a:r>
-            <a:rPr lang="de-DE" sz="4800" kern="1200" noProof="0" dirty="0"/>
-            <a:t>Aufgabe 1</a:t>
+            <a:rPr lang="de-DE" sz="3300" kern="1200" dirty="0"/>
+            <a:t>Projektphasen</a:t>
           </a:r>
         </a:p>
       </dsp:txBody>
-      <dsp:txXfrm>
-        <a:off x="39238" y="39238"/>
-        <a:ext cx="2871019" cy="1261215"/>
+      <dsp:txXfrm rot="10800000">
+        <a:off x="1797722" y="4083"/>
+        <a:ext cx="5185394" cy="873274"/>
       </dsp:txXfrm>
     </dsp:sp>
-    <dsp:sp modelId="{CA544AF7-F7B2-4CA5-9251-B4CDB8D06634}">
+    <dsp:sp modelId="{04D8072E-3488-4E6D-9AE8-52A94EB61490}">
       <dsp:nvSpPr>
         <dsp:cNvPr id="0" name=""/>
         <dsp:cNvSpPr/>
       </dsp:nvSpPr>
       <dsp:spPr>
         <a:xfrm>
-          <a:off x="380880" y="1562972"/>
-          <a:ext cx="4316650" cy="1339691"/>
+          <a:off x="1142766" y="4083"/>
+          <a:ext cx="873274" cy="873274"/>
         </a:xfrm>
-        <a:prstGeom prst="roundRect">
-          <a:avLst>
-            <a:gd name="adj" fmla="val 10000"/>
-          </a:avLst>
+        <a:prstGeom prst="ellipse">
+          <a:avLst/>
         </a:prstGeom>
-        <a:gradFill rotWithShape="0">
-          <a:gsLst>
-            <a:gs pos="0">
-              <a:schemeClr val="accent3">
-                <a:hueOff val="0"/>
-                <a:satOff val="0"/>
-                <a:lumOff val="0"/>
-                <a:alphaOff val="0"/>
-                <a:shade val="15000"/>
-                <a:satMod val="180000"/>
-              </a:schemeClr>
-            </a:gs>
-            <a:gs pos="50000">
-              <a:schemeClr val="accent3">
-                <a:hueOff val="0"/>
-                <a:satOff val="0"/>
-                <a:lumOff val="0"/>
-                <a:alphaOff val="0"/>
-                <a:shade val="45000"/>
-                <a:satMod val="170000"/>
-              </a:schemeClr>
-            </a:gs>
-            <a:gs pos="70000">
-              <a:schemeClr val="accent3">
-                <a:hueOff val="0"/>
-                <a:satOff val="0"/>
-                <a:lumOff val="0"/>
-                <a:alphaOff val="0"/>
-                <a:tint val="99000"/>
-                <a:shade val="65000"/>
-                <a:satMod val="155000"/>
-              </a:schemeClr>
-            </a:gs>
-            <a:gs pos="100000">
-              <a:schemeClr val="accent3">
-                <a:hueOff val="0"/>
-                <a:satOff val="0"/>
-                <a:lumOff val="0"/>
-                <a:alphaOff val="0"/>
-                <a:tint val="100000"/>
-                <a:shade val="100000"/>
-                <a:satMod val="155000"/>
-              </a:schemeClr>
-            </a:gs>
-          </a:gsLst>
-          <a:lin ang="16200000" scaled="0"/>
-        </a:gradFill>
-        <a:ln>
-          <a:noFill/>
+        <a:solidFill>
+          <a:schemeClr val="accent1">
+            <a:tint val="50000"/>
+            <a:hueOff val="0"/>
+            <a:satOff val="0"/>
+            <a:lumOff val="0"/>
+            <a:alphaOff val="0"/>
+          </a:schemeClr>
+        </a:solidFill>
+        <a:ln w="25400" cap="flat" cmpd="sng" algn="ctr">
+          <a:solidFill>
+            <a:schemeClr val="lt1">
+              <a:hueOff val="0"/>
+              <a:satOff val="0"/>
+              <a:lumOff val="0"/>
+              <a:alphaOff val="0"/>
+            </a:schemeClr>
+          </a:solidFill>
+          <a:miter lim="800000"/>
         </a:ln>
-        <a:effectLst>
-          <a:outerShdw blurRad="38100" dist="25400" dir="2700000" algn="br" rotWithShape="0">
-            <a:srgbClr val="000000">
-              <a:alpha val="60000"/>
-            </a:srgbClr>
-          </a:outerShdw>
-        </a:effectLst>
+        <a:effectLst/>
       </dsp:spPr>
       <dsp:style>
-        <a:lnRef idx="0">
+        <a:lnRef idx="2">
           <a:scrgbClr r="0" g="0" b="0"/>
         </a:lnRef>
-        <a:fillRef idx="3">
+        <a:fillRef idx="1">
           <a:scrgbClr r="0" g="0" b="0"/>
         </a:fillRef>
-        <a:effectRef idx="2">
+        <a:effectRef idx="0">
+          <a:scrgbClr r="0" g="0" b="0"/>
+        </a:effectRef>
+        <a:fontRef idx="minor"/>
+      </dsp:style>
+    </dsp:sp>
+    <dsp:sp modelId="{0E4D1F20-0DB1-4A3D-A487-6CE96BE3BF6B}">
+      <dsp:nvSpPr>
+        <dsp:cNvPr id="0" name=""/>
+        <dsp:cNvSpPr/>
+      </dsp:nvSpPr>
+      <dsp:spPr>
+        <a:xfrm rot="10800000">
+          <a:off x="1579404" y="1138037"/>
+          <a:ext cx="5403712" cy="873274"/>
+        </a:xfrm>
+        <a:prstGeom prst="homePlate">
+          <a:avLst/>
+        </a:prstGeom>
+        <a:solidFill>
+          <a:schemeClr val="accent1">
+            <a:hueOff val="0"/>
+            <a:satOff val="0"/>
+            <a:lumOff val="0"/>
+            <a:alphaOff val="0"/>
+          </a:schemeClr>
+        </a:solidFill>
+        <a:ln w="25400" cap="flat" cmpd="sng" algn="ctr">
+          <a:solidFill>
+            <a:schemeClr val="lt1">
+              <a:hueOff val="0"/>
+              <a:satOff val="0"/>
+              <a:lumOff val="0"/>
+              <a:alphaOff val="0"/>
+            </a:schemeClr>
+          </a:solidFill>
+          <a:miter lim="800000"/>
+        </a:ln>
+        <a:effectLst/>
+      </dsp:spPr>
+      <dsp:style>
+        <a:lnRef idx="2">
+          <a:scrgbClr r="0" g="0" b="0"/>
+        </a:lnRef>
+        <a:fillRef idx="1">
+          <a:scrgbClr r="0" g="0" b="0"/>
+        </a:fillRef>
+        <a:effectRef idx="0">
           <a:scrgbClr r="0" g="0" b="0"/>
         </a:effectRef>
         <a:fontRef idx="minor">
@@ -2480,12 +1905,12 @@
         </a:fontRef>
       </dsp:style>
       <dsp:txBody>
-        <a:bodyPr spcFirstLastPara="0" vert="horz" wrap="square" lIns="182880" tIns="182880" rIns="182880" bIns="182880" numCol="1" spcCol="1270" rtlCol="0" anchor="ctr" anchorCtr="0">
+        <a:bodyPr spcFirstLastPara="0" vert="horz" wrap="square" lIns="385090" tIns="125730" rIns="234696" bIns="125730" numCol="1" spcCol="1270" anchor="ctr" anchorCtr="0">
           <a:noAutofit/>
         </a:bodyPr>
         <a:lstStyle/>
         <a:p>
-          <a:pPr marL="0" lvl="0" indent="0" algn="l" defTabSz="2133600" rtl="0">
+          <a:pPr marL="0" lvl="0" indent="0" algn="ctr" defTabSz="1466850">
             <a:lnSpc>
               <a:spcPct val="90000"/>
             </a:lnSpc>
@@ -2498,75 +1923,106 @@
             <a:buNone/>
           </a:pPr>
           <a:r>
-            <a:rPr lang="de-DE" sz="4800" kern="1200" noProof="0" dirty="0"/>
-            <a:t>Aufgabe 2</a:t>
+            <a:rPr lang="de-DE" sz="3300" kern="1200" dirty="0"/>
+            <a:t>Analyse der c‘t</a:t>
           </a:r>
         </a:p>
       </dsp:txBody>
-      <dsp:txXfrm>
-        <a:off x="420118" y="1602210"/>
-        <a:ext cx="2986494" cy="1261215"/>
+      <dsp:txXfrm rot="10800000">
+        <a:off x="1797722" y="1138037"/>
+        <a:ext cx="5185394" cy="873274"/>
       </dsp:txXfrm>
     </dsp:sp>
-    <dsp:sp modelId="{2AE92D3F-F0FA-45DD-BB60-4C6FBC6BC016}">
+    <dsp:sp modelId="{23233F74-0B91-4DFB-94A7-E83D606160F0}">
       <dsp:nvSpPr>
         <dsp:cNvPr id="0" name=""/>
         <dsp:cNvSpPr/>
       </dsp:nvSpPr>
       <dsp:spPr>
         <a:xfrm>
-          <a:off x="761761" y="3125945"/>
-          <a:ext cx="4316650" cy="1339691"/>
+          <a:off x="1142766" y="1138037"/>
+          <a:ext cx="873274" cy="873274"/>
         </a:xfrm>
-        <a:prstGeom prst="roundRect">
-          <a:avLst>
-            <a:gd name="adj" fmla="val 10000"/>
-          </a:avLst>
+        <a:prstGeom prst="ellipse">
+          <a:avLst/>
         </a:prstGeom>
-        <a:gradFill rotWithShape="0">
-          <a:gsLst>
-            <a:gs pos="0">
-              <a:srgbClr val="394404"/>
-            </a:gs>
-            <a:gs pos="50000">
-              <a:srgbClr val="5F6F0F"/>
-            </a:gs>
-            <a:gs pos="70000">
-              <a:srgbClr val="65741A"/>
-            </a:gs>
-            <a:gs pos="100000">
-              <a:schemeClr val="accent4">
-                <a:hueOff val="0"/>
-                <a:satOff val="0"/>
-                <a:lumOff val="0"/>
-                <a:alphaOff val="0"/>
-                <a:tint val="100000"/>
-                <a:shade val="100000"/>
-                <a:satMod val="155000"/>
-              </a:schemeClr>
-            </a:gs>
-          </a:gsLst>
-          <a:lin ang="16200000" scaled="0"/>
-        </a:gradFill>
-        <a:ln>
-          <a:noFill/>
+        <a:solidFill>
+          <a:schemeClr val="accent1">
+            <a:tint val="50000"/>
+            <a:hueOff val="0"/>
+            <a:satOff val="0"/>
+            <a:lumOff val="0"/>
+            <a:alphaOff val="0"/>
+          </a:schemeClr>
+        </a:solidFill>
+        <a:ln w="25400" cap="flat" cmpd="sng" algn="ctr">
+          <a:solidFill>
+            <a:schemeClr val="lt1">
+              <a:hueOff val="0"/>
+              <a:satOff val="0"/>
+              <a:lumOff val="0"/>
+              <a:alphaOff val="0"/>
+            </a:schemeClr>
+          </a:solidFill>
+          <a:miter lim="800000"/>
         </a:ln>
-        <a:effectLst>
-          <a:outerShdw blurRad="38100" dist="25400" dir="2700000" algn="br" rotWithShape="0">
-            <a:srgbClr val="000000">
-              <a:alpha val="60000"/>
-            </a:srgbClr>
-          </a:outerShdw>
-        </a:effectLst>
+        <a:effectLst/>
       </dsp:spPr>
       <dsp:style>
-        <a:lnRef idx="0">
+        <a:lnRef idx="2">
           <a:scrgbClr r="0" g="0" b="0"/>
         </a:lnRef>
-        <a:fillRef idx="3">
+        <a:fillRef idx="1">
           <a:scrgbClr r="0" g="0" b="0"/>
         </a:fillRef>
-        <a:effectRef idx="2">
+        <a:effectRef idx="0">
+          <a:scrgbClr r="0" g="0" b="0"/>
+        </a:effectRef>
+        <a:fontRef idx="minor"/>
+      </dsp:style>
+    </dsp:sp>
+    <dsp:sp modelId="{FAA343AB-657E-4FB6-A8D8-D752FB3BFC4E}">
+      <dsp:nvSpPr>
+        <dsp:cNvPr id="0" name=""/>
+        <dsp:cNvSpPr/>
+      </dsp:nvSpPr>
+      <dsp:spPr>
+        <a:xfrm rot="10800000">
+          <a:off x="1579404" y="2271990"/>
+          <a:ext cx="5403712" cy="873274"/>
+        </a:xfrm>
+        <a:prstGeom prst="homePlate">
+          <a:avLst/>
+        </a:prstGeom>
+        <a:solidFill>
+          <a:schemeClr val="accent1">
+            <a:hueOff val="0"/>
+            <a:satOff val="0"/>
+            <a:lumOff val="0"/>
+            <a:alphaOff val="0"/>
+          </a:schemeClr>
+        </a:solidFill>
+        <a:ln w="25400" cap="flat" cmpd="sng" algn="ctr">
+          <a:solidFill>
+            <a:schemeClr val="lt1">
+              <a:hueOff val="0"/>
+              <a:satOff val="0"/>
+              <a:lumOff val="0"/>
+              <a:alphaOff val="0"/>
+            </a:schemeClr>
+          </a:solidFill>
+          <a:miter lim="800000"/>
+        </a:ln>
+        <a:effectLst/>
+      </dsp:spPr>
+      <dsp:style>
+        <a:lnRef idx="2">
+          <a:scrgbClr r="0" g="0" b="0"/>
+        </a:lnRef>
+        <a:fillRef idx="1">
+          <a:scrgbClr r="0" g="0" b="0"/>
+        </a:fillRef>
+        <a:effectRef idx="0">
           <a:scrgbClr r="0" g="0" b="0"/>
         </a:effectRef>
         <a:fontRef idx="minor">
@@ -2574,12 +2030,12 @@
         </a:fontRef>
       </dsp:style>
       <dsp:txBody>
-        <a:bodyPr spcFirstLastPara="0" vert="horz" wrap="square" lIns="182880" tIns="182880" rIns="182880" bIns="182880" numCol="1" spcCol="1270" rtlCol="0" anchor="ctr" anchorCtr="0">
+        <a:bodyPr spcFirstLastPara="0" vert="horz" wrap="square" lIns="385090" tIns="125730" rIns="234696" bIns="125730" numCol="1" spcCol="1270" anchor="ctr" anchorCtr="0">
           <a:noAutofit/>
         </a:bodyPr>
         <a:lstStyle/>
         <a:p>
-          <a:pPr marL="0" lvl="0" indent="0" algn="l" defTabSz="2133600" rtl="0">
+          <a:pPr marL="0" lvl="0" indent="0" algn="ctr" defTabSz="1466850">
             <a:lnSpc>
               <a:spcPct val="90000"/>
             </a:lnSpc>
@@ -2592,47 +2048,41 @@
             <a:buNone/>
           </a:pPr>
           <a:r>
-            <a:rPr lang="de-DE" sz="4800" kern="1200" noProof="0" dirty="0"/>
-            <a:t>Aufgabe 3</a:t>
+            <a:rPr lang="de-DE" sz="3300" kern="1200" dirty="0"/>
+            <a:t>Entwurf des Webinterface</a:t>
           </a:r>
         </a:p>
       </dsp:txBody>
-      <dsp:txXfrm>
-        <a:off x="800999" y="3165183"/>
-        <a:ext cx="2986494" cy="1261215"/>
+      <dsp:txXfrm rot="10800000">
+        <a:off x="1797722" y="2271990"/>
+        <a:ext cx="5185394" cy="873274"/>
       </dsp:txXfrm>
     </dsp:sp>
-    <dsp:sp modelId="{9CA877D8-99F8-40A0-89E9-59A61C9A70F4}">
+    <dsp:sp modelId="{C335AEC9-E7C5-41CA-893D-B5F1515C0C24}">
       <dsp:nvSpPr>
         <dsp:cNvPr id="0" name=""/>
         <dsp:cNvSpPr/>
       </dsp:nvSpPr>
       <dsp:spPr>
         <a:xfrm>
-          <a:off x="3445850" y="1015932"/>
-          <a:ext cx="870799" cy="870799"/>
+          <a:off x="1142766" y="2271990"/>
+          <a:ext cx="873274" cy="873274"/>
         </a:xfrm>
-        <a:prstGeom prst="downArrow">
-          <a:avLst>
-            <a:gd name="adj1" fmla="val 55000"/>
-            <a:gd name="adj2" fmla="val 45000"/>
-          </a:avLst>
+        <a:prstGeom prst="ellipse">
+          <a:avLst/>
         </a:prstGeom>
         <a:solidFill>
-          <a:schemeClr val="accent2">
-            <a:tint val="40000"/>
-            <a:alpha val="90000"/>
+          <a:schemeClr val="accent1">
+            <a:tint val="50000"/>
             <a:hueOff val="0"/>
             <a:satOff val="0"/>
             <a:lumOff val="0"/>
             <a:alphaOff val="0"/>
           </a:schemeClr>
         </a:solidFill>
-        <a:ln w="9525" cap="flat" cmpd="sng" algn="ctr">
+        <a:ln w="25400" cap="flat" cmpd="sng" algn="ctr">
           <a:solidFill>
-            <a:schemeClr val="accent2">
-              <a:tint val="40000"/>
-              <a:alpha val="90000"/>
+            <a:schemeClr val="lt1">
               <a:hueOff val="0"/>
               <a:satOff val="0"/>
               <a:lumOff val="0"/>
@@ -2644,7 +2094,7 @@
         <a:effectLst/>
       </dsp:spPr>
       <dsp:style>
-        <a:lnRef idx="1">
+        <a:lnRef idx="2">
           <a:scrgbClr r="0" g="0" b="0"/>
         </a:lnRef>
         <a:fillRef idx="1">
@@ -2655,13 +2105,62 @@
         </a:effectRef>
         <a:fontRef idx="minor"/>
       </dsp:style>
+    </dsp:sp>
+    <dsp:sp modelId="{2A9620BA-B741-45CD-9811-3E32ED2A75AE}">
+      <dsp:nvSpPr>
+        <dsp:cNvPr id="0" name=""/>
+        <dsp:cNvSpPr/>
+      </dsp:nvSpPr>
+      <dsp:spPr>
+        <a:xfrm rot="10800000">
+          <a:off x="1579404" y="3405944"/>
+          <a:ext cx="5403712" cy="873274"/>
+        </a:xfrm>
+        <a:prstGeom prst="homePlate">
+          <a:avLst/>
+        </a:prstGeom>
+        <a:solidFill>
+          <a:schemeClr val="accent1">
+            <a:hueOff val="0"/>
+            <a:satOff val="0"/>
+            <a:lumOff val="0"/>
+            <a:alphaOff val="0"/>
+          </a:schemeClr>
+        </a:solidFill>
+        <a:ln w="25400" cap="flat" cmpd="sng" algn="ctr">
+          <a:solidFill>
+            <a:schemeClr val="lt1">
+              <a:hueOff val="0"/>
+              <a:satOff val="0"/>
+              <a:lumOff val="0"/>
+              <a:alphaOff val="0"/>
+            </a:schemeClr>
+          </a:solidFill>
+          <a:miter lim="800000"/>
+        </a:ln>
+        <a:effectLst/>
+      </dsp:spPr>
+      <dsp:style>
+        <a:lnRef idx="2">
+          <a:scrgbClr r="0" g="0" b="0"/>
+        </a:lnRef>
+        <a:fillRef idx="1">
+          <a:scrgbClr r="0" g="0" b="0"/>
+        </a:fillRef>
+        <a:effectRef idx="0">
+          <a:scrgbClr r="0" g="0" b="0"/>
+        </a:effectRef>
+        <a:fontRef idx="minor">
+          <a:schemeClr val="lt1"/>
+        </a:fontRef>
+      </dsp:style>
       <dsp:txBody>
-        <a:bodyPr spcFirstLastPara="0" vert="horz" wrap="square" lIns="45720" tIns="45720" rIns="45720" bIns="45720" numCol="1" spcCol="1270" rtlCol="0" anchor="ctr" anchorCtr="0">
+        <a:bodyPr spcFirstLastPara="0" vert="horz" wrap="square" lIns="385090" tIns="125730" rIns="234696" bIns="125730" numCol="1" spcCol="1270" anchor="ctr" anchorCtr="0">
           <a:noAutofit/>
         </a:bodyPr>
         <a:lstStyle/>
         <a:p>
-          <a:pPr marL="0" lvl="0" indent="0" algn="ctr" defTabSz="1600200" rtl="0">
+          <a:pPr marL="0" lvl="0" indent="0" algn="ctr" defTabSz="1466850">
             <a:lnSpc>
               <a:spcPct val="90000"/>
             </a:lnSpc>
@@ -2673,45 +2172,42 @@
             </a:spcAft>
             <a:buNone/>
           </a:pPr>
-          <a:endParaRPr lang="en-US" sz="3600" kern="1200"/>
+          <a:r>
+            <a:rPr lang="de-DE" sz="3300" kern="1200" dirty="0"/>
+            <a:t>Umsetzung</a:t>
+          </a:r>
         </a:p>
       </dsp:txBody>
-      <dsp:txXfrm>
-        <a:off x="3641780" y="1015932"/>
-        <a:ext cx="478939" cy="655276"/>
+      <dsp:txXfrm rot="10800000">
+        <a:off x="1797722" y="3405944"/>
+        <a:ext cx="5185394" cy="873274"/>
       </dsp:txXfrm>
     </dsp:sp>
-    <dsp:sp modelId="{62643EF2-016C-41F1-8CBC-398422A85727}">
+    <dsp:sp modelId="{56690C92-AA94-4B47-A583-2884B9585C23}">
       <dsp:nvSpPr>
         <dsp:cNvPr id="0" name=""/>
         <dsp:cNvSpPr/>
       </dsp:nvSpPr>
       <dsp:spPr>
         <a:xfrm>
-          <a:off x="3826731" y="2569974"/>
-          <a:ext cx="870799" cy="870799"/>
+          <a:off x="1142766" y="3405944"/>
+          <a:ext cx="873274" cy="873274"/>
         </a:xfrm>
-        <a:prstGeom prst="downArrow">
-          <a:avLst>
-            <a:gd name="adj1" fmla="val 55000"/>
-            <a:gd name="adj2" fmla="val 45000"/>
-          </a:avLst>
+        <a:prstGeom prst="ellipse">
+          <a:avLst/>
         </a:prstGeom>
         <a:solidFill>
-          <a:schemeClr val="accent3">
-            <a:tint val="40000"/>
-            <a:alpha val="90000"/>
+          <a:schemeClr val="accent1">
+            <a:tint val="50000"/>
             <a:hueOff val="0"/>
             <a:satOff val="0"/>
             <a:lumOff val="0"/>
             <a:alphaOff val="0"/>
           </a:schemeClr>
         </a:solidFill>
-        <a:ln w="9525" cap="flat" cmpd="sng" algn="ctr">
+        <a:ln w="25400" cap="flat" cmpd="sng" algn="ctr">
           <a:solidFill>
-            <a:schemeClr val="accent3">
-              <a:tint val="40000"/>
-              <a:alpha val="90000"/>
+            <a:schemeClr val="lt1">
               <a:hueOff val="0"/>
               <a:satOff val="0"/>
               <a:lumOff val="0"/>
@@ -2723,7 +2219,7 @@
         <a:effectLst/>
       </dsp:spPr>
       <dsp:style>
-        <a:lnRef idx="1">
+        <a:lnRef idx="2">
           <a:scrgbClr r="0" g="0" b="0"/>
         </a:lnRef>
         <a:fillRef idx="1">
@@ -2734,13 +2230,62 @@
         </a:effectRef>
         <a:fontRef idx="minor"/>
       </dsp:style>
+    </dsp:sp>
+    <dsp:sp modelId="{50772E46-F5E4-4FB9-9403-01C44A6EE54D}">
+      <dsp:nvSpPr>
+        <dsp:cNvPr id="0" name=""/>
+        <dsp:cNvSpPr/>
+      </dsp:nvSpPr>
+      <dsp:spPr>
+        <a:xfrm rot="10800000">
+          <a:off x="1579404" y="4539897"/>
+          <a:ext cx="5403712" cy="873274"/>
+        </a:xfrm>
+        <a:prstGeom prst="homePlate">
+          <a:avLst/>
+        </a:prstGeom>
+        <a:solidFill>
+          <a:schemeClr val="accent1">
+            <a:hueOff val="0"/>
+            <a:satOff val="0"/>
+            <a:lumOff val="0"/>
+            <a:alphaOff val="0"/>
+          </a:schemeClr>
+        </a:solidFill>
+        <a:ln w="25400" cap="flat" cmpd="sng" algn="ctr">
+          <a:solidFill>
+            <a:schemeClr val="lt1">
+              <a:hueOff val="0"/>
+              <a:satOff val="0"/>
+              <a:lumOff val="0"/>
+              <a:alphaOff val="0"/>
+            </a:schemeClr>
+          </a:solidFill>
+          <a:miter lim="800000"/>
+        </a:ln>
+        <a:effectLst/>
+      </dsp:spPr>
+      <dsp:style>
+        <a:lnRef idx="2">
+          <a:scrgbClr r="0" g="0" b="0"/>
+        </a:lnRef>
+        <a:fillRef idx="1">
+          <a:scrgbClr r="0" g="0" b="0"/>
+        </a:fillRef>
+        <a:effectRef idx="0">
+          <a:scrgbClr r="0" g="0" b="0"/>
+        </a:effectRef>
+        <a:fontRef idx="minor">
+          <a:schemeClr val="lt1"/>
+        </a:fontRef>
+      </dsp:style>
       <dsp:txBody>
-        <a:bodyPr spcFirstLastPara="0" vert="horz" wrap="square" lIns="45720" tIns="45720" rIns="45720" bIns="45720" numCol="1" spcCol="1270" rtlCol="0" anchor="ctr" anchorCtr="0">
+        <a:bodyPr spcFirstLastPara="0" vert="horz" wrap="square" lIns="385090" tIns="125730" rIns="234696" bIns="125730" numCol="1" spcCol="1270" anchor="ctr" anchorCtr="0">
           <a:noAutofit/>
         </a:bodyPr>
         <a:lstStyle/>
         <a:p>
-          <a:pPr marL="0" lvl="0" indent="0" algn="ctr" defTabSz="1600200" rtl="0">
+          <a:pPr marL="0" lvl="0" indent="0" algn="ctr" defTabSz="1466850">
             <a:lnSpc>
               <a:spcPct val="90000"/>
             </a:lnSpc>
@@ -2752,44 +2297,82 @@
             </a:spcAft>
             <a:buNone/>
           </a:pPr>
-          <a:endParaRPr lang="en-US" sz="3600" kern="1200"/>
+          <a:r>
+            <a:rPr lang="de-DE" sz="3300" kern="1200" dirty="0"/>
+            <a:t>Soll- / Ist-Vergleich</a:t>
+          </a:r>
         </a:p>
       </dsp:txBody>
-      <dsp:txXfrm>
-        <a:off x="4022661" y="2569974"/>
-        <a:ext cx="478939" cy="655276"/>
+      <dsp:txXfrm rot="10800000">
+        <a:off x="1797722" y="4539897"/>
+        <a:ext cx="5185394" cy="873274"/>
       </dsp:txXfrm>
+    </dsp:sp>
+    <dsp:sp modelId="{7F5CBE9A-D910-4BB0-8870-2403BAB2C9C9}">
+      <dsp:nvSpPr>
+        <dsp:cNvPr id="0" name=""/>
+        <dsp:cNvSpPr/>
+      </dsp:nvSpPr>
+      <dsp:spPr>
+        <a:xfrm>
+          <a:off x="1142766" y="4539897"/>
+          <a:ext cx="873274" cy="873274"/>
+        </a:xfrm>
+        <a:prstGeom prst="ellipse">
+          <a:avLst/>
+        </a:prstGeom>
+        <a:solidFill>
+          <a:schemeClr val="accent1">
+            <a:tint val="50000"/>
+            <a:hueOff val="0"/>
+            <a:satOff val="0"/>
+            <a:lumOff val="0"/>
+            <a:alphaOff val="0"/>
+          </a:schemeClr>
+        </a:solidFill>
+        <a:ln w="25400" cap="flat" cmpd="sng" algn="ctr">
+          <a:solidFill>
+            <a:schemeClr val="lt1">
+              <a:hueOff val="0"/>
+              <a:satOff val="0"/>
+              <a:lumOff val="0"/>
+              <a:alphaOff val="0"/>
+            </a:schemeClr>
+          </a:solidFill>
+          <a:miter lim="800000"/>
+        </a:ln>
+        <a:effectLst/>
+      </dsp:spPr>
+      <dsp:style>
+        <a:lnRef idx="2">
+          <a:scrgbClr r="0" g="0" b="0"/>
+        </a:lnRef>
+        <a:fillRef idx="1">
+          <a:scrgbClr r="0" g="0" b="0"/>
+        </a:fillRef>
+        <a:effectRef idx="0">
+          <a:scrgbClr r="0" g="0" b="0"/>
+        </a:effectRef>
+        <a:fontRef idx="minor"/>
+      </dsp:style>
     </dsp:sp>
   </dsp:spTree>
 </dsp:drawing>
 </file>
 
 <file path=ppt/diagrams/layout1.xml><?xml version="1.0" encoding="utf-8"?>
-<dgm:layoutDef xmlns:dgm="http://schemas.openxmlformats.org/drawingml/2006/diagram" xmlns:a="http://schemas.openxmlformats.org/drawingml/2006/main" uniqueId="urn:microsoft.com/office/officeart/2005/8/layout/vProcess5">
+<dgm:layoutDef xmlns:dgm="http://schemas.openxmlformats.org/drawingml/2006/diagram" xmlns:a="http://schemas.openxmlformats.org/drawingml/2006/main" uniqueId="urn:microsoft.com/office/officeart/2005/8/layout/vList3">
   <dgm:title val=""/>
   <dgm:desc val=""/>
   <dgm:catLst>
-    <dgm:cat type="process" pri="14000"/>
+    <dgm:cat type="list" pri="14000"/>
+    <dgm:cat type="convert" pri="3000"/>
+    <dgm:cat type="picture" pri="27000"/>
+    <dgm:cat type="pictureconvert" pri="27000"/>
   </dgm:catLst>
-  <dgm:sampData>
+  <dgm:sampData useDef="1">
     <dgm:dataModel>
-      <dgm:ptLst>
-        <dgm:pt modelId="0" type="doc"/>
-        <dgm:pt modelId="1">
-          <dgm:prSet phldr="1"/>
-        </dgm:pt>
-        <dgm:pt modelId="2">
-          <dgm:prSet phldr="1"/>
-        </dgm:pt>
-        <dgm:pt modelId="3">
-          <dgm:prSet phldr="1"/>
-        </dgm:pt>
-      </dgm:ptLst>
-      <dgm:cxnLst>
-        <dgm:cxn modelId="5" srcId="0" destId="1" srcOrd="0" destOrd="0"/>
-        <dgm:cxn modelId="6" srcId="0" destId="2" srcOrd="1" destOrd="0"/>
-        <dgm:cxn modelId="7" srcId="0" destId="3" srcOrd="2" destOrd="0"/>
-      </dgm:cxnLst>
+      <dgm:ptLst/>
       <dgm:bg/>
       <dgm:whole/>
     </dgm:dataModel>
@@ -2819,387 +2402,103 @@
         <dgm:pt modelId="4"/>
       </dgm:ptLst>
       <dgm:cxnLst>
-        <dgm:cxn modelId="6" srcId="0" destId="1" srcOrd="0" destOrd="0"/>
-        <dgm:cxn modelId="7" srcId="0" destId="2" srcOrd="1" destOrd="0"/>
-        <dgm:cxn modelId="8" srcId="0" destId="3" srcOrd="2" destOrd="0"/>
-        <dgm:cxn modelId="9" srcId="0" destId="4" srcOrd="3" destOrd="0"/>
+        <dgm:cxn modelId="5" srcId="0" destId="1" srcOrd="0" destOrd="0"/>
+        <dgm:cxn modelId="6" srcId="0" destId="2" srcOrd="1" destOrd="0"/>
+        <dgm:cxn modelId="7" srcId="0" destId="3" srcOrd="2" destOrd="0"/>
+        <dgm:cxn modelId="8" srcId="0" destId="4" srcOrd="3" destOrd="0"/>
       </dgm:cxnLst>
       <dgm:bg/>
       <dgm:whole/>
     </dgm:dataModel>
   </dgm:clrData>
-  <dgm:layoutNode name="outerComposite">
+  <dgm:layoutNode name="linearFlow">
     <dgm:varLst>
-      <dgm:chMax val="5"/>
       <dgm:dir/>
       <dgm:resizeHandles val="exact"/>
     </dgm:varLst>
-    <dgm:alg type="composite"/>
+    <dgm:alg type="lin">
+      <dgm:param type="linDir" val="fromT"/>
+      <dgm:param type="vertAlign" val="mid"/>
+      <dgm:param type="horzAlign" val="ctr"/>
+    </dgm:alg>
     <dgm:shape xmlns:r="http://schemas.openxmlformats.org/officeDocument/2006/relationships" r:blip="">
       <dgm:adjLst/>
     </dgm:shape>
     <dgm:presOf/>
-    <dgm:choose name="Name0">
-      <dgm:if name="Name1" func="var" arg="dir" op="equ" val="norm">
-        <dgm:constrLst>
-          <dgm:constr type="primFontSz" for="ch" ptType="node" op="equ" val="65"/>
-          <dgm:constr type="w" for="ch" forName="dummyMaxCanvas" refType="w"/>
-          <dgm:constr type="h" for="ch" forName="dummyMaxCanvas" refType="h"/>
-          <dgm:constr type="w" for="ch" forName="OneNode_1" refType="w"/>
-          <dgm:constr type="h" for="ch" forName="OneNode_1" refType="h" fact="0.5"/>
-          <dgm:constr type="ctrY" for="ch" forName="OneNode_1" refType="h" fact="0.5"/>
-          <dgm:constr type="w" for="ch" forName="TwoNodes_1" refType="w" fact="0.85"/>
-          <dgm:constr type="h" for="ch" forName="TwoNodes_1" refType="h" fact="0.45"/>
-          <dgm:constr type="t" for="ch" forName="TwoNodes_1"/>
-          <dgm:constr type="l" for="ch" forName="TwoNodes_1"/>
-          <dgm:constr type="w" for="ch" forName="TwoNodes_2" refType="w" fact="0.85"/>
-          <dgm:constr type="h" for="ch" forName="TwoNodes_2" refType="h" fact="0.45"/>
-          <dgm:constr type="b" for="ch" forName="TwoNodes_2" refType="h"/>
-          <dgm:constr type="r" for="ch" forName="TwoNodes_2" refType="w"/>
-          <dgm:constr type="w" for="ch" forName="TwoConn_1-2" refType="h" refFor="ch" refForName="TwoNodes_1" fact="0.65"/>
-          <dgm:constr type="h" for="ch" forName="TwoConn_1-2" refType="h" refFor="ch" refForName="TwoNodes_1" fact="0.65"/>
-          <dgm:constr type="ctrY" for="ch" forName="TwoConn_1-2" refType="h" fact="0.5"/>
-          <dgm:constr type="r" for="ch" forName="TwoConn_1-2" refType="r" refFor="ch" refForName="TwoNodes_1"/>
-          <dgm:constr type="r" for="ch" forName="TwoNodes_1_text" refType="l" refFor="ch" refForName="TwoConn_1-2"/>
-          <dgm:constr type="rOff" for="ch" forName="TwoNodes_1_text" refType="w" refFor="ch" refForName="TwoConn_1-2" fact="-0.5"/>
-          <dgm:constr type="t" for="ch" forName="TwoNodes_1_text" refType="t" refFor="ch" refForName="TwoNodes_1"/>
-          <dgm:constr type="b" for="ch" forName="TwoNodes_1_text" refType="b" refFor="ch" refForName="TwoNodes_1"/>
-          <dgm:constr type="l" for="ch" forName="TwoNodes_1_text" refType="l" refFor="ch" refForName="TwoNodes_1"/>
-          <dgm:constr type="r" for="ch" forName="TwoNodes_2_text" refType="l" refFor="ch" refForName="TwoConn_1-2"/>
-          <dgm:constr type="t" for="ch" forName="TwoNodes_2_text" refType="t" refFor="ch" refForName="TwoNodes_2"/>
-          <dgm:constr type="b" for="ch" forName="TwoNodes_2_text" refType="b" refFor="ch" refForName="TwoNodes_2"/>
-          <dgm:constr type="l" for="ch" forName="TwoNodes_2_text" refType="l" refFor="ch" refForName="TwoNodes_2"/>
-          <dgm:constr type="w" for="ch" forName="ThreeNodes_1" refType="w" fact="0.85"/>
-          <dgm:constr type="h" for="ch" forName="ThreeNodes_1" refType="h" fact="0.3"/>
-          <dgm:constr type="t" for="ch" forName="ThreeNodes_1"/>
-          <dgm:constr type="l" for="ch" forName="ThreeNodes_1"/>
-          <dgm:constr type="w" for="ch" forName="ThreeNodes_2" refType="w" fact="0.85"/>
-          <dgm:constr type="h" for="ch" forName="ThreeNodes_2" refType="h" fact="0.3"/>
-          <dgm:constr type="ctrY" for="ch" forName="ThreeNodes_2" refType="h" fact="0.5"/>
-          <dgm:constr type="ctrX" for="ch" forName="ThreeNodes_2" refType="w" fact="0.5"/>
-          <dgm:constr type="w" for="ch" forName="ThreeNodes_3" refType="w" fact="0.85"/>
-          <dgm:constr type="h" for="ch" forName="ThreeNodes_3" refType="h" fact="0.3"/>
-          <dgm:constr type="b" for="ch" forName="ThreeNodes_3" refType="h"/>
-          <dgm:constr type="r" for="ch" forName="ThreeNodes_3" refType="w"/>
-          <dgm:constr type="w" for="ch" forName="ThreeConn_1-2" refType="h" refFor="ch" refForName="ThreeNodes_1" fact="0.65"/>
-          <dgm:constr type="h" for="ch" forName="ThreeConn_1-2" refType="h" refFor="ch" refForName="ThreeNodes_1" fact="0.65"/>
-          <dgm:constr type="ctrY" for="ch" forName="ThreeConn_1-2" refType="h" fact="0.325"/>
-          <dgm:constr type="r" for="ch" forName="ThreeConn_1-2" refType="r" refFor="ch" refForName="ThreeNodes_1"/>
-          <dgm:constr type="w" for="ch" forName="ThreeConn_2-3" refType="h" refFor="ch" refForName="ThreeNodes_2" fact="0.65"/>
-          <dgm:constr type="h" for="ch" forName="ThreeConn_2-3" refType="h" refFor="ch" refForName="ThreeNodes_2" fact="0.65"/>
-          <dgm:constr type="ctrY" for="ch" forName="ThreeConn_2-3" refType="h" fact="0.673"/>
-          <dgm:constr type="r" for="ch" forName="ThreeConn_2-3" refType="r" refFor="ch" refForName="ThreeNodes_2"/>
-          <dgm:constr type="r" for="ch" forName="ThreeNodes_1_text" refType="l" refFor="ch" refForName="ThreeConn_1-2"/>
-          <dgm:constr type="rOff" for="ch" forName="ThreeNodes_1_text" refType="w" refFor="ch" refForName="ThreeConn_1-2" fact="-0.57"/>
-          <dgm:constr type="t" for="ch" forName="ThreeNodes_1_text" refType="t" refFor="ch" refForName="ThreeNodes_1"/>
-          <dgm:constr type="b" for="ch" forName="ThreeNodes_1_text" refType="b" refFor="ch" refForName="ThreeNodes_1"/>
-          <dgm:constr type="l" for="ch" forName="ThreeNodes_1_text" refType="l" refFor="ch" refForName="ThreeNodes_1"/>
-          <dgm:constr type="r" for="ch" forName="ThreeNodes_2_text" refType="l" refFor="ch" refForName="ThreeConn_1-2"/>
-          <dgm:constr type="t" for="ch" forName="ThreeNodes_2_text" refType="t" refFor="ch" refForName="ThreeNodes_2"/>
-          <dgm:constr type="b" for="ch" forName="ThreeNodes_2_text" refType="b" refFor="ch" refForName="ThreeNodes_2"/>
-          <dgm:constr type="l" for="ch" forName="ThreeNodes_2_text" refType="l" refFor="ch" refForName="ThreeNodes_2"/>
-          <dgm:constr type="r" for="ch" forName="ThreeNodes_3_text" refType="l" refFor="ch" refForName="ThreeConn_2-3"/>
-          <dgm:constr type="t" for="ch" forName="ThreeNodes_3_text" refType="t" refFor="ch" refForName="ThreeNodes_3"/>
-          <dgm:constr type="b" for="ch" forName="ThreeNodes_3_text" refType="b" refFor="ch" refForName="ThreeNodes_3"/>
-          <dgm:constr type="l" for="ch" forName="ThreeNodes_3_text" refType="l" refFor="ch" refForName="ThreeNodes_3"/>
-          <dgm:constr type="w" for="ch" forName="FourNodes_1" refType="w" fact="0.8"/>
-          <dgm:constr type="h" for="ch" forName="FourNodes_1" refType="h" fact="0.22"/>
-          <dgm:constr type="t" for="ch" forName="FourNodes_1"/>
-          <dgm:constr type="l" for="ch" forName="FourNodes_1"/>
-          <dgm:constr type="w" for="ch" forName="FourNodes_2" refType="w" fact="0.8"/>
-          <dgm:constr type="h" for="ch" forName="FourNodes_2" refType="h" fact="0.22"/>
-          <dgm:constr type="ctrY" for="ch" forName="FourNodes_2" refType="h" fact="0.37"/>
-          <dgm:constr type="ctrX" for="ch" forName="FourNodes_2" refType="w" fact="0.467"/>
-          <dgm:constr type="w" for="ch" forName="FourNodes_3" refType="w" fact="0.8"/>
-          <dgm:constr type="h" for="ch" forName="FourNodes_3" refType="h" fact="0.22"/>
-          <dgm:constr type="ctrY" for="ch" forName="FourNodes_3" refType="h" fact="0.63"/>
-          <dgm:constr type="ctrX" for="ch" forName="FourNodes_3" refType="w" fact="0.533"/>
-          <dgm:constr type="w" for="ch" forName="FourNodes_4" refType="w" fact="0.8"/>
-          <dgm:constr type="h" for="ch" forName="FourNodes_4" refType="h" fact="0.22"/>
-          <dgm:constr type="b" for="ch" forName="FourNodes_4" refType="h"/>
-          <dgm:constr type="r" for="ch" forName="FourNodes_4" refType="w"/>
-          <dgm:constr type="w" for="ch" forName="FourConn_1-2" refType="h" refFor="ch" refForName="FourNodes_1" fact="0.65"/>
-          <dgm:constr type="h" for="ch" forName="FourConn_1-2" refType="h" refFor="ch" refForName="FourNodes_1" fact="0.65"/>
-          <dgm:constr type="ctrY" for="ch" forName="FourConn_1-2" refType="h" fact="0.24"/>
-          <dgm:constr type="r" for="ch" forName="FourConn_1-2" refType="r" refFor="ch" refForName="FourNodes_1"/>
-          <dgm:constr type="w" for="ch" forName="FourConn_2-3" refType="h" refFor="ch" refForName="FourNodes_2" fact="0.65"/>
-          <dgm:constr type="h" for="ch" forName="FourConn_2-3" refType="h" refFor="ch" refForName="FourNodes_2" fact="0.65"/>
-          <dgm:constr type="ctrY" for="ch" forName="FourConn_2-3" refType="h" fact="0.5"/>
-          <dgm:constr type="r" for="ch" forName="FourConn_2-3" refType="r" refFor="ch" refForName="FourNodes_2"/>
-          <dgm:constr type="w" for="ch" forName="FourConn_3-4" refType="h" refFor="ch" refForName="FourNodes_3" fact="0.65"/>
-          <dgm:constr type="h" for="ch" forName="FourConn_3-4" refType="h" refFor="ch" refForName="FourNodes_3" fact="0.65"/>
-          <dgm:constr type="ctrY" for="ch" forName="FourConn_3-4" refType="h" fact="0.76"/>
-          <dgm:constr type="r" for="ch" forName="FourConn_3-4" refType="r" refFor="ch" refForName="FourNodes_3"/>
-          <dgm:constr type="r" for="ch" forName="FourNodes_1_text" refType="l" refFor="ch" refForName="FourConn_1-2"/>
-          <dgm:constr type="rOff" for="ch" forName="FourNodes_1_text" refType="w" refFor="ch" refForName="FourConn_1-2" fact="-0.7"/>
-          <dgm:constr type="t" for="ch" forName="FourNodes_1_text" refType="t" refFor="ch" refForName="FourNodes_1"/>
-          <dgm:constr type="b" for="ch" forName="FourNodes_1_text" refType="b" refFor="ch" refForName="FourNodes_1"/>
-          <dgm:constr type="l" for="ch" forName="FourNodes_1_text" refType="l" refFor="ch" refForName="FourNodes_1"/>
-          <dgm:constr type="r" for="ch" forName="FourNodes_2_text" refType="l" refFor="ch" refForName="FourConn_1-2"/>
-          <dgm:constr type="t" for="ch" forName="FourNodes_2_text" refType="t" refFor="ch" refForName="FourNodes_2"/>
-          <dgm:constr type="b" for="ch" forName="FourNodes_2_text" refType="b" refFor="ch" refForName="FourNodes_2"/>
-          <dgm:constr type="l" for="ch" forName="FourNodes_2_text" refType="l" refFor="ch" refForName="FourNodes_2"/>
-          <dgm:constr type="r" for="ch" forName="FourNodes_3_text" refType="l" refFor="ch" refForName="FourConn_2-3"/>
-          <dgm:constr type="t" for="ch" forName="FourNodes_3_text" refType="t" refFor="ch" refForName="FourNodes_3"/>
-          <dgm:constr type="b" for="ch" forName="FourNodes_3_text" refType="b" refFor="ch" refForName="FourNodes_3"/>
-          <dgm:constr type="l" for="ch" forName="FourNodes_3_text" refType="l" refFor="ch" refForName="FourNodes_3"/>
-          <dgm:constr type="r" for="ch" forName="FourNodes_4_text" refType="l" refFor="ch" refForName="FourConn_3-4"/>
-          <dgm:constr type="t" for="ch" forName="FourNodes_4_text" refType="t" refFor="ch" refForName="FourNodes_4"/>
-          <dgm:constr type="b" for="ch" forName="FourNodes_4_text" refType="b" refFor="ch" refForName="FourNodes_4"/>
-          <dgm:constr type="l" for="ch" forName="FourNodes_4_text" refType="l" refFor="ch" refForName="FourNodes_4"/>
-          <dgm:constr type="w" for="ch" forName="FiveNodes_1" refType="w" fact="0.77"/>
-          <dgm:constr type="h" for="ch" forName="FiveNodes_1" refType="h" fact="0.18"/>
-          <dgm:constr type="t" for="ch" forName="FiveNodes_1"/>
-          <dgm:constr type="l" for="ch" forName="FiveNodes_1"/>
-          <dgm:constr type="w" for="ch" forName="FiveNodes_2" refType="w" fact="0.77"/>
-          <dgm:constr type="h" for="ch" forName="FiveNodes_2" refType="h" fact="0.18"/>
-          <dgm:constr type="ctrY" for="ch" forName="FiveNodes_2" refType="h" fact="0.295"/>
-          <dgm:constr type="ctrX" for="ch" forName="FiveNodes_2" refType="w" fact="0.4425"/>
-          <dgm:constr type="w" for="ch" forName="FiveNodes_3" refType="w" fact="0.77"/>
-          <dgm:constr type="h" for="ch" forName="FiveNodes_3" refType="h" fact="0.18"/>
-          <dgm:constr type="ctrY" for="ch" forName="FiveNodes_3" refType="h" fact="0.5"/>
-          <dgm:constr type="ctrX" for="ch" forName="FiveNodes_3" refType="w" fact="0.5"/>
-          <dgm:constr type="w" for="ch" forName="FiveNodes_4" refType="w" fact="0.77"/>
-          <dgm:constr type="h" for="ch" forName="FiveNodes_4" refType="h" fact="0.18"/>
-          <dgm:constr type="ctrY" for="ch" forName="FiveNodes_4" refType="h" fact="0.705"/>
-          <dgm:constr type="ctrX" for="ch" forName="FiveNodes_4" refType="w" fact="0.5575"/>
-          <dgm:constr type="w" for="ch" forName="FiveNodes_5" refType="w" fact="0.77"/>
-          <dgm:constr type="h" for="ch" forName="FiveNodes_5" refType="h" fact="0.18"/>
-          <dgm:constr type="b" for="ch" forName="FiveNodes_5" refType="h"/>
-          <dgm:constr type="r" for="ch" forName="FiveNodes_5" refType="w"/>
-          <dgm:constr type="w" for="ch" forName="FiveConn_1-2" refType="h" refFor="ch" refForName="FiveNodes_1" fact="0.65"/>
-          <dgm:constr type="h" for="ch" forName="FiveConn_1-2" refType="h" refFor="ch" refForName="FiveNodes_1" fact="0.65"/>
-          <dgm:constr type="ctrY" for="ch" forName="FiveConn_1-2" refType="h" fact="0.19"/>
-          <dgm:constr type="r" for="ch" forName="FiveConn_1-2" refType="r" refFor="ch" refForName="FiveNodes_1"/>
-          <dgm:constr type="w" for="ch" forName="FiveConn_2-3" refType="h" refFor="ch" refForName="FiveNodes_2" fact="0.65"/>
-          <dgm:constr type="h" for="ch" forName="FiveConn_2-3" refType="h" refFor="ch" refForName="FiveNodes_2" fact="0.65"/>
-          <dgm:constr type="ctrY" for="ch" forName="FiveConn_2-3" refType="h" fact="0.395"/>
-          <dgm:constr type="r" for="ch" forName="FiveConn_2-3" refType="r" refFor="ch" refForName="FiveNodes_2"/>
-          <dgm:constr type="w" for="ch" forName="FiveConn_3-4" refType="h" refFor="ch" refForName="FiveNodes_3" fact="0.65"/>
-          <dgm:constr type="h" for="ch" forName="FiveConn_3-4" refType="h" refFor="ch" refForName="FiveNodes_3" fact="0.65"/>
-          <dgm:constr type="ctrY" for="ch" forName="FiveConn_3-4" refType="h" fact="0.597"/>
-          <dgm:constr type="r" for="ch" forName="FiveConn_3-4" refType="r" refFor="ch" refForName="FiveNodes_3"/>
-          <dgm:constr type="w" for="ch" forName="FiveConn_4-5" refType="h" refFor="ch" refForName="FiveNodes_4" fact="0.65"/>
-          <dgm:constr type="h" for="ch" forName="FiveConn_4-5" refType="h" refFor="ch" refForName="FiveNodes_4" fact="0.65"/>
-          <dgm:constr type="ctrY" for="ch" forName="FiveConn_4-5" refType="h" fact="0.804"/>
-          <dgm:constr type="r" for="ch" forName="FiveConn_4-5" refType="r" refFor="ch" refForName="FiveNodes_4"/>
-          <dgm:constr type="r" for="ch" forName="FiveNodes_1_text" refType="l" refFor="ch" refForName="FiveConn_1-2"/>
-          <dgm:constr type="rOff" for="ch" forName="FiveNodes_1_text" refType="w" refFor="ch" refForName="FiveConn_1-2" fact="-0.75"/>
-          <dgm:constr type="t" for="ch" forName="FiveNodes_1_text" refType="t" refFor="ch" refForName="FiveNodes_1"/>
-          <dgm:constr type="b" for="ch" forName="FiveNodes_1_text" refType="b" refFor="ch" refForName="FiveNodes_1"/>
-          <dgm:constr type="l" for="ch" forName="FiveNodes_1_text" refType="l" refFor="ch" refForName="FiveNodes_1"/>
-          <dgm:constr type="r" for="ch" forName="FiveNodes_2_text" refType="l" refFor="ch" refForName="FiveConn_1-2"/>
-          <dgm:constr type="t" for="ch" forName="FiveNodes_2_text" refType="t" refFor="ch" refForName="FiveNodes_2"/>
-          <dgm:constr type="b" for="ch" forName="FiveNodes_2_text" refType="b" refFor="ch" refForName="FiveNodes_2"/>
-          <dgm:constr type="l" for="ch" forName="FiveNodes_2_text" refType="l" refFor="ch" refForName="FiveNodes_2"/>
-          <dgm:constr type="r" for="ch" forName="FiveNodes_3_text" refType="l" refFor="ch" refForName="FiveConn_2-3"/>
-          <dgm:constr type="t" for="ch" forName="FiveNodes_3_text" refType="t" refFor="ch" refForName="FiveNodes_3"/>
-          <dgm:constr type="b" for="ch" forName="FiveNodes_3_text" refType="b" refFor="ch" refForName="FiveNodes_3"/>
-          <dgm:constr type="l" for="ch" forName="FiveNodes_3_text" refType="l" refFor="ch" refForName="FiveNodes_3"/>
-          <dgm:constr type="r" for="ch" forName="FiveNodes_4_text" refType="l" refFor="ch" refForName="FiveConn_3-4"/>
-          <dgm:constr type="t" for="ch" forName="FiveNodes_4_text" refType="t" refFor="ch" refForName="FiveNodes_4"/>
-          <dgm:constr type="b" for="ch" forName="FiveNodes_4_text" refType="b" refFor="ch" refForName="FiveNodes_4"/>
-          <dgm:constr type="l" for="ch" forName="FiveNodes_4_text" refType="l" refFor="ch" refForName="FiveNodes_4"/>
-          <dgm:constr type="r" for="ch" forName="FiveNodes_5_text" refType="l" refFor="ch" refForName="FiveConn_4-5"/>
-          <dgm:constr type="t" for="ch" forName="FiveNodes_5_text" refType="t" refFor="ch" refForName="FiveNodes_5"/>
-          <dgm:constr type="b" for="ch" forName="FiveNodes_5_text" refType="b" refFor="ch" refForName="FiveNodes_5"/>
-          <dgm:constr type="l" for="ch" forName="FiveNodes_5_text" refType="l" refFor="ch" refForName="FiveNodes_5"/>
-        </dgm:constrLst>
-      </dgm:if>
-      <dgm:else name="Name2">
-        <dgm:constrLst>
-          <dgm:constr type="primFontSz" for="ch" ptType="node" op="equ" val="65"/>
-          <dgm:constr type="w" for="ch" forName="dummyMaxCanvas" refType="w"/>
-          <dgm:constr type="h" for="ch" forName="dummyMaxCanvas" refType="h"/>
-          <dgm:constr type="w" for="ch" forName="OneNode_1" refType="w"/>
-          <dgm:constr type="h" for="ch" forName="OneNode_1" refType="h" fact="0.5"/>
-          <dgm:constr type="ctrY" for="ch" forName="OneNode_1" refType="h" fact="0.5"/>
-          <dgm:constr type="w" for="ch" forName="TwoNodes_1" refType="w" fact="0.85"/>
-          <dgm:constr type="h" for="ch" forName="TwoNodes_1" refType="h" fact="0.45"/>
-          <dgm:constr type="t" for="ch" forName="TwoNodes_1"/>
-          <dgm:constr type="r" for="ch" forName="TwoNodes_1" refType="w"/>
-          <dgm:constr type="w" for="ch" forName="TwoNodes_2" refType="w" fact="0.85"/>
-          <dgm:constr type="h" for="ch" forName="TwoNodes_2" refType="h" fact="0.45"/>
-          <dgm:constr type="b" for="ch" forName="TwoNodes_2" refType="h"/>
-          <dgm:constr type="l" for="ch" forName="TwoNodes_2"/>
-          <dgm:constr type="w" for="ch" forName="TwoConn_1-2" refType="h" refFor="ch" refForName="TwoNodes_1" fact="0.65"/>
-          <dgm:constr type="h" for="ch" forName="TwoConn_1-2" refType="h" refFor="ch" refForName="TwoNodes_1" fact="0.65"/>
-          <dgm:constr type="ctrY" for="ch" forName="TwoConn_1-2" refType="h" fact="0.5"/>
-          <dgm:constr type="l" for="ch" forName="TwoConn_1-2" refType="l" refFor="ch" refForName="TwoNodes_1"/>
-          <dgm:constr type="l" for="ch" forName="TwoNodes_1_text" refType="r" refFor="ch" refForName="TwoConn_1-2"/>
-          <dgm:constr type="lOff" for="ch" forName="TwoNodes_1_text" refType="w" refFor="ch" refForName="TwoConn_1-2" fact="0.5"/>
-          <dgm:constr type="t" for="ch" forName="TwoNodes_1_text" refType="t" refFor="ch" refForName="TwoNodes_1"/>
-          <dgm:constr type="b" for="ch" forName="TwoNodes_1_text" refType="b" refFor="ch" refForName="TwoNodes_1"/>
-          <dgm:constr type="r" for="ch" forName="TwoNodes_1_text" refType="r" refFor="ch" refForName="TwoNodes_1"/>
-          <dgm:constr type="l" for="ch" forName="TwoNodes_2_text" refType="r" refFor="ch" refForName="TwoConn_1-2"/>
-          <dgm:constr type="t" for="ch" forName="TwoNodes_2_text" refType="t" refFor="ch" refForName="TwoNodes_2"/>
-          <dgm:constr type="b" for="ch" forName="TwoNodes_2_text" refType="b" refFor="ch" refForName="TwoNodes_2"/>
-          <dgm:constr type="r" for="ch" forName="TwoNodes_2_text" refType="r" refFor="ch" refForName="TwoNodes_2"/>
-          <dgm:constr type="w" for="ch" forName="ThreeNodes_1" refType="w" fact="0.85"/>
-          <dgm:constr type="h" for="ch" forName="ThreeNodes_1" refType="h" fact="0.3"/>
-          <dgm:constr type="t" for="ch" forName="ThreeNodes_1"/>
-          <dgm:constr type="r" for="ch" forName="ThreeNodes_1" refType="w"/>
-          <dgm:constr type="w" for="ch" forName="ThreeNodes_2" refType="w" fact="0.85"/>
-          <dgm:constr type="h" for="ch" forName="ThreeNodes_2" refType="h" fact="0.3"/>
-          <dgm:constr type="ctrY" for="ch" forName="ThreeNodes_2" refType="h" fact="0.5"/>
-          <dgm:constr type="ctrX" for="ch" forName="ThreeNodes_2" refType="w" fact="0.5"/>
-          <dgm:constr type="w" for="ch" forName="ThreeNodes_3" refType="w" fact="0.85"/>
-          <dgm:constr type="h" for="ch" forName="ThreeNodes_3" refType="h" fact="0.3"/>
-          <dgm:constr type="b" for="ch" forName="ThreeNodes_3" refType="h"/>
-          <dgm:constr type="l" for="ch" forName="ThreeNodes_3"/>
-          <dgm:constr type="w" for="ch" forName="ThreeConn_1-2" refType="h" refFor="ch" refForName="ThreeNodes_1" fact="0.65"/>
-          <dgm:constr type="h" for="ch" forName="ThreeConn_1-2" refType="h" refFor="ch" refForName="ThreeNodes_1" fact="0.65"/>
-          <dgm:constr type="ctrY" for="ch" forName="ThreeConn_1-2" refType="h" fact="0.325"/>
-          <dgm:constr type="l" for="ch" forName="ThreeConn_1-2" refType="l" refFor="ch" refForName="ThreeNodes_1"/>
-          <dgm:constr type="w" for="ch" forName="ThreeConn_2-3" refType="h" refFor="ch" refForName="ThreeNodes_2" fact="0.65"/>
-          <dgm:constr type="h" for="ch" forName="ThreeConn_2-3" refType="h" refFor="ch" refForName="ThreeNodes_2" fact="0.65"/>
-          <dgm:constr type="ctrY" for="ch" forName="ThreeConn_2-3" refType="h" fact="0.673"/>
-          <dgm:constr type="l" for="ch" forName="ThreeConn_2-3" refType="l" refFor="ch" refForName="ThreeNodes_2"/>
-          <dgm:constr type="l" for="ch" forName="ThreeNodes_1_text" refType="r" refFor="ch" refForName="ThreeConn_1-2"/>
-          <dgm:constr type="lOff" for="ch" forName="ThreeNodes_1_text" refType="w" refFor="ch" refForName="ThreeConn_1-2" fact="0.55"/>
-          <dgm:constr type="t" for="ch" forName="ThreeNodes_1_text" refType="t" refFor="ch" refForName="ThreeNodes_1"/>
-          <dgm:constr type="b" for="ch" forName="ThreeNodes_1_text" refType="b" refFor="ch" refForName="ThreeNodes_1"/>
-          <dgm:constr type="r" for="ch" forName="ThreeNodes_1_text" refType="r" refFor="ch" refForName="ThreeNodes_1"/>
-          <dgm:constr type="l" for="ch" forName="ThreeNodes_2_text" refType="r" refFor="ch" refForName="ThreeConn_1-2"/>
-          <dgm:constr type="t" for="ch" forName="ThreeNodes_2_text" refType="t" refFor="ch" refForName="ThreeNodes_2"/>
-          <dgm:constr type="b" for="ch" forName="ThreeNodes_2_text" refType="b" refFor="ch" refForName="ThreeNodes_2"/>
-          <dgm:constr type="r" for="ch" forName="ThreeNodes_2_text" refType="r" refFor="ch" refForName="ThreeNodes_2"/>
-          <dgm:constr type="l" for="ch" forName="ThreeNodes_3_text" refType="r" refFor="ch" refForName="ThreeConn_2-3"/>
-          <dgm:constr type="t" for="ch" forName="ThreeNodes_3_text" refType="t" refFor="ch" refForName="ThreeNodes_3"/>
-          <dgm:constr type="b" for="ch" forName="ThreeNodes_3_text" refType="b" refFor="ch" refForName="ThreeNodes_3"/>
-          <dgm:constr type="r" for="ch" forName="ThreeNodes_3_text" refType="r" refFor="ch" refForName="ThreeNodes_3"/>
-          <dgm:constr type="w" for="ch" forName="FourNodes_1" refType="w" fact="0.8"/>
-          <dgm:constr type="h" for="ch" forName="FourNodes_1" refType="h" fact="0.22"/>
-          <dgm:constr type="t" for="ch" forName="FourNodes_1"/>
-          <dgm:constr type="r" for="ch" forName="FourNodes_1" refType="w"/>
-          <dgm:constr type="w" for="ch" forName="FourNodes_2" refType="w" fact="0.8"/>
-          <dgm:constr type="h" for="ch" forName="FourNodes_2" refType="h" fact="0.22"/>
-          <dgm:constr type="ctrY" for="ch" forName="FourNodes_2" refType="h" fact="0.37"/>
-          <dgm:constr type="ctrX" for="ch" forName="FourNodes_2" refType="w" fact="0.533"/>
-          <dgm:constr type="w" for="ch" forName="FourNodes_3" refType="w" fact="0.8"/>
-          <dgm:constr type="h" for="ch" forName="FourNodes_3" refType="h" fact="0.22"/>
-          <dgm:constr type="ctrY" for="ch" forName="FourNodes_3" refType="h" fact="0.63"/>
-          <dgm:constr type="ctrX" for="ch" forName="FourNodes_3" refType="w" fact="0.467"/>
-          <dgm:constr type="w" for="ch" forName="FourNodes_4" refType="w" fact="0.8"/>
-          <dgm:constr type="h" for="ch" forName="FourNodes_4" refType="h" fact="0.22"/>
-          <dgm:constr type="b" for="ch" forName="FourNodes_4" refType="h"/>
-          <dgm:constr type="l" for="ch" forName="FourNodes_4"/>
-          <dgm:constr type="w" for="ch" forName="FourConn_1-2" refType="h" refFor="ch" refForName="FourNodes_1" fact="0.65"/>
-          <dgm:constr type="h" for="ch" forName="FourConn_1-2" refType="h" refFor="ch" refForName="FourNodes_1" fact="0.65"/>
-          <dgm:constr type="ctrY" for="ch" forName="FourConn_1-2" refType="h" fact="0.24"/>
-          <dgm:constr type="l" for="ch" forName="FourConn_1-2" refType="l" refFor="ch" refForName="FourNodes_1"/>
-          <dgm:constr type="w" for="ch" forName="FourConn_2-3" refType="h" refFor="ch" refForName="FourNodes_2" fact="0.65"/>
-          <dgm:constr type="h" for="ch" forName="FourConn_2-3" refType="h" refFor="ch" refForName="FourNodes_2" fact="0.65"/>
-          <dgm:constr type="ctrY" for="ch" forName="FourConn_2-3" refType="h" fact="0.5"/>
-          <dgm:constr type="l" for="ch" forName="FourConn_2-3" refType="l" refFor="ch" refForName="FourNodes_2"/>
-          <dgm:constr type="w" for="ch" forName="FourConn_3-4" refType="h" refFor="ch" refForName="FourNodes_3" fact="0.65"/>
-          <dgm:constr type="h" for="ch" forName="FourConn_3-4" refType="h" refFor="ch" refForName="FourNodes_3" fact="0.65"/>
-          <dgm:constr type="ctrY" for="ch" forName="FourConn_3-4" refType="h" fact="0.76"/>
-          <dgm:constr type="l" for="ch" forName="FourConn_3-4" refType="l" refFor="ch" refForName="FourNodes_3"/>
-          <dgm:constr type="l" for="ch" forName="FourNodes_1_text" refType="r" refFor="ch" refForName="FourConn_1-2"/>
-          <dgm:constr type="lOff" for="ch" forName="FourNodes_1_text" refType="w" refFor="ch" refForName="FourConn_1-2" fact="0.69"/>
-          <dgm:constr type="t" for="ch" forName="FourNodes_1_text" refType="t" refFor="ch" refForName="FourNodes_1"/>
-          <dgm:constr type="b" for="ch" forName="FourNodes_1_text" refType="b" refFor="ch" refForName="FourNodes_1"/>
-          <dgm:constr type="r" for="ch" forName="FourNodes_1_text" refType="r" refFor="ch" refForName="FourNodes_1"/>
-          <dgm:constr type="l" for="ch" forName="FourNodes_2_text" refType="r" refFor="ch" refForName="FourConn_1-2"/>
-          <dgm:constr type="t" for="ch" forName="FourNodes_2_text" refType="t" refFor="ch" refForName="FourNodes_2"/>
-          <dgm:constr type="b" for="ch" forName="FourNodes_2_text" refType="b" refFor="ch" refForName="FourNodes_2"/>
-          <dgm:constr type="r" for="ch" forName="FourNodes_2_text" refType="r" refFor="ch" refForName="FourNodes_2"/>
-          <dgm:constr type="l" for="ch" forName="FourNodes_3_text" refType="r" refFor="ch" refForName="FourConn_2-3"/>
-          <dgm:constr type="t" for="ch" forName="FourNodes_3_text" refType="t" refFor="ch" refForName="FourNodes_3"/>
-          <dgm:constr type="b" for="ch" forName="FourNodes_3_text" refType="b" refFor="ch" refForName="FourNodes_3"/>
-          <dgm:constr type="r" for="ch" forName="FourNodes_3_text" refType="r" refFor="ch" refForName="FourNodes_3"/>
-          <dgm:constr type="l" for="ch" forName="FourNodes_4_text" refType="r" refFor="ch" refForName="FourConn_3-4"/>
-          <dgm:constr type="t" for="ch" forName="FourNodes_4_text" refType="t" refFor="ch" refForName="FourNodes_4"/>
-          <dgm:constr type="b" for="ch" forName="FourNodes_4_text" refType="b" refFor="ch" refForName="FourNodes_4"/>
-          <dgm:constr type="r" for="ch" forName="FourNodes_4_text" refType="r" refFor="ch" refForName="FourNodes_4"/>
-          <dgm:constr type="w" for="ch" forName="FiveNodes_1" refType="w" fact="0.77"/>
-          <dgm:constr type="h" for="ch" forName="FiveNodes_1" refType="h" fact="0.18"/>
-          <dgm:constr type="t" for="ch" forName="FiveNodes_1"/>
-          <dgm:constr type="r" for="ch" forName="FiveNodes_1" refType="w"/>
-          <dgm:constr type="w" for="ch" forName="FiveNodes_2" refType="w" fact="0.77"/>
-          <dgm:constr type="h" for="ch" forName="FiveNodes_2" refType="h" fact="0.18"/>
-          <dgm:constr type="ctrY" for="ch" forName="FiveNodes_2" refType="h" fact="0.295"/>
-          <dgm:constr type="ctrX" for="ch" forName="FiveNodes_2" refType="w" fact="0.5575"/>
-          <dgm:constr type="w" for="ch" forName="FiveNodes_3" refType="w" fact="0.77"/>
-          <dgm:constr type="h" for="ch" forName="FiveNodes_3" refType="h" fact="0.18"/>
-          <dgm:constr type="ctrY" for="ch" forName="FiveNodes_3" refType="h" fact="0.5"/>
-          <dgm:constr type="ctrX" for="ch" forName="FiveNodes_3" refType="w" fact="0.5"/>
-          <dgm:constr type="w" for="ch" forName="FiveNodes_4" refType="w" fact="0.77"/>
-          <dgm:constr type="h" for="ch" forName="FiveNodes_4" refType="h" fact="0.18"/>
-          <dgm:constr type="ctrY" for="ch" forName="FiveNodes_4" refType="h" fact="0.705"/>
-          <dgm:constr type="ctrX" for="ch" forName="FiveNodes_4" refType="w" fact="0.4425"/>
-          <dgm:constr type="w" for="ch" forName="FiveNodes_5" refType="w" fact="0.77"/>
-          <dgm:constr type="h" for="ch" forName="FiveNodes_5" refType="h" fact="0.18"/>
-          <dgm:constr type="b" for="ch" forName="FiveNodes_5" refType="h"/>
-          <dgm:constr type="l" for="ch" forName="FiveNodes_5"/>
-          <dgm:constr type="w" for="ch" forName="FiveConn_1-2" refType="h" refFor="ch" refForName="FiveNodes_1" fact="0.65"/>
-          <dgm:constr type="h" for="ch" forName="FiveConn_1-2" refType="h" refFor="ch" refForName="FiveNodes_1" fact="0.65"/>
-          <dgm:constr type="ctrY" for="ch" forName="FiveConn_1-2" refType="h" fact="0.19"/>
-          <dgm:constr type="l" for="ch" forName="FiveConn_1-2" refType="l" refFor="ch" refForName="FiveNodes_1"/>
-          <dgm:constr type="w" for="ch" forName="FiveConn_2-3" refType="h" refFor="ch" refForName="FiveNodes_2" fact="0.65"/>
-          <dgm:constr type="h" for="ch" forName="FiveConn_2-3" refType="h" refFor="ch" refForName="FiveNodes_2" fact="0.65"/>
-          <dgm:constr type="ctrY" for="ch" forName="FiveConn_2-3" refType="h" fact="0.395"/>
-          <dgm:constr type="l" for="ch" forName="FiveConn_2-3" refType="l" refFor="ch" refForName="FiveNodes_2"/>
-          <dgm:constr type="w" for="ch" forName="FiveConn_3-4" refType="h" refFor="ch" refForName="FiveNodes_3" fact="0.65"/>
-          <dgm:constr type="h" for="ch" forName="FiveConn_3-4" refType="h" refFor="ch" refForName="FiveNodes_3" fact="0.65"/>
-          <dgm:constr type="ctrY" for="ch" forName="FiveConn_3-4" refType="h" fact="0.597"/>
-          <dgm:constr type="l" for="ch" forName="FiveConn_3-4" refType="l" refFor="ch" refForName="FiveNodes_3"/>
-          <dgm:constr type="w" for="ch" forName="FiveConn_4-5" refType="h" refFor="ch" refForName="FiveNodes_4" fact="0.65"/>
-          <dgm:constr type="h" for="ch" forName="FiveConn_4-5" refType="h" refFor="ch" refForName="FiveNodes_4" fact="0.65"/>
-          <dgm:constr type="ctrY" for="ch" forName="FiveConn_4-5" refType="h" fact="0.804"/>
-          <dgm:constr type="l" for="ch" forName="FiveConn_4-5" refType="l" refFor="ch" refForName="FiveNodes_4"/>
-          <dgm:constr type="l" for="ch" forName="FiveNodes_1_text" refType="r" refFor="ch" refForName="FiveConn_1-2"/>
-          <dgm:constr type="lOff" for="ch" forName="FiveNodes_1_text" refType="w" refFor="ch" refForName="FiveConn_1-2" fact="0.73"/>
-          <dgm:constr type="t" for="ch" forName="FiveNodes_1_text" refType="t" refFor="ch" refForName="FiveNodes_1"/>
-          <dgm:constr type="b" for="ch" forName="FiveNodes_1_text" refType="b" refFor="ch" refForName="FiveNodes_1"/>
-          <dgm:constr type="r" for="ch" forName="FiveNodes_1_text" refType="r" refFor="ch" refForName="FiveNodes_1"/>
-          <dgm:constr type="l" for="ch" forName="FiveNodes_2_text" refType="r" refFor="ch" refForName="FiveConn_1-2"/>
-          <dgm:constr type="t" for="ch" forName="FiveNodes_2_text" refType="t" refFor="ch" refForName="FiveNodes_2"/>
-          <dgm:constr type="b" for="ch" forName="FiveNodes_2_text" refType="b" refFor="ch" refForName="FiveNodes_2"/>
-          <dgm:constr type="r" for="ch" forName="FiveNodes_2_text" refType="r" refFor="ch" refForName="FiveNodes_2"/>
-          <dgm:constr type="l" for="ch" forName="FiveNodes_3_text" refType="r" refFor="ch" refForName="FiveConn_2-3"/>
-          <dgm:constr type="t" for="ch" forName="FiveNodes_3_text" refType="t" refFor="ch" refForName="FiveNodes_3"/>
-          <dgm:constr type="b" for="ch" forName="FiveNodes_3_text" refType="b" refFor="ch" refForName="FiveNodes_3"/>
-          <dgm:constr type="r" for="ch" forName="FiveNodes_3_text" refType="r" refFor="ch" refForName="FiveNodes_3"/>
-          <dgm:constr type="l" for="ch" forName="FiveNodes_4_text" refType="r" refFor="ch" refForName="FiveConn_3-4"/>
-          <dgm:constr type="t" for="ch" forName="FiveNodes_4_text" refType="t" refFor="ch" refForName="FiveNodes_4"/>
-          <dgm:constr type="b" for="ch" forName="FiveNodes_4_text" refType="b" refFor="ch" refForName="FiveNodes_4"/>
-          <dgm:constr type="r" for="ch" forName="FiveNodes_4_text" refType="r" refFor="ch" refForName="FiveNodes_4"/>
-          <dgm:constr type="l" for="ch" forName="FiveNodes_5_text" refType="r" refFor="ch" refForName="FiveConn_4-5"/>
-          <dgm:constr type="t" for="ch" forName="FiveNodes_5_text" refType="t" refFor="ch" refForName="FiveNodes_5"/>
-          <dgm:constr type="b" for="ch" forName="FiveNodes_5_text" refType="b" refFor="ch" refForName="FiveNodes_5"/>
-          <dgm:constr type="r" for="ch" forName="FiveNodes_5_text" refType="r" refFor="ch" refForName="FiveNodes_5"/>
-        </dgm:constrLst>
-      </dgm:else>
-    </dgm:choose>
+    <dgm:constrLst>
+      <dgm:constr type="w" for="ch" forName="composite" refType="w"/>
+      <dgm:constr type="h" for="ch" forName="composite" refType="h"/>
+      <dgm:constr type="h" for="ch" forName="spacing" refType="h" refFor="ch" refForName="composite" fact="0.25"/>
+      <dgm:constr type="h" for="ch" forName="spacing" refType="w" op="lte" fact="0.1"/>
+      <dgm:constr type="primFontSz" for="des" ptType="node" op="equ" val="65"/>
+    </dgm:constrLst>
     <dgm:ruleLst/>
-    <dgm:layoutNode name="dummyMaxCanvas">
-      <dgm:varLst/>
-      <dgm:alg type="sp"/>
-      <dgm:shape xmlns:r="http://schemas.openxmlformats.org/officeDocument/2006/relationships" r:blip="">
-        <dgm:adjLst/>
-      </dgm:shape>
-      <dgm:presOf/>
-      <dgm:constrLst/>
-      <dgm:ruleLst/>
-    </dgm:layoutNode>
-    <dgm:choose name="Name3">
-      <dgm:if name="Name4" axis="ch" ptType="node" func="cnt" op="equ" val="1">
-        <dgm:layoutNode name="OneNode_1">
+    <dgm:forEach name="Name0" axis="ch" ptType="node">
+      <dgm:layoutNode name="composite">
+        <dgm:alg type="composite"/>
+        <dgm:shape xmlns:r="http://schemas.openxmlformats.org/officeDocument/2006/relationships" r:blip="">
+          <dgm:adjLst/>
+        </dgm:shape>
+        <dgm:presOf/>
+        <dgm:choose name="Name1">
+          <dgm:if name="Name2" func="var" arg="dir" op="equ" val="norm">
+            <dgm:constrLst>
+              <dgm:constr type="w" for="ch" forName="imgShp" refType="w" fact="0.335"/>
+              <dgm:constr type="h" for="ch" forName="imgShp" refType="w" refFor="ch" refForName="imgShp" op="equ"/>
+              <dgm:constr type="h" for="ch" forName="imgShp" refType="h" op="lte"/>
+              <dgm:constr type="ctrY" for="ch" forName="imgShp" refType="h" fact="0.5"/>
+              <dgm:constr type="l" for="ch" forName="imgShp"/>
+              <dgm:constr type="w" for="ch" forName="txShp" refType="w" op="equ" fact="0.665"/>
+              <dgm:constr type="h" for="ch" forName="txShp" refType="h" refFor="ch" refForName="imgShp" op="equ"/>
+              <dgm:constr type="ctrY" for="ch" forName="txShp" refType="h" fact="0.5"/>
+              <dgm:constr type="l" for="ch" forName="txShp" refType="w" refFor="ch" refForName="imgShp" fact="0.5"/>
+              <dgm:constr type="lMarg" for="ch" forName="txShp" refType="w" refFor="ch" refForName="imgShp" fact="1.25"/>
+            </dgm:constrLst>
+          </dgm:if>
+          <dgm:else name="Name3">
+            <dgm:constrLst>
+              <dgm:constr type="w" for="ch" forName="imgShp" refType="w" fact="0.335"/>
+              <dgm:constr type="h" for="ch" forName="imgShp" refType="w" refFor="ch" refForName="imgShp" op="equ"/>
+              <dgm:constr type="h" for="ch" forName="imgShp" refType="h" op="lte"/>
+              <dgm:constr type="ctrY" for="ch" forName="imgShp" refType="h" fact="0.5"/>
+              <dgm:constr type="r" for="ch" forName="imgShp" refType="w"/>
+              <dgm:constr type="w" for="ch" forName="txShp" refType="w" op="equ" fact="0.665"/>
+              <dgm:constr type="h" for="ch" forName="txShp" refType="h" refFor="ch" refForName="imgShp" op="equ"/>
+              <dgm:constr type="ctrY" for="ch" forName="txShp" refType="h" fact="0.5"/>
+              <dgm:constr type="r" for="ch" forName="txShp" refType="ctrX" refFor="ch" refForName="imgShp"/>
+              <dgm:constr type="rMarg" for="ch" forName="txShp" refType="w" refFor="ch" refForName="imgShp" fact="1.25"/>
+            </dgm:constrLst>
+          </dgm:else>
+        </dgm:choose>
+        <dgm:ruleLst/>
+        <dgm:layoutNode name="imgShp" styleLbl="fgImgPlace1">
+          <dgm:alg type="sp"/>
+          <dgm:shape xmlns:r="http://schemas.openxmlformats.org/officeDocument/2006/relationships" type="ellipse" r:blip="" blipPhldr="1">
+            <dgm:adjLst/>
+          </dgm:shape>
+          <dgm:presOf/>
+          <dgm:constrLst/>
+          <dgm:ruleLst/>
+        </dgm:layoutNode>
+        <dgm:layoutNode name="txShp">
           <dgm:varLst>
             <dgm:bulletEnabled val="1"/>
           </dgm:varLst>
           <dgm:alg type="tx"/>
-          <dgm:shape xmlns:r="http://schemas.openxmlformats.org/officeDocument/2006/relationships" type="roundRect" r:blip="">
-            <dgm:adjLst>
-              <dgm:adj idx="1" val="0.1"/>
-            </dgm:adjLst>
-          </dgm:shape>
-          <dgm:presOf axis="ch desOrSelf" ptType="node node" st="1 1" cnt="1 0"/>
+          <dgm:choose name="Name4">
+            <dgm:if name="Name5" func="var" arg="dir" op="equ" val="norm">
+              <dgm:shape xmlns:r="http://schemas.openxmlformats.org/officeDocument/2006/relationships" rot="180" type="homePlate" r:blip="" zOrderOff="-1">
+                <dgm:adjLst/>
+              </dgm:shape>
+            </dgm:if>
+            <dgm:else name="Name6">
+              <dgm:shape xmlns:r="http://schemas.openxmlformats.org/officeDocument/2006/relationships" type="homePlate" r:blip="" zOrderOff="-1">
+                <dgm:adjLst/>
+              </dgm:shape>
+            </dgm:else>
+          </dgm:choose>
+          <dgm:presOf axis="desOrSelf" ptType="node"/>
           <dgm:constrLst>
-            <dgm:constr type="lMarg" refType="primFontSz" fact="0.3"/>
-            <dgm:constr type="rMarg" refType="primFontSz" fact="0.3"/>
             <dgm:constr type="tMarg" refType="primFontSz" fact="0.3"/>
             <dgm:constr type="bMarg" refType="primFontSz" fact="0.3"/>
           </dgm:constrLst>
@@ -3207,795 +2506,29 @@
             <dgm:rule type="primFontSz" val="5" fact="NaN" max="NaN"/>
           </dgm:ruleLst>
         </dgm:layoutNode>
-      </dgm:if>
-      <dgm:else name="Name5">
-        <dgm:choose name="Name6">
-          <dgm:if name="Name7" axis="ch" ptType="node" func="cnt" op="equ" val="2">
-            <dgm:layoutNode name="TwoNodes_1">
-              <dgm:varLst>
-                <dgm:bulletEnabled val="1"/>
-              </dgm:varLst>
-              <dgm:alg type="sp"/>
-              <dgm:shape xmlns:r="http://schemas.openxmlformats.org/officeDocument/2006/relationships" type="roundRect" r:blip="">
-                <dgm:adjLst>
-                  <dgm:adj idx="1" val="0.1"/>
-                </dgm:adjLst>
-              </dgm:shape>
-              <dgm:presOf axis="ch desOrSelf" ptType="node node" st="1 1" cnt="1 0"/>
-              <dgm:constrLst/>
-              <dgm:ruleLst/>
-            </dgm:layoutNode>
-            <dgm:layoutNode name="TwoNodes_2">
-              <dgm:varLst>
-                <dgm:bulletEnabled val="1"/>
-              </dgm:varLst>
-              <dgm:alg type="sp"/>
-              <dgm:shape xmlns:r="http://schemas.openxmlformats.org/officeDocument/2006/relationships" type="roundRect" r:blip="">
-                <dgm:adjLst>
-                  <dgm:adj idx="1" val="0.1"/>
-                </dgm:adjLst>
-              </dgm:shape>
-              <dgm:presOf axis="ch desOrSelf" ptType="node node" st="2 1" cnt="1 0"/>
-              <dgm:constrLst/>
-              <dgm:ruleLst/>
-            </dgm:layoutNode>
-            <dgm:layoutNode name="TwoConn_1-2" styleLbl="fgAccFollowNode1">
-              <dgm:varLst>
-                <dgm:bulletEnabled val="1"/>
-              </dgm:varLst>
-              <dgm:alg type="tx"/>
-              <dgm:shape xmlns:r="http://schemas.openxmlformats.org/officeDocument/2006/relationships" type="downArrow" r:blip="">
-                <dgm:adjLst>
-                  <dgm:adj idx="1" val="0.55"/>
-                  <dgm:adj idx="2" val="0.45"/>
-                </dgm:adjLst>
-              </dgm:shape>
-              <dgm:presOf axis="ch" ptType="sibTrans" cnt="1"/>
-              <dgm:constrLst>
-                <dgm:constr type="lMarg" refType="primFontSz" fact="0.1"/>
-                <dgm:constr type="rMarg" refType="primFontSz" fact="0.1"/>
-                <dgm:constr type="tMarg" refType="primFontSz" fact="0.1"/>
-                <dgm:constr type="bMarg" refType="primFontSz" fact="0.1"/>
-              </dgm:constrLst>
-              <dgm:ruleLst>
-                <dgm:rule type="primFontSz" val="5" fact="NaN" max="NaN"/>
-              </dgm:ruleLst>
-            </dgm:layoutNode>
-            <dgm:layoutNode name="TwoNodes_1_text">
-              <dgm:varLst>
-                <dgm:bulletEnabled val="1"/>
-              </dgm:varLst>
-              <dgm:alg type="tx">
-                <dgm:param type="parTxLTRAlign" val="l"/>
-                <dgm:param type="txAnchorVertCh" val="mid"/>
-              </dgm:alg>
-              <dgm:shape xmlns:r="http://schemas.openxmlformats.org/officeDocument/2006/relationships" type="roundRect" r:blip="" hideGeom="1">
-                <dgm:adjLst>
-                  <dgm:adj idx="1" val="0.1"/>
-                </dgm:adjLst>
-              </dgm:shape>
-              <dgm:presOf axis="ch desOrSelf" ptType="node node" st="1 1" cnt="1 0"/>
-              <dgm:constrLst>
-                <dgm:constr type="lMarg" refType="primFontSz" fact="0.3"/>
-                <dgm:constr type="rMarg" refType="primFontSz" fact="0.3"/>
-                <dgm:constr type="tMarg" refType="primFontSz" fact="0.3"/>
-                <dgm:constr type="bMarg" refType="primFontSz" fact="0.3"/>
-              </dgm:constrLst>
-              <dgm:ruleLst>
-                <dgm:rule type="primFontSz" val="5" fact="NaN" max="NaN"/>
-              </dgm:ruleLst>
-            </dgm:layoutNode>
-            <dgm:layoutNode name="TwoNodes_2_text">
-              <dgm:varLst>
-                <dgm:bulletEnabled val="1"/>
-              </dgm:varLst>
-              <dgm:alg type="tx">
-                <dgm:param type="parTxLTRAlign" val="l"/>
-                <dgm:param type="txAnchorVertCh" val="mid"/>
-              </dgm:alg>
-              <dgm:shape xmlns:r="http://schemas.openxmlformats.org/officeDocument/2006/relationships" type="roundRect" r:blip="" hideGeom="1">
-                <dgm:adjLst>
-                  <dgm:adj idx="1" val="0.1"/>
-                </dgm:adjLst>
-              </dgm:shape>
-              <dgm:presOf axis="ch desOrSelf" ptType="node node" st="2 1" cnt="1 0"/>
-              <dgm:constrLst>
-                <dgm:constr type="lMarg" refType="primFontSz" fact="0.3"/>
-                <dgm:constr type="rMarg" refType="primFontSz" fact="0.3"/>
-                <dgm:constr type="tMarg" refType="primFontSz" fact="0.3"/>
-                <dgm:constr type="bMarg" refType="primFontSz" fact="0.3"/>
-              </dgm:constrLst>
-              <dgm:ruleLst>
-                <dgm:rule type="primFontSz" val="5" fact="NaN" max="NaN"/>
-              </dgm:ruleLst>
-            </dgm:layoutNode>
-          </dgm:if>
-          <dgm:else name="Name8">
-            <dgm:choose name="Name9">
-              <dgm:if name="Name10" axis="ch" ptType="node" func="cnt" op="equ" val="3">
-                <dgm:layoutNode name="ThreeNodes_1">
-                  <dgm:varLst>
-                    <dgm:bulletEnabled val="1"/>
-                  </dgm:varLst>
-                  <dgm:alg type="sp"/>
-                  <dgm:shape xmlns:r="http://schemas.openxmlformats.org/officeDocument/2006/relationships" type="roundRect" r:blip="">
-                    <dgm:adjLst>
-                      <dgm:adj idx="1" val="0.1"/>
-                    </dgm:adjLst>
-                  </dgm:shape>
-                  <dgm:presOf axis="ch desOrSelf" ptType="node node" st="1 1" cnt="1 0"/>
-                  <dgm:constrLst/>
-                  <dgm:ruleLst/>
-                </dgm:layoutNode>
-                <dgm:layoutNode name="ThreeNodes_2">
-                  <dgm:varLst>
-                    <dgm:bulletEnabled val="1"/>
-                  </dgm:varLst>
-                  <dgm:alg type="sp"/>
-                  <dgm:shape xmlns:r="http://schemas.openxmlformats.org/officeDocument/2006/relationships" type="roundRect" r:blip="">
-                    <dgm:adjLst>
-                      <dgm:adj idx="1" val="0.1"/>
-                    </dgm:adjLst>
-                  </dgm:shape>
-                  <dgm:presOf axis="ch desOrSelf" ptType="node node" st="2 1" cnt="1 0"/>
-                  <dgm:constrLst/>
-                  <dgm:ruleLst/>
-                </dgm:layoutNode>
-                <dgm:layoutNode name="ThreeNodes_3">
-                  <dgm:varLst>
-                    <dgm:bulletEnabled val="1"/>
-                  </dgm:varLst>
-                  <dgm:alg type="sp"/>
-                  <dgm:shape xmlns:r="http://schemas.openxmlformats.org/officeDocument/2006/relationships" type="roundRect" r:blip="">
-                    <dgm:adjLst>
-                      <dgm:adj idx="1" val="0.1"/>
-                    </dgm:adjLst>
-                  </dgm:shape>
-                  <dgm:presOf axis="ch desOrSelf" ptType="node node" st="3 1" cnt="1 0"/>
-                  <dgm:constrLst/>
-                  <dgm:ruleLst/>
-                </dgm:layoutNode>
-                <dgm:layoutNode name="ThreeConn_1-2" styleLbl="fgAccFollowNode1">
-                  <dgm:varLst>
-                    <dgm:bulletEnabled val="1"/>
-                  </dgm:varLst>
-                  <dgm:alg type="tx"/>
-                  <dgm:shape xmlns:r="http://schemas.openxmlformats.org/officeDocument/2006/relationships" type="downArrow" r:blip="">
-                    <dgm:adjLst>
-                      <dgm:adj idx="1" val="0.55"/>
-                      <dgm:adj idx="2" val="0.45"/>
-                    </dgm:adjLst>
-                  </dgm:shape>
-                  <dgm:presOf axis="ch" ptType="sibTrans" cnt="1"/>
-                  <dgm:constrLst>
-                    <dgm:constr type="lMarg" refType="primFontSz" fact="0.1"/>
-                    <dgm:constr type="rMarg" refType="primFontSz" fact="0.1"/>
-                    <dgm:constr type="tMarg" refType="primFontSz" fact="0.1"/>
-                    <dgm:constr type="bMarg" refType="primFontSz" fact="0.1"/>
-                  </dgm:constrLst>
-                  <dgm:ruleLst>
-                    <dgm:rule type="primFontSz" val="5" fact="NaN" max="NaN"/>
-                  </dgm:ruleLst>
-                </dgm:layoutNode>
-                <dgm:layoutNode name="ThreeConn_2-3" styleLbl="fgAccFollowNode1">
-                  <dgm:varLst>
-                    <dgm:bulletEnabled val="1"/>
-                  </dgm:varLst>
-                  <dgm:alg type="tx"/>
-                  <dgm:shape xmlns:r="http://schemas.openxmlformats.org/officeDocument/2006/relationships" type="downArrow" r:blip="">
-                    <dgm:adjLst>
-                      <dgm:adj idx="1" val="0.55"/>
-                      <dgm:adj idx="2" val="0.45"/>
-                    </dgm:adjLst>
-                  </dgm:shape>
-                  <dgm:presOf axis="ch" ptType="sibTrans" st="2" cnt="1"/>
-                  <dgm:constrLst>
-                    <dgm:constr type="lMarg" refType="primFontSz" fact="0.1"/>
-                    <dgm:constr type="rMarg" refType="primFontSz" fact="0.1"/>
-                    <dgm:constr type="tMarg" refType="primFontSz" fact="0.1"/>
-                    <dgm:constr type="bMarg" refType="primFontSz" fact="0.1"/>
-                  </dgm:constrLst>
-                  <dgm:ruleLst>
-                    <dgm:rule type="primFontSz" val="5" fact="NaN" max="NaN"/>
-                  </dgm:ruleLst>
-                </dgm:layoutNode>
-                <dgm:layoutNode name="ThreeNodes_1_text">
-                  <dgm:varLst>
-                    <dgm:bulletEnabled val="1"/>
-                  </dgm:varLst>
-                  <dgm:alg type="tx">
-                    <dgm:param type="parTxLTRAlign" val="l"/>
-                    <dgm:param type="txAnchorVertCh" val="mid"/>
-                  </dgm:alg>
-                  <dgm:shape xmlns:r="http://schemas.openxmlformats.org/officeDocument/2006/relationships" type="roundRect" r:blip="" hideGeom="1">
-                    <dgm:adjLst>
-                      <dgm:adj idx="1" val="0.1"/>
-                    </dgm:adjLst>
-                  </dgm:shape>
-                  <dgm:presOf axis="ch desOrSelf" ptType="node node" st="1 1" cnt="1 0"/>
-                  <dgm:constrLst>
-                    <dgm:constr type="lMarg" refType="primFontSz" fact="0.3"/>
-                    <dgm:constr type="rMarg" refType="primFontSz" fact="0.3"/>
-                    <dgm:constr type="tMarg" refType="primFontSz" fact="0.3"/>
-                    <dgm:constr type="bMarg" refType="primFontSz" fact="0.3"/>
-                  </dgm:constrLst>
-                  <dgm:ruleLst>
-                    <dgm:rule type="primFontSz" val="5" fact="NaN" max="NaN"/>
-                  </dgm:ruleLst>
-                </dgm:layoutNode>
-                <dgm:layoutNode name="ThreeNodes_2_text">
-                  <dgm:varLst>
-                    <dgm:bulletEnabled val="1"/>
-                  </dgm:varLst>
-                  <dgm:alg type="tx">
-                    <dgm:param type="parTxLTRAlign" val="l"/>
-                    <dgm:param type="txAnchorVertCh" val="mid"/>
-                  </dgm:alg>
-                  <dgm:shape xmlns:r="http://schemas.openxmlformats.org/officeDocument/2006/relationships" type="roundRect" r:blip="" hideGeom="1">
-                    <dgm:adjLst>
-                      <dgm:adj idx="1" val="0.1"/>
-                    </dgm:adjLst>
-                  </dgm:shape>
-                  <dgm:presOf axis="ch desOrSelf" ptType="node node" st="2 1" cnt="1 0"/>
-                  <dgm:constrLst>
-                    <dgm:constr type="lMarg" refType="primFontSz" fact="0.3"/>
-                    <dgm:constr type="rMarg" refType="primFontSz" fact="0.3"/>
-                    <dgm:constr type="tMarg" refType="primFontSz" fact="0.3"/>
-                    <dgm:constr type="bMarg" refType="primFontSz" fact="0.3"/>
-                  </dgm:constrLst>
-                  <dgm:ruleLst>
-                    <dgm:rule type="primFontSz" val="5" fact="NaN" max="NaN"/>
-                  </dgm:ruleLst>
-                </dgm:layoutNode>
-                <dgm:layoutNode name="ThreeNodes_3_text">
-                  <dgm:varLst>
-                    <dgm:bulletEnabled val="1"/>
-                  </dgm:varLst>
-                  <dgm:alg type="tx">
-                    <dgm:param type="parTxLTRAlign" val="l"/>
-                    <dgm:param type="txAnchorVertCh" val="mid"/>
-                  </dgm:alg>
-                  <dgm:shape xmlns:r="http://schemas.openxmlformats.org/officeDocument/2006/relationships" type="roundRect" r:blip="" hideGeom="1">
-                    <dgm:adjLst>
-                      <dgm:adj idx="1" val="0.1"/>
-                    </dgm:adjLst>
-                  </dgm:shape>
-                  <dgm:presOf axis="ch desOrSelf" ptType="node node" st="3 1" cnt="1 0"/>
-                  <dgm:constrLst>
-                    <dgm:constr type="lMarg" refType="primFontSz" fact="0.3"/>
-                    <dgm:constr type="rMarg" refType="primFontSz" fact="0.3"/>
-                    <dgm:constr type="tMarg" refType="primFontSz" fact="0.3"/>
-                    <dgm:constr type="bMarg" refType="primFontSz" fact="0.3"/>
-                  </dgm:constrLst>
-                  <dgm:ruleLst>
-                    <dgm:rule type="primFontSz" val="5" fact="NaN" max="NaN"/>
-                  </dgm:ruleLst>
-                </dgm:layoutNode>
-              </dgm:if>
-              <dgm:else name="Name11">
-                <dgm:choose name="Name12">
-                  <dgm:if name="Name13" axis="ch" ptType="node" func="cnt" op="equ" val="4">
-                    <dgm:layoutNode name="FourNodes_1">
-                      <dgm:varLst>
-                        <dgm:bulletEnabled val="1"/>
-                      </dgm:varLst>
-                      <dgm:alg type="sp"/>
-                      <dgm:shape xmlns:r="http://schemas.openxmlformats.org/officeDocument/2006/relationships" type="roundRect" r:blip="">
-                        <dgm:adjLst>
-                          <dgm:adj idx="1" val="0.1"/>
-                        </dgm:adjLst>
-                      </dgm:shape>
-                      <dgm:presOf axis="ch desOrSelf" ptType="node node" st="1 1" cnt="1 0"/>
-                      <dgm:constrLst/>
-                      <dgm:ruleLst/>
-                    </dgm:layoutNode>
-                    <dgm:layoutNode name="FourNodes_2">
-                      <dgm:varLst>
-                        <dgm:bulletEnabled val="1"/>
-                      </dgm:varLst>
-                      <dgm:alg type="sp"/>
-                      <dgm:shape xmlns:r="http://schemas.openxmlformats.org/officeDocument/2006/relationships" type="roundRect" r:blip="">
-                        <dgm:adjLst>
-                          <dgm:adj idx="1" val="0.1"/>
-                        </dgm:adjLst>
-                      </dgm:shape>
-                      <dgm:presOf axis="ch desOrSelf" ptType="node node" st="2 1" cnt="1 0"/>
-                      <dgm:constrLst/>
-                      <dgm:ruleLst/>
-                    </dgm:layoutNode>
-                    <dgm:layoutNode name="FourNodes_3">
-                      <dgm:varLst>
-                        <dgm:bulletEnabled val="1"/>
-                      </dgm:varLst>
-                      <dgm:alg type="sp"/>
-                      <dgm:shape xmlns:r="http://schemas.openxmlformats.org/officeDocument/2006/relationships" type="roundRect" r:blip="">
-                        <dgm:adjLst>
-                          <dgm:adj idx="1" val="0.1"/>
-                        </dgm:adjLst>
-                      </dgm:shape>
-                      <dgm:presOf axis="ch desOrSelf" ptType="node node" st="3 1" cnt="1 0"/>
-                      <dgm:constrLst/>
-                      <dgm:ruleLst/>
-                    </dgm:layoutNode>
-                    <dgm:layoutNode name="FourNodes_4">
-                      <dgm:varLst>
-                        <dgm:bulletEnabled val="1"/>
-                      </dgm:varLst>
-                      <dgm:alg type="sp"/>
-                      <dgm:shape xmlns:r="http://schemas.openxmlformats.org/officeDocument/2006/relationships" type="roundRect" r:blip="">
-                        <dgm:adjLst>
-                          <dgm:adj idx="1" val="0.1"/>
-                        </dgm:adjLst>
-                      </dgm:shape>
-                      <dgm:presOf axis="ch desOrSelf" ptType="node node" st="4 1" cnt="1 0"/>
-                      <dgm:constrLst/>
-                      <dgm:ruleLst/>
-                    </dgm:layoutNode>
-                    <dgm:layoutNode name="FourConn_1-2" styleLbl="fgAccFollowNode1">
-                      <dgm:varLst>
-                        <dgm:bulletEnabled val="1"/>
-                      </dgm:varLst>
-                      <dgm:alg type="tx"/>
-                      <dgm:shape xmlns:r="http://schemas.openxmlformats.org/officeDocument/2006/relationships" type="downArrow" r:blip="">
-                        <dgm:adjLst>
-                          <dgm:adj idx="1" val="0.55"/>
-                          <dgm:adj idx="2" val="0.45"/>
-                        </dgm:adjLst>
-                      </dgm:shape>
-                      <dgm:presOf axis="ch" ptType="sibTrans" cnt="1"/>
-                      <dgm:constrLst>
-                        <dgm:constr type="lMarg" refType="primFontSz" fact="0.1"/>
-                        <dgm:constr type="rMarg" refType="primFontSz" fact="0.1"/>
-                        <dgm:constr type="tMarg" refType="primFontSz" fact="0.1"/>
-                        <dgm:constr type="bMarg" refType="primFontSz" fact="0.1"/>
-                      </dgm:constrLst>
-                      <dgm:ruleLst>
-                        <dgm:rule type="primFontSz" val="5" fact="NaN" max="NaN"/>
-                      </dgm:ruleLst>
-                    </dgm:layoutNode>
-                    <dgm:layoutNode name="FourConn_2-3" styleLbl="fgAccFollowNode1">
-                      <dgm:varLst>
-                        <dgm:bulletEnabled val="1"/>
-                      </dgm:varLst>
-                      <dgm:alg type="tx"/>
-                      <dgm:shape xmlns:r="http://schemas.openxmlformats.org/officeDocument/2006/relationships" type="downArrow" r:blip="">
-                        <dgm:adjLst>
-                          <dgm:adj idx="1" val="0.55"/>
-                          <dgm:adj idx="2" val="0.45"/>
-                        </dgm:adjLst>
-                      </dgm:shape>
-                      <dgm:presOf axis="ch" ptType="sibTrans" st="2" cnt="1"/>
-                      <dgm:constrLst>
-                        <dgm:constr type="lMarg" refType="primFontSz" fact="0.1"/>
-                        <dgm:constr type="rMarg" refType="primFontSz" fact="0.1"/>
-                        <dgm:constr type="tMarg" refType="primFontSz" fact="0.1"/>
-                        <dgm:constr type="bMarg" refType="primFontSz" fact="0.1"/>
-                      </dgm:constrLst>
-                      <dgm:ruleLst>
-                        <dgm:rule type="primFontSz" val="5" fact="NaN" max="NaN"/>
-                      </dgm:ruleLst>
-                    </dgm:layoutNode>
-                    <dgm:layoutNode name="FourConn_3-4" styleLbl="fgAccFollowNode1">
-                      <dgm:varLst>
-                        <dgm:bulletEnabled val="1"/>
-                      </dgm:varLst>
-                      <dgm:alg type="tx"/>
-                      <dgm:shape xmlns:r="http://schemas.openxmlformats.org/officeDocument/2006/relationships" type="downArrow" r:blip="">
-                        <dgm:adjLst>
-                          <dgm:adj idx="1" val="0.55"/>
-                          <dgm:adj idx="2" val="0.45"/>
-                        </dgm:adjLst>
-                      </dgm:shape>
-                      <dgm:presOf axis="ch" ptType="sibTrans" st="3" cnt="1"/>
-                      <dgm:constrLst>
-                        <dgm:constr type="lMarg" refType="primFontSz" fact="0.1"/>
-                        <dgm:constr type="rMarg" refType="primFontSz" fact="0.1"/>
-                        <dgm:constr type="tMarg" refType="primFontSz" fact="0.1"/>
-                        <dgm:constr type="bMarg" refType="primFontSz" fact="0.1"/>
-                      </dgm:constrLst>
-                      <dgm:ruleLst>
-                        <dgm:rule type="primFontSz" val="5" fact="NaN" max="NaN"/>
-                      </dgm:ruleLst>
-                    </dgm:layoutNode>
-                    <dgm:layoutNode name="FourNodes_1_text">
-                      <dgm:varLst>
-                        <dgm:bulletEnabled val="1"/>
-                      </dgm:varLst>
-                      <dgm:alg type="tx">
-                        <dgm:param type="parTxLTRAlign" val="l"/>
-                        <dgm:param type="txAnchorVertCh" val="mid"/>
-                      </dgm:alg>
-                      <dgm:shape xmlns:r="http://schemas.openxmlformats.org/officeDocument/2006/relationships" type="roundRect" r:blip="" hideGeom="1">
-                        <dgm:adjLst>
-                          <dgm:adj idx="1" val="0.1"/>
-                        </dgm:adjLst>
-                      </dgm:shape>
-                      <dgm:presOf axis="ch desOrSelf" ptType="node node" st="1 1" cnt="1 0"/>
-                      <dgm:constrLst>
-                        <dgm:constr type="lMarg" refType="primFontSz" fact="0.3"/>
-                        <dgm:constr type="rMarg" refType="primFontSz" fact="0.3"/>
-                        <dgm:constr type="tMarg" refType="primFontSz" fact="0.3"/>
-                        <dgm:constr type="bMarg" refType="primFontSz" fact="0.3"/>
-                      </dgm:constrLst>
-                      <dgm:ruleLst>
-                        <dgm:rule type="primFontSz" val="5" fact="NaN" max="NaN"/>
-                      </dgm:ruleLst>
-                    </dgm:layoutNode>
-                    <dgm:layoutNode name="FourNodes_2_text">
-                      <dgm:varLst>
-                        <dgm:bulletEnabled val="1"/>
-                      </dgm:varLst>
-                      <dgm:alg type="tx">
-                        <dgm:param type="parTxLTRAlign" val="l"/>
-                        <dgm:param type="txAnchorVertCh" val="mid"/>
-                      </dgm:alg>
-                      <dgm:shape xmlns:r="http://schemas.openxmlformats.org/officeDocument/2006/relationships" type="roundRect" r:blip="" hideGeom="1">
-                        <dgm:adjLst>
-                          <dgm:adj idx="1" val="0.1"/>
-                        </dgm:adjLst>
-                      </dgm:shape>
-                      <dgm:presOf axis="ch desOrSelf" ptType="node node" st="2 1" cnt="1 0"/>
-                      <dgm:constrLst>
-                        <dgm:constr type="lMarg" refType="primFontSz" fact="0.3"/>
-                        <dgm:constr type="rMarg" refType="primFontSz" fact="0.3"/>
-                        <dgm:constr type="tMarg" refType="primFontSz" fact="0.3"/>
-                        <dgm:constr type="bMarg" refType="primFontSz" fact="0.3"/>
-                      </dgm:constrLst>
-                      <dgm:ruleLst>
-                        <dgm:rule type="primFontSz" val="5" fact="NaN" max="NaN"/>
-                      </dgm:ruleLst>
-                    </dgm:layoutNode>
-                    <dgm:layoutNode name="FourNodes_3_text">
-                      <dgm:varLst>
-                        <dgm:bulletEnabled val="1"/>
-                      </dgm:varLst>
-                      <dgm:alg type="tx">
-                        <dgm:param type="parTxLTRAlign" val="l"/>
-                        <dgm:param type="txAnchorVertCh" val="mid"/>
-                      </dgm:alg>
-                      <dgm:shape xmlns:r="http://schemas.openxmlformats.org/officeDocument/2006/relationships" type="roundRect" r:blip="" hideGeom="1">
-                        <dgm:adjLst>
-                          <dgm:adj idx="1" val="0.1"/>
-                        </dgm:adjLst>
-                      </dgm:shape>
-                      <dgm:presOf axis="ch desOrSelf" ptType="node node" st="3 1" cnt="1 0"/>
-                      <dgm:constrLst>
-                        <dgm:constr type="lMarg" refType="primFontSz" fact="0.3"/>
-                        <dgm:constr type="rMarg" refType="primFontSz" fact="0.3"/>
-                        <dgm:constr type="tMarg" refType="primFontSz" fact="0.3"/>
-                        <dgm:constr type="bMarg" refType="primFontSz" fact="0.3"/>
-                      </dgm:constrLst>
-                      <dgm:ruleLst>
-                        <dgm:rule type="primFontSz" val="5" fact="NaN" max="NaN"/>
-                      </dgm:ruleLst>
-                    </dgm:layoutNode>
-                    <dgm:layoutNode name="FourNodes_4_text">
-                      <dgm:varLst>
-                        <dgm:bulletEnabled val="1"/>
-                      </dgm:varLst>
-                      <dgm:alg type="tx">
-                        <dgm:param type="parTxLTRAlign" val="l"/>
-                        <dgm:param type="txAnchorVertCh" val="mid"/>
-                      </dgm:alg>
-                      <dgm:shape xmlns:r="http://schemas.openxmlformats.org/officeDocument/2006/relationships" type="roundRect" r:blip="" hideGeom="1">
-                        <dgm:adjLst>
-                          <dgm:adj idx="1" val="0.1"/>
-                        </dgm:adjLst>
-                      </dgm:shape>
-                      <dgm:presOf axis="ch desOrSelf" ptType="node node" st="4 1" cnt="1 0"/>
-                      <dgm:constrLst>
-                        <dgm:constr type="lMarg" refType="primFontSz" fact="0.3"/>
-                        <dgm:constr type="rMarg" refType="primFontSz" fact="0.3"/>
-                        <dgm:constr type="tMarg" refType="primFontSz" fact="0.3"/>
-                        <dgm:constr type="bMarg" refType="primFontSz" fact="0.3"/>
-                      </dgm:constrLst>
-                      <dgm:ruleLst>
-                        <dgm:rule type="primFontSz" val="5" fact="NaN" max="NaN"/>
-                      </dgm:ruleLst>
-                    </dgm:layoutNode>
-                  </dgm:if>
-                  <dgm:else name="Name14">
-                    <dgm:choose name="Name15">
-                      <dgm:if name="Name16" axis="ch" ptType="node" func="cnt" op="gte" val="5">
-                        <dgm:layoutNode name="FiveNodes_1">
-                          <dgm:varLst>
-                            <dgm:bulletEnabled val="1"/>
-                          </dgm:varLst>
-                          <dgm:alg type="sp"/>
-                          <dgm:shape xmlns:r="http://schemas.openxmlformats.org/officeDocument/2006/relationships" type="roundRect" r:blip="">
-                            <dgm:adjLst>
-                              <dgm:adj idx="1" val="0.1"/>
-                            </dgm:adjLst>
-                          </dgm:shape>
-                          <dgm:presOf axis="ch desOrSelf" ptType="node node" st="1 1" cnt="1 0"/>
-                          <dgm:constrLst/>
-                          <dgm:ruleLst/>
-                        </dgm:layoutNode>
-                        <dgm:layoutNode name="FiveNodes_2">
-                          <dgm:varLst>
-                            <dgm:bulletEnabled val="1"/>
-                          </dgm:varLst>
-                          <dgm:alg type="sp"/>
-                          <dgm:shape xmlns:r="http://schemas.openxmlformats.org/officeDocument/2006/relationships" type="roundRect" r:blip="">
-                            <dgm:adjLst>
-                              <dgm:adj idx="1" val="0.1"/>
-                            </dgm:adjLst>
-                          </dgm:shape>
-                          <dgm:presOf axis="ch desOrSelf" ptType="node node" st="2 1" cnt="1 0"/>
-                          <dgm:constrLst/>
-                          <dgm:ruleLst/>
-                        </dgm:layoutNode>
-                        <dgm:layoutNode name="FiveNodes_3">
-                          <dgm:varLst>
-                            <dgm:bulletEnabled val="1"/>
-                          </dgm:varLst>
-                          <dgm:alg type="sp"/>
-                          <dgm:shape xmlns:r="http://schemas.openxmlformats.org/officeDocument/2006/relationships" type="roundRect" r:blip="">
-                            <dgm:adjLst>
-                              <dgm:adj idx="1" val="0.1"/>
-                            </dgm:adjLst>
-                          </dgm:shape>
-                          <dgm:presOf axis="ch desOrSelf" ptType="node node" st="3 1" cnt="1 0"/>
-                          <dgm:constrLst/>
-                          <dgm:ruleLst/>
-                        </dgm:layoutNode>
-                        <dgm:layoutNode name="FiveNodes_4">
-                          <dgm:varLst>
-                            <dgm:bulletEnabled val="1"/>
-                          </dgm:varLst>
-                          <dgm:alg type="sp"/>
-                          <dgm:shape xmlns:r="http://schemas.openxmlformats.org/officeDocument/2006/relationships" type="roundRect" r:blip="">
-                            <dgm:adjLst>
-                              <dgm:adj idx="1" val="0.1"/>
-                            </dgm:adjLst>
-                          </dgm:shape>
-                          <dgm:presOf axis="ch desOrSelf" ptType="node node" st="4 1" cnt="1 0"/>
-                          <dgm:constrLst/>
-                          <dgm:ruleLst/>
-                        </dgm:layoutNode>
-                        <dgm:layoutNode name="FiveNodes_5">
-                          <dgm:varLst>
-                            <dgm:bulletEnabled val="1"/>
-                          </dgm:varLst>
-                          <dgm:alg type="sp"/>
-                          <dgm:shape xmlns:r="http://schemas.openxmlformats.org/officeDocument/2006/relationships" type="roundRect" r:blip="">
-                            <dgm:adjLst>
-                              <dgm:adj idx="1" val="0.1"/>
-                            </dgm:adjLst>
-                          </dgm:shape>
-                          <dgm:presOf axis="ch desOrSelf" ptType="node node" st="5 1" cnt="1 0"/>
-                          <dgm:constrLst/>
-                          <dgm:ruleLst/>
-                        </dgm:layoutNode>
-                        <dgm:layoutNode name="FiveConn_1-2" styleLbl="fgAccFollowNode1">
-                          <dgm:varLst>
-                            <dgm:bulletEnabled val="1"/>
-                          </dgm:varLst>
-                          <dgm:alg type="tx"/>
-                          <dgm:shape xmlns:r="http://schemas.openxmlformats.org/officeDocument/2006/relationships" type="downArrow" r:blip="">
-                            <dgm:adjLst>
-                              <dgm:adj idx="1" val="0.55"/>
-                              <dgm:adj idx="2" val="0.45"/>
-                            </dgm:adjLst>
-                          </dgm:shape>
-                          <dgm:presOf axis="ch" ptType="sibTrans" cnt="1"/>
-                          <dgm:constrLst>
-                            <dgm:constr type="lMarg" refType="primFontSz" fact="0.1"/>
-                            <dgm:constr type="rMarg" refType="primFontSz" fact="0.1"/>
-                            <dgm:constr type="tMarg" refType="primFontSz" fact="0.1"/>
-                            <dgm:constr type="bMarg" refType="primFontSz" fact="0.1"/>
-                          </dgm:constrLst>
-                          <dgm:ruleLst>
-                            <dgm:rule type="primFontSz" val="5" fact="NaN" max="NaN"/>
-                          </dgm:ruleLst>
-                        </dgm:layoutNode>
-                        <dgm:layoutNode name="FiveConn_2-3" styleLbl="fgAccFollowNode1">
-                          <dgm:varLst>
-                            <dgm:bulletEnabled val="1"/>
-                          </dgm:varLst>
-                          <dgm:alg type="tx"/>
-                          <dgm:shape xmlns:r="http://schemas.openxmlformats.org/officeDocument/2006/relationships" type="downArrow" r:blip="">
-                            <dgm:adjLst>
-                              <dgm:adj idx="1" val="0.55"/>
-                              <dgm:adj idx="2" val="0.45"/>
-                            </dgm:adjLst>
-                          </dgm:shape>
-                          <dgm:presOf axis="ch" ptType="sibTrans" st="2" cnt="1"/>
-                          <dgm:constrLst>
-                            <dgm:constr type="lMarg" refType="primFontSz" fact="0.1"/>
-                            <dgm:constr type="rMarg" refType="primFontSz" fact="0.1"/>
-                            <dgm:constr type="tMarg" refType="primFontSz" fact="0.1"/>
-                            <dgm:constr type="bMarg" refType="primFontSz" fact="0.1"/>
-                          </dgm:constrLst>
-                          <dgm:ruleLst>
-                            <dgm:rule type="primFontSz" val="5" fact="NaN" max="NaN"/>
-                          </dgm:ruleLst>
-                        </dgm:layoutNode>
-                        <dgm:layoutNode name="FiveConn_3-4" styleLbl="fgAccFollowNode1">
-                          <dgm:varLst>
-                            <dgm:bulletEnabled val="1"/>
-                          </dgm:varLst>
-                          <dgm:alg type="tx"/>
-                          <dgm:shape xmlns:r="http://schemas.openxmlformats.org/officeDocument/2006/relationships" type="downArrow" r:blip="">
-                            <dgm:adjLst>
-                              <dgm:adj idx="1" val="0.55"/>
-                              <dgm:adj idx="2" val="0.45"/>
-                            </dgm:adjLst>
-                          </dgm:shape>
-                          <dgm:presOf axis="ch" ptType="sibTrans" st="3" cnt="1"/>
-                          <dgm:constrLst>
-                            <dgm:constr type="lMarg" refType="primFontSz" fact="0.1"/>
-                            <dgm:constr type="rMarg" refType="primFontSz" fact="0.1"/>
-                            <dgm:constr type="tMarg" refType="primFontSz" fact="0.1"/>
-                            <dgm:constr type="bMarg" refType="primFontSz" fact="0.1"/>
-                          </dgm:constrLst>
-                          <dgm:ruleLst>
-                            <dgm:rule type="primFontSz" val="5" fact="NaN" max="NaN"/>
-                          </dgm:ruleLst>
-                        </dgm:layoutNode>
-                        <dgm:layoutNode name="FiveConn_4-5" styleLbl="fgAccFollowNode1">
-                          <dgm:varLst>
-                            <dgm:bulletEnabled val="1"/>
-                          </dgm:varLst>
-                          <dgm:alg type="tx"/>
-                          <dgm:shape xmlns:r="http://schemas.openxmlformats.org/officeDocument/2006/relationships" type="downArrow" r:blip="">
-                            <dgm:adjLst>
-                              <dgm:adj idx="1" val="0.55"/>
-                              <dgm:adj idx="2" val="0.45"/>
-                            </dgm:adjLst>
-                          </dgm:shape>
-                          <dgm:presOf axis="ch" ptType="sibTrans" st="4" cnt="1"/>
-                          <dgm:constrLst>
-                            <dgm:constr type="lMarg" refType="primFontSz" fact="0.1"/>
-                            <dgm:constr type="rMarg" refType="primFontSz" fact="0.1"/>
-                            <dgm:constr type="tMarg" refType="primFontSz" fact="0.1"/>
-                            <dgm:constr type="bMarg" refType="primFontSz" fact="0.1"/>
-                          </dgm:constrLst>
-                          <dgm:ruleLst>
-                            <dgm:rule type="primFontSz" val="5" fact="NaN" max="NaN"/>
-                          </dgm:ruleLst>
-                        </dgm:layoutNode>
-                        <dgm:layoutNode name="FiveNodes_1_text">
-                          <dgm:varLst>
-                            <dgm:bulletEnabled val="1"/>
-                          </dgm:varLst>
-                          <dgm:alg type="tx">
-                            <dgm:param type="parTxLTRAlign" val="l"/>
-                            <dgm:param type="txAnchorVertCh" val="mid"/>
-                          </dgm:alg>
-                          <dgm:shape xmlns:r="http://schemas.openxmlformats.org/officeDocument/2006/relationships" type="roundRect" r:blip="" hideGeom="1">
-                            <dgm:adjLst>
-                              <dgm:adj idx="1" val="0.1"/>
-                            </dgm:adjLst>
-                          </dgm:shape>
-                          <dgm:presOf axis="ch desOrSelf" ptType="node node" st="1 1" cnt="1 0"/>
-                          <dgm:constrLst>
-                            <dgm:constr type="lMarg" refType="primFontSz" fact="0.3"/>
-                            <dgm:constr type="rMarg" refType="primFontSz" fact="0.3"/>
-                            <dgm:constr type="tMarg" refType="primFontSz" fact="0.3"/>
-                            <dgm:constr type="bMarg" refType="primFontSz" fact="0.3"/>
-                          </dgm:constrLst>
-                          <dgm:ruleLst>
-                            <dgm:rule type="primFontSz" val="5" fact="NaN" max="NaN"/>
-                          </dgm:ruleLst>
-                        </dgm:layoutNode>
-                        <dgm:layoutNode name="FiveNodes_2_text">
-                          <dgm:varLst>
-                            <dgm:bulletEnabled val="1"/>
-                          </dgm:varLst>
-                          <dgm:alg type="tx">
-                            <dgm:param type="parTxLTRAlign" val="l"/>
-                            <dgm:param type="txAnchorVertCh" val="mid"/>
-                          </dgm:alg>
-                          <dgm:shape xmlns:r="http://schemas.openxmlformats.org/officeDocument/2006/relationships" type="roundRect" r:blip="" hideGeom="1">
-                            <dgm:adjLst>
-                              <dgm:adj idx="1" val="0.1"/>
-                            </dgm:adjLst>
-                          </dgm:shape>
-                          <dgm:presOf axis="ch desOrSelf" ptType="node node" st="2 1" cnt="1 0"/>
-                          <dgm:constrLst>
-                            <dgm:constr type="lMarg" refType="primFontSz" fact="0.3"/>
-                            <dgm:constr type="rMarg" refType="primFontSz" fact="0.3"/>
-                            <dgm:constr type="tMarg" refType="primFontSz" fact="0.3"/>
-                            <dgm:constr type="bMarg" refType="primFontSz" fact="0.3"/>
-                          </dgm:constrLst>
-                          <dgm:ruleLst>
-                            <dgm:rule type="primFontSz" val="5" fact="NaN" max="NaN"/>
-                          </dgm:ruleLst>
-                        </dgm:layoutNode>
-                        <dgm:layoutNode name="FiveNodes_3_text">
-                          <dgm:varLst>
-                            <dgm:bulletEnabled val="1"/>
-                          </dgm:varLst>
-                          <dgm:alg type="tx">
-                            <dgm:param type="parTxLTRAlign" val="l"/>
-                            <dgm:param type="txAnchorVertCh" val="mid"/>
-                          </dgm:alg>
-                          <dgm:shape xmlns:r="http://schemas.openxmlformats.org/officeDocument/2006/relationships" type="roundRect" r:blip="" hideGeom="1">
-                            <dgm:adjLst>
-                              <dgm:adj idx="1" val="0.1"/>
-                            </dgm:adjLst>
-                          </dgm:shape>
-                          <dgm:presOf axis="ch desOrSelf" ptType="node node" st="3 1" cnt="1 0"/>
-                          <dgm:constrLst>
-                            <dgm:constr type="lMarg" refType="primFontSz" fact="0.3"/>
-                            <dgm:constr type="rMarg" refType="primFontSz" fact="0.3"/>
-                            <dgm:constr type="tMarg" refType="primFontSz" fact="0.3"/>
-                            <dgm:constr type="bMarg" refType="primFontSz" fact="0.3"/>
-                          </dgm:constrLst>
-                          <dgm:ruleLst>
-                            <dgm:rule type="primFontSz" val="5" fact="NaN" max="NaN"/>
-                          </dgm:ruleLst>
-                        </dgm:layoutNode>
-                        <dgm:layoutNode name="FiveNodes_4_text">
-                          <dgm:varLst>
-                            <dgm:bulletEnabled val="1"/>
-                          </dgm:varLst>
-                          <dgm:alg type="tx">
-                            <dgm:param type="parTxLTRAlign" val="l"/>
-                            <dgm:param type="txAnchorVertCh" val="mid"/>
-                          </dgm:alg>
-                          <dgm:shape xmlns:r="http://schemas.openxmlformats.org/officeDocument/2006/relationships" type="roundRect" r:blip="" hideGeom="1">
-                            <dgm:adjLst>
-                              <dgm:adj idx="1" val="0.1"/>
-                            </dgm:adjLst>
-                          </dgm:shape>
-                          <dgm:presOf axis="ch desOrSelf" ptType="node node" st="4 1" cnt="1 0"/>
-                          <dgm:constrLst>
-                            <dgm:constr type="lMarg" refType="primFontSz" fact="0.3"/>
-                            <dgm:constr type="rMarg" refType="primFontSz" fact="0.3"/>
-                            <dgm:constr type="tMarg" refType="primFontSz" fact="0.3"/>
-                            <dgm:constr type="bMarg" refType="primFontSz" fact="0.3"/>
-                          </dgm:constrLst>
-                          <dgm:ruleLst>
-                            <dgm:rule type="primFontSz" val="5" fact="NaN" max="NaN"/>
-                          </dgm:ruleLst>
-                        </dgm:layoutNode>
-                        <dgm:layoutNode name="FiveNodes_5_text">
-                          <dgm:varLst>
-                            <dgm:bulletEnabled val="1"/>
-                          </dgm:varLst>
-                          <dgm:alg type="tx">
-                            <dgm:param type="parTxLTRAlign" val="l"/>
-                            <dgm:param type="txAnchorVertCh" val="mid"/>
-                          </dgm:alg>
-                          <dgm:shape xmlns:r="http://schemas.openxmlformats.org/officeDocument/2006/relationships" type="roundRect" r:blip="" hideGeom="1">
-                            <dgm:adjLst>
-                              <dgm:adj idx="1" val="0.1"/>
-                            </dgm:adjLst>
-                          </dgm:shape>
-                          <dgm:presOf axis="ch desOrSelf" ptType="node node" st="5 1" cnt="1 0"/>
-                          <dgm:constrLst>
-                            <dgm:constr type="lMarg" refType="primFontSz" fact="0.3"/>
-                            <dgm:constr type="rMarg" refType="primFontSz" fact="0.3"/>
-                            <dgm:constr type="tMarg" refType="primFontSz" fact="0.3"/>
-                            <dgm:constr type="bMarg" refType="primFontSz" fact="0.3"/>
-                          </dgm:constrLst>
-                          <dgm:ruleLst>
-                            <dgm:rule type="primFontSz" val="5" fact="NaN" max="NaN"/>
-                          </dgm:ruleLst>
-                        </dgm:layoutNode>
-                      </dgm:if>
-                      <dgm:else name="Name17"/>
-                    </dgm:choose>
-                  </dgm:else>
-                </dgm:choose>
-              </dgm:else>
-            </dgm:choose>
-          </dgm:else>
-        </dgm:choose>
-      </dgm:else>
-    </dgm:choose>
+      </dgm:layoutNode>
+      <dgm:forEach name="Name7" axis="followSib" ptType="sibTrans" cnt="1">
+        <dgm:layoutNode name="spacing">
+          <dgm:alg type="sp"/>
+          <dgm:shape xmlns:r="http://schemas.openxmlformats.org/officeDocument/2006/relationships" r:blip="">
+            <dgm:adjLst/>
+          </dgm:shape>
+          <dgm:presOf axis="self"/>
+          <dgm:constrLst/>
+          <dgm:ruleLst/>
+        </dgm:layoutNode>
+      </dgm:forEach>
+    </dgm:forEach>
   </dgm:layoutNode>
 </dgm:layoutDef>
 </file>
 
 <file path=ppt/diagrams/quickStyle1.xml><?xml version="1.0" encoding="utf-8"?>
-<dgm:styleDef xmlns:dgm="http://schemas.openxmlformats.org/drawingml/2006/diagram" xmlns:a="http://schemas.openxmlformats.org/drawingml/2006/main" uniqueId="urn:microsoft.com/office/officeart/2005/8/quickstyle/simple4">
+<dgm:styleDef xmlns:dgm="http://schemas.openxmlformats.org/drawingml/2006/diagram" xmlns:a="http://schemas.openxmlformats.org/drawingml/2006/main" uniqueId="urn:microsoft.com/office/officeart/2005/8/quickstyle/simple1">
   <dgm:title val=""/>
   <dgm:desc val=""/>
   <dgm:catLst>
-    <dgm:cat type="simple" pri="10400"/>
+    <dgm:cat type="simple" pri="10100"/>
   </dgm:catLst>
   <dgm:scene3d>
     <a:camera prst="orthographicFront"/>
@@ -4009,13 +2542,13 @@
     <dgm:sp3d/>
     <dgm:txPr/>
     <dgm:style>
-      <a:lnRef idx="0">
+      <a:lnRef idx="2">
         <a:scrgbClr r="0" g="0" b="0"/>
       </a:lnRef>
-      <a:fillRef idx="3">
+      <a:fillRef idx="1">
         <a:scrgbClr r="0" g="0" b="0"/>
       </a:fillRef>
-      <a:effectRef idx="2">
+      <a:effectRef idx="0">
         <a:scrgbClr r="0" g="0" b="0"/>
       </a:effectRef>
       <a:fontRef idx="minor">
@@ -4031,13 +2564,13 @@
     <dgm:sp3d/>
     <dgm:txPr/>
     <dgm:style>
-      <a:lnRef idx="1">
+      <a:lnRef idx="2">
         <a:scrgbClr r="0" g="0" b="0"/>
       </a:lnRef>
-      <a:fillRef idx="3">
+      <a:fillRef idx="1">
         <a:scrgbClr r="0" g="0" b="0"/>
       </a:fillRef>
-      <a:effectRef idx="2">
+      <a:effectRef idx="0">
         <a:scrgbClr r="0" g="0" b="0"/>
       </a:effectRef>
       <a:fontRef idx="minor">
@@ -4053,10 +2586,10 @@
     <dgm:sp3d/>
     <dgm:txPr/>
     <dgm:style>
-      <a:lnRef idx="0">
+      <a:lnRef idx="2">
         <a:scrgbClr r="0" g="0" b="0"/>
       </a:lnRef>
-      <a:fillRef idx="3">
+      <a:fillRef idx="1">
         <a:scrgbClr r="0" g="0" b="0"/>
       </a:fillRef>
       <a:effectRef idx="0">
@@ -4075,13 +2608,13 @@
     <dgm:sp3d/>
     <dgm:txPr/>
     <dgm:style>
-      <a:lnRef idx="1">
+      <a:lnRef idx="2">
         <a:scrgbClr r="0" g="0" b="0"/>
       </a:lnRef>
-      <a:fillRef idx="3">
+      <a:fillRef idx="1">
         <a:scrgbClr r="0" g="0" b="0"/>
       </a:fillRef>
-      <a:effectRef idx="2">
+      <a:effectRef idx="0">
         <a:scrgbClr r="0" g="0" b="0"/>
       </a:effectRef>
       <a:fontRef idx="minor">
@@ -4097,13 +2630,13 @@
     <dgm:sp3d/>
     <dgm:txPr/>
     <dgm:style>
-      <a:lnRef idx="0">
+      <a:lnRef idx="2">
         <a:scrgbClr r="0" g="0" b="0"/>
       </a:lnRef>
-      <a:fillRef idx="3">
+      <a:fillRef idx="1">
         <a:scrgbClr r="0" g="0" b="0"/>
       </a:fillRef>
-      <a:effectRef idx="2">
+      <a:effectRef idx="0">
         <a:scrgbClr r="0" g="0" b="0"/>
       </a:effectRef>
       <a:fontRef idx="minor">
@@ -4119,13 +2652,13 @@
     <dgm:sp3d/>
     <dgm:txPr/>
     <dgm:style>
-      <a:lnRef idx="0">
+      <a:lnRef idx="2">
         <a:scrgbClr r="0" g="0" b="0"/>
       </a:lnRef>
-      <a:fillRef idx="3">
+      <a:fillRef idx="1">
         <a:scrgbClr r="0" g="0" b="0"/>
       </a:fillRef>
-      <a:effectRef idx="2">
+      <a:effectRef idx="0">
         <a:scrgbClr r="0" g="0" b="0"/>
       </a:effectRef>
       <a:fontRef idx="minor">
@@ -4141,13 +2674,13 @@
     <dgm:sp3d/>
     <dgm:txPr/>
     <dgm:style>
-      <a:lnRef idx="0">
+      <a:lnRef idx="2">
         <a:scrgbClr r="0" g="0" b="0"/>
       </a:lnRef>
-      <a:fillRef idx="3">
+      <a:fillRef idx="1">
         <a:scrgbClr r="0" g="0" b="0"/>
       </a:fillRef>
-      <a:effectRef idx="2">
+      <a:effectRef idx="0">
         <a:scrgbClr r="0" g="0" b="0"/>
       </a:effectRef>
       <a:fontRef idx="minor">
@@ -4163,13 +2696,13 @@
     <dgm:sp3d/>
     <dgm:txPr/>
     <dgm:style>
-      <a:lnRef idx="0">
+      <a:lnRef idx="2">
         <a:scrgbClr r="0" g="0" b="0"/>
       </a:lnRef>
-      <a:fillRef idx="3">
+      <a:fillRef idx="1">
         <a:scrgbClr r="0" g="0" b="0"/>
       </a:fillRef>
-      <a:effectRef idx="2">
+      <a:effectRef idx="0">
         <a:scrgbClr r="0" g="0" b="0"/>
       </a:effectRef>
       <a:fontRef idx="minor">
@@ -4185,13 +2718,13 @@
     <dgm:sp3d/>
     <dgm:txPr/>
     <dgm:style>
-      <a:lnRef idx="0">
+      <a:lnRef idx="2">
         <a:scrgbClr r="0" g="0" b="0"/>
       </a:lnRef>
       <a:fillRef idx="1">
         <a:scrgbClr r="0" g="0" b="0"/>
       </a:fillRef>
-      <a:effectRef idx="2">
+      <a:effectRef idx="0">
         <a:scrgbClr r="0" g="0" b="0"/>
       </a:effectRef>
       <a:fontRef idx="minor"/>
@@ -4205,13 +2738,13 @@
     <dgm:sp3d/>
     <dgm:txPr/>
     <dgm:style>
-      <a:lnRef idx="0">
+      <a:lnRef idx="2">
         <a:scrgbClr r="0" g="0" b="0"/>
       </a:lnRef>
       <a:fillRef idx="1">
         <a:scrgbClr r="0" g="0" b="0"/>
       </a:fillRef>
-      <a:effectRef idx="2">
+      <a:effectRef idx="0">
         <a:scrgbClr r="0" g="0" b="0"/>
       </a:effectRef>
       <a:fontRef idx="minor"/>
@@ -4225,13 +2758,13 @@
     <dgm:sp3d/>
     <dgm:txPr/>
     <dgm:style>
-      <a:lnRef idx="0">
+      <a:lnRef idx="2">
         <a:scrgbClr r="0" g="0" b="0"/>
       </a:lnRef>
       <a:fillRef idx="1">
         <a:scrgbClr r="0" g="0" b="0"/>
       </a:fillRef>
-      <a:effectRef idx="2">
+      <a:effectRef idx="0">
         <a:scrgbClr r="0" g="0" b="0"/>
       </a:effectRef>
       <a:fontRef idx="minor"/>
@@ -4248,10 +2781,10 @@
       <a:lnRef idx="0">
         <a:scrgbClr r="0" g="0" b="0"/>
       </a:lnRef>
-      <a:fillRef idx="3">
+      <a:fillRef idx="1">
         <a:scrgbClr r="0" g="0" b="0"/>
       </a:fillRef>
-      <a:effectRef idx="2">
+      <a:effectRef idx="0">
         <a:scrgbClr r="0" g="0" b="0"/>
       </a:effectRef>
       <a:fontRef idx="minor">
@@ -4270,10 +2803,10 @@
       <a:lnRef idx="0">
         <a:scrgbClr r="0" g="0" b="0"/>
       </a:lnRef>
-      <a:fillRef idx="3">
+      <a:fillRef idx="1">
         <a:scrgbClr r="0" g="0" b="0"/>
       </a:fillRef>
-      <a:effectRef idx="2">
+      <a:effectRef idx="0">
         <a:scrgbClr r="0" g="0" b="0"/>
       </a:effectRef>
       <a:fontRef idx="minor">
@@ -4292,10 +2825,10 @@
       <a:lnRef idx="0">
         <a:scrgbClr r="0" g="0" b="0"/>
       </a:lnRef>
-      <a:fillRef idx="3">
+      <a:fillRef idx="1">
         <a:scrgbClr r="0" g="0" b="0"/>
       </a:fillRef>
-      <a:effectRef idx="2">
+      <a:effectRef idx="0">
         <a:scrgbClr r="0" g="0" b="0"/>
       </a:effectRef>
       <a:fontRef idx="minor">
@@ -4337,7 +2870,7 @@
       <a:fillRef idx="1">
         <a:scrgbClr r="0" g="0" b="0"/>
       </a:fillRef>
-      <a:effectRef idx="1">
+      <a:effectRef idx="0">
         <a:scrgbClr r="0" g="0" b="0"/>
       </a:effectRef>
       <a:fontRef idx="minor"/>
@@ -4351,13 +2884,13 @@
     <dgm:sp3d/>
     <dgm:txPr/>
     <dgm:style>
-      <a:lnRef idx="0">
+      <a:lnRef idx="2">
         <a:scrgbClr r="0" g="0" b="0"/>
       </a:lnRef>
-      <a:fillRef idx="3">
+      <a:fillRef idx="1">
         <a:scrgbClr r="0" g="0" b="0"/>
       </a:fillRef>
-      <a:effectRef idx="2">
+      <a:effectRef idx="0">
         <a:scrgbClr r="0" g="0" b="0"/>
       </a:effectRef>
       <a:fontRef idx="minor">
@@ -4373,13 +2906,13 @@
     <dgm:sp3d/>
     <dgm:txPr/>
     <dgm:style>
-      <a:lnRef idx="0">
+      <a:lnRef idx="2">
         <a:scrgbClr r="0" g="0" b="0"/>
       </a:lnRef>
-      <a:fillRef idx="3">
+      <a:fillRef idx="1">
         <a:scrgbClr r="0" g="0" b="0"/>
       </a:fillRef>
-      <a:effectRef idx="2">
+      <a:effectRef idx="0">
         <a:scrgbClr r="0" g="0" b="0"/>
       </a:effectRef>
       <a:fontRef idx="minor">
@@ -4395,13 +2928,13 @@
     <dgm:sp3d/>
     <dgm:txPr/>
     <dgm:style>
-      <a:lnRef idx="0">
+      <a:lnRef idx="2">
         <a:scrgbClr r="0" g="0" b="0"/>
       </a:lnRef>
-      <a:fillRef idx="3">
+      <a:fillRef idx="1">
         <a:scrgbClr r="0" g="0" b="0"/>
       </a:fillRef>
-      <a:effectRef idx="2">
+      <a:effectRef idx="0">
         <a:scrgbClr r="0" g="0" b="0"/>
       </a:effectRef>
       <a:fontRef idx="minor">
@@ -4417,13 +2950,13 @@
     <dgm:sp3d/>
     <dgm:txPr/>
     <dgm:style>
-      <a:lnRef idx="0">
+      <a:lnRef idx="2">
         <a:scrgbClr r="0" g="0" b="0"/>
       </a:lnRef>
-      <a:fillRef idx="3">
+      <a:fillRef idx="1">
         <a:scrgbClr r="0" g="0" b="0"/>
       </a:fillRef>
-      <a:effectRef idx="2">
+      <a:effectRef idx="0">
         <a:scrgbClr r="0" g="0" b="0"/>
       </a:effectRef>
       <a:fontRef idx="minor">
@@ -4439,13 +2972,13 @@
     <dgm:sp3d/>
     <dgm:txPr/>
     <dgm:style>
-      <a:lnRef idx="0">
+      <a:lnRef idx="2">
         <a:scrgbClr r="0" g="0" b="0"/>
       </a:lnRef>
-      <a:fillRef idx="3">
+      <a:fillRef idx="1">
         <a:scrgbClr r="0" g="0" b="0"/>
       </a:fillRef>
-      <a:effectRef idx="2">
+      <a:effectRef idx="0">
         <a:scrgbClr r="0" g="0" b="0"/>
       </a:effectRef>
       <a:fontRef idx="minor">
@@ -4461,13 +2994,13 @@
     <dgm:sp3d/>
     <dgm:txPr/>
     <dgm:style>
-      <a:lnRef idx="0">
+      <a:lnRef idx="2">
         <a:scrgbClr r="0" g="0" b="0"/>
       </a:lnRef>
-      <a:fillRef idx="3">
+      <a:fillRef idx="1">
         <a:scrgbClr r="0" g="0" b="0"/>
       </a:fillRef>
-      <a:effectRef idx="2">
+      <a:effectRef idx="0">
         <a:scrgbClr r="0" g="0" b="0"/>
       </a:effectRef>
       <a:fontRef idx="minor">
@@ -4483,13 +3016,13 @@
     <dgm:sp3d/>
     <dgm:txPr/>
     <dgm:style>
-      <a:lnRef idx="0">
+      <a:lnRef idx="2">
         <a:scrgbClr r="0" g="0" b="0"/>
       </a:lnRef>
-      <a:fillRef idx="3">
+      <a:fillRef idx="1">
         <a:scrgbClr r="0" g="0" b="0"/>
       </a:fillRef>
-      <a:effectRef idx="2">
+      <a:effectRef idx="0">
         <a:scrgbClr r="0" g="0" b="0"/>
       </a:effectRef>
       <a:fontRef idx="minor">
@@ -4505,13 +3038,13 @@
     <dgm:sp3d/>
     <dgm:txPr/>
     <dgm:style>
-      <a:lnRef idx="1">
+      <a:lnRef idx="2">
         <a:scrgbClr r="0" g="0" b="0"/>
       </a:lnRef>
-      <a:fillRef idx="3">
+      <a:fillRef idx="1">
         <a:scrgbClr r="0" g="0" b="0"/>
       </a:fillRef>
-      <a:effectRef idx="2">
+      <a:effectRef idx="0">
         <a:scrgbClr r="0" g="0" b="0"/>
       </a:effectRef>
       <a:fontRef idx="minor">
@@ -4527,13 +3060,13 @@
     <dgm:sp3d/>
     <dgm:txPr/>
     <dgm:style>
-      <a:lnRef idx="1">
+      <a:lnRef idx="2">
         <a:scrgbClr r="0" g="0" b="0"/>
       </a:lnRef>
-      <a:fillRef idx="3">
+      <a:fillRef idx="1">
         <a:scrgbClr r="0" g="0" b="0"/>
       </a:fillRef>
-      <a:effectRef idx="2">
+      <a:effectRef idx="0">
         <a:scrgbClr r="0" g="0" b="0"/>
       </a:effectRef>
       <a:fontRef idx="minor">
@@ -4549,7 +3082,7 @@
     <dgm:sp3d/>
     <dgm:txPr/>
     <dgm:style>
-      <a:lnRef idx="1">
+      <a:lnRef idx="2">
         <a:scrgbClr r="0" g="0" b="0"/>
       </a:lnRef>
       <a:fillRef idx="0">
@@ -4569,7 +3102,7 @@
     <dgm:sp3d/>
     <dgm:txPr/>
     <dgm:style>
-      <a:lnRef idx="1">
+      <a:lnRef idx="2">
         <a:scrgbClr r="0" g="0" b="0"/>
       </a:lnRef>
       <a:fillRef idx="0">
@@ -4589,7 +3122,7 @@
     <dgm:sp3d/>
     <dgm:txPr/>
     <dgm:style>
-      <a:lnRef idx="1">
+      <a:lnRef idx="2">
         <a:scrgbClr r="0" g="0" b="0"/>
       </a:lnRef>
       <a:fillRef idx="0">
@@ -4609,7 +3142,7 @@
     <dgm:sp3d/>
     <dgm:txPr/>
     <dgm:style>
-      <a:lnRef idx="1">
+      <a:lnRef idx="2">
         <a:scrgbClr r="0" g="0" b="0"/>
       </a:lnRef>
       <a:fillRef idx="0">
@@ -4629,7 +3162,7 @@
     <dgm:sp3d/>
     <dgm:txPr/>
     <dgm:style>
-      <a:lnRef idx="1">
+      <a:lnRef idx="2">
         <a:scrgbClr r="0" g="0" b="0"/>
       </a:lnRef>
       <a:fillRef idx="1">
@@ -4649,7 +3182,7 @@
     <dgm:sp3d/>
     <dgm:txPr/>
     <dgm:style>
-      <a:lnRef idx="1">
+      <a:lnRef idx="2">
         <a:scrgbClr r="0" g="0" b="0"/>
       </a:lnRef>
       <a:fillRef idx="1">
@@ -4669,7 +3202,7 @@
     <dgm:sp3d/>
     <dgm:txPr/>
     <dgm:style>
-      <a:lnRef idx="1">
+      <a:lnRef idx="2">
         <a:scrgbClr r="0" g="0" b="0"/>
       </a:lnRef>
       <a:fillRef idx="1">
@@ -4709,7 +3242,7 @@
     <dgm:sp3d/>
     <dgm:txPr/>
     <dgm:style>
-      <a:lnRef idx="1">
+      <a:lnRef idx="2">
         <a:scrgbClr r="0" g="0" b="0"/>
       </a:lnRef>
       <a:fillRef idx="1">
@@ -4729,7 +3262,7 @@
     <dgm:sp3d/>
     <dgm:txPr/>
     <dgm:style>
-      <a:lnRef idx="1">
+      <a:lnRef idx="2">
         <a:scrgbClr r="0" g="0" b="0"/>
       </a:lnRef>
       <a:fillRef idx="1">
@@ -4749,7 +3282,7 @@
     <dgm:sp3d/>
     <dgm:txPr/>
     <dgm:style>
-      <a:lnRef idx="1">
+      <a:lnRef idx="2">
         <a:scrgbClr r="0" g="0" b="0"/>
       </a:lnRef>
       <a:fillRef idx="1">
@@ -4769,7 +3302,7 @@
     <dgm:sp3d/>
     <dgm:txPr/>
     <dgm:style>
-      <a:lnRef idx="1">
+      <a:lnRef idx="2">
         <a:scrgbClr r="0" g="0" b="0"/>
       </a:lnRef>
       <a:fillRef idx="1">
@@ -4789,7 +3322,7 @@
     <dgm:sp3d/>
     <dgm:txPr/>
     <dgm:style>
-      <a:lnRef idx="1">
+      <a:lnRef idx="2">
         <a:scrgbClr r="0" g="0" b="0"/>
       </a:lnRef>
       <a:fillRef idx="1">
@@ -4809,7 +3342,7 @@
     <dgm:sp3d/>
     <dgm:txPr/>
     <dgm:style>
-      <a:lnRef idx="1">
+      <a:lnRef idx="2">
         <a:scrgbClr r="0" g="0" b="0"/>
       </a:lnRef>
       <a:fillRef idx="1">
@@ -4829,7 +3362,7 @@
     <dgm:sp3d/>
     <dgm:txPr/>
     <dgm:style>
-      <a:lnRef idx="1">
+      <a:lnRef idx="2">
         <a:scrgbClr r="0" g="0" b="0"/>
       </a:lnRef>
       <a:fillRef idx="1">
@@ -4849,7 +3382,7 @@
     <dgm:sp3d/>
     <dgm:txPr/>
     <dgm:style>
-      <a:lnRef idx="1">
+      <a:lnRef idx="2">
         <a:scrgbClr r="0" g="0" b="0"/>
       </a:lnRef>
       <a:fillRef idx="1">
@@ -4869,7 +3402,7 @@
     <dgm:sp3d/>
     <dgm:txPr/>
     <dgm:style>
-      <a:lnRef idx="1">
+      <a:lnRef idx="2">
         <a:scrgbClr r="0" g="0" b="0"/>
       </a:lnRef>
       <a:fillRef idx="1">
@@ -4889,7 +3422,7 @@
     <dgm:sp3d/>
     <dgm:txPr/>
     <dgm:style>
-      <a:lnRef idx="1">
+      <a:lnRef idx="2">
         <a:scrgbClr r="0" g="0" b="0"/>
       </a:lnRef>
       <a:fillRef idx="1">
@@ -4909,7 +3442,7 @@
     <dgm:sp3d/>
     <dgm:txPr/>
     <dgm:style>
-      <a:lnRef idx="1">
+      <a:lnRef idx="2">
         <a:scrgbClr r="0" g="0" b="0"/>
       </a:lnRef>
       <a:fillRef idx="1">
@@ -4935,7 +3468,7 @@
       <a:fillRef idx="1">
         <a:scrgbClr r="0" g="0" b="0"/>
       </a:fillRef>
-      <a:effectRef idx="2">
+      <a:effectRef idx="0">
         <a:scrgbClr r="0" g="0" b="0"/>
       </a:effectRef>
       <a:fontRef idx="minor"/>
@@ -4955,7 +3488,7 @@
       <a:fillRef idx="1">
         <a:scrgbClr r="0" g="0" b="0"/>
       </a:fillRef>
-      <a:effectRef idx="2">
+      <a:effectRef idx="0">
         <a:scrgbClr r="0" g="0" b="0"/>
       </a:effectRef>
       <a:fontRef idx="minor"/>
@@ -4989,13 +3522,13 @@
     <dgm:sp3d/>
     <dgm:txPr/>
     <dgm:style>
-      <a:lnRef idx="0">
+      <a:lnRef idx="2">
         <a:scrgbClr r="0" g="0" b="0"/>
       </a:lnRef>
-      <a:fillRef idx="3">
+      <a:fillRef idx="1">
         <a:scrgbClr r="0" g="0" b="0"/>
       </a:fillRef>
-      <a:effectRef idx="2">
+      <a:effectRef idx="0">
         <a:scrgbClr r="0" g="0" b="0"/>
       </a:effectRef>
       <a:fontRef idx="minor"/>
@@ -5108,7 +3641,7 @@
             <a:pPr algn="r" rtl="0"/>
             <a:fld id="{EA8C5A89-D750-4C9C-AD82-BD87E1631370}" type="datetime1">
               <a:rPr lang="de-DE" smtClean="0"/>
-              <a:t>27.06.2018</a:t>
+              <a:t>02.07.2018</a:t>
             </a:fld>
             <a:endParaRPr lang="de-DE" dirty="0"/>
           </a:p>
@@ -5278,7 +3811,7 @@
             <a:fld id="{729E0972-DB1D-4D71-93B8-56ECB99C47FF}" type="datetime1">
               <a:rPr lang="de-DE" smtClean="0"/>
               <a:pPr/>
-              <a:t>27.06.2018</a:t>
+              <a:t>02.07.2018</a:t>
             </a:fld>
             <a:endParaRPr lang="de-DE" dirty="0"/>
           </a:p>
@@ -5762,7 +4295,13 @@
           <a:bodyPr/>
           <a:lstStyle/>
           <a:p>
-            <a:endParaRPr lang="de-DE"/>
+            <a:r>
+              <a:rPr lang="de-DE" dirty="0"/>
+              <a:t>Angepasstes Wasserfallmodell:</a:t>
+            </a:r>
+          </a:p>
+          <a:p>
+            <a:endParaRPr lang="de-DE" dirty="0"/>
           </a:p>
         </p:txBody>
       </p:sp>
@@ -5955,7 +4494,7 @@
             <a:pPr rtl="0"/>
             <a:fld id="{3EBA5BD7-F043-4D1B-AA17-CD412FC534DE}" type="slidenum">
               <a:rPr lang="de-DE" smtClean="0"/>
-              <a:t>11</a:t>
+              <a:t>10</a:t>
             </a:fld>
             <a:endParaRPr lang="de-DE" dirty="0"/>
           </a:p>
@@ -6734,10 +5273,9 @@
             </a:lvl1pPr>
           </a:lstStyle>
           <a:p>
-            <a:fld id="{87490488-1D2D-45FC-A42D-25F856479C81}" type="datetime1">
+            <a:fld id="{5A09CFD7-FC86-4C82-9E1B-F351AC8184BB}" type="datetime1">
               <a:rPr lang="de-DE" smtClean="0"/>
-              <a:pPr/>
-              <a:t>27.06.2018</a:t>
+              <a:t>02.07.2018</a:t>
             </a:fld>
             <a:endParaRPr lang="de-DE" dirty="0"/>
           </a:p>
@@ -6759,6 +5297,10 @@
           <a:lstStyle/>
           <a:p>
             <a:pPr rtl="0"/>
+            <a:r>
+              <a:rPr lang="de-DE"/>
+              <a:t>Jan-Philipp Töberg / Projektarbeit SS18</a:t>
+            </a:r>
             <a:endParaRPr lang="de-DE" dirty="0"/>
           </a:p>
         </p:txBody>
@@ -6940,10 +5482,9 @@
             </a:lvl1pPr>
           </a:lstStyle>
           <a:p>
-            <a:fld id="{A0E48D7D-22EE-42F4-A78D-BF51DA417E59}" type="datetime1">
+            <a:fld id="{038A29F2-5EB4-4EA6-972B-B8E49DA927FE}" type="datetime1">
               <a:rPr lang="de-DE" smtClean="0"/>
-              <a:pPr/>
-              <a:t>27.06.2018</a:t>
+              <a:t>02.07.2018</a:t>
             </a:fld>
             <a:endParaRPr lang="de-DE" dirty="0"/>
           </a:p>
@@ -6965,6 +5506,10 @@
           <a:lstStyle/>
           <a:p>
             <a:pPr rtl="0"/>
+            <a:r>
+              <a:rPr lang="de-DE"/>
+              <a:t>Jan-Philipp Töberg / Projektarbeit SS18</a:t>
+            </a:r>
             <a:endParaRPr lang="de-DE" dirty="0"/>
           </a:p>
         </p:txBody>
@@ -7156,10 +5701,9 @@
             </a:lvl1pPr>
           </a:lstStyle>
           <a:p>
-            <a:fld id="{29457F39-CBF0-4D6E-8223-6AABCE028B0C}" type="datetime1">
+            <a:fld id="{8D0D0724-94A9-4F1A-89E8-E06329536902}" type="datetime1">
               <a:rPr lang="de-DE" smtClean="0"/>
-              <a:pPr/>
-              <a:t>27.06.2018</a:t>
+              <a:t>02.07.2018</a:t>
             </a:fld>
             <a:endParaRPr lang="de-DE" dirty="0"/>
           </a:p>
@@ -7181,6 +5725,10 @@
           <a:lstStyle/>
           <a:p>
             <a:pPr rtl="0"/>
+            <a:r>
+              <a:rPr lang="de-DE"/>
+              <a:t>Jan-Philipp Töberg / Projektarbeit SS18</a:t>
+            </a:r>
             <a:endParaRPr lang="de-DE" dirty="0"/>
           </a:p>
         </p:txBody>
@@ -7362,10 +5910,9 @@
             </a:lvl1pPr>
           </a:lstStyle>
           <a:p>
-            <a:fld id="{3D80A33B-F0D3-4CCD-934C-3A418D338F48}" type="datetime1">
+            <a:fld id="{BDC426D2-37BC-4D6E-8BCD-0EB884315D40}" type="datetime1">
               <a:rPr lang="de-DE" smtClean="0"/>
-              <a:pPr/>
-              <a:t>27.06.2018</a:t>
+              <a:t>02.07.2018</a:t>
             </a:fld>
             <a:endParaRPr lang="de-DE" dirty="0"/>
           </a:p>
@@ -7387,6 +5934,10 @@
           <a:lstStyle/>
           <a:p>
             <a:pPr rtl="0"/>
+            <a:r>
+              <a:rPr lang="de-DE"/>
+              <a:t>Jan-Philipp Töberg / Projektarbeit SS18</a:t>
+            </a:r>
             <a:endParaRPr lang="de-DE" dirty="0"/>
           </a:p>
         </p:txBody>
@@ -7802,10 +6353,9 @@
             </a:lvl1pPr>
           </a:lstStyle>
           <a:p>
-            <a:fld id="{5800029A-92A0-4B83-B83D-3D25E123C16B}" type="datetime1">
+            <a:fld id="{E3AFF1A1-558B-43BD-95CD-96015316B91C}" type="datetime1">
               <a:rPr lang="de-DE" smtClean="0"/>
-              <a:pPr/>
-              <a:t>27.06.2018</a:t>
+              <a:t>02.07.2018</a:t>
             </a:fld>
             <a:endParaRPr lang="de-DE" dirty="0"/>
           </a:p>
@@ -7827,6 +6377,10 @@
           <a:lstStyle/>
           <a:p>
             <a:pPr rtl="0"/>
+            <a:r>
+              <a:rPr lang="de-DE"/>
+              <a:t>Jan-Philipp Töberg / Projektarbeit SS18</a:t>
+            </a:r>
             <a:endParaRPr lang="de-DE" dirty="0"/>
           </a:p>
         </p:txBody>
@@ -8114,10 +6668,9 @@
             </a:lvl1pPr>
           </a:lstStyle>
           <a:p>
-            <a:fld id="{A50DE14F-832E-4243-A64C-072E4112B828}" type="datetime1">
+            <a:fld id="{8E1F56F0-FBD8-46B8-9CCE-1375C46ECCCC}" type="datetime1">
               <a:rPr lang="de-DE" smtClean="0"/>
-              <a:pPr/>
-              <a:t>27.06.2018</a:t>
+              <a:t>02.07.2018</a:t>
             </a:fld>
             <a:endParaRPr lang="de-DE" dirty="0"/>
           </a:p>
@@ -8139,6 +6692,10 @@
           <a:lstStyle/>
           <a:p>
             <a:pPr rtl="0"/>
+            <a:r>
+              <a:rPr lang="de-DE"/>
+              <a:t>Jan-Philipp Töberg / Projektarbeit SS18</a:t>
+            </a:r>
             <a:endParaRPr lang="de-DE" dirty="0"/>
           </a:p>
         </p:txBody>
@@ -8578,10 +7135,9 @@
             </a:lvl1pPr>
           </a:lstStyle>
           <a:p>
-            <a:fld id="{9CA0E625-2BCF-471C-BF07-3E47DAD03A33}" type="datetime1">
+            <a:fld id="{ED849104-7AD3-412B-818F-6CE6DB6DF07F}" type="datetime1">
               <a:rPr lang="de-DE" smtClean="0"/>
-              <a:pPr/>
-              <a:t>27.06.2018</a:t>
+              <a:t>02.07.2018</a:t>
             </a:fld>
             <a:endParaRPr lang="de-DE" dirty="0"/>
           </a:p>
@@ -8603,6 +7159,10 @@
           <a:lstStyle/>
           <a:p>
             <a:pPr rtl="0"/>
+            <a:r>
+              <a:rPr lang="de-DE"/>
+              <a:t>Jan-Philipp Töberg / Projektarbeit SS18</a:t>
+            </a:r>
             <a:endParaRPr lang="de-DE" dirty="0"/>
           </a:p>
         </p:txBody>
@@ -8716,10 +7276,9 @@
             </a:lvl1pPr>
           </a:lstStyle>
           <a:p>
-            <a:fld id="{01F216F1-5E6C-4D1E-8B04-BA461CF83008}" type="datetime1">
+            <a:fld id="{CA86FA3F-CDFC-4A22-8B37-9097DF15AE9F}" type="datetime1">
               <a:rPr lang="de-DE" smtClean="0"/>
-              <a:pPr/>
-              <a:t>27.06.2018</a:t>
+              <a:t>02.07.2018</a:t>
             </a:fld>
             <a:endParaRPr lang="de-DE" dirty="0"/>
           </a:p>
@@ -8741,6 +7300,10 @@
           <a:lstStyle/>
           <a:p>
             <a:pPr rtl="0"/>
+            <a:r>
+              <a:rPr lang="de-DE"/>
+              <a:t>Jan-Philipp Töberg / Projektarbeit SS18</a:t>
+            </a:r>
             <a:endParaRPr lang="de-DE" dirty="0"/>
           </a:p>
         </p:txBody>
@@ -8830,10 +7393,9 @@
             </a:lvl1pPr>
           </a:lstStyle>
           <a:p>
-            <a:fld id="{978460F5-0682-4F91-B958-17F2E22238F4}" type="datetime1">
+            <a:fld id="{B82F912C-72CF-43A5-8EEB-3B1F5B9575CC}" type="datetime1">
               <a:rPr lang="de-DE" smtClean="0"/>
-              <a:pPr/>
-              <a:t>27.06.2018</a:t>
+              <a:t>02.07.2018</a:t>
             </a:fld>
             <a:endParaRPr lang="de-DE" dirty="0"/>
           </a:p>
@@ -8855,6 +7417,10 @@
           <a:lstStyle/>
           <a:p>
             <a:pPr rtl="0"/>
+            <a:r>
+              <a:rPr lang="de-DE"/>
+              <a:t>Jan-Philipp Töberg / Projektarbeit SS18</a:t>
+            </a:r>
             <a:endParaRPr lang="de-DE" dirty="0"/>
           </a:p>
         </p:txBody>
@@ -9137,10 +7703,9 @@
             </a:lvl1pPr>
           </a:lstStyle>
           <a:p>
-            <a:fld id="{432E1AF8-0C97-41FF-9C69-BFEB0F5A6EF5}" type="datetime1">
+            <a:fld id="{A27F02E9-F370-42C3-BEB2-97E80693102B}" type="datetime1">
               <a:rPr lang="de-DE" smtClean="0"/>
-              <a:pPr/>
-              <a:t>27.06.2018</a:t>
+              <a:t>02.07.2018</a:t>
             </a:fld>
             <a:endParaRPr lang="de-DE" dirty="0"/>
           </a:p>
@@ -9162,6 +7727,10 @@
           <a:lstStyle/>
           <a:p>
             <a:pPr rtl="0"/>
+            <a:r>
+              <a:rPr lang="de-DE"/>
+              <a:t>Jan-Philipp Töberg / Projektarbeit SS18</a:t>
+            </a:r>
             <a:endParaRPr lang="de-DE" dirty="0"/>
           </a:p>
         </p:txBody>
@@ -9434,10 +8003,9 @@
             </a:lvl1pPr>
           </a:lstStyle>
           <a:p>
-            <a:fld id="{9DAA85DC-AC20-450F-8EFE-0D856D5BDC88}" type="datetime1">
+            <a:fld id="{BBFB9B96-9FF9-4FDE-8196-917542E5F6F3}" type="datetime1">
               <a:rPr lang="de-DE" smtClean="0"/>
-              <a:pPr/>
-              <a:t>27.06.2018</a:t>
+              <a:t>02.07.2018</a:t>
             </a:fld>
             <a:endParaRPr lang="de-DE" dirty="0"/>
           </a:p>
@@ -9459,6 +8027,10 @@
           <a:lstStyle/>
           <a:p>
             <a:pPr rtl="0"/>
+            <a:r>
+              <a:rPr lang="de-DE"/>
+              <a:t>Jan-Philipp Töberg / Projektarbeit SS18</a:t>
+            </a:r>
             <a:endParaRPr lang="de-DE" dirty="0"/>
           </a:p>
         </p:txBody>
@@ -10058,10 +8630,9 @@
             </a:lvl1pPr>
           </a:lstStyle>
           <a:p>
-            <a:fld id="{D5E7EBCA-1808-4B9E-8140-5B390D90011A}" type="datetime1">
+            <a:fld id="{BAC6B33D-9E43-46BC-9DFA-9B42F761A70D}" type="datetime1">
               <a:rPr lang="de-DE" smtClean="0"/>
-              <a:pPr/>
-              <a:t>27.06.2018</a:t>
+              <a:t>02.07.2018</a:t>
             </a:fld>
             <a:endParaRPr lang="de-DE" dirty="0"/>
           </a:p>
@@ -10101,6 +8672,10 @@
           </a:lstStyle>
           <a:p>
             <a:pPr rtl="0"/>
+            <a:r>
+              <a:rPr lang="de-DE"/>
+              <a:t>Jan-Philipp Töberg / Projektarbeit SS18</a:t>
+            </a:r>
             <a:endParaRPr lang="de-DE" dirty="0"/>
           </a:p>
         </p:txBody>
@@ -10180,6 +8755,7 @@
       </p:transition>
     </mc:Fallback>
   </mc:AlternateContent>
+  <p:hf hdr="0" dt="0"/>
   <p:txStyles>
     <p:titleStyle>
       <a:lvl1pPr algn="l" defTabSz="1218987" rtl="0" eaLnBrk="1" latinLnBrk="0" hangingPunct="1">
@@ -10547,10 +9123,9 @@
           <a:bodyPr rtlCol="0"/>
           <a:lstStyle/>
           <a:p>
-            <a:pPr rtl="0"/>
             <a:r>
               <a:rPr lang="de-DE" dirty="0"/>
-              <a:t>Titellayout</a:t>
+              <a:t>Projektarbeit Sommersemester 2018</a:t>
             </a:r>
           </a:p>
         </p:txBody>
@@ -10570,10 +9145,26 @@
           <a:bodyPr rtlCol="0"/>
           <a:lstStyle/>
           <a:p>
-            <a:pPr rtl="0"/>
             <a:r>
               <a:rPr lang="de-DE" dirty="0"/>
-              <a:t>Untertitel</a:t>
+              <a:t>Drahtloses Türschild mit E-Paper Display</a:t>
+            </a:r>
+          </a:p>
+          <a:p>
+            <a:endParaRPr lang="de-DE" dirty="0"/>
+          </a:p>
+          <a:p>
+            <a:r>
+              <a:rPr lang="de-DE" dirty="0"/>
+              <a:t>Präsentation von </a:t>
+            </a:r>
+            <a:r>
+              <a:rPr lang="de-DE" dirty="0" err="1"/>
+              <a:t>jan-Philipp</a:t>
+            </a:r>
+            <a:r>
+              <a:rPr lang="de-DE" dirty="0"/>
+              <a:t> Töberg</a:t>
             </a:r>
           </a:p>
         </p:txBody>
@@ -10622,111 +9213,6 @@
       </p:grpSpPr>
       <p:sp>
         <p:nvSpPr>
-          <p:cNvPr id="2" name="Titel 1"/>
-          <p:cNvSpPr>
-            <a:spLocks noGrp="1"/>
-          </p:cNvSpPr>
-          <p:nvPr>
-            <p:ph type="title"/>
-          </p:nvPr>
-        </p:nvSpPr>
-        <p:spPr/>
-        <p:txBody>
-          <a:bodyPr rtlCol="0"/>
-          <a:lstStyle/>
-          <a:p>
-            <a:pPr rtl="0"/>
-            <a:r>
-              <a:rPr lang="de-DE" dirty="0"/>
-              <a:t>Folientitel hinzufügen – 4</a:t>
-            </a:r>
-          </a:p>
-        </p:txBody>
-      </p:sp>
-      <p:sp>
-        <p:nvSpPr>
-          <p:cNvPr id="4" name="Textplatzhalter 3"/>
-          <p:cNvSpPr>
-            <a:spLocks noGrp="1"/>
-          </p:cNvSpPr>
-          <p:nvPr>
-            <p:ph type="body" sz="half" idx="2"/>
-          </p:nvPr>
-        </p:nvSpPr>
-        <p:spPr/>
-        <p:txBody>
-          <a:bodyPr rtlCol="0"/>
-          <a:lstStyle/>
-          <a:p>
-            <a:pPr rtl="0"/>
-            <a:endParaRPr lang="de-DE" dirty="0"/>
-          </a:p>
-        </p:txBody>
-      </p:sp>
-      <p:sp>
-        <p:nvSpPr>
-          <p:cNvPr id="3" name="Inhaltsplatzhalter 2"/>
-          <p:cNvSpPr>
-            <a:spLocks noGrp="1"/>
-          </p:cNvSpPr>
-          <p:nvPr>
-            <p:ph idx="1"/>
-          </p:nvPr>
-        </p:nvSpPr>
-        <p:spPr/>
-        <p:txBody>
-          <a:bodyPr rtlCol="0"/>
-          <a:lstStyle/>
-          <a:p>
-            <a:pPr rtl="0"/>
-            <a:endParaRPr lang="de-DE" dirty="0"/>
-          </a:p>
-        </p:txBody>
-      </p:sp>
-    </p:spTree>
-    <p:extLst>
-      <p:ext uri="{BB962C8B-B14F-4D97-AF65-F5344CB8AC3E}">
-        <p14:creationId xmlns:p14="http://schemas.microsoft.com/office/powerpoint/2010/main" val="2319046984"/>
-      </p:ext>
-    </p:extLst>
-  </p:cSld>
-  <p:clrMapOvr>
-    <a:masterClrMapping/>
-  </p:clrMapOvr>
-  <mc:AlternateContent xmlns:mc="http://schemas.openxmlformats.org/markup-compatibility/2006" xmlns:p14="http://schemas.microsoft.com/office/powerpoint/2010/main">
-    <mc:Choice Requires="p14">
-      <p:transition spd="med" p14:dur="700">
-        <p:fade/>
-      </p:transition>
-    </mc:Choice>
-    <mc:Fallback xmlns="">
-      <p:transition spd="med">
-        <p:fade/>
-      </p:transition>
-    </mc:Fallback>
-  </mc:AlternateContent>
-</p:sld>
-</file>
-
-<file path=ppt/slides/slide11.xml><?xml version="1.0" encoding="utf-8"?>
-<p:sld xmlns:a="http://schemas.openxmlformats.org/drawingml/2006/main" xmlns:r="http://schemas.openxmlformats.org/officeDocument/2006/relationships" xmlns:p="http://schemas.openxmlformats.org/presentationml/2006/main">
-  <p:cSld>
-    <p:spTree>
-      <p:nvGrpSpPr>
-        <p:cNvPr id="1" name=""/>
-        <p:cNvGrpSpPr/>
-        <p:nvPr/>
-      </p:nvGrpSpPr>
-      <p:grpSpPr>
-        <a:xfrm>
-          <a:off x="0" y="0"/>
-          <a:ext cx="0" cy="0"/>
-          <a:chOff x="0" y="0"/>
-          <a:chExt cx="0" cy="0"/>
-        </a:xfrm>
-      </p:grpSpPr>
-      <p:sp>
-        <p:nvSpPr>
           <p:cNvPr id="3" name="Titel 2"/>
           <p:cNvSpPr>
             <a:spLocks noGrp="1"/>
@@ -10735,50 +9221,85 @@
             <p:ph type="title"/>
           </p:nvPr>
         </p:nvSpPr>
-        <p:spPr/>
+        <p:spPr>
+          <a:xfrm>
+            <a:off x="1316387" y="3177468"/>
+            <a:ext cx="9556050" cy="503064"/>
+          </a:xfrm>
+        </p:spPr>
         <p:txBody>
-          <a:bodyPr rtlCol="0"/>
+          <a:bodyPr rtlCol="0">
+            <a:normAutofit fontScale="90000"/>
+          </a:bodyPr>
           <a:lstStyle/>
           <a:p>
-            <a:pPr rtl="0"/>
+            <a:pPr algn="ctr" rtl="0"/>
             <a:r>
               <a:rPr lang="de-DE" dirty="0"/>
-              <a:t>Folientitel hinzufügen – 5</a:t>
+              <a:t>Vielen Dank für ihre Aufmerksamkeit!</a:t>
             </a:r>
           </a:p>
         </p:txBody>
       </p:sp>
       <p:sp>
         <p:nvSpPr>
-          <p:cNvPr id="5" name="Textplatzhalter 4"/>
+          <p:cNvPr id="2" name="Fußzeilenplatzhalter 1">
+            <a:extLst>
+              <a:ext uri="{FF2B5EF4-FFF2-40B4-BE49-F238E27FC236}">
+                <a16:creationId xmlns:a16="http://schemas.microsoft.com/office/drawing/2014/main" id="{44571407-0B75-4C5E-B1C8-67A9AAFE4EC4}"/>
+              </a:ext>
+            </a:extLst>
+          </p:cNvPr>
           <p:cNvSpPr>
             <a:spLocks noGrp="1"/>
           </p:cNvSpPr>
           <p:nvPr>
-            <p:ph type="body" sz="half" idx="2"/>
+            <p:ph type="ftr" sz="quarter" idx="11"/>
           </p:nvPr>
         </p:nvSpPr>
         <p:spPr/>
         <p:txBody>
-          <a:bodyPr rtlCol="0"/>
+          <a:bodyPr/>
           <a:lstStyle/>
           <a:p>
             <a:pPr rtl="0"/>
+            <a:r>
+              <a:rPr lang="de-DE"/>
+              <a:t>Jan-Philipp Töberg / Projektarbeit SS18</a:t>
+            </a:r>
             <a:endParaRPr lang="de-DE" dirty="0"/>
           </a:p>
         </p:txBody>
       </p:sp>
       <p:sp>
         <p:nvSpPr>
-          <p:cNvPr id="6" name="Bildplatzhalter 5" descr="Leerer Platzhalter zum Hinzufügen eines Bilds. Klicken Sie auf den Platzhalter, und wählen Sie das hinzuzufügende Bild aus."/>
+          <p:cNvPr id="4" name="Foliennummernplatzhalter 3">
+            <a:extLst>
+              <a:ext uri="{FF2B5EF4-FFF2-40B4-BE49-F238E27FC236}">
+                <a16:creationId xmlns:a16="http://schemas.microsoft.com/office/drawing/2014/main" id="{47C0422D-F738-4102-B5EC-1A9392E9961D}"/>
+              </a:ext>
+            </a:extLst>
+          </p:cNvPr>
           <p:cNvSpPr>
             <a:spLocks noGrp="1"/>
           </p:cNvSpPr>
           <p:nvPr>
-            <p:ph type="pic" idx="1"/>
+            <p:ph type="sldNum" sz="quarter" idx="12"/>
           </p:nvPr>
         </p:nvSpPr>
         <p:spPr/>
+        <p:txBody>
+          <a:bodyPr/>
+          <a:lstStyle/>
+          <a:p>
+            <a:pPr rtl="0"/>
+            <a:fld id="{C014DD1E-5D91-48A3-AD6D-45FBA980D106}" type="slidenum">
+              <a:rPr lang="de-DE" smtClean="0"/>
+              <a:t>10</a:t>
+            </a:fld>
+            <a:endParaRPr lang="de-DE" dirty="0"/>
+          </a:p>
+        </p:txBody>
       </p:sp>
     </p:spTree>
     <p:extLst>
@@ -10832,56 +9353,114 @@
             <p:ph type="title"/>
           </p:nvPr>
         </p:nvSpPr>
-        <p:spPr/>
+        <p:spPr>
+          <a:xfrm>
+            <a:off x="2061964" y="3110777"/>
+            <a:ext cx="1944216" cy="562075"/>
+          </a:xfrm>
+        </p:spPr>
         <p:txBody>
-          <a:bodyPr rtlCol="0"/>
+          <a:bodyPr rtlCol="0">
+            <a:normAutofit fontScale="90000"/>
+          </a:bodyPr>
           <a:lstStyle/>
           <a:p>
             <a:pPr rtl="0"/>
             <a:r>
-              <a:rPr lang="de-DE" dirty="0"/>
-              <a:t>Layout "Titel und Inhalt" mit Liste</a:t>
+              <a:rPr lang="de-DE" sz="4400" b="1" dirty="0"/>
+              <a:t>Agenda</a:t>
             </a:r>
+            <a:endParaRPr lang="de-DE" b="1" dirty="0"/>
           </a:p>
         </p:txBody>
       </p:sp>
       <p:sp>
         <p:nvSpPr>
-          <p:cNvPr id="14" name="Inhaltsplatzhalter 13"/>
+          <p:cNvPr id="2" name="Fußzeilenplatzhalter 1">
+            <a:extLst>
+              <a:ext uri="{FF2B5EF4-FFF2-40B4-BE49-F238E27FC236}">
+                <a16:creationId xmlns:a16="http://schemas.microsoft.com/office/drawing/2014/main" id="{EC4F4C28-2196-4C94-A5BA-8DF91A424BC6}"/>
+              </a:ext>
+            </a:extLst>
+          </p:cNvPr>
           <p:cNvSpPr>
             <a:spLocks noGrp="1"/>
           </p:cNvSpPr>
           <p:nvPr>
-            <p:ph idx="1"/>
+            <p:ph type="ftr" sz="quarter" idx="11"/>
           </p:nvPr>
         </p:nvSpPr>
         <p:spPr/>
         <p:txBody>
-          <a:bodyPr rtlCol="0"/>
+          <a:bodyPr/>
           <a:lstStyle/>
           <a:p>
             <a:pPr rtl="0"/>
             <a:r>
               <a:rPr lang="de-DE" dirty="0"/>
-              <a:t>Ersten Aufzählungspunkt hier einfügen.</a:t>
-            </a:r>
-          </a:p>
-          <a:p>
-            <a:pPr rtl="0"/>
-            <a:r>
-              <a:rPr lang="de-DE" dirty="0"/>
-              <a:t>Zweiten Aufzählungspunkt hier einfügen.</a:t>
-            </a:r>
-          </a:p>
-          <a:p>
-            <a:pPr rtl="0"/>
-            <a:r>
-              <a:rPr lang="de-DE" dirty="0"/>
-              <a:t>Dritten Aufzählungspunkt hier einfügen.</a:t>
+              <a:t>Jan-Philipp Töberg / Projektarbeit SS18</a:t>
             </a:r>
           </a:p>
         </p:txBody>
       </p:sp>
+      <p:sp>
+        <p:nvSpPr>
+          <p:cNvPr id="3" name="Foliennummernplatzhalter 2">
+            <a:extLst>
+              <a:ext uri="{FF2B5EF4-FFF2-40B4-BE49-F238E27FC236}">
+                <a16:creationId xmlns:a16="http://schemas.microsoft.com/office/drawing/2014/main" id="{28FCD17E-0EAB-4137-AADF-3EBEBD2764E6}"/>
+              </a:ext>
+            </a:extLst>
+          </p:cNvPr>
+          <p:cNvSpPr>
+            <a:spLocks noGrp="1"/>
+          </p:cNvSpPr>
+          <p:nvPr>
+            <p:ph type="sldNum" sz="quarter" idx="12"/>
+          </p:nvPr>
+        </p:nvSpPr>
+        <p:spPr/>
+        <p:txBody>
+          <a:bodyPr/>
+          <a:lstStyle/>
+          <a:p>
+            <a:pPr rtl="0"/>
+            <a:fld id="{C014DD1E-5D91-48A3-AD6D-45FBA980D106}" type="slidenum">
+              <a:rPr lang="de-DE" smtClean="0"/>
+              <a:t>2</a:t>
+            </a:fld>
+            <a:endParaRPr lang="de-DE" dirty="0"/>
+          </a:p>
+        </p:txBody>
+      </p:sp>
+      <p:graphicFrame>
+        <p:nvGraphicFramePr>
+          <p:cNvPr id="4" name="Diagramm 3">
+            <a:extLst>
+              <a:ext uri="{FF2B5EF4-FFF2-40B4-BE49-F238E27FC236}">
+                <a16:creationId xmlns:a16="http://schemas.microsoft.com/office/drawing/2014/main" id="{D0F020CD-C4F4-44DC-A686-C70B6F7A3DDA}"/>
+              </a:ext>
+            </a:extLst>
+          </p:cNvPr>
+          <p:cNvGraphicFramePr/>
+          <p:nvPr>
+            <p:extLst>
+              <p:ext uri="{D42A27DB-BD31-4B8C-83A1-F6EECF244321}">
+                <p14:modId xmlns:p14="http://schemas.microsoft.com/office/powerpoint/2010/main" val="3326776182"/>
+              </p:ext>
+            </p:extLst>
+          </p:nvPr>
+        </p:nvGraphicFramePr>
+        <p:xfrm>
+          <a:off x="4438228" y="683187"/>
+          <a:ext cx="8125883" cy="5417256"/>
+        </p:xfrm>
+        <a:graphic>
+          <a:graphicData uri="http://schemas.openxmlformats.org/drawingml/2006/diagram">
+            <dgm:relIds xmlns:dgm="http://schemas.openxmlformats.org/drawingml/2006/diagram" xmlns:r="http://schemas.openxmlformats.org/officeDocument/2006/relationships" r:dm="rId3" r:lo="rId4" r:qs="rId5" r:cs="rId6"/>
+          </a:graphicData>
+        </a:graphic>
+      </p:graphicFrame>
     </p:spTree>
     <p:extLst>
       <p:ext uri="{BB962C8B-B14F-4D97-AF65-F5344CB8AC3E}">
@@ -10934,44 +9513,119 @@
             <p:ph type="title"/>
           </p:nvPr>
         </p:nvSpPr>
-        <p:spPr/>
+        <p:spPr>
+          <a:xfrm>
+            <a:off x="1224000" y="270000"/>
+            <a:ext cx="10360501" cy="634083"/>
+          </a:xfrm>
+        </p:spPr>
         <p:txBody>
           <a:bodyPr rtlCol="0"/>
           <a:lstStyle/>
           <a:p>
+            <a:pPr algn="ctr" rtl="0"/>
+            <a:r>
+              <a:rPr lang="de-DE" dirty="0"/>
+              <a:t>Projektphasen</a:t>
+            </a:r>
+          </a:p>
+        </p:txBody>
+      </p:sp>
+      <p:sp>
+        <p:nvSpPr>
+          <p:cNvPr id="2" name="Fußzeilenplatzhalter 1">
+            <a:extLst>
+              <a:ext uri="{FF2B5EF4-FFF2-40B4-BE49-F238E27FC236}">
+                <a16:creationId xmlns:a16="http://schemas.microsoft.com/office/drawing/2014/main" id="{1D9AB847-756A-478D-9C05-717DCC3E5F5C}"/>
+              </a:ext>
+            </a:extLst>
+          </p:cNvPr>
+          <p:cNvSpPr>
+            <a:spLocks noGrp="1"/>
+          </p:cNvSpPr>
+          <p:nvPr>
+            <p:ph type="ftr" sz="quarter" idx="11"/>
+          </p:nvPr>
+        </p:nvSpPr>
+        <p:spPr/>
+        <p:txBody>
+          <a:bodyPr/>
+          <a:lstStyle/>
+          <a:p>
             <a:pPr rtl="0"/>
             <a:r>
-              <a:rPr lang="de-DE" dirty="0"/>
-              <a:t>Layout "Titel und Inhalt" mit Diagramm</a:t>
+              <a:rPr lang="de-DE"/>
+              <a:t>Jan-Philipp Töberg / Projektarbeit SS18</a:t>
             </a:r>
+            <a:endParaRPr lang="de-DE" dirty="0"/>
           </a:p>
         </p:txBody>
       </p:sp>
-      <p:graphicFrame>
-        <p:nvGraphicFramePr>
-          <p:cNvPr id="9" name="Inhaltsplatzhalter 8" descr="Gruppiertes Säulendiagramm mit Werten von 3 Datenreihen für 4 Kategorien"/>
-          <p:cNvGraphicFramePr>
-            <a:graphicFrameLocks noGrp="1"/>
-          </p:cNvGraphicFramePr>
+      <p:sp>
+        <p:nvSpPr>
+          <p:cNvPr id="3" name="Foliennummernplatzhalter 2">
+            <a:extLst>
+              <a:ext uri="{FF2B5EF4-FFF2-40B4-BE49-F238E27FC236}">
+                <a16:creationId xmlns:a16="http://schemas.microsoft.com/office/drawing/2014/main" id="{B5746C55-C0FC-4889-8D8B-76E8590BDD27}"/>
+              </a:ext>
+            </a:extLst>
+          </p:cNvPr>
+          <p:cNvSpPr>
+            <a:spLocks noGrp="1"/>
+          </p:cNvSpPr>
+          <p:nvPr>
+            <p:ph type="sldNum" sz="quarter" idx="12"/>
+          </p:nvPr>
+        </p:nvSpPr>
+        <p:spPr/>
+        <p:txBody>
+          <a:bodyPr/>
+          <a:lstStyle/>
+          <a:p>
+            <a:pPr rtl="0"/>
+            <a:fld id="{C014DD1E-5D91-48A3-AD6D-45FBA980D106}" type="slidenum">
+              <a:rPr lang="de-DE" smtClean="0"/>
+              <a:t>3</a:t>
+            </a:fld>
+            <a:endParaRPr lang="de-DE" dirty="0"/>
+          </a:p>
+        </p:txBody>
+      </p:sp>
+      <p:pic>
+        <p:nvPicPr>
+          <p:cNvPr id="10" name="Inhaltsplatzhalter 9">
+            <a:extLst>
+              <a:ext uri="{FF2B5EF4-FFF2-40B4-BE49-F238E27FC236}">
+                <a16:creationId xmlns:a16="http://schemas.microsoft.com/office/drawing/2014/main" id="{0C13305E-4E1D-48E6-B86F-C5CBE83EEC07}"/>
+              </a:ext>
+            </a:extLst>
+          </p:cNvPr>
+          <p:cNvPicPr>
+            <a:picLocks noGrp="1" noChangeAspect="1"/>
+          </p:cNvPicPr>
           <p:nvPr>
             <p:ph idx="1"/>
-            <p:extLst>
-              <p:ext uri="{D42A27DB-BD31-4B8C-83A1-F6EECF244321}">
-                <p14:modId xmlns:p14="http://schemas.microsoft.com/office/powerpoint/2010/main" val="1351154030"/>
-              </p:ext>
-            </p:extLst>
           </p:nvPr>
-        </p:nvGraphicFramePr>
-        <p:xfrm>
-          <a:off x="1219200" y="1701800"/>
-          <a:ext cx="10360025" cy="4462463"/>
-        </p:xfrm>
-        <a:graphic>
-          <a:graphicData uri="http://schemas.openxmlformats.org/drawingml/2006/chart">
-            <c:chart xmlns:c="http://schemas.openxmlformats.org/drawingml/2006/chart" xmlns:r="http://schemas.openxmlformats.org/officeDocument/2006/relationships" r:id="rId3"/>
-          </a:graphicData>
-        </a:graphic>
-      </p:graphicFrame>
+        </p:nvPicPr>
+        <p:blipFill>
+          <a:blip r:embed="rId3">
+            <a:extLst>
+              <a:ext uri="{28A0092B-C50C-407E-A947-70E740481C1C}">
+                <a14:useLocalDpi xmlns:a14="http://schemas.microsoft.com/office/drawing/2010/main" val="0"/>
+              </a:ext>
+            </a:extLst>
+          </a:blip>
+          <a:stretch>
+            <a:fillRect/>
+          </a:stretch>
+        </p:blipFill>
+        <p:spPr>
+          <a:xfrm>
+            <a:off x="2522562" y="1096792"/>
+            <a:ext cx="7143700" cy="4664416"/>
+          </a:xfrm>
+        </p:spPr>
+      </p:pic>
     </p:spTree>
     <p:extLst>
       <p:ext uri="{BB962C8B-B14F-4D97-AF65-F5344CB8AC3E}">
@@ -11024,22 +9678,95 @@
             <p:ph type="title"/>
           </p:nvPr>
         </p:nvSpPr>
-        <p:spPr/>
+        <p:spPr>
+          <a:xfrm>
+            <a:off x="1224000" y="270000"/>
+            <a:ext cx="10360501" cy="562075"/>
+          </a:xfrm>
+        </p:spPr>
         <p:txBody>
-          <a:bodyPr rtlCol="0"/>
+          <a:bodyPr rtlCol="0">
+            <a:normAutofit fontScale="90000"/>
+          </a:bodyPr>
           <a:lstStyle/>
           <a:p>
-            <a:pPr rtl="0"/>
+            <a:pPr algn="ctr" rtl="0"/>
             <a:r>
               <a:rPr lang="de-DE" dirty="0"/>
-              <a:t>Layout "Zwei Inhalte" mit Tabelle</a:t>
+              <a:t>Analyse des c‘t-Programms</a:t>
             </a:r>
           </a:p>
         </p:txBody>
       </p:sp>
       <p:sp>
         <p:nvSpPr>
-          <p:cNvPr id="3" name="Inhaltsplatzhalter 2"/>
+          <p:cNvPr id="4" name="Fußzeilenplatzhalter 3">
+            <a:extLst>
+              <a:ext uri="{FF2B5EF4-FFF2-40B4-BE49-F238E27FC236}">
+                <a16:creationId xmlns:a16="http://schemas.microsoft.com/office/drawing/2014/main" id="{1E8F8C7F-00C3-4E0D-BD50-E1FC2480992F}"/>
+              </a:ext>
+            </a:extLst>
+          </p:cNvPr>
+          <p:cNvSpPr>
+            <a:spLocks noGrp="1"/>
+          </p:cNvSpPr>
+          <p:nvPr>
+            <p:ph type="ftr" sz="quarter" idx="11"/>
+          </p:nvPr>
+        </p:nvSpPr>
+        <p:spPr/>
+        <p:txBody>
+          <a:bodyPr/>
+          <a:lstStyle/>
+          <a:p>
+            <a:pPr rtl="0"/>
+            <a:r>
+              <a:rPr lang="de-DE"/>
+              <a:t>Jan-Philipp Töberg / Projektarbeit SS18</a:t>
+            </a:r>
+            <a:endParaRPr lang="de-DE" dirty="0"/>
+          </a:p>
+        </p:txBody>
+      </p:sp>
+      <p:sp>
+        <p:nvSpPr>
+          <p:cNvPr id="6" name="Foliennummernplatzhalter 5">
+            <a:extLst>
+              <a:ext uri="{FF2B5EF4-FFF2-40B4-BE49-F238E27FC236}">
+                <a16:creationId xmlns:a16="http://schemas.microsoft.com/office/drawing/2014/main" id="{2C10D558-D758-43BA-8345-AC431D702023}"/>
+              </a:ext>
+            </a:extLst>
+          </p:cNvPr>
+          <p:cNvSpPr>
+            <a:spLocks noGrp="1"/>
+          </p:cNvSpPr>
+          <p:nvPr>
+            <p:ph type="sldNum" sz="quarter" idx="12"/>
+          </p:nvPr>
+        </p:nvSpPr>
+        <p:spPr/>
+        <p:txBody>
+          <a:bodyPr/>
+          <a:lstStyle/>
+          <a:p>
+            <a:pPr rtl="0"/>
+            <a:fld id="{C014DD1E-5D91-48A3-AD6D-45FBA980D106}" type="slidenum">
+              <a:rPr lang="de-DE" smtClean="0"/>
+              <a:t>4</a:t>
+            </a:fld>
+            <a:endParaRPr lang="de-DE" dirty="0"/>
+          </a:p>
+        </p:txBody>
+      </p:sp>
+      <p:sp>
+        <p:nvSpPr>
+          <p:cNvPr id="8" name="Inhaltsplatzhalter 7">
+            <a:extLst>
+              <a:ext uri="{FF2B5EF4-FFF2-40B4-BE49-F238E27FC236}">
+                <a16:creationId xmlns:a16="http://schemas.microsoft.com/office/drawing/2014/main" id="{6F44A896-D30B-46EA-85C5-6B30E78AAD7F}"/>
+              </a:ext>
+            </a:extLst>
+          </p:cNvPr>
           <p:cNvSpPr>
             <a:spLocks noGrp="1"/>
           </p:cNvSpPr>
@@ -11049,291 +9776,38 @@
         </p:nvSpPr>
         <p:spPr/>
         <p:txBody>
-          <a:bodyPr rtlCol="0"/>
+          <a:bodyPr/>
           <a:lstStyle/>
           <a:p>
-            <a:pPr rtl="0"/>
-            <a:r>
-              <a:rPr lang="de-DE" dirty="0"/>
-              <a:t>Erster Aufzählungspunkt hier</a:t>
-            </a:r>
-          </a:p>
-          <a:p>
-            <a:pPr rtl="0"/>
-            <a:r>
-              <a:rPr lang="de-DE" dirty="0"/>
-              <a:t>Zweiter Aufzählungspunkt hier</a:t>
-            </a:r>
-          </a:p>
-          <a:p>
-            <a:pPr rtl="0"/>
-            <a:r>
-              <a:rPr lang="de-DE" dirty="0"/>
-              <a:t>Dritter Aufzählungspunkt hier</a:t>
-            </a:r>
+            <a:endParaRPr lang="de-DE"/>
           </a:p>
         </p:txBody>
       </p:sp>
-      <p:graphicFrame>
-        <p:nvGraphicFramePr>
-          <p:cNvPr id="5" name="Inhaltsplatzhalter 4"/>
-          <p:cNvGraphicFramePr>
-            <a:graphicFrameLocks noGrp="1"/>
-          </p:cNvGraphicFramePr>
+      <p:sp>
+        <p:nvSpPr>
+          <p:cNvPr id="10" name="Inhaltsplatzhalter 9">
+            <a:extLst>
+              <a:ext uri="{FF2B5EF4-FFF2-40B4-BE49-F238E27FC236}">
+                <a16:creationId xmlns:a16="http://schemas.microsoft.com/office/drawing/2014/main" id="{176075E8-5EEA-4518-8BA3-7CB21980E5DF}"/>
+              </a:ext>
+            </a:extLst>
+          </p:cNvPr>
+          <p:cNvSpPr>
+            <a:spLocks noGrp="1"/>
+          </p:cNvSpPr>
           <p:nvPr>
             <p:ph sz="half" idx="2"/>
-            <p:extLst>
-              <p:ext uri="{D42A27DB-BD31-4B8C-83A1-F6EECF244321}">
-                <p14:modId xmlns:p14="http://schemas.microsoft.com/office/powerpoint/2010/main" val="1580206012"/>
-              </p:ext>
-            </p:extLst>
           </p:nvPr>
-        </p:nvGraphicFramePr>
-        <p:xfrm>
-          <a:off x="6500813" y="1706563"/>
-          <a:ext cx="5078412" cy="2255836"/>
-        </p:xfrm>
-        <a:graphic>
-          <a:graphicData uri="http://schemas.openxmlformats.org/drawingml/2006/table">
-            <a:tbl>
-              <a:tblPr firstRow="1" bandRow="1">
-                <a:tableStyleId>{5C22544A-7EE6-4342-B048-85BDC9FD1C3A}</a:tableStyleId>
-              </a:tblPr>
-              <a:tblGrid>
-                <a:gridCol w="1692804">
-                  <a:extLst>
-                    <a:ext uri="{9D8B030D-6E8A-4147-A177-3AD203B41FA5}">
-                      <a16:colId xmlns:a16="http://schemas.microsoft.com/office/drawing/2014/main" val="20000"/>
-                    </a:ext>
-                  </a:extLst>
-                </a:gridCol>
-                <a:gridCol w="1692804">
-                  <a:extLst>
-                    <a:ext uri="{9D8B030D-6E8A-4147-A177-3AD203B41FA5}">
-                      <a16:colId xmlns:a16="http://schemas.microsoft.com/office/drawing/2014/main" val="20001"/>
-                    </a:ext>
-                  </a:extLst>
-                </a:gridCol>
-                <a:gridCol w="1692804">
-                  <a:extLst>
-                    <a:ext uri="{9D8B030D-6E8A-4147-A177-3AD203B41FA5}">
-                      <a16:colId xmlns:a16="http://schemas.microsoft.com/office/drawing/2014/main" val="20002"/>
-                    </a:ext>
-                  </a:extLst>
-                </a:gridCol>
-              </a:tblGrid>
-              <a:tr h="563959">
-                <a:tc>
-                  <a:txBody>
-                    <a:bodyPr/>
-                    <a:lstStyle/>
-                    <a:p>
-                      <a:pPr rtl="0"/>
-                      <a:r>
-                        <a:rPr lang="de-DE" dirty="0"/>
-                        <a:t>Klasse</a:t>
-                      </a:r>
-                    </a:p>
-                  </a:txBody>
-                  <a:tcPr anchor="ctr">
-                    <a:solidFill>
-                      <a:srgbClr val="008282"/>
-                    </a:solidFill>
-                  </a:tcPr>
-                </a:tc>
-                <a:tc>
-                  <a:txBody>
-                    <a:bodyPr/>
-                    <a:lstStyle/>
-                    <a:p>
-                      <a:pPr algn="ctr" rtl="0"/>
-                      <a:r>
-                        <a:rPr lang="de-DE" dirty="0"/>
-                        <a:t>Gruppe 1</a:t>
-                      </a:r>
-                    </a:p>
-                  </a:txBody>
-                  <a:tcPr anchor="ctr">
-                    <a:solidFill>
-                      <a:srgbClr val="008282"/>
-                    </a:solidFill>
-                  </a:tcPr>
-                </a:tc>
-                <a:tc>
-                  <a:txBody>
-                    <a:bodyPr/>
-                    <a:lstStyle/>
-                    <a:p>
-                      <a:pPr algn="ctr" rtl="0"/>
-                      <a:r>
-                        <a:rPr lang="de-DE" dirty="0"/>
-                        <a:t>Gruppe 2</a:t>
-                      </a:r>
-                    </a:p>
-                  </a:txBody>
-                  <a:tcPr anchor="ctr">
-                    <a:solidFill>
-                      <a:srgbClr val="008282"/>
-                    </a:solidFill>
-                  </a:tcPr>
-                </a:tc>
-                <a:extLst>
-                  <a:ext uri="{0D108BD9-81ED-4DB2-BD59-A6C34878D82A}">
-                    <a16:rowId xmlns:a16="http://schemas.microsoft.com/office/drawing/2014/main" val="10000"/>
-                  </a:ext>
-                </a:extLst>
-              </a:tr>
-              <a:tr h="563959">
-                <a:tc>
-                  <a:txBody>
-                    <a:bodyPr/>
-                    <a:lstStyle/>
-                    <a:p>
-                      <a:pPr rtl="0"/>
-                      <a:r>
-                        <a:rPr lang="de-DE" dirty="0"/>
-                        <a:t>Klasse 1</a:t>
-                      </a:r>
-                    </a:p>
-                  </a:txBody>
-                  <a:tcPr anchor="ctr"/>
-                </a:tc>
-                <a:tc>
-                  <a:txBody>
-                    <a:bodyPr/>
-                    <a:lstStyle/>
-                    <a:p>
-                      <a:pPr algn="ctr" rtl="0"/>
-                      <a:r>
-                        <a:rPr lang="de-DE" dirty="0"/>
-                        <a:t>82</a:t>
-                      </a:r>
-                    </a:p>
-                  </a:txBody>
-                  <a:tcPr anchor="ctr"/>
-                </a:tc>
-                <a:tc>
-                  <a:txBody>
-                    <a:bodyPr/>
-                    <a:lstStyle/>
-                    <a:p>
-                      <a:pPr algn="ctr" rtl="0"/>
-                      <a:r>
-                        <a:rPr lang="de-DE" dirty="0"/>
-                        <a:t>95</a:t>
-                      </a:r>
-                    </a:p>
-                  </a:txBody>
-                  <a:tcPr anchor="ctr"/>
-                </a:tc>
-                <a:extLst>
-                  <a:ext uri="{0D108BD9-81ED-4DB2-BD59-A6C34878D82A}">
-                    <a16:rowId xmlns:a16="http://schemas.microsoft.com/office/drawing/2014/main" val="10001"/>
-                  </a:ext>
-                </a:extLst>
-              </a:tr>
-              <a:tr h="563959">
-                <a:tc>
-                  <a:txBody>
-                    <a:bodyPr/>
-                    <a:lstStyle/>
-                    <a:p>
-                      <a:pPr rtl="0"/>
-                      <a:r>
-                        <a:rPr lang="de-DE" dirty="0"/>
-                        <a:t>Klasse 2</a:t>
-                      </a:r>
-                    </a:p>
-                  </a:txBody>
-                  <a:tcPr anchor="ctr"/>
-                </a:tc>
-                <a:tc>
-                  <a:txBody>
-                    <a:bodyPr/>
-                    <a:lstStyle/>
-                    <a:p>
-                      <a:pPr algn="ctr" rtl="0"/>
-                      <a:r>
-                        <a:rPr lang="de-DE" dirty="0"/>
-                        <a:t>76</a:t>
-                      </a:r>
-                    </a:p>
-                  </a:txBody>
-                  <a:tcPr anchor="ctr"/>
-                </a:tc>
-                <a:tc>
-                  <a:txBody>
-                    <a:bodyPr/>
-                    <a:lstStyle/>
-                    <a:p>
-                      <a:pPr algn="ctr" rtl="0"/>
-                      <a:r>
-                        <a:rPr lang="de-DE" dirty="0"/>
-                        <a:t>88</a:t>
-                      </a:r>
-                    </a:p>
-                  </a:txBody>
-                  <a:tcPr anchor="ctr"/>
-                </a:tc>
-                <a:extLst>
-                  <a:ext uri="{0D108BD9-81ED-4DB2-BD59-A6C34878D82A}">
-                    <a16:rowId xmlns:a16="http://schemas.microsoft.com/office/drawing/2014/main" val="10002"/>
-                  </a:ext>
-                </a:extLst>
-              </a:tr>
-              <a:tr h="563959">
-                <a:tc>
-                  <a:txBody>
-                    <a:bodyPr/>
-                    <a:lstStyle/>
-                    <a:p>
-                      <a:pPr rtl="0"/>
-                      <a:r>
-                        <a:rPr lang="de-DE" dirty="0"/>
-                        <a:t>Klasse 3</a:t>
-                      </a:r>
-                    </a:p>
-                  </a:txBody>
-                  <a:tcPr anchor="ctr"/>
-                </a:tc>
-                <a:tc>
-                  <a:txBody>
-                    <a:bodyPr/>
-                    <a:lstStyle/>
-                    <a:p>
-                      <a:pPr algn="ctr" rtl="0"/>
-                      <a:r>
-                        <a:rPr lang="de-DE" dirty="0"/>
-                        <a:t>84</a:t>
-                      </a:r>
-                    </a:p>
-                  </a:txBody>
-                  <a:tcPr anchor="ctr"/>
-                </a:tc>
-                <a:tc>
-                  <a:txBody>
-                    <a:bodyPr/>
-                    <a:lstStyle/>
-                    <a:p>
-                      <a:pPr algn="ctr" rtl="0"/>
-                      <a:r>
-                        <a:rPr lang="de-DE" dirty="0"/>
-                        <a:t>90</a:t>
-                      </a:r>
-                    </a:p>
-                  </a:txBody>
-                  <a:tcPr anchor="ctr"/>
-                </a:tc>
-                <a:extLst>
-                  <a:ext uri="{0D108BD9-81ED-4DB2-BD59-A6C34878D82A}">
-                    <a16:rowId xmlns:a16="http://schemas.microsoft.com/office/drawing/2014/main" val="10003"/>
-                  </a:ext>
-                </a:extLst>
-              </a:tr>
-            </a:tbl>
-          </a:graphicData>
-        </a:graphic>
-      </p:graphicFrame>
+        </p:nvSpPr>
+        <p:spPr/>
+        <p:txBody>
+          <a:bodyPr/>
+          <a:lstStyle/>
+          <a:p>
+            <a:endParaRPr lang="de-DE"/>
+          </a:p>
+        </p:txBody>
+      </p:sp>
     </p:spTree>
     <p:extLst>
       <p:ext uri="{BB962C8B-B14F-4D97-AF65-F5344CB8AC3E}">
@@ -11386,81 +9860,119 @@
             <p:ph type="title"/>
           </p:nvPr>
         </p:nvSpPr>
-        <p:spPr/>
+        <p:spPr>
+          <a:xfrm>
+            <a:off x="1224000" y="270000"/>
+            <a:ext cx="10360501" cy="634083"/>
+          </a:xfrm>
+        </p:spPr>
         <p:txBody>
           <a:bodyPr rtlCol="0"/>
           <a:lstStyle/>
           <a:p>
-            <a:pPr rtl="0"/>
+            <a:pPr algn="ctr" rtl="0"/>
             <a:r>
               <a:rPr lang="de-DE" dirty="0"/>
-              <a:t>Layout "Zwei Inhalte" mit SmartArt</a:t>
+              <a:t>Entwurf des Webinterface</a:t>
             </a:r>
           </a:p>
         </p:txBody>
       </p:sp>
       <p:sp>
         <p:nvSpPr>
-          <p:cNvPr id="3" name="Inhaltsplatzhalter 2"/>
+          <p:cNvPr id="4" name="Fußzeilenplatzhalter 3">
+            <a:extLst>
+              <a:ext uri="{FF2B5EF4-FFF2-40B4-BE49-F238E27FC236}">
+                <a16:creationId xmlns:a16="http://schemas.microsoft.com/office/drawing/2014/main" id="{30492AEF-FCAE-4DC7-B46B-884A0D67D8A2}"/>
+              </a:ext>
+            </a:extLst>
+          </p:cNvPr>
           <p:cNvSpPr>
             <a:spLocks noGrp="1"/>
           </p:cNvSpPr>
           <p:nvPr>
-            <p:ph sz="half" idx="1"/>
+            <p:ph type="ftr" sz="quarter" idx="11"/>
           </p:nvPr>
         </p:nvSpPr>
         <p:spPr/>
         <p:txBody>
-          <a:bodyPr rtlCol="0"/>
+          <a:bodyPr/>
           <a:lstStyle/>
           <a:p>
             <a:pPr rtl="0"/>
             <a:r>
-              <a:rPr lang="de-DE" dirty="0"/>
-              <a:t>Erster Aufzählungspunkt hier</a:t>
+              <a:rPr lang="de-DE"/>
+              <a:t>Jan-Philipp Töberg / Projektarbeit SS18</a:t>
             </a:r>
-          </a:p>
-          <a:p>
-            <a:pPr rtl="0"/>
-            <a:r>
-              <a:rPr lang="de-DE" dirty="0"/>
-              <a:t>Zweiter Aufzählungspunkt hier</a:t>
-            </a:r>
-          </a:p>
-          <a:p>
-            <a:pPr rtl="0"/>
-            <a:r>
-              <a:rPr lang="de-DE" dirty="0"/>
-              <a:t>Dritter Aufzählungspunkt hier</a:t>
-            </a:r>
+            <a:endParaRPr lang="de-DE" dirty="0"/>
           </a:p>
         </p:txBody>
       </p:sp>
-      <p:graphicFrame>
-        <p:nvGraphicFramePr>
-          <p:cNvPr id="5" name="Inhaltsplatzhalter 4" descr="Gestaffelter Prozess mit 3 Aufgaben, die untereinander angeordnet sind. Zwei abwärts gerichtete Pfeile zeigen den Fortschritt von der ersten zur zweiten und von der zweiten zur dritten Aufgabe."/>
-          <p:cNvGraphicFramePr>
-            <a:graphicFrameLocks noGrp="1"/>
-          </p:cNvGraphicFramePr>
+      <p:sp>
+        <p:nvSpPr>
+          <p:cNvPr id="6" name="Foliennummernplatzhalter 5">
+            <a:extLst>
+              <a:ext uri="{FF2B5EF4-FFF2-40B4-BE49-F238E27FC236}">
+                <a16:creationId xmlns:a16="http://schemas.microsoft.com/office/drawing/2014/main" id="{58126B7E-8BA0-4940-BF70-95BC35C06C37}"/>
+              </a:ext>
+            </a:extLst>
+          </p:cNvPr>
+          <p:cNvSpPr>
+            <a:spLocks noGrp="1"/>
+          </p:cNvSpPr>
           <p:nvPr>
-            <p:ph sz="half" idx="2"/>
-            <p:extLst>
-              <p:ext uri="{D42A27DB-BD31-4B8C-83A1-F6EECF244321}">
-                <p14:modId xmlns:p14="http://schemas.microsoft.com/office/powerpoint/2010/main" val="3568837479"/>
-              </p:ext>
-            </p:extLst>
+            <p:ph type="sldNum" sz="quarter" idx="12"/>
           </p:nvPr>
-        </p:nvGraphicFramePr>
-        <p:xfrm>
-          <a:off x="6500813" y="1706563"/>
-          <a:ext cx="5078412" cy="4465637"/>
-        </p:xfrm>
-        <a:graphic>
-          <a:graphicData uri="http://schemas.openxmlformats.org/drawingml/2006/diagram">
-            <dgm:relIds xmlns:dgm="http://schemas.openxmlformats.org/drawingml/2006/diagram" xmlns:r="http://schemas.openxmlformats.org/officeDocument/2006/relationships" r:dm="rId3" r:lo="rId4" r:qs="rId5" r:cs="rId6"/>
-          </a:graphicData>
-        </a:graphic>
-      </p:graphicFrame>
+        </p:nvSpPr>
+        <p:spPr/>
+        <p:txBody>
+          <a:bodyPr/>
+          <a:lstStyle/>
+          <a:p>
+            <a:pPr rtl="0"/>
+            <a:fld id="{C014DD1E-5D91-48A3-AD6D-45FBA980D106}" type="slidenum">
+              <a:rPr lang="de-DE" smtClean="0"/>
+              <a:t>5</a:t>
+            </a:fld>
+            <a:endParaRPr lang="de-DE" dirty="0"/>
+          </a:p>
+        </p:txBody>
+      </p:sp>
+      <p:pic>
+        <p:nvPicPr>
+          <p:cNvPr id="19" name="Inhaltsplatzhalter 18">
+            <a:extLst>
+              <a:ext uri="{FF2B5EF4-FFF2-40B4-BE49-F238E27FC236}">
+                <a16:creationId xmlns:a16="http://schemas.microsoft.com/office/drawing/2014/main" id="{EE02371D-32F4-4476-8801-D736DF1ADEF6}"/>
+              </a:ext>
+            </a:extLst>
+          </p:cNvPr>
+          <p:cNvPicPr>
+            <a:picLocks noGrp="1" noChangeAspect="1"/>
+          </p:cNvPicPr>
+          <p:nvPr>
+            <p:ph sz="half" idx="1"/>
+          </p:nvPr>
+        </p:nvPicPr>
+        <p:blipFill>
+          <a:blip r:embed="rId3">
+            <a:extLst>
+              <a:ext uri="{28A0092B-C50C-407E-A947-70E740481C1C}">
+                <a14:useLocalDpi xmlns:a14="http://schemas.microsoft.com/office/drawing/2010/main" val="0"/>
+              </a:ext>
+            </a:extLst>
+          </a:blip>
+          <a:stretch>
+            <a:fillRect/>
+          </a:stretch>
+        </p:blipFill>
+        <p:spPr>
+          <a:xfrm>
+            <a:off x="2839854" y="956921"/>
+            <a:ext cx="7128792" cy="5346593"/>
+          </a:xfrm>
+        </p:spPr>
+      </p:pic>
     </p:spTree>
     <p:extLst>
       <p:ext uri="{BB962C8B-B14F-4D97-AF65-F5344CB8AC3E}">
@@ -11513,35 +10025,115 @@
             <p:ph type="title"/>
           </p:nvPr>
         </p:nvSpPr>
-        <p:spPr/>
+        <p:spPr>
+          <a:xfrm>
+            <a:off x="1224000" y="270000"/>
+            <a:ext cx="10360501" cy="634083"/>
+          </a:xfrm>
+        </p:spPr>
         <p:txBody>
           <a:bodyPr rtlCol="0"/>
           <a:lstStyle/>
           <a:p>
+            <a:pPr algn="ctr" rtl="0"/>
+            <a:r>
+              <a:rPr lang="de-DE" dirty="0"/>
+              <a:t>Umsetzung - Kommunikation</a:t>
+            </a:r>
+          </a:p>
+        </p:txBody>
+      </p:sp>
+      <p:pic>
+        <p:nvPicPr>
+          <p:cNvPr id="8" name="Inhaltsplatzhalter 7">
+            <a:extLst>
+              <a:ext uri="{FF2B5EF4-FFF2-40B4-BE49-F238E27FC236}">
+                <a16:creationId xmlns:a16="http://schemas.microsoft.com/office/drawing/2014/main" id="{43E8FCE4-A37C-4C02-9439-EFC1BC76FBE3}"/>
+              </a:ext>
+            </a:extLst>
+          </p:cNvPr>
+          <p:cNvPicPr>
+            <a:picLocks noGrp="1" noChangeAspect="1"/>
+          </p:cNvPicPr>
+          <p:nvPr>
+            <p:ph idx="1"/>
+          </p:nvPr>
+        </p:nvPicPr>
+        <p:blipFill>
+          <a:blip r:embed="rId2">
+            <a:extLst>
+              <a:ext uri="{28A0092B-C50C-407E-A947-70E740481C1C}">
+                <a14:useLocalDpi xmlns:a14="http://schemas.microsoft.com/office/drawing/2010/main" val="0"/>
+              </a:ext>
+            </a:extLst>
+          </a:blip>
+          <a:stretch>
+            <a:fillRect/>
+          </a:stretch>
+        </p:blipFill>
+        <p:spPr>
+          <a:xfrm>
+            <a:off x="2262474" y="1034905"/>
+            <a:ext cx="8283552" cy="5227948"/>
+          </a:xfrm>
+        </p:spPr>
+      </p:pic>
+      <p:sp>
+        <p:nvSpPr>
+          <p:cNvPr id="2" name="Fußzeilenplatzhalter 1">
+            <a:extLst>
+              <a:ext uri="{FF2B5EF4-FFF2-40B4-BE49-F238E27FC236}">
+                <a16:creationId xmlns:a16="http://schemas.microsoft.com/office/drawing/2014/main" id="{366F0BE8-B140-4101-8D7F-49063527154F}"/>
+              </a:ext>
+            </a:extLst>
+          </p:cNvPr>
+          <p:cNvSpPr>
+            <a:spLocks noGrp="1"/>
+          </p:cNvSpPr>
+          <p:nvPr>
+            <p:ph type="ftr" sz="quarter" idx="11"/>
+          </p:nvPr>
+        </p:nvSpPr>
+        <p:spPr/>
+        <p:txBody>
+          <a:bodyPr/>
+          <a:lstStyle/>
+          <a:p>
             <a:pPr rtl="0"/>
             <a:r>
-              <a:rPr lang="de-DE" dirty="0"/>
-              <a:t>Folientitel hinzufügen – 1</a:t>
+              <a:rPr lang="de-DE"/>
+              <a:t>Jan-Philipp Töberg / Projektarbeit SS18</a:t>
             </a:r>
+            <a:endParaRPr lang="de-DE" dirty="0"/>
           </a:p>
         </p:txBody>
       </p:sp>
       <p:sp>
         <p:nvSpPr>
-          <p:cNvPr id="5" name="Textplatzhalter 4"/>
+          <p:cNvPr id="3" name="Foliennummernplatzhalter 2">
+            <a:extLst>
+              <a:ext uri="{FF2B5EF4-FFF2-40B4-BE49-F238E27FC236}">
+                <a16:creationId xmlns:a16="http://schemas.microsoft.com/office/drawing/2014/main" id="{E1496EE6-9889-4F3B-B37C-7370A6BFE472}"/>
+              </a:ext>
+            </a:extLst>
+          </p:cNvPr>
           <p:cNvSpPr>
             <a:spLocks noGrp="1"/>
           </p:cNvSpPr>
           <p:nvPr>
-            <p:ph type="body" idx="1"/>
+            <p:ph type="sldNum" sz="quarter" idx="12"/>
           </p:nvPr>
         </p:nvSpPr>
         <p:spPr/>
         <p:txBody>
-          <a:bodyPr rtlCol="0"/>
+          <a:bodyPr/>
           <a:lstStyle/>
           <a:p>
             <a:pPr rtl="0"/>
+            <a:fld id="{C014DD1E-5D91-48A3-AD6D-45FBA980D106}" type="slidenum">
+              <a:rPr lang="de-DE" smtClean="0"/>
+              <a:t>6</a:t>
+            </a:fld>
             <a:endParaRPr lang="de-DE" dirty="0"/>
           </a:p>
         </p:txBody>
@@ -11590,7 +10182,7 @@
       </p:grpSpPr>
       <p:sp>
         <p:nvSpPr>
-          <p:cNvPr id="7" name="Titel 6"/>
+          <p:cNvPr id="4" name="Titel 3"/>
           <p:cNvSpPr>
             <a:spLocks noGrp="1"/>
           </p:cNvSpPr>
@@ -11598,103 +10190,568 @@
             <p:ph type="title"/>
           </p:nvPr>
         </p:nvSpPr>
-        <p:spPr/>
+        <p:spPr>
+          <a:xfrm>
+            <a:off x="1224000" y="270000"/>
+            <a:ext cx="10360501" cy="634083"/>
+          </a:xfrm>
+        </p:spPr>
         <p:txBody>
           <a:bodyPr rtlCol="0"/>
           <a:lstStyle/>
           <a:p>
+            <a:pPr algn="ctr" rtl="0"/>
+            <a:r>
+              <a:rPr lang="de-DE" dirty="0"/>
+              <a:t>Umsetzung - Client</a:t>
+            </a:r>
+          </a:p>
+        </p:txBody>
+      </p:sp>
+      <p:pic>
+        <p:nvPicPr>
+          <p:cNvPr id="7" name="Inhaltsplatzhalter 6">
+            <a:extLst>
+              <a:ext uri="{FF2B5EF4-FFF2-40B4-BE49-F238E27FC236}">
+                <a16:creationId xmlns:a16="http://schemas.microsoft.com/office/drawing/2014/main" id="{2EB70D72-431E-4C7F-AFC5-990CA137F13B}"/>
+              </a:ext>
+            </a:extLst>
+          </p:cNvPr>
+          <p:cNvPicPr>
+            <a:picLocks noGrp="1" noChangeAspect="1"/>
+          </p:cNvPicPr>
+          <p:nvPr>
+            <p:ph idx="1"/>
+          </p:nvPr>
+        </p:nvPicPr>
+        <p:blipFill>
+          <a:blip r:embed="rId2">
+            <a:extLst>
+              <a:ext uri="{28A0092B-C50C-407E-A947-70E740481C1C}">
+                <a14:useLocalDpi xmlns:a14="http://schemas.microsoft.com/office/drawing/2010/main" val="0"/>
+              </a:ext>
+            </a:extLst>
+          </a:blip>
+          <a:stretch>
+            <a:fillRect/>
+          </a:stretch>
+        </p:blipFill>
+        <p:spPr>
+          <a:xfrm>
+            <a:off x="1190244" y="1251559"/>
+            <a:ext cx="10428334" cy="4109093"/>
+          </a:xfrm>
+        </p:spPr>
+      </p:pic>
+      <p:sp>
+        <p:nvSpPr>
+          <p:cNvPr id="2" name="Fußzeilenplatzhalter 1">
+            <a:extLst>
+              <a:ext uri="{FF2B5EF4-FFF2-40B4-BE49-F238E27FC236}">
+                <a16:creationId xmlns:a16="http://schemas.microsoft.com/office/drawing/2014/main" id="{366F0BE8-B140-4101-8D7F-49063527154F}"/>
+              </a:ext>
+            </a:extLst>
+          </p:cNvPr>
+          <p:cNvSpPr>
+            <a:spLocks noGrp="1"/>
+          </p:cNvSpPr>
+          <p:nvPr>
+            <p:ph type="ftr" sz="quarter" idx="11"/>
+          </p:nvPr>
+        </p:nvSpPr>
+        <p:spPr/>
+        <p:txBody>
+          <a:bodyPr/>
+          <a:lstStyle/>
+          <a:p>
             <a:pPr rtl="0"/>
             <a:r>
-              <a:rPr lang="de-DE" dirty="0"/>
-              <a:t>Folientitel hinzufügen – 2</a:t>
+              <a:rPr lang="de-DE"/>
+              <a:t>Jan-Philipp Töberg / Projektarbeit SS18</a:t>
             </a:r>
+            <a:endParaRPr lang="de-DE" dirty="0"/>
           </a:p>
         </p:txBody>
       </p:sp>
       <p:sp>
         <p:nvSpPr>
-          <p:cNvPr id="8" name="Textplatzhalter 7"/>
+          <p:cNvPr id="3" name="Foliennummernplatzhalter 2">
+            <a:extLst>
+              <a:ext uri="{FF2B5EF4-FFF2-40B4-BE49-F238E27FC236}">
+                <a16:creationId xmlns:a16="http://schemas.microsoft.com/office/drawing/2014/main" id="{E1496EE6-9889-4F3B-B37C-7370A6BFE472}"/>
+              </a:ext>
+            </a:extLst>
+          </p:cNvPr>
           <p:cNvSpPr>
             <a:spLocks noGrp="1"/>
           </p:cNvSpPr>
           <p:nvPr>
-            <p:ph type="body" idx="1"/>
+            <p:ph type="sldNum" sz="quarter" idx="12"/>
           </p:nvPr>
         </p:nvSpPr>
         <p:spPr/>
         <p:txBody>
-          <a:bodyPr rtlCol="0"/>
+          <a:bodyPr/>
           <a:lstStyle/>
           <a:p>
             <a:pPr rtl="0"/>
+            <a:fld id="{C014DD1E-5D91-48A3-AD6D-45FBA980D106}" type="slidenum">
+              <a:rPr lang="de-DE" smtClean="0"/>
+              <a:t>7</a:t>
+            </a:fld>
             <a:endParaRPr lang="de-DE" dirty="0"/>
           </a:p>
         </p:txBody>
       </p:sp>
       <p:sp>
         <p:nvSpPr>
-          <p:cNvPr id="10" name="Inhaltsplatzhalter 9"/>
-          <p:cNvSpPr>
-            <a:spLocks noGrp="1"/>
-          </p:cNvSpPr>
-          <p:nvPr>
-            <p:ph sz="half" idx="2"/>
-          </p:nvPr>
+          <p:cNvPr id="8" name="Rechteck 7">
+            <a:extLst>
+              <a:ext uri="{FF2B5EF4-FFF2-40B4-BE49-F238E27FC236}">
+                <a16:creationId xmlns:a16="http://schemas.microsoft.com/office/drawing/2014/main" id="{0238B822-9713-4829-884D-0338FD0BC233}"/>
+              </a:ext>
+            </a:extLst>
+          </p:cNvPr>
+          <p:cNvSpPr/>
+          <p:nvPr/>
         </p:nvSpPr>
-        <p:spPr/>
+        <p:spPr>
+          <a:xfrm>
+            <a:off x="8830717" y="1307488"/>
+            <a:ext cx="1224136" cy="249304"/>
+          </a:xfrm>
+          <a:prstGeom prst="rect">
+            <a:avLst/>
+          </a:prstGeom>
+          <a:noFill/>
+          <a:ln>
+            <a:solidFill>
+              <a:srgbClr val="FF0000"/>
+            </a:solidFill>
+          </a:ln>
+        </p:spPr>
+        <p:style>
+          <a:lnRef idx="2">
+            <a:schemeClr val="accent1">
+              <a:shade val="50000"/>
+            </a:schemeClr>
+          </a:lnRef>
+          <a:fillRef idx="1">
+            <a:schemeClr val="accent1"/>
+          </a:fillRef>
+          <a:effectRef idx="0">
+            <a:schemeClr val="accent1"/>
+          </a:effectRef>
+          <a:fontRef idx="minor">
+            <a:schemeClr val="lt1"/>
+          </a:fontRef>
+        </p:style>
         <p:txBody>
-          <a:bodyPr rtlCol="0"/>
+          <a:bodyPr rtlCol="0" anchor="ctr"/>
           <a:lstStyle/>
           <a:p>
-            <a:pPr rtl="0"/>
-            <a:endParaRPr lang="de-DE" dirty="0"/>
+            <a:pPr algn="ctr"/>
+            <a:endParaRPr lang="de-DE" sz="2800" dirty="0"/>
           </a:p>
         </p:txBody>
       </p:sp>
       <p:sp>
         <p:nvSpPr>
-          <p:cNvPr id="9" name="Textplatzhalter 8"/>
-          <p:cNvSpPr>
-            <a:spLocks noGrp="1"/>
-          </p:cNvSpPr>
-          <p:nvPr>
-            <p:ph type="body" sz="quarter" idx="3"/>
-          </p:nvPr>
+          <p:cNvPr id="9" name="Rechteck 8">
+            <a:extLst>
+              <a:ext uri="{FF2B5EF4-FFF2-40B4-BE49-F238E27FC236}">
+                <a16:creationId xmlns:a16="http://schemas.microsoft.com/office/drawing/2014/main" id="{317C69AE-5E14-47FC-BEB7-3C20D24F2373}"/>
+              </a:ext>
+            </a:extLst>
+          </p:cNvPr>
+          <p:cNvSpPr/>
+          <p:nvPr/>
         </p:nvSpPr>
-        <p:spPr/>
+        <p:spPr>
+          <a:xfrm>
+            <a:off x="1213839" y="1846784"/>
+            <a:ext cx="2720334" cy="921732"/>
+          </a:xfrm>
+          <a:prstGeom prst="rect">
+            <a:avLst/>
+          </a:prstGeom>
+          <a:noFill/>
+          <a:ln>
+            <a:solidFill>
+              <a:srgbClr val="FF0000"/>
+            </a:solidFill>
+          </a:ln>
+        </p:spPr>
+        <p:style>
+          <a:lnRef idx="2">
+            <a:schemeClr val="accent1">
+              <a:shade val="50000"/>
+            </a:schemeClr>
+          </a:lnRef>
+          <a:fillRef idx="1">
+            <a:schemeClr val="accent1"/>
+          </a:fillRef>
+          <a:effectRef idx="0">
+            <a:schemeClr val="accent1"/>
+          </a:effectRef>
+          <a:fontRef idx="minor">
+            <a:schemeClr val="lt1"/>
+          </a:fontRef>
+        </p:style>
         <p:txBody>
-          <a:bodyPr rtlCol="0"/>
+          <a:bodyPr rtlCol="0" anchor="ctr"/>
           <a:lstStyle/>
           <a:p>
-            <a:pPr rtl="0"/>
-            <a:endParaRPr lang="de-DE" dirty="0"/>
+            <a:pPr algn="ctr"/>
+            <a:endParaRPr lang="de-DE" sz="2800"/>
           </a:p>
         </p:txBody>
       </p:sp>
       <p:sp>
         <p:nvSpPr>
-          <p:cNvPr id="11" name="Inhaltsplatzhalter 10"/>
-          <p:cNvSpPr>
-            <a:spLocks noGrp="1"/>
-          </p:cNvSpPr>
-          <p:nvPr>
-            <p:ph sz="quarter" idx="4"/>
-          </p:nvPr>
+          <p:cNvPr id="10" name="Rechteck 9">
+            <a:extLst>
+              <a:ext uri="{FF2B5EF4-FFF2-40B4-BE49-F238E27FC236}">
+                <a16:creationId xmlns:a16="http://schemas.microsoft.com/office/drawing/2014/main" id="{C53AB220-1BB3-406E-8803-B06DBE8C66B5}"/>
+              </a:ext>
+            </a:extLst>
+          </p:cNvPr>
+          <p:cNvSpPr/>
+          <p:nvPr/>
         </p:nvSpPr>
-        <p:spPr/>
+        <p:spPr>
+          <a:xfrm>
+            <a:off x="1224000" y="2968133"/>
+            <a:ext cx="10355384" cy="1121351"/>
+          </a:xfrm>
+          <a:prstGeom prst="rect">
+            <a:avLst/>
+          </a:prstGeom>
+          <a:noFill/>
+          <a:ln>
+            <a:solidFill>
+              <a:srgbClr val="FF0000"/>
+            </a:solidFill>
+          </a:ln>
+        </p:spPr>
+        <p:style>
+          <a:lnRef idx="2">
+            <a:schemeClr val="accent1">
+              <a:shade val="50000"/>
+            </a:schemeClr>
+          </a:lnRef>
+          <a:fillRef idx="1">
+            <a:schemeClr val="accent1"/>
+          </a:fillRef>
+          <a:effectRef idx="0">
+            <a:schemeClr val="accent1"/>
+          </a:effectRef>
+          <a:fontRef idx="minor">
+            <a:schemeClr val="lt1"/>
+          </a:fontRef>
+        </p:style>
         <p:txBody>
-          <a:bodyPr rtlCol="0"/>
+          <a:bodyPr rtlCol="0" anchor="ctr"/>
           <a:lstStyle/>
           <a:p>
-            <a:pPr rtl="0"/>
-            <a:endParaRPr lang="de-DE" dirty="0"/>
+            <a:pPr algn="ctr"/>
+            <a:endParaRPr lang="de-DE" sz="2800"/>
           </a:p>
         </p:txBody>
       </p:sp>
+      <p:sp>
+        <p:nvSpPr>
+          <p:cNvPr id="11" name="Rechteck 10">
+            <a:extLst>
+              <a:ext uri="{FF2B5EF4-FFF2-40B4-BE49-F238E27FC236}">
+                <a16:creationId xmlns:a16="http://schemas.microsoft.com/office/drawing/2014/main" id="{A4F5292E-285A-488E-82AF-5E481A2CB773}"/>
+              </a:ext>
+            </a:extLst>
+          </p:cNvPr>
+          <p:cNvSpPr/>
+          <p:nvPr/>
+        </p:nvSpPr>
+        <p:spPr>
+          <a:xfrm>
+            <a:off x="1224000" y="4179856"/>
+            <a:ext cx="5590492" cy="617296"/>
+          </a:xfrm>
+          <a:prstGeom prst="rect">
+            <a:avLst/>
+          </a:prstGeom>
+          <a:noFill/>
+          <a:ln>
+            <a:solidFill>
+              <a:srgbClr val="FF0000"/>
+            </a:solidFill>
+          </a:ln>
+        </p:spPr>
+        <p:style>
+          <a:lnRef idx="2">
+            <a:schemeClr val="accent1">
+              <a:shade val="50000"/>
+            </a:schemeClr>
+          </a:lnRef>
+          <a:fillRef idx="1">
+            <a:schemeClr val="accent1"/>
+          </a:fillRef>
+          <a:effectRef idx="0">
+            <a:schemeClr val="accent1"/>
+          </a:effectRef>
+          <a:fontRef idx="minor">
+            <a:schemeClr val="lt1"/>
+          </a:fontRef>
+        </p:style>
+        <p:txBody>
+          <a:bodyPr rtlCol="0" anchor="ctr"/>
+          <a:lstStyle/>
+          <a:p>
+            <a:pPr algn="ctr"/>
+            <a:endParaRPr lang="de-DE" sz="2800"/>
+          </a:p>
+        </p:txBody>
+      </p:sp>
+      <p:sp>
+        <p:nvSpPr>
+          <p:cNvPr id="12" name="Rechteck 11">
+            <a:extLst>
+              <a:ext uri="{FF2B5EF4-FFF2-40B4-BE49-F238E27FC236}">
+                <a16:creationId xmlns:a16="http://schemas.microsoft.com/office/drawing/2014/main" id="{DDA2DC37-4846-4381-9D46-AE88DA5447EE}"/>
+              </a:ext>
+            </a:extLst>
+          </p:cNvPr>
+          <p:cNvSpPr/>
+          <p:nvPr/>
+        </p:nvSpPr>
+        <p:spPr>
+          <a:xfrm>
+            <a:off x="1224000" y="4832449"/>
+            <a:ext cx="1125996" cy="252735"/>
+          </a:xfrm>
+          <a:prstGeom prst="rect">
+            <a:avLst/>
+          </a:prstGeom>
+          <a:noFill/>
+          <a:ln>
+            <a:solidFill>
+              <a:srgbClr val="FF0000"/>
+            </a:solidFill>
+          </a:ln>
+        </p:spPr>
+        <p:style>
+          <a:lnRef idx="2">
+            <a:schemeClr val="accent1">
+              <a:shade val="50000"/>
+            </a:schemeClr>
+          </a:lnRef>
+          <a:fillRef idx="1">
+            <a:schemeClr val="accent1"/>
+          </a:fillRef>
+          <a:effectRef idx="0">
+            <a:schemeClr val="accent1"/>
+          </a:effectRef>
+          <a:fontRef idx="minor">
+            <a:schemeClr val="lt1"/>
+          </a:fontRef>
+        </p:style>
+        <p:txBody>
+          <a:bodyPr rtlCol="0" anchor="ctr"/>
+          <a:lstStyle/>
+          <a:p>
+            <a:pPr algn="ctr"/>
+            <a:endParaRPr lang="de-DE" sz="2800"/>
+          </a:p>
+        </p:txBody>
+      </p:sp>
+      <p:pic>
+        <p:nvPicPr>
+          <p:cNvPr id="14" name="Grafik 13">
+            <a:extLst>
+              <a:ext uri="{FF2B5EF4-FFF2-40B4-BE49-F238E27FC236}">
+                <a16:creationId xmlns:a16="http://schemas.microsoft.com/office/drawing/2014/main" id="{F7893E36-29F1-4AC2-92EE-FC37F60CB5A7}"/>
+              </a:ext>
+            </a:extLst>
+          </p:cNvPr>
+          <p:cNvPicPr>
+            <a:picLocks noChangeAspect="1"/>
+          </p:cNvPicPr>
+          <p:nvPr/>
+        </p:nvPicPr>
+        <p:blipFill>
+          <a:blip r:embed="rId3">
+            <a:extLst>
+              <a:ext uri="{28A0092B-C50C-407E-A947-70E740481C1C}">
+                <a14:useLocalDpi xmlns:a14="http://schemas.microsoft.com/office/drawing/2010/main" val="0"/>
+              </a:ext>
+            </a:extLst>
+          </a:blip>
+          <a:stretch>
+            <a:fillRect/>
+          </a:stretch>
+        </p:blipFill>
+        <p:spPr>
+          <a:xfrm>
+            <a:off x="1110554" y="1817009"/>
+            <a:ext cx="10582275" cy="1133475"/>
+          </a:xfrm>
+          <a:prstGeom prst="rect">
+            <a:avLst/>
+          </a:prstGeom>
+          <a:ln>
+            <a:solidFill>
+              <a:srgbClr val="0070C0"/>
+            </a:solidFill>
+          </a:ln>
+        </p:spPr>
+      </p:pic>
+      <p:pic>
+        <p:nvPicPr>
+          <p:cNvPr id="16" name="Grafik 15">
+            <a:extLst>
+              <a:ext uri="{FF2B5EF4-FFF2-40B4-BE49-F238E27FC236}">
+                <a16:creationId xmlns:a16="http://schemas.microsoft.com/office/drawing/2014/main" id="{C777CB18-16F0-400B-8050-6F8A59BC703E}"/>
+              </a:ext>
+            </a:extLst>
+          </p:cNvPr>
+          <p:cNvPicPr>
+            <a:picLocks noChangeAspect="1"/>
+          </p:cNvPicPr>
+          <p:nvPr/>
+        </p:nvPicPr>
+        <p:blipFill>
+          <a:blip r:embed="rId4">
+            <a:extLst>
+              <a:ext uri="{28A0092B-C50C-407E-A947-70E740481C1C}">
+                <a14:useLocalDpi xmlns:a14="http://schemas.microsoft.com/office/drawing/2010/main" val="0"/>
+              </a:ext>
+            </a:extLst>
+          </a:blip>
+          <a:stretch>
+            <a:fillRect/>
+          </a:stretch>
+        </p:blipFill>
+        <p:spPr>
+          <a:xfrm>
+            <a:off x="862555" y="2971115"/>
+            <a:ext cx="11078271" cy="1693852"/>
+          </a:xfrm>
+          <a:prstGeom prst="rect">
+            <a:avLst/>
+          </a:prstGeom>
+        </p:spPr>
+      </p:pic>
+      <p:pic>
+        <p:nvPicPr>
+          <p:cNvPr id="18" name="Grafik 17">
+            <a:extLst>
+              <a:ext uri="{FF2B5EF4-FFF2-40B4-BE49-F238E27FC236}">
+                <a16:creationId xmlns:a16="http://schemas.microsoft.com/office/drawing/2014/main" id="{77A7F7F1-349B-4F97-8BBD-67012B51B053}"/>
+              </a:ext>
+            </a:extLst>
+          </p:cNvPr>
+          <p:cNvPicPr>
+            <a:picLocks noChangeAspect="1"/>
+          </p:cNvPicPr>
+          <p:nvPr/>
+        </p:nvPicPr>
+        <p:blipFill>
+          <a:blip r:embed="rId5">
+            <a:extLst>
+              <a:ext uri="{28A0092B-C50C-407E-A947-70E740481C1C}">
+                <a14:useLocalDpi xmlns:a14="http://schemas.microsoft.com/office/drawing/2010/main" val="0"/>
+              </a:ext>
+            </a:extLst>
+          </a:blip>
+          <a:stretch>
+            <a:fillRect/>
+          </a:stretch>
+        </p:blipFill>
+        <p:spPr>
+          <a:xfrm>
+            <a:off x="989905" y="1502003"/>
+            <a:ext cx="10702924" cy="544696"/>
+          </a:xfrm>
+          <a:prstGeom prst="rect">
+            <a:avLst/>
+          </a:prstGeom>
+        </p:spPr>
+      </p:pic>
+      <p:pic>
+        <p:nvPicPr>
+          <p:cNvPr id="20" name="Grafik 19">
+            <a:extLst>
+              <a:ext uri="{FF2B5EF4-FFF2-40B4-BE49-F238E27FC236}">
+                <a16:creationId xmlns:a16="http://schemas.microsoft.com/office/drawing/2014/main" id="{90EEFFB5-DDB7-4C59-B116-01081D4738A9}"/>
+              </a:ext>
+            </a:extLst>
+          </p:cNvPr>
+          <p:cNvPicPr>
+            <a:picLocks noChangeAspect="1"/>
+          </p:cNvPicPr>
+          <p:nvPr/>
+        </p:nvPicPr>
+        <p:blipFill>
+          <a:blip r:embed="rId6">
+            <a:extLst>
+              <a:ext uri="{28A0092B-C50C-407E-A947-70E740481C1C}">
+                <a14:useLocalDpi xmlns:a14="http://schemas.microsoft.com/office/drawing/2010/main" val="0"/>
+              </a:ext>
+            </a:extLst>
+          </a:blip>
+          <a:stretch>
+            <a:fillRect/>
+          </a:stretch>
+        </p:blipFill>
+        <p:spPr>
+          <a:xfrm>
+            <a:off x="2710036" y="2392650"/>
+            <a:ext cx="6581775" cy="914400"/>
+          </a:xfrm>
+          <a:prstGeom prst="rect">
+            <a:avLst/>
+          </a:prstGeom>
+        </p:spPr>
+      </p:pic>
+      <p:pic>
+        <p:nvPicPr>
+          <p:cNvPr id="22" name="Grafik 21">
+            <a:extLst>
+              <a:ext uri="{FF2B5EF4-FFF2-40B4-BE49-F238E27FC236}">
+                <a16:creationId xmlns:a16="http://schemas.microsoft.com/office/drawing/2014/main" id="{03A9BEC7-933E-4EB3-A5C5-F1869E628477}"/>
+              </a:ext>
+            </a:extLst>
+          </p:cNvPr>
+          <p:cNvPicPr>
+            <a:picLocks noChangeAspect="1"/>
+          </p:cNvPicPr>
+          <p:nvPr/>
+        </p:nvPicPr>
+        <p:blipFill>
+          <a:blip r:embed="rId7">
+            <a:extLst>
+              <a:ext uri="{28A0092B-C50C-407E-A947-70E740481C1C}">
+                <a14:useLocalDpi xmlns:a14="http://schemas.microsoft.com/office/drawing/2010/main" val="0"/>
+              </a:ext>
+            </a:extLst>
+          </a:blip>
+          <a:stretch>
+            <a:fillRect/>
+          </a:stretch>
+        </p:blipFill>
+        <p:spPr>
+          <a:xfrm>
+            <a:off x="570247" y="5245998"/>
+            <a:ext cx="11306175" cy="514350"/>
+          </a:xfrm>
+          <a:prstGeom prst="rect">
+            <a:avLst/>
+          </a:prstGeom>
+        </p:spPr>
+      </p:pic>
     </p:spTree>
     <p:extLst>
       <p:ext uri="{BB962C8B-B14F-4D97-AF65-F5344CB8AC3E}">
-        <p14:creationId xmlns:p14="http://schemas.microsoft.com/office/powerpoint/2010/main" val="2672039197"/>
+        <p14:creationId xmlns:p14="http://schemas.microsoft.com/office/powerpoint/2010/main" val="2555442231"/>
       </p:ext>
     </p:extLst>
   </p:cSld>
@@ -11713,6 +10770,785 @@
       </p:transition>
     </mc:Fallback>
   </mc:AlternateContent>
+  <p:timing>
+    <p:tnLst>
+      <p:par>
+        <p:cTn id="1" dur="indefinite" restart="never" nodeType="tmRoot">
+          <p:childTnLst>
+            <p:seq concurrent="1" nextAc="seek">
+              <p:cTn id="2" dur="indefinite" nodeType="mainSeq">
+                <p:childTnLst>
+                  <p:par>
+                    <p:cTn id="3" fill="hold">
+                      <p:stCondLst>
+                        <p:cond delay="indefinite"/>
+                      </p:stCondLst>
+                      <p:childTnLst>
+                        <p:par>
+                          <p:cTn id="4" fill="hold">
+                            <p:stCondLst>
+                              <p:cond delay="0"/>
+                            </p:stCondLst>
+                            <p:childTnLst>
+                              <p:par>
+                                <p:cTn id="5" presetID="1" presetClass="entr" presetSubtype="0" fill="hold" grpId="0" nodeType="clickEffect">
+                                  <p:stCondLst>
+                                    <p:cond delay="0"/>
+                                  </p:stCondLst>
+                                  <p:childTnLst>
+                                    <p:set>
+                                      <p:cBhvr>
+                                        <p:cTn id="6" dur="1" fill="hold">
+                                          <p:stCondLst>
+                                            <p:cond delay="0"/>
+                                          </p:stCondLst>
+                                        </p:cTn>
+                                        <p:tgtEl>
+                                          <p:spTgt spid="8"/>
+                                        </p:tgtEl>
+                                        <p:attrNameLst>
+                                          <p:attrName>style.visibility</p:attrName>
+                                        </p:attrNameLst>
+                                      </p:cBhvr>
+                                      <p:to>
+                                        <p:strVal val="visible"/>
+                                      </p:to>
+                                    </p:set>
+                                  </p:childTnLst>
+                                </p:cTn>
+                              </p:par>
+                            </p:childTnLst>
+                          </p:cTn>
+                        </p:par>
+                      </p:childTnLst>
+                    </p:cTn>
+                  </p:par>
+                  <p:par>
+                    <p:cTn id="7" fill="hold">
+                      <p:stCondLst>
+                        <p:cond delay="indefinite"/>
+                      </p:stCondLst>
+                      <p:childTnLst>
+                        <p:par>
+                          <p:cTn id="8" fill="hold">
+                            <p:stCondLst>
+                              <p:cond delay="0"/>
+                            </p:stCondLst>
+                            <p:childTnLst>
+                              <p:par>
+                                <p:cTn id="9" presetID="1" presetClass="entr" presetSubtype="0" fill="hold" nodeType="clickEffect">
+                                  <p:stCondLst>
+                                    <p:cond delay="0"/>
+                                  </p:stCondLst>
+                                  <p:childTnLst>
+                                    <p:set>
+                                      <p:cBhvr>
+                                        <p:cTn id="10" dur="1" fill="hold">
+                                          <p:stCondLst>
+                                            <p:cond delay="0"/>
+                                          </p:stCondLst>
+                                        </p:cTn>
+                                        <p:tgtEl>
+                                          <p:spTgt spid="14"/>
+                                        </p:tgtEl>
+                                        <p:attrNameLst>
+                                          <p:attrName>style.visibility</p:attrName>
+                                        </p:attrNameLst>
+                                      </p:cBhvr>
+                                      <p:to>
+                                        <p:strVal val="visible"/>
+                                      </p:to>
+                                    </p:set>
+                                  </p:childTnLst>
+                                </p:cTn>
+                              </p:par>
+                            </p:childTnLst>
+                          </p:cTn>
+                        </p:par>
+                      </p:childTnLst>
+                    </p:cTn>
+                  </p:par>
+                  <p:par>
+                    <p:cTn id="11" fill="hold">
+                      <p:stCondLst>
+                        <p:cond delay="indefinite"/>
+                      </p:stCondLst>
+                      <p:childTnLst>
+                        <p:par>
+                          <p:cTn id="12" fill="hold">
+                            <p:stCondLst>
+                              <p:cond delay="0"/>
+                            </p:stCondLst>
+                            <p:childTnLst>
+                              <p:par>
+                                <p:cTn id="13" presetID="1" presetClass="exit" presetSubtype="0" fill="hold" nodeType="clickEffect">
+                                  <p:stCondLst>
+                                    <p:cond delay="0"/>
+                                  </p:stCondLst>
+                                  <p:childTnLst>
+                                    <p:set>
+                                      <p:cBhvr>
+                                        <p:cTn id="14" dur="1" fill="hold">
+                                          <p:stCondLst>
+                                            <p:cond delay="0"/>
+                                          </p:stCondLst>
+                                        </p:cTn>
+                                        <p:tgtEl>
+                                          <p:spTgt spid="14"/>
+                                        </p:tgtEl>
+                                        <p:attrNameLst>
+                                          <p:attrName>style.visibility</p:attrName>
+                                        </p:attrNameLst>
+                                      </p:cBhvr>
+                                      <p:to>
+                                        <p:strVal val="hidden"/>
+                                      </p:to>
+                                    </p:set>
+                                  </p:childTnLst>
+                                </p:cTn>
+                              </p:par>
+                              <p:par>
+                                <p:cTn id="15" presetID="1" presetClass="exit" presetSubtype="0" fill="hold" grpId="1" nodeType="withEffect">
+                                  <p:stCondLst>
+                                    <p:cond delay="0"/>
+                                  </p:stCondLst>
+                                  <p:childTnLst>
+                                    <p:set>
+                                      <p:cBhvr>
+                                        <p:cTn id="16" dur="1" fill="hold">
+                                          <p:stCondLst>
+                                            <p:cond delay="0"/>
+                                          </p:stCondLst>
+                                        </p:cTn>
+                                        <p:tgtEl>
+                                          <p:spTgt spid="8"/>
+                                        </p:tgtEl>
+                                        <p:attrNameLst>
+                                          <p:attrName>style.visibility</p:attrName>
+                                        </p:attrNameLst>
+                                      </p:cBhvr>
+                                      <p:to>
+                                        <p:strVal val="hidden"/>
+                                      </p:to>
+                                    </p:set>
+                                  </p:childTnLst>
+                                </p:cTn>
+                              </p:par>
+                            </p:childTnLst>
+                          </p:cTn>
+                        </p:par>
+                      </p:childTnLst>
+                    </p:cTn>
+                  </p:par>
+                  <p:par>
+                    <p:cTn id="17" fill="hold">
+                      <p:stCondLst>
+                        <p:cond delay="indefinite"/>
+                      </p:stCondLst>
+                      <p:childTnLst>
+                        <p:par>
+                          <p:cTn id="18" fill="hold">
+                            <p:stCondLst>
+                              <p:cond delay="0"/>
+                            </p:stCondLst>
+                            <p:childTnLst>
+                              <p:par>
+                                <p:cTn id="19" presetID="1" presetClass="entr" presetSubtype="0" fill="hold" grpId="0" nodeType="clickEffect">
+                                  <p:stCondLst>
+                                    <p:cond delay="0"/>
+                                  </p:stCondLst>
+                                  <p:childTnLst>
+                                    <p:set>
+                                      <p:cBhvr>
+                                        <p:cTn id="20" dur="1" fill="hold">
+                                          <p:stCondLst>
+                                            <p:cond delay="0"/>
+                                          </p:stCondLst>
+                                        </p:cTn>
+                                        <p:tgtEl>
+                                          <p:spTgt spid="9"/>
+                                        </p:tgtEl>
+                                        <p:attrNameLst>
+                                          <p:attrName>style.visibility</p:attrName>
+                                        </p:attrNameLst>
+                                      </p:cBhvr>
+                                      <p:to>
+                                        <p:strVal val="visible"/>
+                                      </p:to>
+                                    </p:set>
+                                  </p:childTnLst>
+                                </p:cTn>
+                              </p:par>
+                            </p:childTnLst>
+                          </p:cTn>
+                        </p:par>
+                      </p:childTnLst>
+                    </p:cTn>
+                  </p:par>
+                  <p:par>
+                    <p:cTn id="21" fill="hold">
+                      <p:stCondLst>
+                        <p:cond delay="indefinite"/>
+                      </p:stCondLst>
+                      <p:childTnLst>
+                        <p:par>
+                          <p:cTn id="22" fill="hold">
+                            <p:stCondLst>
+                              <p:cond delay="0"/>
+                            </p:stCondLst>
+                            <p:childTnLst>
+                              <p:par>
+                                <p:cTn id="23" presetID="1" presetClass="entr" presetSubtype="0" fill="hold" nodeType="clickEffect">
+                                  <p:stCondLst>
+                                    <p:cond delay="0"/>
+                                  </p:stCondLst>
+                                  <p:childTnLst>
+                                    <p:set>
+                                      <p:cBhvr>
+                                        <p:cTn id="24" dur="1" fill="hold">
+                                          <p:stCondLst>
+                                            <p:cond delay="0"/>
+                                          </p:stCondLst>
+                                        </p:cTn>
+                                        <p:tgtEl>
+                                          <p:spTgt spid="16"/>
+                                        </p:tgtEl>
+                                        <p:attrNameLst>
+                                          <p:attrName>style.visibility</p:attrName>
+                                        </p:attrNameLst>
+                                      </p:cBhvr>
+                                      <p:to>
+                                        <p:strVal val="visible"/>
+                                      </p:to>
+                                    </p:set>
+                                  </p:childTnLst>
+                                </p:cTn>
+                              </p:par>
+                            </p:childTnLst>
+                          </p:cTn>
+                        </p:par>
+                      </p:childTnLst>
+                    </p:cTn>
+                  </p:par>
+                  <p:par>
+                    <p:cTn id="25" fill="hold">
+                      <p:stCondLst>
+                        <p:cond delay="indefinite"/>
+                      </p:stCondLst>
+                      <p:childTnLst>
+                        <p:par>
+                          <p:cTn id="26" fill="hold">
+                            <p:stCondLst>
+                              <p:cond delay="0"/>
+                            </p:stCondLst>
+                            <p:childTnLst>
+                              <p:par>
+                                <p:cTn id="27" presetID="1" presetClass="exit" presetSubtype="0" fill="hold" nodeType="clickEffect">
+                                  <p:stCondLst>
+                                    <p:cond delay="0"/>
+                                  </p:stCondLst>
+                                  <p:childTnLst>
+                                    <p:set>
+                                      <p:cBhvr>
+                                        <p:cTn id="28" dur="1" fill="hold">
+                                          <p:stCondLst>
+                                            <p:cond delay="0"/>
+                                          </p:stCondLst>
+                                        </p:cTn>
+                                        <p:tgtEl>
+                                          <p:spTgt spid="16"/>
+                                        </p:tgtEl>
+                                        <p:attrNameLst>
+                                          <p:attrName>style.visibility</p:attrName>
+                                        </p:attrNameLst>
+                                      </p:cBhvr>
+                                      <p:to>
+                                        <p:strVal val="hidden"/>
+                                      </p:to>
+                                    </p:set>
+                                  </p:childTnLst>
+                                </p:cTn>
+                              </p:par>
+                              <p:par>
+                                <p:cTn id="29" presetID="1" presetClass="exit" presetSubtype="0" fill="hold" grpId="1" nodeType="withEffect">
+                                  <p:stCondLst>
+                                    <p:cond delay="0"/>
+                                  </p:stCondLst>
+                                  <p:childTnLst>
+                                    <p:set>
+                                      <p:cBhvr>
+                                        <p:cTn id="30" dur="1" fill="hold">
+                                          <p:stCondLst>
+                                            <p:cond delay="0"/>
+                                          </p:stCondLst>
+                                        </p:cTn>
+                                        <p:tgtEl>
+                                          <p:spTgt spid="9"/>
+                                        </p:tgtEl>
+                                        <p:attrNameLst>
+                                          <p:attrName>style.visibility</p:attrName>
+                                        </p:attrNameLst>
+                                      </p:cBhvr>
+                                      <p:to>
+                                        <p:strVal val="hidden"/>
+                                      </p:to>
+                                    </p:set>
+                                  </p:childTnLst>
+                                </p:cTn>
+                              </p:par>
+                            </p:childTnLst>
+                          </p:cTn>
+                        </p:par>
+                      </p:childTnLst>
+                    </p:cTn>
+                  </p:par>
+                  <p:par>
+                    <p:cTn id="31" fill="hold">
+                      <p:stCondLst>
+                        <p:cond delay="indefinite"/>
+                      </p:stCondLst>
+                      <p:childTnLst>
+                        <p:par>
+                          <p:cTn id="32" fill="hold">
+                            <p:stCondLst>
+                              <p:cond delay="0"/>
+                            </p:stCondLst>
+                            <p:childTnLst>
+                              <p:par>
+                                <p:cTn id="33" presetID="1" presetClass="entr" presetSubtype="0" fill="hold" grpId="0" nodeType="clickEffect">
+                                  <p:stCondLst>
+                                    <p:cond delay="0"/>
+                                  </p:stCondLst>
+                                  <p:childTnLst>
+                                    <p:set>
+                                      <p:cBhvr>
+                                        <p:cTn id="34" dur="1" fill="hold">
+                                          <p:stCondLst>
+                                            <p:cond delay="0"/>
+                                          </p:stCondLst>
+                                        </p:cTn>
+                                        <p:tgtEl>
+                                          <p:spTgt spid="10"/>
+                                        </p:tgtEl>
+                                        <p:attrNameLst>
+                                          <p:attrName>style.visibility</p:attrName>
+                                        </p:attrNameLst>
+                                      </p:cBhvr>
+                                      <p:to>
+                                        <p:strVal val="visible"/>
+                                      </p:to>
+                                    </p:set>
+                                  </p:childTnLst>
+                                </p:cTn>
+                              </p:par>
+                            </p:childTnLst>
+                          </p:cTn>
+                        </p:par>
+                      </p:childTnLst>
+                    </p:cTn>
+                  </p:par>
+                  <p:par>
+                    <p:cTn id="35" fill="hold">
+                      <p:stCondLst>
+                        <p:cond delay="indefinite"/>
+                      </p:stCondLst>
+                      <p:childTnLst>
+                        <p:par>
+                          <p:cTn id="36" fill="hold">
+                            <p:stCondLst>
+                              <p:cond delay="0"/>
+                            </p:stCondLst>
+                            <p:childTnLst>
+                              <p:par>
+                                <p:cTn id="37" presetID="1" presetClass="entr" presetSubtype="0" fill="hold" nodeType="clickEffect">
+                                  <p:stCondLst>
+                                    <p:cond delay="0"/>
+                                  </p:stCondLst>
+                                  <p:childTnLst>
+                                    <p:set>
+                                      <p:cBhvr>
+                                        <p:cTn id="38" dur="1" fill="hold">
+                                          <p:stCondLst>
+                                            <p:cond delay="0"/>
+                                          </p:stCondLst>
+                                        </p:cTn>
+                                        <p:tgtEl>
+                                          <p:spTgt spid="18"/>
+                                        </p:tgtEl>
+                                        <p:attrNameLst>
+                                          <p:attrName>style.visibility</p:attrName>
+                                        </p:attrNameLst>
+                                      </p:cBhvr>
+                                      <p:to>
+                                        <p:strVal val="visible"/>
+                                      </p:to>
+                                    </p:set>
+                                  </p:childTnLst>
+                                </p:cTn>
+                              </p:par>
+                            </p:childTnLst>
+                          </p:cTn>
+                        </p:par>
+                      </p:childTnLst>
+                    </p:cTn>
+                  </p:par>
+                  <p:par>
+                    <p:cTn id="39" fill="hold">
+                      <p:stCondLst>
+                        <p:cond delay="indefinite"/>
+                      </p:stCondLst>
+                      <p:childTnLst>
+                        <p:par>
+                          <p:cTn id="40" fill="hold">
+                            <p:stCondLst>
+                              <p:cond delay="0"/>
+                            </p:stCondLst>
+                            <p:childTnLst>
+                              <p:par>
+                                <p:cTn id="41" presetID="1" presetClass="exit" presetSubtype="0" fill="hold" nodeType="clickEffect">
+                                  <p:stCondLst>
+                                    <p:cond delay="0"/>
+                                  </p:stCondLst>
+                                  <p:childTnLst>
+                                    <p:set>
+                                      <p:cBhvr>
+                                        <p:cTn id="42" dur="1" fill="hold">
+                                          <p:stCondLst>
+                                            <p:cond delay="0"/>
+                                          </p:stCondLst>
+                                        </p:cTn>
+                                        <p:tgtEl>
+                                          <p:spTgt spid="18"/>
+                                        </p:tgtEl>
+                                        <p:attrNameLst>
+                                          <p:attrName>style.visibility</p:attrName>
+                                        </p:attrNameLst>
+                                      </p:cBhvr>
+                                      <p:to>
+                                        <p:strVal val="hidden"/>
+                                      </p:to>
+                                    </p:set>
+                                  </p:childTnLst>
+                                </p:cTn>
+                              </p:par>
+                              <p:par>
+                                <p:cTn id="43" presetID="1" presetClass="exit" presetSubtype="0" fill="hold" grpId="1" nodeType="withEffect">
+                                  <p:stCondLst>
+                                    <p:cond delay="0"/>
+                                  </p:stCondLst>
+                                  <p:childTnLst>
+                                    <p:set>
+                                      <p:cBhvr>
+                                        <p:cTn id="44" dur="1" fill="hold">
+                                          <p:stCondLst>
+                                            <p:cond delay="0"/>
+                                          </p:stCondLst>
+                                        </p:cTn>
+                                        <p:tgtEl>
+                                          <p:spTgt spid="10"/>
+                                        </p:tgtEl>
+                                        <p:attrNameLst>
+                                          <p:attrName>style.visibility</p:attrName>
+                                        </p:attrNameLst>
+                                      </p:cBhvr>
+                                      <p:to>
+                                        <p:strVal val="hidden"/>
+                                      </p:to>
+                                    </p:set>
+                                  </p:childTnLst>
+                                </p:cTn>
+                              </p:par>
+                            </p:childTnLst>
+                          </p:cTn>
+                        </p:par>
+                      </p:childTnLst>
+                    </p:cTn>
+                  </p:par>
+                  <p:par>
+                    <p:cTn id="45" fill="hold">
+                      <p:stCondLst>
+                        <p:cond delay="indefinite"/>
+                      </p:stCondLst>
+                      <p:childTnLst>
+                        <p:par>
+                          <p:cTn id="46" fill="hold">
+                            <p:stCondLst>
+                              <p:cond delay="0"/>
+                            </p:stCondLst>
+                            <p:childTnLst>
+                              <p:par>
+                                <p:cTn id="47" presetID="1" presetClass="entr" presetSubtype="0" fill="hold" grpId="0" nodeType="clickEffect">
+                                  <p:stCondLst>
+                                    <p:cond delay="0"/>
+                                  </p:stCondLst>
+                                  <p:childTnLst>
+                                    <p:set>
+                                      <p:cBhvr>
+                                        <p:cTn id="48" dur="1" fill="hold">
+                                          <p:stCondLst>
+                                            <p:cond delay="0"/>
+                                          </p:stCondLst>
+                                        </p:cTn>
+                                        <p:tgtEl>
+                                          <p:spTgt spid="11"/>
+                                        </p:tgtEl>
+                                        <p:attrNameLst>
+                                          <p:attrName>style.visibility</p:attrName>
+                                        </p:attrNameLst>
+                                      </p:cBhvr>
+                                      <p:to>
+                                        <p:strVal val="visible"/>
+                                      </p:to>
+                                    </p:set>
+                                  </p:childTnLst>
+                                </p:cTn>
+                              </p:par>
+                            </p:childTnLst>
+                          </p:cTn>
+                        </p:par>
+                      </p:childTnLst>
+                    </p:cTn>
+                  </p:par>
+                  <p:par>
+                    <p:cTn id="49" fill="hold">
+                      <p:stCondLst>
+                        <p:cond delay="indefinite"/>
+                      </p:stCondLst>
+                      <p:childTnLst>
+                        <p:par>
+                          <p:cTn id="50" fill="hold">
+                            <p:stCondLst>
+                              <p:cond delay="0"/>
+                            </p:stCondLst>
+                            <p:childTnLst>
+                              <p:par>
+                                <p:cTn id="51" presetID="1" presetClass="entr" presetSubtype="0" fill="hold" nodeType="clickEffect">
+                                  <p:stCondLst>
+                                    <p:cond delay="0"/>
+                                  </p:stCondLst>
+                                  <p:childTnLst>
+                                    <p:set>
+                                      <p:cBhvr>
+                                        <p:cTn id="52" dur="1" fill="hold">
+                                          <p:stCondLst>
+                                            <p:cond delay="0"/>
+                                          </p:stCondLst>
+                                        </p:cTn>
+                                        <p:tgtEl>
+                                          <p:spTgt spid="20"/>
+                                        </p:tgtEl>
+                                        <p:attrNameLst>
+                                          <p:attrName>style.visibility</p:attrName>
+                                        </p:attrNameLst>
+                                      </p:cBhvr>
+                                      <p:to>
+                                        <p:strVal val="visible"/>
+                                      </p:to>
+                                    </p:set>
+                                  </p:childTnLst>
+                                </p:cTn>
+                              </p:par>
+                            </p:childTnLst>
+                          </p:cTn>
+                        </p:par>
+                      </p:childTnLst>
+                    </p:cTn>
+                  </p:par>
+                  <p:par>
+                    <p:cTn id="53" fill="hold">
+                      <p:stCondLst>
+                        <p:cond delay="indefinite"/>
+                      </p:stCondLst>
+                      <p:childTnLst>
+                        <p:par>
+                          <p:cTn id="54" fill="hold">
+                            <p:stCondLst>
+                              <p:cond delay="0"/>
+                            </p:stCondLst>
+                            <p:childTnLst>
+                              <p:par>
+                                <p:cTn id="55" presetID="1" presetClass="exit" presetSubtype="0" fill="hold" nodeType="clickEffect">
+                                  <p:stCondLst>
+                                    <p:cond delay="0"/>
+                                  </p:stCondLst>
+                                  <p:childTnLst>
+                                    <p:set>
+                                      <p:cBhvr>
+                                        <p:cTn id="56" dur="1" fill="hold">
+                                          <p:stCondLst>
+                                            <p:cond delay="0"/>
+                                          </p:stCondLst>
+                                        </p:cTn>
+                                        <p:tgtEl>
+                                          <p:spTgt spid="20"/>
+                                        </p:tgtEl>
+                                        <p:attrNameLst>
+                                          <p:attrName>style.visibility</p:attrName>
+                                        </p:attrNameLst>
+                                      </p:cBhvr>
+                                      <p:to>
+                                        <p:strVal val="hidden"/>
+                                      </p:to>
+                                    </p:set>
+                                  </p:childTnLst>
+                                </p:cTn>
+                              </p:par>
+                              <p:par>
+                                <p:cTn id="57" presetID="1" presetClass="exit" presetSubtype="0" fill="hold" grpId="1" nodeType="withEffect">
+                                  <p:stCondLst>
+                                    <p:cond delay="0"/>
+                                  </p:stCondLst>
+                                  <p:childTnLst>
+                                    <p:set>
+                                      <p:cBhvr>
+                                        <p:cTn id="58" dur="1" fill="hold">
+                                          <p:stCondLst>
+                                            <p:cond delay="0"/>
+                                          </p:stCondLst>
+                                        </p:cTn>
+                                        <p:tgtEl>
+                                          <p:spTgt spid="11"/>
+                                        </p:tgtEl>
+                                        <p:attrNameLst>
+                                          <p:attrName>style.visibility</p:attrName>
+                                        </p:attrNameLst>
+                                      </p:cBhvr>
+                                      <p:to>
+                                        <p:strVal val="hidden"/>
+                                      </p:to>
+                                    </p:set>
+                                  </p:childTnLst>
+                                </p:cTn>
+                              </p:par>
+                            </p:childTnLst>
+                          </p:cTn>
+                        </p:par>
+                      </p:childTnLst>
+                    </p:cTn>
+                  </p:par>
+                  <p:par>
+                    <p:cTn id="59" fill="hold">
+                      <p:stCondLst>
+                        <p:cond delay="indefinite"/>
+                      </p:stCondLst>
+                      <p:childTnLst>
+                        <p:par>
+                          <p:cTn id="60" fill="hold">
+                            <p:stCondLst>
+                              <p:cond delay="0"/>
+                            </p:stCondLst>
+                            <p:childTnLst>
+                              <p:par>
+                                <p:cTn id="61" presetID="1" presetClass="entr" presetSubtype="0" fill="hold" grpId="0" nodeType="clickEffect">
+                                  <p:stCondLst>
+                                    <p:cond delay="0"/>
+                                  </p:stCondLst>
+                                  <p:childTnLst>
+                                    <p:set>
+                                      <p:cBhvr>
+                                        <p:cTn id="62" dur="1" fill="hold">
+                                          <p:stCondLst>
+                                            <p:cond delay="0"/>
+                                          </p:stCondLst>
+                                        </p:cTn>
+                                        <p:tgtEl>
+                                          <p:spTgt spid="12"/>
+                                        </p:tgtEl>
+                                        <p:attrNameLst>
+                                          <p:attrName>style.visibility</p:attrName>
+                                        </p:attrNameLst>
+                                      </p:cBhvr>
+                                      <p:to>
+                                        <p:strVal val="visible"/>
+                                      </p:to>
+                                    </p:set>
+                                  </p:childTnLst>
+                                </p:cTn>
+                              </p:par>
+                            </p:childTnLst>
+                          </p:cTn>
+                        </p:par>
+                      </p:childTnLst>
+                    </p:cTn>
+                  </p:par>
+                  <p:par>
+                    <p:cTn id="63" fill="hold">
+                      <p:stCondLst>
+                        <p:cond delay="indefinite"/>
+                      </p:stCondLst>
+                      <p:childTnLst>
+                        <p:par>
+                          <p:cTn id="64" fill="hold">
+                            <p:stCondLst>
+                              <p:cond delay="0"/>
+                            </p:stCondLst>
+                            <p:childTnLst>
+                              <p:par>
+                                <p:cTn id="65" presetID="1" presetClass="entr" presetSubtype="0" fill="hold" nodeType="clickEffect">
+                                  <p:stCondLst>
+                                    <p:cond delay="0"/>
+                                  </p:stCondLst>
+                                  <p:childTnLst>
+                                    <p:set>
+                                      <p:cBhvr>
+                                        <p:cTn id="66" dur="1" fill="hold">
+                                          <p:stCondLst>
+                                            <p:cond delay="0"/>
+                                          </p:stCondLst>
+                                        </p:cTn>
+                                        <p:tgtEl>
+                                          <p:spTgt spid="22"/>
+                                        </p:tgtEl>
+                                        <p:attrNameLst>
+                                          <p:attrName>style.visibility</p:attrName>
+                                        </p:attrNameLst>
+                                      </p:cBhvr>
+                                      <p:to>
+                                        <p:strVal val="visible"/>
+                                      </p:to>
+                                    </p:set>
+                                  </p:childTnLst>
+                                </p:cTn>
+                              </p:par>
+                            </p:childTnLst>
+                          </p:cTn>
+                        </p:par>
+                      </p:childTnLst>
+                    </p:cTn>
+                  </p:par>
+                </p:childTnLst>
+              </p:cTn>
+              <p:prevCondLst>
+                <p:cond evt="onPrev" delay="0">
+                  <p:tgtEl>
+                    <p:sldTgt/>
+                  </p:tgtEl>
+                </p:cond>
+              </p:prevCondLst>
+              <p:nextCondLst>
+                <p:cond evt="onNext" delay="0">
+                  <p:tgtEl>
+                    <p:sldTgt/>
+                  </p:tgtEl>
+                </p:cond>
+              </p:nextCondLst>
+            </p:seq>
+          </p:childTnLst>
+        </p:cTn>
+      </p:par>
+    </p:tnLst>
+    <p:bldLst>
+      <p:bldP spid="8" grpId="0" animBg="1"/>
+      <p:bldP spid="8" grpId="1" animBg="1"/>
+      <p:bldP spid="9" grpId="0" animBg="1"/>
+      <p:bldP spid="9" grpId="1" animBg="1"/>
+      <p:bldP spid="10" grpId="0" animBg="1"/>
+      <p:bldP spid="10" grpId="1" animBg="1"/>
+      <p:bldP spid="11" grpId="0" animBg="1"/>
+      <p:bldP spid="11" grpId="1" animBg="1"/>
+      <p:bldP spid="12" grpId="0" animBg="1"/>
+    </p:bldLst>
+  </p:timing>
 </p:sld>
 </file>
 
@@ -11735,7 +11571,7 @@
       </p:grpSpPr>
       <p:sp>
         <p:nvSpPr>
-          <p:cNvPr id="3" name="Titel 2"/>
+          <p:cNvPr id="4" name="Titel 3"/>
           <p:cNvSpPr>
             <a:spLocks noGrp="1"/>
           </p:cNvSpPr>
@@ -11743,23 +11579,113 @@
             <p:ph type="title"/>
           </p:nvPr>
         </p:nvSpPr>
-        <p:spPr/>
+        <p:spPr>
+          <a:xfrm>
+            <a:off x="1224000" y="270000"/>
+            <a:ext cx="10360501" cy="634083"/>
+          </a:xfrm>
+        </p:spPr>
         <p:txBody>
           <a:bodyPr rtlCol="0"/>
           <a:lstStyle/>
           <a:p>
+            <a:pPr algn="ctr" rtl="0"/>
+            <a:r>
+              <a:rPr lang="de-DE" dirty="0"/>
+              <a:t>Umsetzung - Server</a:t>
+            </a:r>
+          </a:p>
+        </p:txBody>
+      </p:sp>
+      <p:sp>
+        <p:nvSpPr>
+          <p:cNvPr id="6" name="Inhaltsplatzhalter 5">
+            <a:extLst>
+              <a:ext uri="{FF2B5EF4-FFF2-40B4-BE49-F238E27FC236}">
+                <a16:creationId xmlns:a16="http://schemas.microsoft.com/office/drawing/2014/main" id="{2331A4E7-78F8-441A-9EE9-FB1343682B8C}"/>
+              </a:ext>
+            </a:extLst>
+          </p:cNvPr>
+          <p:cNvSpPr>
+            <a:spLocks noGrp="1"/>
+          </p:cNvSpPr>
+          <p:nvPr>
+            <p:ph idx="1"/>
+          </p:nvPr>
+        </p:nvSpPr>
+        <p:spPr/>
+        <p:txBody>
+          <a:bodyPr/>
+          <a:lstStyle/>
+          <a:p>
+            <a:endParaRPr lang="de-DE"/>
+          </a:p>
+        </p:txBody>
+      </p:sp>
+      <p:sp>
+        <p:nvSpPr>
+          <p:cNvPr id="2" name="Fußzeilenplatzhalter 1">
+            <a:extLst>
+              <a:ext uri="{FF2B5EF4-FFF2-40B4-BE49-F238E27FC236}">
+                <a16:creationId xmlns:a16="http://schemas.microsoft.com/office/drawing/2014/main" id="{366F0BE8-B140-4101-8D7F-49063527154F}"/>
+              </a:ext>
+            </a:extLst>
+          </p:cNvPr>
+          <p:cNvSpPr>
+            <a:spLocks noGrp="1"/>
+          </p:cNvSpPr>
+          <p:nvPr>
+            <p:ph type="ftr" sz="quarter" idx="11"/>
+          </p:nvPr>
+        </p:nvSpPr>
+        <p:spPr/>
+        <p:txBody>
+          <a:bodyPr/>
+          <a:lstStyle/>
+          <a:p>
             <a:pPr rtl="0"/>
             <a:r>
-              <a:rPr lang="de-DE" dirty="0"/>
-              <a:t>Folientitel hinzufügen – 3</a:t>
+              <a:rPr lang="de-DE"/>
+              <a:t>Jan-Philipp Töberg / Projektarbeit SS18</a:t>
             </a:r>
+            <a:endParaRPr lang="de-DE" dirty="0"/>
+          </a:p>
+        </p:txBody>
+      </p:sp>
+      <p:sp>
+        <p:nvSpPr>
+          <p:cNvPr id="3" name="Foliennummernplatzhalter 2">
+            <a:extLst>
+              <a:ext uri="{FF2B5EF4-FFF2-40B4-BE49-F238E27FC236}">
+                <a16:creationId xmlns:a16="http://schemas.microsoft.com/office/drawing/2014/main" id="{E1496EE6-9889-4F3B-B37C-7370A6BFE472}"/>
+              </a:ext>
+            </a:extLst>
+          </p:cNvPr>
+          <p:cNvSpPr>
+            <a:spLocks noGrp="1"/>
+          </p:cNvSpPr>
+          <p:nvPr>
+            <p:ph type="sldNum" sz="quarter" idx="12"/>
+          </p:nvPr>
+        </p:nvSpPr>
+        <p:spPr/>
+        <p:txBody>
+          <a:bodyPr/>
+          <a:lstStyle/>
+          <a:p>
+            <a:pPr rtl="0"/>
+            <a:fld id="{C014DD1E-5D91-48A3-AD6D-45FBA980D106}" type="slidenum">
+              <a:rPr lang="de-DE" smtClean="0"/>
+              <a:t>8</a:t>
+            </a:fld>
+            <a:endParaRPr lang="de-DE" dirty="0"/>
           </a:p>
         </p:txBody>
       </p:sp>
     </p:spTree>
     <p:extLst>
       <p:ext uri="{BB962C8B-B14F-4D97-AF65-F5344CB8AC3E}">
-        <p14:creationId xmlns:p14="http://schemas.microsoft.com/office/powerpoint/2010/main" val="397710800"/>
+        <p14:creationId xmlns:p14="http://schemas.microsoft.com/office/powerpoint/2010/main" val="2900288021"/>
       </p:ext>
     </p:extLst>
   </p:cSld>
@@ -11798,10 +11724,129 @@
           <a:chExt cx="0" cy="0"/>
         </a:xfrm>
       </p:grpSpPr>
+      <p:sp>
+        <p:nvSpPr>
+          <p:cNvPr id="2" name="Titel 1">
+            <a:extLst>
+              <a:ext uri="{FF2B5EF4-FFF2-40B4-BE49-F238E27FC236}">
+                <a16:creationId xmlns:a16="http://schemas.microsoft.com/office/drawing/2014/main" id="{76F6CAED-B24C-4FB2-8C6B-43BD39D24D8A}"/>
+              </a:ext>
+            </a:extLst>
+          </p:cNvPr>
+          <p:cNvSpPr>
+            <a:spLocks noGrp="1"/>
+          </p:cNvSpPr>
+          <p:nvPr>
+            <p:ph type="title"/>
+          </p:nvPr>
+        </p:nvSpPr>
+        <p:spPr>
+          <a:xfrm>
+            <a:off x="1224000" y="270000"/>
+            <a:ext cx="10360501" cy="634083"/>
+          </a:xfrm>
+        </p:spPr>
+        <p:txBody>
+          <a:bodyPr/>
+          <a:lstStyle/>
+          <a:p>
+            <a:pPr algn="ctr"/>
+            <a:r>
+              <a:rPr lang="de-DE" dirty="0"/>
+              <a:t>Soll- / Ist-Vergleich</a:t>
+            </a:r>
+          </a:p>
+        </p:txBody>
+      </p:sp>
+      <p:sp>
+        <p:nvSpPr>
+          <p:cNvPr id="3" name="Inhaltsplatzhalter 2">
+            <a:extLst>
+              <a:ext uri="{FF2B5EF4-FFF2-40B4-BE49-F238E27FC236}">
+                <a16:creationId xmlns:a16="http://schemas.microsoft.com/office/drawing/2014/main" id="{5E661634-5C1D-4A21-BE31-8D16AA9BC239}"/>
+              </a:ext>
+            </a:extLst>
+          </p:cNvPr>
+          <p:cNvSpPr>
+            <a:spLocks noGrp="1"/>
+          </p:cNvSpPr>
+          <p:nvPr>
+            <p:ph idx="1"/>
+          </p:nvPr>
+        </p:nvSpPr>
+        <p:spPr/>
+        <p:txBody>
+          <a:bodyPr/>
+          <a:lstStyle/>
+          <a:p>
+            <a:endParaRPr lang="de-DE"/>
+          </a:p>
+        </p:txBody>
+      </p:sp>
+      <p:sp>
+        <p:nvSpPr>
+          <p:cNvPr id="4" name="Fußzeilenplatzhalter 3">
+            <a:extLst>
+              <a:ext uri="{FF2B5EF4-FFF2-40B4-BE49-F238E27FC236}">
+                <a16:creationId xmlns:a16="http://schemas.microsoft.com/office/drawing/2014/main" id="{7A1F34D4-EF17-4039-8FAD-3769BAC32755}"/>
+              </a:ext>
+            </a:extLst>
+          </p:cNvPr>
+          <p:cNvSpPr>
+            <a:spLocks noGrp="1"/>
+          </p:cNvSpPr>
+          <p:nvPr>
+            <p:ph type="ftr" sz="quarter" idx="11"/>
+          </p:nvPr>
+        </p:nvSpPr>
+        <p:spPr/>
+        <p:txBody>
+          <a:bodyPr/>
+          <a:lstStyle/>
+          <a:p>
+            <a:pPr rtl="0"/>
+            <a:r>
+              <a:rPr lang="de-DE"/>
+              <a:t>Jan-Philipp Töberg / Projektarbeit SS18</a:t>
+            </a:r>
+            <a:endParaRPr lang="de-DE" dirty="0"/>
+          </a:p>
+        </p:txBody>
+      </p:sp>
+      <p:sp>
+        <p:nvSpPr>
+          <p:cNvPr id="5" name="Foliennummernplatzhalter 4">
+            <a:extLst>
+              <a:ext uri="{FF2B5EF4-FFF2-40B4-BE49-F238E27FC236}">
+                <a16:creationId xmlns:a16="http://schemas.microsoft.com/office/drawing/2014/main" id="{7C591164-CB07-49AB-A392-0AE57F241033}"/>
+              </a:ext>
+            </a:extLst>
+          </p:cNvPr>
+          <p:cNvSpPr>
+            <a:spLocks noGrp="1"/>
+          </p:cNvSpPr>
+          <p:nvPr>
+            <p:ph type="sldNum" sz="quarter" idx="12"/>
+          </p:nvPr>
+        </p:nvSpPr>
+        <p:spPr/>
+        <p:txBody>
+          <a:bodyPr/>
+          <a:lstStyle/>
+          <a:p>
+            <a:pPr rtl="0"/>
+            <a:fld id="{C014DD1E-5D91-48A3-AD6D-45FBA980D106}" type="slidenum">
+              <a:rPr lang="de-DE" smtClean="0"/>
+              <a:t>9</a:t>
+            </a:fld>
+            <a:endParaRPr lang="de-DE" dirty="0"/>
+          </a:p>
+        </p:txBody>
+      </p:sp>
     </p:spTree>
     <p:extLst>
       <p:ext uri="{BB962C8B-B14F-4D97-AF65-F5344CB8AC3E}">
-        <p14:creationId xmlns:p14="http://schemas.microsoft.com/office/powerpoint/2010/main" val="1405850135"/>
+        <p14:creationId xmlns:p14="http://schemas.microsoft.com/office/powerpoint/2010/main" val="1910293589"/>
       </p:ext>
     </p:extLst>
   </p:cSld>
@@ -13970,14 +14015,14 @@
 <ds:datastoreItem xmlns:ds="http://schemas.openxmlformats.org/officeDocument/2006/customXml" ds:itemID="{60C67BEE-D13F-4BD2-98A5-34D8A0977F68}">
   <ds:schemaRefs>
     <ds:schemaRef ds:uri="4873beb7-5857-4685-be1f-d57550cc96cc"/>
+    <ds:schemaRef ds:uri="http://schemas.microsoft.com/office/2006/documentManagement/types"/>
     <ds:schemaRef ds:uri="http://purl.org/dc/terms/"/>
-    <ds:schemaRef ds:uri="http://schemas.openxmlformats.org/package/2006/metadata/core-properties"/>
-    <ds:schemaRef ds:uri="http://schemas.microsoft.com/office/2006/documentManagement/types"/>
     <ds:schemaRef ds:uri="http://schemas.microsoft.com/office/infopath/2007/PartnerControls"/>
+    <ds:schemaRef ds:uri="http://purl.org/dc/dcmitype/"/>
     <ds:schemaRef ds:uri="http://purl.org/dc/elements/1.1/"/>
     <ds:schemaRef ds:uri="http://schemas.microsoft.com/office/2006/metadata/properties"/>
+    <ds:schemaRef ds:uri="http://schemas.openxmlformats.org/package/2006/metadata/core-properties"/>
     <ds:schemaRef ds:uri="http://www.w3.org/XML/1998/namespace"/>
-    <ds:schemaRef ds:uri="http://purl.org/dc/dcmitype/"/>
   </ds:schemaRefs>
 </ds:datastoreItem>
 </file>

--- a/Dokumentation/Kolloquium Janfi.pptx
+++ b/Dokumentation/Kolloquium Janfi.pptx
@@ -5,29 +5,28 @@
     <p:sldMasterId id="2147483660" r:id="rId4"/>
   </p:sldMasterIdLst>
   <p:notesMasterIdLst>
-    <p:notesMasterId r:id="rId22"/>
+    <p:notesMasterId r:id="rId21"/>
   </p:notesMasterIdLst>
   <p:handoutMasterIdLst>
-    <p:handoutMasterId r:id="rId23"/>
+    <p:handoutMasterId r:id="rId22"/>
   </p:handoutMasterIdLst>
   <p:sldIdLst>
     <p:sldId id="257" r:id="rId5"/>
     <p:sldId id="268" r:id="rId6"/>
     <p:sldId id="267" r:id="rId7"/>
     <p:sldId id="274" r:id="rId8"/>
-    <p:sldId id="269" r:id="rId9"/>
-    <p:sldId id="280" r:id="rId10"/>
-    <p:sldId id="275" r:id="rId11"/>
-    <p:sldId id="270" r:id="rId12"/>
-    <p:sldId id="276" r:id="rId13"/>
-    <p:sldId id="259" r:id="rId14"/>
-    <p:sldId id="272" r:id="rId15"/>
-    <p:sldId id="281" r:id="rId16"/>
-    <p:sldId id="273" r:id="rId17"/>
-    <p:sldId id="277" r:id="rId18"/>
+    <p:sldId id="280" r:id="rId9"/>
+    <p:sldId id="275" r:id="rId10"/>
+    <p:sldId id="270" r:id="rId11"/>
+    <p:sldId id="276" r:id="rId12"/>
+    <p:sldId id="259" r:id="rId13"/>
+    <p:sldId id="272" r:id="rId14"/>
+    <p:sldId id="281" r:id="rId15"/>
+    <p:sldId id="273" r:id="rId16"/>
+    <p:sldId id="277" r:id="rId17"/>
+    <p:sldId id="282" r:id="rId18"/>
     <p:sldId id="271" r:id="rId19"/>
-    <p:sldId id="279" r:id="rId20"/>
-    <p:sldId id="265" r:id="rId21"/>
+    <p:sldId id="265" r:id="rId20"/>
   </p:sldIdLst>
   <p:sldSz cx="12188825" cy="6858000"/>
   <p:notesSz cx="6858000" cy="9144000"/>
@@ -4441,7 +4440,7 @@
         <a:p>
           <a:r>
             <a:rPr lang="de-DE" dirty="0"/>
-            <a:t>Analysephase</a:t>
+            <a:t>Anforderungen</a:t>
           </a:r>
         </a:p>
       </dgm:t>
@@ -4856,7 +4855,7 @@
         <a:p>
           <a:r>
             <a:rPr lang="de-DE" dirty="0"/>
-            <a:t>Analysephase</a:t>
+            <a:t>Anforderungen</a:t>
           </a:r>
         </a:p>
       </dgm:t>
@@ -5268,10 +5267,9 @@
         <a:lstStyle/>
         <a:p>
           <a:r>
-            <a:rPr lang="de-DE"/>
-            <a:t>Analysephase</a:t>
+            <a:rPr lang="de-DE" dirty="0"/>
+            <a:t>Anforderungen</a:t>
           </a:r>
-          <a:endParaRPr lang="de-DE" dirty="0"/>
         </a:p>
       </dgm:t>
     </dgm:pt>
@@ -5689,7 +5687,7 @@
         <a:p>
           <a:r>
             <a:rPr lang="de-DE" dirty="0"/>
-            <a:t>Analysephase</a:t>
+            <a:t>Anforderungen</a:t>
           </a:r>
         </a:p>
       </dgm:t>
@@ -6112,7 +6110,7 @@
         <a:p>
           <a:r>
             <a:rPr lang="de-DE" dirty="0"/>
-            <a:t>Analysephase</a:t>
+            <a:t>Anforderungen</a:t>
           </a:r>
         </a:p>
       </dgm:t>
@@ -6681,7 +6679,7 @@
           </a:pPr>
           <a:r>
             <a:rPr lang="de-DE" sz="3300" kern="1200" dirty="0"/>
-            <a:t>Analysephase</a:t>
+            <a:t>Anforderungen</a:t>
           </a:r>
         </a:p>
       </dsp:txBody>
@@ -7330,7 +7328,7 @@
           </a:pPr>
           <a:r>
             <a:rPr lang="de-DE" sz="3300" kern="1200" dirty="0"/>
-            <a:t>Analysephase</a:t>
+            <a:t>Anforderungen</a:t>
           </a:r>
         </a:p>
       </dsp:txBody>
@@ -7976,10 +7974,9 @@
             <a:buNone/>
           </a:pPr>
           <a:r>
-            <a:rPr lang="de-DE" sz="3300" kern="1200"/>
-            <a:t>Analysephase</a:t>
+            <a:rPr lang="de-DE" sz="3300" kern="1200" dirty="0"/>
+            <a:t>Anforderungen</a:t>
           </a:r>
-          <a:endParaRPr lang="de-DE" sz="3300" kern="1200" dirty="0"/>
         </a:p>
       </dsp:txBody>
       <dsp:txXfrm rot="10800000">
@@ -8622,7 +8619,7 @@
           </a:pPr>
           <a:r>
             <a:rPr lang="de-DE" sz="3300" kern="1200" dirty="0"/>
-            <a:t>Analysephase</a:t>
+            <a:t>Anforderungen</a:t>
           </a:r>
         </a:p>
       </dsp:txBody>
@@ -9261,7 +9258,7 @@
           </a:pPr>
           <a:r>
             <a:rPr lang="de-DE" sz="3300" kern="1200" dirty="0"/>
-            <a:t>Analysephase</a:t>
+            <a:t>Anforderungen</a:t>
           </a:r>
         </a:p>
       </dsp:txBody>
@@ -15769,7 +15766,7 @@
             <a:pPr algn="r" rtl="0"/>
             <a:fld id="{EA8C5A89-D750-4C9C-AD82-BD87E1631370}" type="datetime1">
               <a:rPr lang="de-DE" smtClean="0"/>
-              <a:t>03.07.2018</a:t>
+              <a:t>04.07.2018</a:t>
             </a:fld>
             <a:endParaRPr lang="de-DE" dirty="0"/>
           </a:p>
@@ -15939,7 +15936,7 @@
             <a:fld id="{729E0972-DB1D-4D71-93B8-56ECB99C47FF}" type="datetime1">
               <a:rPr lang="de-DE" smtClean="0"/>
               <a:pPr/>
-              <a:t>03.07.2018</a:t>
+              <a:t>04.07.2018</a:t>
             </a:fld>
             <a:endParaRPr lang="de-DE" dirty="0"/>
           </a:p>
@@ -16363,7 +16360,7 @@
             <a:fld id="{3EBA5BD7-F043-4D1B-AA17-CD412FC534DE}" type="slidenum">
               <a:rPr lang="de-DE" smtClean="0"/>
               <a:pPr/>
-              <a:t>11</a:t>
+              <a:t>10</a:t>
             </a:fld>
             <a:endParaRPr lang="de-DE" dirty="0"/>
           </a:p>
@@ -16465,28 +16462,6 @@
             </a:r>
           </a:p>
           <a:p>
-            <a:pPr lvl="1"/>
-            <a:endParaRPr lang="de-DE" dirty="0"/>
-          </a:p>
-          <a:p>
-            <a:r>
-              <a:rPr lang="de-DE" dirty="0"/>
-              <a:t>Request-Header:</a:t>
-            </a:r>
-          </a:p>
-          <a:p>
-            <a:r>
-              <a:rPr lang="de-DE" dirty="0"/>
-              <a:t>	Gibt Header der Anfrage an</a:t>
-            </a:r>
-          </a:p>
-          <a:p>
-            <a:r>
-              <a:rPr lang="de-DE" dirty="0"/>
-              <a:t>	…</a:t>
-            </a:r>
-          </a:p>
-          <a:p>
             <a:endParaRPr lang="de-DE" dirty="0"/>
           </a:p>
           <a:p>
@@ -16515,7 +16490,7 @@
             <a:fld id="{3EBA5BD7-F043-4D1B-AA17-CD412FC534DE}" type="slidenum">
               <a:rPr lang="de-DE" smtClean="0"/>
               <a:pPr/>
-              <a:t>12</a:t>
+              <a:t>11</a:t>
             </a:fld>
             <a:endParaRPr lang="de-DE" dirty="0"/>
           </a:p>
@@ -16603,7 +16578,7 @@
             <a:fld id="{3EBA5BD7-F043-4D1B-AA17-CD412FC534DE}" type="slidenum">
               <a:rPr lang="de-DE" smtClean="0"/>
               <a:pPr/>
-              <a:t>13</a:t>
+              <a:t>12</a:t>
             </a:fld>
             <a:endParaRPr lang="de-DE" dirty="0"/>
           </a:p>
@@ -16688,7 +16663,7 @@
             <a:fld id="{3EBA5BD7-F043-4D1B-AA17-CD412FC534DE}" type="slidenum">
               <a:rPr lang="de-DE" smtClean="0"/>
               <a:pPr/>
-              <a:t>14</a:t>
+              <a:t>13</a:t>
             </a:fld>
             <a:endParaRPr lang="de-DE" dirty="0"/>
           </a:p>
@@ -16708,6 +16683,94 @@
 </file>
 
 <file path=ppt/notesSlides/notesSlide14.xml><?xml version="1.0" encoding="utf-8"?>
+<p:notes xmlns:a="http://schemas.openxmlformats.org/drawingml/2006/main" xmlns:r="http://schemas.openxmlformats.org/officeDocument/2006/relationships" xmlns:p="http://schemas.openxmlformats.org/presentationml/2006/main">
+  <p:cSld>
+    <p:spTree>
+      <p:nvGrpSpPr>
+        <p:cNvPr id="1" name=""/>
+        <p:cNvGrpSpPr/>
+        <p:nvPr/>
+      </p:nvGrpSpPr>
+      <p:grpSpPr>
+        <a:xfrm>
+          <a:off x="0" y="0"/>
+          <a:ext cx="0" cy="0"/>
+          <a:chOff x="0" y="0"/>
+          <a:chExt cx="0" cy="0"/>
+        </a:xfrm>
+      </p:grpSpPr>
+      <p:sp>
+        <p:nvSpPr>
+          <p:cNvPr id="2" name="Folienbildplatzhalter 1"/>
+          <p:cNvSpPr>
+            <a:spLocks noGrp="1" noRot="1" noChangeAspect="1"/>
+          </p:cNvSpPr>
+          <p:nvPr>
+            <p:ph type="sldImg"/>
+          </p:nvPr>
+        </p:nvSpPr>
+        <p:spPr/>
+      </p:sp>
+      <p:sp>
+        <p:nvSpPr>
+          <p:cNvPr id="3" name="Notizenplatzhalter 2"/>
+          <p:cNvSpPr>
+            <a:spLocks noGrp="1"/>
+          </p:cNvSpPr>
+          <p:nvPr>
+            <p:ph type="body" idx="1"/>
+          </p:nvPr>
+        </p:nvSpPr>
+        <p:spPr/>
+        <p:txBody>
+          <a:bodyPr/>
+          <a:lstStyle/>
+          <a:p>
+            <a:r>
+              <a:rPr lang="de-DE" dirty="0"/>
+              <a:t>„schnell“ ist Definitionssache</a:t>
+            </a:r>
+          </a:p>
+        </p:txBody>
+      </p:sp>
+      <p:sp>
+        <p:nvSpPr>
+          <p:cNvPr id="4" name="Foliennummernplatzhalter 3"/>
+          <p:cNvSpPr>
+            <a:spLocks noGrp="1"/>
+          </p:cNvSpPr>
+          <p:nvPr>
+            <p:ph type="sldNum" sz="quarter" idx="10"/>
+          </p:nvPr>
+        </p:nvSpPr>
+        <p:spPr/>
+        <p:txBody>
+          <a:bodyPr/>
+          <a:lstStyle/>
+          <a:p>
+            <a:fld id="{3EBA5BD7-F043-4D1B-AA17-CD412FC534DE}" type="slidenum">
+              <a:rPr lang="de-DE" smtClean="0"/>
+              <a:pPr/>
+              <a:t>14</a:t>
+            </a:fld>
+            <a:endParaRPr lang="de-DE" dirty="0"/>
+          </a:p>
+        </p:txBody>
+      </p:sp>
+    </p:spTree>
+    <p:extLst>
+      <p:ext uri="{BB962C8B-B14F-4D97-AF65-F5344CB8AC3E}">
+        <p14:creationId xmlns:p14="http://schemas.microsoft.com/office/powerpoint/2010/main" val="1548133618"/>
+      </p:ext>
+    </p:extLst>
+  </p:cSld>
+  <p:clrMapOvr>
+    <a:masterClrMapping/>
+  </p:clrMapOvr>
+</p:notes>
+</file>
+
+<file path=ppt/notesSlides/notesSlide15.xml><?xml version="1.0" encoding="utf-8"?>
 <p:notes xmlns:a="http://schemas.openxmlformats.org/drawingml/2006/main" xmlns:r="http://schemas.openxmlformats.org/officeDocument/2006/relationships" xmlns:p="http://schemas.openxmlformats.org/presentationml/2006/main">
   <p:cSld>
     <p:spTree>
@@ -16808,106 +16871,6 @@
 </p:notes>
 </file>
 
-<file path=ppt/notesSlides/notesSlide15.xml><?xml version="1.0" encoding="utf-8"?>
-<p:notes xmlns:a="http://schemas.openxmlformats.org/drawingml/2006/main" xmlns:r="http://schemas.openxmlformats.org/officeDocument/2006/relationships" xmlns:p="http://schemas.openxmlformats.org/presentationml/2006/main">
-  <p:cSld>
-    <p:spTree>
-      <p:nvGrpSpPr>
-        <p:cNvPr id="1" name=""/>
-        <p:cNvGrpSpPr/>
-        <p:nvPr/>
-      </p:nvGrpSpPr>
-      <p:grpSpPr>
-        <a:xfrm>
-          <a:off x="0" y="0"/>
-          <a:ext cx="0" cy="0"/>
-          <a:chOff x="0" y="0"/>
-          <a:chExt cx="0" cy="0"/>
-        </a:xfrm>
-      </p:grpSpPr>
-      <p:sp>
-        <p:nvSpPr>
-          <p:cNvPr id="2" name="Folienbildplatzhalter 1"/>
-          <p:cNvSpPr>
-            <a:spLocks noGrp="1" noRot="1" noChangeAspect="1"/>
-          </p:cNvSpPr>
-          <p:nvPr>
-            <p:ph type="sldImg"/>
-          </p:nvPr>
-        </p:nvSpPr>
-        <p:spPr/>
-      </p:sp>
-      <p:sp>
-        <p:nvSpPr>
-          <p:cNvPr id="3" name="Notizenplatzhalter 2"/>
-          <p:cNvSpPr>
-            <a:spLocks noGrp="1"/>
-          </p:cNvSpPr>
-          <p:nvPr>
-            <p:ph type="body" idx="1"/>
-          </p:nvPr>
-        </p:nvSpPr>
-        <p:spPr/>
-        <p:txBody>
-          <a:bodyPr/>
-          <a:lstStyle/>
-          <a:p>
-            <a:r>
-              <a:rPr lang="de-DE" dirty="0"/>
-              <a:t>Erste zwei Anforderungen erfüllt</a:t>
-            </a:r>
-          </a:p>
-          <a:p>
-            <a:r>
-              <a:rPr lang="de-DE" dirty="0"/>
-              <a:t>Dritte teils erfüllt: 	Da Controller nur alle x Minuten (aktuell 10) erwacht, wird im schlimmsten Fall erst nach 10 Minuten geändert</a:t>
-            </a:r>
-          </a:p>
-          <a:p>
-            <a:r>
-              <a:rPr lang="de-DE" dirty="0"/>
-              <a:t>Keine Umsetzung der Programmiersprache</a:t>
-            </a:r>
-          </a:p>
-        </p:txBody>
-      </p:sp>
-      <p:sp>
-        <p:nvSpPr>
-          <p:cNvPr id="4" name="Foliennummernplatzhalter 3"/>
-          <p:cNvSpPr>
-            <a:spLocks noGrp="1"/>
-          </p:cNvSpPr>
-          <p:nvPr>
-            <p:ph type="sldNum" sz="quarter" idx="10"/>
-          </p:nvPr>
-        </p:nvSpPr>
-        <p:spPr/>
-        <p:txBody>
-          <a:bodyPr/>
-          <a:lstStyle/>
-          <a:p>
-            <a:fld id="{3EBA5BD7-F043-4D1B-AA17-CD412FC534DE}" type="slidenum">
-              <a:rPr lang="de-DE" smtClean="0"/>
-              <a:pPr/>
-              <a:t>16</a:t>
-            </a:fld>
-            <a:endParaRPr lang="de-DE" dirty="0"/>
-          </a:p>
-        </p:txBody>
-      </p:sp>
-    </p:spTree>
-    <p:extLst>
-      <p:ext uri="{BB962C8B-B14F-4D97-AF65-F5344CB8AC3E}">
-        <p14:creationId xmlns:p14="http://schemas.microsoft.com/office/powerpoint/2010/main" val="3603048229"/>
-      </p:ext>
-    </p:extLst>
-  </p:cSld>
-  <p:clrMapOvr>
-    <a:masterClrMapping/>
-  </p:clrMapOvr>
-</p:notes>
-</file>
-
 <file path=ppt/notesSlides/notesSlide16.xml><?xml version="1.0" encoding="utf-8"?>
 <p:notes xmlns:a="http://schemas.openxmlformats.org/drawingml/2006/main" xmlns:r="http://schemas.openxmlformats.org/officeDocument/2006/relationships" xmlns:p="http://schemas.openxmlformats.org/presentationml/2006/main">
   <p:cSld>
@@ -16974,7 +16937,7 @@
             <a:pPr rtl="0"/>
             <a:fld id="{3EBA5BD7-F043-4D1B-AA17-CD412FC534DE}" type="slidenum">
               <a:rPr lang="de-DE" smtClean="0"/>
-              <a:t>17</a:t>
+              <a:t>16</a:t>
             </a:fld>
             <a:endParaRPr lang="de-DE" dirty="0"/>
           </a:p>
@@ -17318,6 +17281,30 @@
           <a:p>
             <a:r>
               <a:rPr lang="de-DE" dirty="0"/>
+              <a:t>Modulare Programme</a:t>
+            </a:r>
+          </a:p>
+          <a:p>
+            <a:r>
+              <a:rPr lang="de-DE" dirty="0"/>
+              <a:t>Ausführliche Kommentierung</a:t>
+            </a:r>
+          </a:p>
+          <a:p>
+            <a:r>
+              <a:rPr lang="de-DE" dirty="0">
+                <a:sym typeface="Wingdings" panose="05000000000000000000" pitchFamily="2" charset="2"/>
+              </a:rPr>
+              <a:t> Beide wichtig für Weiterverarbeitung</a:t>
+            </a:r>
+            <a:endParaRPr lang="de-DE" dirty="0"/>
+          </a:p>
+          <a:p>
+            <a:endParaRPr lang="de-DE" dirty="0"/>
+          </a:p>
+          <a:p>
+            <a:r>
+              <a:rPr lang="de-DE" dirty="0"/>
               <a:t>Eigene Anforderungen:</a:t>
             </a:r>
           </a:p>
@@ -17336,37 +17323,10 @@
           <a:p>
             <a:r>
               <a:rPr lang="de-DE" dirty="0"/>
-              <a:t>Anzeigen von Bildern und Texten</a:t>
+              <a:t>Anzeigen von Bildern und Texte</a:t>
             </a:r>
           </a:p>
           <a:p>
-            <a:endParaRPr lang="de-DE" dirty="0"/>
-          </a:p>
-          <a:p>
-            <a:r>
-              <a:rPr lang="de-DE" dirty="0"/>
-              <a:t>Modulare Programme</a:t>
-            </a:r>
-          </a:p>
-          <a:p>
-            <a:r>
-              <a:rPr lang="de-DE" dirty="0"/>
-              <a:t>Ausführliche Kommentierung</a:t>
-            </a:r>
-          </a:p>
-          <a:p>
-            <a:r>
-              <a:rPr lang="de-DE" dirty="0">
-                <a:sym typeface="Wingdings" panose="05000000000000000000" pitchFamily="2" charset="2"/>
-              </a:rPr>
-              <a:t> Beide wichtig für </a:t>
-            </a:r>
-            <a:r>
-              <a:rPr lang="de-DE" dirty="0" err="1">
-                <a:sym typeface="Wingdings" panose="05000000000000000000" pitchFamily="2" charset="2"/>
-              </a:rPr>
-              <a:t>weiterverarbeitung</a:t>
-            </a:r>
             <a:endParaRPr lang="de-DE" dirty="0"/>
           </a:p>
         </p:txBody>
@@ -17389,7 +17349,7 @@
             <a:fld id="{3EBA5BD7-F043-4D1B-AA17-CD412FC534DE}" type="slidenum">
               <a:rPr lang="de-DE" smtClean="0"/>
               <a:pPr/>
-              <a:t>6</a:t>
+              <a:t>5</a:t>
             </a:fld>
             <a:endParaRPr lang="de-DE" dirty="0"/>
           </a:p>
@@ -17474,7 +17434,7 @@
             <a:fld id="{3EBA5BD7-F043-4D1B-AA17-CD412FC534DE}" type="slidenum">
               <a:rPr lang="de-DE" smtClean="0"/>
               <a:pPr/>
-              <a:t>7</a:t>
+              <a:t>6</a:t>
             </a:fld>
             <a:endParaRPr lang="de-DE" dirty="0"/>
           </a:p>
@@ -17626,7 +17586,7 @@
             <a:pPr rtl="0"/>
             <a:fld id="{3EBA5BD7-F043-4D1B-AA17-CD412FC534DE}" type="slidenum">
               <a:rPr lang="en-US" smtClean="0"/>
-              <a:t>8</a:t>
+              <a:t>7</a:t>
             </a:fld>
             <a:endParaRPr lang="en-US"/>
           </a:p>
@@ -17711,7 +17671,7 @@
             <a:fld id="{3EBA5BD7-F043-4D1B-AA17-CD412FC534DE}" type="slidenum">
               <a:rPr lang="de-DE" smtClean="0"/>
               <a:pPr/>
-              <a:t>9</a:t>
+              <a:t>8</a:t>
             </a:fld>
             <a:endParaRPr lang="de-DE" dirty="0"/>
           </a:p>
@@ -17840,7 +17800,7 @@
             <a:fld id="{3EBA5BD7-F043-4D1B-AA17-CD412FC534DE}" type="slidenum">
               <a:rPr lang="de-DE" smtClean="0"/>
               <a:pPr/>
-              <a:t>10</a:t>
+              <a:t>9</a:t>
             </a:fld>
             <a:endParaRPr lang="de-DE" dirty="0"/>
           </a:p>
@@ -18621,7 +18581,7 @@
           <a:p>
             <a:fld id="{5A09CFD7-FC86-4C82-9E1B-F351AC8184BB}" type="datetime1">
               <a:rPr lang="de-DE" smtClean="0"/>
-              <a:t>03.07.2018</a:t>
+              <a:t>04.07.2018</a:t>
             </a:fld>
             <a:endParaRPr lang="de-DE" dirty="0"/>
           </a:p>
@@ -18830,7 +18790,7 @@
           <a:p>
             <a:fld id="{038A29F2-5EB4-4EA6-972B-B8E49DA927FE}" type="datetime1">
               <a:rPr lang="de-DE" smtClean="0"/>
-              <a:t>03.07.2018</a:t>
+              <a:t>04.07.2018</a:t>
             </a:fld>
             <a:endParaRPr lang="de-DE" dirty="0"/>
           </a:p>
@@ -19049,7 +19009,7 @@
           <a:p>
             <a:fld id="{8D0D0724-94A9-4F1A-89E8-E06329536902}" type="datetime1">
               <a:rPr lang="de-DE" smtClean="0"/>
-              <a:t>03.07.2018</a:t>
+              <a:t>04.07.2018</a:t>
             </a:fld>
             <a:endParaRPr lang="de-DE" dirty="0"/>
           </a:p>
@@ -19258,7 +19218,7 @@
           <a:p>
             <a:fld id="{BDC426D2-37BC-4D6E-8BCD-0EB884315D40}" type="datetime1">
               <a:rPr lang="de-DE" smtClean="0"/>
-              <a:t>03.07.2018</a:t>
+              <a:t>04.07.2018</a:t>
             </a:fld>
             <a:endParaRPr lang="de-DE" dirty="0"/>
           </a:p>
@@ -19701,7 +19661,7 @@
           <a:p>
             <a:fld id="{E3AFF1A1-558B-43BD-95CD-96015316B91C}" type="datetime1">
               <a:rPr lang="de-DE" smtClean="0"/>
-              <a:t>03.07.2018</a:t>
+              <a:t>04.07.2018</a:t>
             </a:fld>
             <a:endParaRPr lang="de-DE" dirty="0"/>
           </a:p>
@@ -20016,7 +19976,7 @@
           <a:p>
             <a:fld id="{8E1F56F0-FBD8-46B8-9CCE-1375C46ECCCC}" type="datetime1">
               <a:rPr lang="de-DE" smtClean="0"/>
-              <a:t>03.07.2018</a:t>
+              <a:t>04.07.2018</a:t>
             </a:fld>
             <a:endParaRPr lang="de-DE" dirty="0"/>
           </a:p>
@@ -20483,7 +20443,7 @@
           <a:p>
             <a:fld id="{ED849104-7AD3-412B-818F-6CE6DB6DF07F}" type="datetime1">
               <a:rPr lang="de-DE" smtClean="0"/>
-              <a:t>03.07.2018</a:t>
+              <a:t>04.07.2018</a:t>
             </a:fld>
             <a:endParaRPr lang="de-DE" dirty="0"/>
           </a:p>
@@ -20624,7 +20584,7 @@
           <a:p>
             <a:fld id="{CA86FA3F-CDFC-4A22-8B37-9097DF15AE9F}" type="datetime1">
               <a:rPr lang="de-DE" smtClean="0"/>
-              <a:t>03.07.2018</a:t>
+              <a:t>04.07.2018</a:t>
             </a:fld>
             <a:endParaRPr lang="de-DE" dirty="0"/>
           </a:p>
@@ -20741,7 +20701,7 @@
           <a:p>
             <a:fld id="{B82F912C-72CF-43A5-8EEB-3B1F5B9575CC}" type="datetime1">
               <a:rPr lang="de-DE" smtClean="0"/>
-              <a:t>03.07.2018</a:t>
+              <a:t>04.07.2018</a:t>
             </a:fld>
             <a:endParaRPr lang="de-DE" dirty="0"/>
           </a:p>
@@ -21051,7 +21011,7 @@
           <a:p>
             <a:fld id="{A27F02E9-F370-42C3-BEB2-97E80693102B}" type="datetime1">
               <a:rPr lang="de-DE" smtClean="0"/>
-              <a:t>03.07.2018</a:t>
+              <a:t>04.07.2018</a:t>
             </a:fld>
             <a:endParaRPr lang="de-DE" dirty="0"/>
           </a:p>
@@ -21351,7 +21311,7 @@
           <a:p>
             <a:fld id="{BBFB9B96-9FF9-4FDE-8196-917542E5F6F3}" type="datetime1">
               <a:rPr lang="de-DE" smtClean="0"/>
-              <a:t>03.07.2018</a:t>
+              <a:t>04.07.2018</a:t>
             </a:fld>
             <a:endParaRPr lang="de-DE" dirty="0"/>
           </a:p>
@@ -21978,7 +21938,7 @@
           <a:p>
             <a:fld id="{BAC6B33D-9E43-46BC-9DFA-9B42F761A70D}" type="datetime1">
               <a:rPr lang="de-DE" smtClean="0"/>
-              <a:t>03.07.2018</a:t>
+              <a:t>04.07.2018</a:t>
             </a:fld>
             <a:endParaRPr lang="de-DE" dirty="0"/>
           </a:p>
@@ -22580,171 +22540,6 @@
             <a:pPr algn="ctr" rtl="0"/>
             <a:r>
               <a:rPr lang="de-DE" dirty="0"/>
-              <a:t>Umsetzung - Kommunikation</a:t>
-            </a:r>
-          </a:p>
-        </p:txBody>
-      </p:sp>
-      <p:pic>
-        <p:nvPicPr>
-          <p:cNvPr id="8" name="Inhaltsplatzhalter 7">
-            <a:extLst>
-              <a:ext uri="{FF2B5EF4-FFF2-40B4-BE49-F238E27FC236}">
-                <a16:creationId xmlns:a16="http://schemas.microsoft.com/office/drawing/2014/main" id="{43E8FCE4-A37C-4C02-9439-EFC1BC76FBE3}"/>
-              </a:ext>
-            </a:extLst>
-          </p:cNvPr>
-          <p:cNvPicPr>
-            <a:picLocks noGrp="1" noChangeAspect="1"/>
-          </p:cNvPicPr>
-          <p:nvPr>
-            <p:ph idx="1"/>
-          </p:nvPr>
-        </p:nvPicPr>
-        <p:blipFill>
-          <a:blip r:embed="rId3">
-            <a:extLst>
-              <a:ext uri="{28A0092B-C50C-407E-A947-70E740481C1C}">
-                <a14:useLocalDpi xmlns:a14="http://schemas.microsoft.com/office/drawing/2010/main" val="0"/>
-              </a:ext>
-            </a:extLst>
-          </a:blip>
-          <a:stretch>
-            <a:fillRect/>
-          </a:stretch>
-        </p:blipFill>
-        <p:spPr>
-          <a:xfrm>
-            <a:off x="2262474" y="1034905"/>
-            <a:ext cx="8283552" cy="5227948"/>
-          </a:xfrm>
-        </p:spPr>
-      </p:pic>
-      <p:sp>
-        <p:nvSpPr>
-          <p:cNvPr id="2" name="Fußzeilenplatzhalter 1">
-            <a:extLst>
-              <a:ext uri="{FF2B5EF4-FFF2-40B4-BE49-F238E27FC236}">
-                <a16:creationId xmlns:a16="http://schemas.microsoft.com/office/drawing/2014/main" id="{366F0BE8-B140-4101-8D7F-49063527154F}"/>
-              </a:ext>
-            </a:extLst>
-          </p:cNvPr>
-          <p:cNvSpPr>
-            <a:spLocks noGrp="1"/>
-          </p:cNvSpPr>
-          <p:nvPr>
-            <p:ph type="ftr" sz="quarter" idx="11"/>
-          </p:nvPr>
-        </p:nvSpPr>
-        <p:spPr/>
-        <p:txBody>
-          <a:bodyPr/>
-          <a:lstStyle/>
-          <a:p>
-            <a:pPr rtl="0"/>
-            <a:r>
-              <a:rPr lang="de-DE"/>
-              <a:t>Jan-Philipp Töberg / Projektarbeit SS18</a:t>
-            </a:r>
-            <a:endParaRPr lang="de-DE" dirty="0"/>
-          </a:p>
-        </p:txBody>
-      </p:sp>
-      <p:sp>
-        <p:nvSpPr>
-          <p:cNvPr id="3" name="Foliennummernplatzhalter 2">
-            <a:extLst>
-              <a:ext uri="{FF2B5EF4-FFF2-40B4-BE49-F238E27FC236}">
-                <a16:creationId xmlns:a16="http://schemas.microsoft.com/office/drawing/2014/main" id="{E1496EE6-9889-4F3B-B37C-7370A6BFE472}"/>
-              </a:ext>
-            </a:extLst>
-          </p:cNvPr>
-          <p:cNvSpPr>
-            <a:spLocks noGrp="1"/>
-          </p:cNvSpPr>
-          <p:nvPr>
-            <p:ph type="sldNum" sz="quarter" idx="12"/>
-          </p:nvPr>
-        </p:nvSpPr>
-        <p:spPr/>
-        <p:txBody>
-          <a:bodyPr/>
-          <a:lstStyle/>
-          <a:p>
-            <a:pPr rtl="0"/>
-            <a:fld id="{C014DD1E-5D91-48A3-AD6D-45FBA980D106}" type="slidenum">
-              <a:rPr lang="de-DE" smtClean="0"/>
-              <a:t>10</a:t>
-            </a:fld>
-            <a:endParaRPr lang="de-DE" dirty="0"/>
-          </a:p>
-        </p:txBody>
-      </p:sp>
-    </p:spTree>
-    <p:extLst>
-      <p:ext uri="{BB962C8B-B14F-4D97-AF65-F5344CB8AC3E}">
-        <p14:creationId xmlns:p14="http://schemas.microsoft.com/office/powerpoint/2010/main" val="4264977537"/>
-      </p:ext>
-    </p:extLst>
-  </p:cSld>
-  <p:clrMapOvr>
-    <a:masterClrMapping/>
-  </p:clrMapOvr>
-  <mc:AlternateContent xmlns:mc="http://schemas.openxmlformats.org/markup-compatibility/2006" xmlns:p14="http://schemas.microsoft.com/office/powerpoint/2010/main">
-    <mc:Choice Requires="p14">
-      <p:transition spd="med" p14:dur="700">
-        <p:fade/>
-      </p:transition>
-    </mc:Choice>
-    <mc:Fallback xmlns="">
-      <p:transition spd="med">
-        <p:fade/>
-      </p:transition>
-    </mc:Fallback>
-  </mc:AlternateContent>
-</p:sld>
-</file>
-
-<file path=ppt/slides/slide11.xml><?xml version="1.0" encoding="utf-8"?>
-<p:sld xmlns:a="http://schemas.openxmlformats.org/drawingml/2006/main" xmlns:r="http://schemas.openxmlformats.org/officeDocument/2006/relationships" xmlns:p="http://schemas.openxmlformats.org/presentationml/2006/main">
-  <p:cSld>
-    <p:spTree>
-      <p:nvGrpSpPr>
-        <p:cNvPr id="1" name=""/>
-        <p:cNvGrpSpPr/>
-        <p:nvPr/>
-      </p:nvGrpSpPr>
-      <p:grpSpPr>
-        <a:xfrm>
-          <a:off x="0" y="0"/>
-          <a:ext cx="0" cy="0"/>
-          <a:chOff x="0" y="0"/>
-          <a:chExt cx="0" cy="0"/>
-        </a:xfrm>
-      </p:grpSpPr>
-      <p:sp>
-        <p:nvSpPr>
-          <p:cNvPr id="4" name="Titel 3"/>
-          <p:cNvSpPr>
-            <a:spLocks noGrp="1"/>
-          </p:cNvSpPr>
-          <p:nvPr>
-            <p:ph type="title"/>
-          </p:nvPr>
-        </p:nvSpPr>
-        <p:spPr>
-          <a:xfrm>
-            <a:off x="1224000" y="270000"/>
-            <a:ext cx="10360501" cy="634083"/>
-          </a:xfrm>
-        </p:spPr>
-        <p:txBody>
-          <a:bodyPr rtlCol="0"/>
-          <a:lstStyle/>
-          <a:p>
-            <a:pPr algn="ctr" rtl="0"/>
-            <a:r>
-              <a:rPr lang="de-DE" dirty="0"/>
               <a:t>Umsetzung - Client</a:t>
             </a:r>
           </a:p>
@@ -22839,7 +22634,7 @@
             <a:pPr rtl="0"/>
             <a:fld id="{C014DD1E-5D91-48A3-AD6D-45FBA980D106}" type="slidenum">
               <a:rPr lang="de-DE" smtClean="0"/>
-              <a:t>11</a:t>
+              <a:t>10</a:t>
             </a:fld>
             <a:endParaRPr lang="de-DE" dirty="0"/>
           </a:p>
@@ -22911,112 +22706,8 @@
         </p:nvSpPr>
         <p:spPr>
           <a:xfrm>
-            <a:off x="1213839" y="1846784"/>
-            <a:ext cx="2720334" cy="921732"/>
-          </a:xfrm>
-          <a:prstGeom prst="rect">
-            <a:avLst/>
-          </a:prstGeom>
-          <a:noFill/>
-          <a:ln>
-            <a:solidFill>
-              <a:srgbClr val="FF0000"/>
-            </a:solidFill>
-          </a:ln>
-        </p:spPr>
-        <p:style>
-          <a:lnRef idx="2">
-            <a:schemeClr val="accent1">
-              <a:shade val="50000"/>
-            </a:schemeClr>
-          </a:lnRef>
-          <a:fillRef idx="1">
-            <a:schemeClr val="accent1"/>
-          </a:fillRef>
-          <a:effectRef idx="0">
-            <a:schemeClr val="accent1"/>
-          </a:effectRef>
-          <a:fontRef idx="minor">
-            <a:schemeClr val="lt1"/>
-          </a:fontRef>
-        </p:style>
-        <p:txBody>
-          <a:bodyPr rtlCol="0" anchor="ctr"/>
-          <a:lstStyle/>
-          <a:p>
-            <a:pPr algn="ctr"/>
-            <a:endParaRPr lang="de-DE" sz="2800"/>
-          </a:p>
-        </p:txBody>
-      </p:sp>
-      <p:sp>
-        <p:nvSpPr>
-          <p:cNvPr id="10" name="Rechteck 9">
-            <a:extLst>
-              <a:ext uri="{FF2B5EF4-FFF2-40B4-BE49-F238E27FC236}">
-                <a16:creationId xmlns:a16="http://schemas.microsoft.com/office/drawing/2014/main" id="{C53AB220-1BB3-406E-8803-B06DBE8C66B5}"/>
-              </a:ext>
-            </a:extLst>
-          </p:cNvPr>
-          <p:cNvSpPr/>
-          <p:nvPr/>
-        </p:nvSpPr>
-        <p:spPr>
-          <a:xfrm>
-            <a:off x="1224000" y="2968133"/>
-            <a:ext cx="10355384" cy="1121351"/>
-          </a:xfrm>
-          <a:prstGeom prst="rect">
-            <a:avLst/>
-          </a:prstGeom>
-          <a:noFill/>
-          <a:ln>
-            <a:solidFill>
-              <a:srgbClr val="FF0000"/>
-            </a:solidFill>
-          </a:ln>
-        </p:spPr>
-        <p:style>
-          <a:lnRef idx="2">
-            <a:schemeClr val="accent1">
-              <a:shade val="50000"/>
-            </a:schemeClr>
-          </a:lnRef>
-          <a:fillRef idx="1">
-            <a:schemeClr val="accent1"/>
-          </a:fillRef>
-          <a:effectRef idx="0">
-            <a:schemeClr val="accent1"/>
-          </a:effectRef>
-          <a:fontRef idx="minor">
-            <a:schemeClr val="lt1"/>
-          </a:fontRef>
-        </p:style>
-        <p:txBody>
-          <a:bodyPr rtlCol="0" anchor="ctr"/>
-          <a:lstStyle/>
-          <a:p>
-            <a:pPr algn="ctr"/>
-            <a:endParaRPr lang="de-DE" sz="2800"/>
-          </a:p>
-        </p:txBody>
-      </p:sp>
-      <p:sp>
-        <p:nvSpPr>
-          <p:cNvPr id="11" name="Rechteck 10">
-            <a:extLst>
-              <a:ext uri="{FF2B5EF4-FFF2-40B4-BE49-F238E27FC236}">
-                <a16:creationId xmlns:a16="http://schemas.microsoft.com/office/drawing/2014/main" id="{A4F5292E-285A-488E-82AF-5E481A2CB773}"/>
-              </a:ext>
-            </a:extLst>
-          </p:cNvPr>
-          <p:cNvSpPr/>
-          <p:nvPr/>
-        </p:nvSpPr>
-        <p:spPr>
-          <a:xfrm>
-            <a:off x="1224000" y="4179856"/>
-            <a:ext cx="5590492" cy="617296"/>
+            <a:off x="1213839" y="2039180"/>
+            <a:ext cx="776117" cy="729336"/>
           </a:xfrm>
           <a:prstGeom prst="rect">
             <a:avLst/>
@@ -23133,7 +22824,7 @@
         </p:blipFill>
         <p:spPr>
           <a:xfrm>
-            <a:off x="1110554" y="1817009"/>
+            <a:off x="1110552" y="1705173"/>
             <a:ext cx="10582275" cy="1133475"/>
           </a:xfrm>
           <a:prstGeom prst="rect">
@@ -23160,7 +22851,7 @@
           </p:cNvPicPr>
           <p:nvPr/>
         </p:nvPicPr>
-        <p:blipFill>
+        <p:blipFill rotWithShape="1">
           <a:blip r:embed="rId5">
             <a:extLst>
               <a:ext uri="{28A0092B-C50C-407E-A947-70E740481C1C}">
@@ -23168,14 +22859,13 @@
               </a:ext>
             </a:extLst>
           </a:blip>
-          <a:stretch>
-            <a:fillRect/>
-          </a:stretch>
+          <a:srcRect t="19296"/>
+          <a:stretch/>
         </p:blipFill>
         <p:spPr>
           <a:xfrm>
-            <a:off x="862555" y="2971115"/>
-            <a:ext cx="11078271" cy="1693852"/>
+            <a:off x="862553" y="2945271"/>
+            <a:ext cx="11078271" cy="1367007"/>
           </a:xfrm>
           <a:prstGeom prst="rect">
             <a:avLst/>
@@ -23184,10 +22874,10 @@
       </p:pic>
       <p:pic>
         <p:nvPicPr>
-          <p:cNvPr id="18" name="Grafik 17">
+          <p:cNvPr id="22" name="Grafik 21">
             <a:extLst>
               <a:ext uri="{FF2B5EF4-FFF2-40B4-BE49-F238E27FC236}">
-                <a16:creationId xmlns:a16="http://schemas.microsoft.com/office/drawing/2014/main" id="{77A7F7F1-349B-4F97-8BBD-67012B51B053}"/>
+                <a16:creationId xmlns:a16="http://schemas.microsoft.com/office/drawing/2014/main" id="{03A9BEC7-933E-4EB3-A5C5-F1869E628477}"/>
               </a:ext>
             </a:extLst>
           </p:cNvPr>
@@ -23210,79 +22900,7 @@
         </p:blipFill>
         <p:spPr>
           <a:xfrm>
-            <a:off x="989905" y="1502003"/>
-            <a:ext cx="10702924" cy="544696"/>
-          </a:xfrm>
-          <a:prstGeom prst="rect">
-            <a:avLst/>
-          </a:prstGeom>
-        </p:spPr>
-      </p:pic>
-      <p:pic>
-        <p:nvPicPr>
-          <p:cNvPr id="20" name="Grafik 19">
-            <a:extLst>
-              <a:ext uri="{FF2B5EF4-FFF2-40B4-BE49-F238E27FC236}">
-                <a16:creationId xmlns:a16="http://schemas.microsoft.com/office/drawing/2014/main" id="{90EEFFB5-DDB7-4C59-B116-01081D4738A9}"/>
-              </a:ext>
-            </a:extLst>
-          </p:cNvPr>
-          <p:cNvPicPr>
-            <a:picLocks noChangeAspect="1"/>
-          </p:cNvPicPr>
-          <p:nvPr/>
-        </p:nvPicPr>
-        <p:blipFill>
-          <a:blip r:embed="rId7">
-            <a:extLst>
-              <a:ext uri="{28A0092B-C50C-407E-A947-70E740481C1C}">
-                <a14:useLocalDpi xmlns:a14="http://schemas.microsoft.com/office/drawing/2010/main" val="0"/>
-              </a:ext>
-            </a:extLst>
-          </a:blip>
-          <a:stretch>
-            <a:fillRect/>
-          </a:stretch>
-        </p:blipFill>
-        <p:spPr>
-          <a:xfrm>
-            <a:off x="2710036" y="2392650"/>
-            <a:ext cx="6581775" cy="914400"/>
-          </a:xfrm>
-          <a:prstGeom prst="rect">
-            <a:avLst/>
-          </a:prstGeom>
-        </p:spPr>
-      </p:pic>
-      <p:pic>
-        <p:nvPicPr>
-          <p:cNvPr id="22" name="Grafik 21">
-            <a:extLst>
-              <a:ext uri="{FF2B5EF4-FFF2-40B4-BE49-F238E27FC236}">
-                <a16:creationId xmlns:a16="http://schemas.microsoft.com/office/drawing/2014/main" id="{03A9BEC7-933E-4EB3-A5C5-F1869E628477}"/>
-              </a:ext>
-            </a:extLst>
-          </p:cNvPr>
-          <p:cNvPicPr>
-            <a:picLocks noChangeAspect="1"/>
-          </p:cNvPicPr>
-          <p:nvPr/>
-        </p:nvPicPr>
-        <p:blipFill>
-          <a:blip r:embed="rId8">
-            <a:extLst>
-              <a:ext uri="{28A0092B-C50C-407E-A947-70E740481C1C}">
-                <a14:useLocalDpi xmlns:a14="http://schemas.microsoft.com/office/drawing/2010/main" val="0"/>
-              </a:ext>
-            </a:extLst>
-          </a:blip>
-          <a:stretch>
-            <a:fillRect/>
-          </a:stretch>
-        </p:blipFill>
-        <p:spPr>
-          <a:xfrm>
-            <a:off x="570247" y="5245998"/>
+            <a:off x="603371" y="5152827"/>
             <a:ext cx="11306175" cy="514350"/>
           </a:xfrm>
           <a:prstGeom prst="rect">
@@ -23670,7 +23288,7 @@
                                           </p:stCondLst>
                                         </p:cTn>
                                         <p:tgtEl>
-                                          <p:spTgt spid="10"/>
+                                          <p:spTgt spid="12"/>
                                         </p:tgtEl>
                                         <p:attrNameLst>
                                           <p:attrName>style.visibility</p:attrName>
@@ -23710,330 +23328,6 @@
                                     <p:set>
                                       <p:cBhvr>
                                         <p:cTn id="38" dur="1" fill="hold">
-                                          <p:stCondLst>
-                                            <p:cond delay="0"/>
-                                          </p:stCondLst>
-                                        </p:cTn>
-                                        <p:tgtEl>
-                                          <p:spTgt spid="18"/>
-                                        </p:tgtEl>
-                                        <p:attrNameLst>
-                                          <p:attrName>style.visibility</p:attrName>
-                                        </p:attrNameLst>
-                                      </p:cBhvr>
-                                      <p:to>
-                                        <p:strVal val="visible"/>
-                                      </p:to>
-                                    </p:set>
-                                  </p:childTnLst>
-                                </p:cTn>
-                              </p:par>
-                            </p:childTnLst>
-                          </p:cTn>
-                        </p:par>
-                      </p:childTnLst>
-                    </p:cTn>
-                  </p:par>
-                  <p:par>
-                    <p:cTn id="39" fill="hold">
-                      <p:stCondLst>
-                        <p:cond delay="indefinite"/>
-                      </p:stCondLst>
-                      <p:childTnLst>
-                        <p:par>
-                          <p:cTn id="40" fill="hold">
-                            <p:stCondLst>
-                              <p:cond delay="0"/>
-                            </p:stCondLst>
-                            <p:childTnLst>
-                              <p:par>
-                                <p:cTn id="41" presetID="1" presetClass="exit" presetSubtype="0" fill="hold" nodeType="clickEffect">
-                                  <p:stCondLst>
-                                    <p:cond delay="0"/>
-                                  </p:stCondLst>
-                                  <p:childTnLst>
-                                    <p:set>
-                                      <p:cBhvr>
-                                        <p:cTn id="42" dur="1" fill="hold">
-                                          <p:stCondLst>
-                                            <p:cond delay="0"/>
-                                          </p:stCondLst>
-                                        </p:cTn>
-                                        <p:tgtEl>
-                                          <p:spTgt spid="18"/>
-                                        </p:tgtEl>
-                                        <p:attrNameLst>
-                                          <p:attrName>style.visibility</p:attrName>
-                                        </p:attrNameLst>
-                                      </p:cBhvr>
-                                      <p:to>
-                                        <p:strVal val="hidden"/>
-                                      </p:to>
-                                    </p:set>
-                                  </p:childTnLst>
-                                </p:cTn>
-                              </p:par>
-                              <p:par>
-                                <p:cTn id="43" presetID="1" presetClass="exit" presetSubtype="0" fill="hold" grpId="1" nodeType="withEffect">
-                                  <p:stCondLst>
-                                    <p:cond delay="0"/>
-                                  </p:stCondLst>
-                                  <p:childTnLst>
-                                    <p:set>
-                                      <p:cBhvr>
-                                        <p:cTn id="44" dur="1" fill="hold">
-                                          <p:stCondLst>
-                                            <p:cond delay="0"/>
-                                          </p:stCondLst>
-                                        </p:cTn>
-                                        <p:tgtEl>
-                                          <p:spTgt spid="10"/>
-                                        </p:tgtEl>
-                                        <p:attrNameLst>
-                                          <p:attrName>style.visibility</p:attrName>
-                                        </p:attrNameLst>
-                                      </p:cBhvr>
-                                      <p:to>
-                                        <p:strVal val="hidden"/>
-                                      </p:to>
-                                    </p:set>
-                                  </p:childTnLst>
-                                </p:cTn>
-                              </p:par>
-                            </p:childTnLst>
-                          </p:cTn>
-                        </p:par>
-                      </p:childTnLst>
-                    </p:cTn>
-                  </p:par>
-                  <p:par>
-                    <p:cTn id="45" fill="hold">
-                      <p:stCondLst>
-                        <p:cond delay="indefinite"/>
-                      </p:stCondLst>
-                      <p:childTnLst>
-                        <p:par>
-                          <p:cTn id="46" fill="hold">
-                            <p:stCondLst>
-                              <p:cond delay="0"/>
-                            </p:stCondLst>
-                            <p:childTnLst>
-                              <p:par>
-                                <p:cTn id="47" presetID="1" presetClass="entr" presetSubtype="0" fill="hold" grpId="0" nodeType="clickEffect">
-                                  <p:stCondLst>
-                                    <p:cond delay="0"/>
-                                  </p:stCondLst>
-                                  <p:childTnLst>
-                                    <p:set>
-                                      <p:cBhvr>
-                                        <p:cTn id="48" dur="1" fill="hold">
-                                          <p:stCondLst>
-                                            <p:cond delay="0"/>
-                                          </p:stCondLst>
-                                        </p:cTn>
-                                        <p:tgtEl>
-                                          <p:spTgt spid="11"/>
-                                        </p:tgtEl>
-                                        <p:attrNameLst>
-                                          <p:attrName>style.visibility</p:attrName>
-                                        </p:attrNameLst>
-                                      </p:cBhvr>
-                                      <p:to>
-                                        <p:strVal val="visible"/>
-                                      </p:to>
-                                    </p:set>
-                                  </p:childTnLst>
-                                </p:cTn>
-                              </p:par>
-                            </p:childTnLst>
-                          </p:cTn>
-                        </p:par>
-                      </p:childTnLst>
-                    </p:cTn>
-                  </p:par>
-                  <p:par>
-                    <p:cTn id="49" fill="hold">
-                      <p:stCondLst>
-                        <p:cond delay="indefinite"/>
-                      </p:stCondLst>
-                      <p:childTnLst>
-                        <p:par>
-                          <p:cTn id="50" fill="hold">
-                            <p:stCondLst>
-                              <p:cond delay="0"/>
-                            </p:stCondLst>
-                            <p:childTnLst>
-                              <p:par>
-                                <p:cTn id="51" presetID="1" presetClass="entr" presetSubtype="0" fill="hold" nodeType="clickEffect">
-                                  <p:stCondLst>
-                                    <p:cond delay="0"/>
-                                  </p:stCondLst>
-                                  <p:childTnLst>
-                                    <p:set>
-                                      <p:cBhvr>
-                                        <p:cTn id="52" dur="1" fill="hold">
-                                          <p:stCondLst>
-                                            <p:cond delay="0"/>
-                                          </p:stCondLst>
-                                        </p:cTn>
-                                        <p:tgtEl>
-                                          <p:spTgt spid="20"/>
-                                        </p:tgtEl>
-                                        <p:attrNameLst>
-                                          <p:attrName>style.visibility</p:attrName>
-                                        </p:attrNameLst>
-                                      </p:cBhvr>
-                                      <p:to>
-                                        <p:strVal val="visible"/>
-                                      </p:to>
-                                    </p:set>
-                                  </p:childTnLst>
-                                </p:cTn>
-                              </p:par>
-                            </p:childTnLst>
-                          </p:cTn>
-                        </p:par>
-                      </p:childTnLst>
-                    </p:cTn>
-                  </p:par>
-                  <p:par>
-                    <p:cTn id="53" fill="hold">
-                      <p:stCondLst>
-                        <p:cond delay="indefinite"/>
-                      </p:stCondLst>
-                      <p:childTnLst>
-                        <p:par>
-                          <p:cTn id="54" fill="hold">
-                            <p:stCondLst>
-                              <p:cond delay="0"/>
-                            </p:stCondLst>
-                            <p:childTnLst>
-                              <p:par>
-                                <p:cTn id="55" presetID="1" presetClass="exit" presetSubtype="0" fill="hold" nodeType="clickEffect">
-                                  <p:stCondLst>
-                                    <p:cond delay="0"/>
-                                  </p:stCondLst>
-                                  <p:childTnLst>
-                                    <p:set>
-                                      <p:cBhvr>
-                                        <p:cTn id="56" dur="1" fill="hold">
-                                          <p:stCondLst>
-                                            <p:cond delay="0"/>
-                                          </p:stCondLst>
-                                        </p:cTn>
-                                        <p:tgtEl>
-                                          <p:spTgt spid="20"/>
-                                        </p:tgtEl>
-                                        <p:attrNameLst>
-                                          <p:attrName>style.visibility</p:attrName>
-                                        </p:attrNameLst>
-                                      </p:cBhvr>
-                                      <p:to>
-                                        <p:strVal val="hidden"/>
-                                      </p:to>
-                                    </p:set>
-                                  </p:childTnLst>
-                                </p:cTn>
-                              </p:par>
-                              <p:par>
-                                <p:cTn id="57" presetID="1" presetClass="exit" presetSubtype="0" fill="hold" grpId="1" nodeType="withEffect">
-                                  <p:stCondLst>
-                                    <p:cond delay="0"/>
-                                  </p:stCondLst>
-                                  <p:childTnLst>
-                                    <p:set>
-                                      <p:cBhvr>
-                                        <p:cTn id="58" dur="1" fill="hold">
-                                          <p:stCondLst>
-                                            <p:cond delay="0"/>
-                                          </p:stCondLst>
-                                        </p:cTn>
-                                        <p:tgtEl>
-                                          <p:spTgt spid="11"/>
-                                        </p:tgtEl>
-                                        <p:attrNameLst>
-                                          <p:attrName>style.visibility</p:attrName>
-                                        </p:attrNameLst>
-                                      </p:cBhvr>
-                                      <p:to>
-                                        <p:strVal val="hidden"/>
-                                      </p:to>
-                                    </p:set>
-                                  </p:childTnLst>
-                                </p:cTn>
-                              </p:par>
-                            </p:childTnLst>
-                          </p:cTn>
-                        </p:par>
-                      </p:childTnLst>
-                    </p:cTn>
-                  </p:par>
-                  <p:par>
-                    <p:cTn id="59" fill="hold">
-                      <p:stCondLst>
-                        <p:cond delay="indefinite"/>
-                      </p:stCondLst>
-                      <p:childTnLst>
-                        <p:par>
-                          <p:cTn id="60" fill="hold">
-                            <p:stCondLst>
-                              <p:cond delay="0"/>
-                            </p:stCondLst>
-                            <p:childTnLst>
-                              <p:par>
-                                <p:cTn id="61" presetID="1" presetClass="entr" presetSubtype="0" fill="hold" grpId="0" nodeType="clickEffect">
-                                  <p:stCondLst>
-                                    <p:cond delay="0"/>
-                                  </p:stCondLst>
-                                  <p:childTnLst>
-                                    <p:set>
-                                      <p:cBhvr>
-                                        <p:cTn id="62" dur="1" fill="hold">
-                                          <p:stCondLst>
-                                            <p:cond delay="0"/>
-                                          </p:stCondLst>
-                                        </p:cTn>
-                                        <p:tgtEl>
-                                          <p:spTgt spid="12"/>
-                                        </p:tgtEl>
-                                        <p:attrNameLst>
-                                          <p:attrName>style.visibility</p:attrName>
-                                        </p:attrNameLst>
-                                      </p:cBhvr>
-                                      <p:to>
-                                        <p:strVal val="visible"/>
-                                      </p:to>
-                                    </p:set>
-                                  </p:childTnLst>
-                                </p:cTn>
-                              </p:par>
-                            </p:childTnLst>
-                          </p:cTn>
-                        </p:par>
-                      </p:childTnLst>
-                    </p:cTn>
-                  </p:par>
-                  <p:par>
-                    <p:cTn id="63" fill="hold">
-                      <p:stCondLst>
-                        <p:cond delay="indefinite"/>
-                      </p:stCondLst>
-                      <p:childTnLst>
-                        <p:par>
-                          <p:cTn id="64" fill="hold">
-                            <p:stCondLst>
-                              <p:cond delay="0"/>
-                            </p:stCondLst>
-                            <p:childTnLst>
-                              <p:par>
-                                <p:cTn id="65" presetID="1" presetClass="entr" presetSubtype="0" fill="hold" nodeType="clickEffect">
-                                  <p:stCondLst>
-                                    <p:cond delay="0"/>
-                                  </p:stCondLst>
-                                  <p:childTnLst>
-                                    <p:set>
-                                      <p:cBhvr>
-                                        <p:cTn id="66" dur="1" fill="hold">
                                           <p:stCondLst>
                                             <p:cond delay="0"/>
                                           </p:stCondLst>
@@ -24084,17 +23378,13 @@
       <p:bldP spid="8" grpId="1" animBg="1"/>
       <p:bldP spid="9" grpId="0" animBg="1"/>
       <p:bldP spid="9" grpId="1" animBg="1"/>
-      <p:bldP spid="10" grpId="0" animBg="1"/>
-      <p:bldP spid="10" grpId="1" animBg="1"/>
-      <p:bldP spid="11" grpId="0" animBg="1"/>
-      <p:bldP spid="11" grpId="1" animBg="1"/>
       <p:bldP spid="12" grpId="0" animBg="1"/>
     </p:bldLst>
   </p:timing>
 </p:sld>
 </file>
 
-<file path=ppt/slides/slide12.xml><?xml version="1.0" encoding="utf-8"?>
+<file path=ppt/slides/slide11.xml><?xml version="1.0" encoding="utf-8"?>
 <p:sld xmlns:a="http://schemas.openxmlformats.org/drawingml/2006/main" xmlns:r="http://schemas.openxmlformats.org/officeDocument/2006/relationships" xmlns:p="http://schemas.openxmlformats.org/presentationml/2006/main">
   <p:cSld>
     <p:spTree>
@@ -24193,7 +23483,7 @@
             <a:pPr rtl="0"/>
             <a:fld id="{C014DD1E-5D91-48A3-AD6D-45FBA980D106}" type="slidenum">
               <a:rPr lang="de-DE" smtClean="0"/>
-              <a:t>12</a:t>
+              <a:t>11</a:t>
             </a:fld>
             <a:endParaRPr lang="de-DE" dirty="0"/>
           </a:p>
@@ -24201,10 +23491,10 @@
       </p:sp>
       <p:pic>
         <p:nvPicPr>
-          <p:cNvPr id="15" name="Grafik 14">
+          <p:cNvPr id="5" name="Grafik 4">
             <a:extLst>
               <a:ext uri="{FF2B5EF4-FFF2-40B4-BE49-F238E27FC236}">
-                <a16:creationId xmlns:a16="http://schemas.microsoft.com/office/drawing/2014/main" id="{3F283B78-CCA9-4883-8EE8-F020EA0B5D3F}"/>
+                <a16:creationId xmlns:a16="http://schemas.microsoft.com/office/drawing/2014/main" id="{C2BB67BE-AD49-40C7-AF89-9538CE9A49F3}"/>
               </a:ext>
             </a:extLst>
           </p:cNvPr>
@@ -24221,8 +23511,8 @@
         </p:blipFill>
         <p:spPr>
           <a:xfrm>
-            <a:off x="837828" y="1196752"/>
-            <a:ext cx="10879265" cy="4248472"/>
+            <a:off x="623872" y="1520788"/>
+            <a:ext cx="10941080" cy="3816424"/>
           </a:xfrm>
           <a:prstGeom prst="rect">
             <a:avLst/>
@@ -24254,7 +23544,7 @@
 </p:sld>
 </file>
 
-<file path=ppt/slides/slide13.xml><?xml version="1.0" encoding="utf-8"?>
+<file path=ppt/slides/slide12.xml><?xml version="1.0" encoding="utf-8"?>
 <p:sld xmlns:a="http://schemas.openxmlformats.org/drawingml/2006/main" xmlns:r="http://schemas.openxmlformats.org/officeDocument/2006/relationships" xmlns:p="http://schemas.openxmlformats.org/presentationml/2006/main">
   <p:cSld>
     <p:spTree>
@@ -24323,7 +23613,7 @@
         </p:blipFill>
         <p:spPr>
           <a:xfrm>
-            <a:off x="981844" y="1556792"/>
+            <a:off x="874039" y="1222320"/>
             <a:ext cx="11060421" cy="4413360"/>
           </a:xfrm>
           <a:prstGeom prst="rect">
@@ -24385,7 +23675,7 @@
             <a:pPr rtl="0"/>
             <a:fld id="{C014DD1E-5D91-48A3-AD6D-45FBA980D106}" type="slidenum">
               <a:rPr lang="de-DE" smtClean="0"/>
-              <a:t>13</a:t>
+              <a:t>12</a:t>
             </a:fld>
             <a:endParaRPr lang="de-DE" dirty="0"/>
           </a:p>
@@ -24416,7 +23706,7 @@
 </p:sld>
 </file>
 
-<file path=ppt/slides/slide14.xml><?xml version="1.0" encoding="utf-8"?>
+<file path=ppt/slides/slide13.xml><?xml version="1.0" encoding="utf-8"?>
 <p:sld xmlns:a="http://schemas.openxmlformats.org/drawingml/2006/main" xmlns:r="http://schemas.openxmlformats.org/officeDocument/2006/relationships" xmlns:p="http://schemas.openxmlformats.org/presentationml/2006/main">
   <p:cSld>
     <p:spTree>
@@ -24517,7 +23807,7 @@
             <a:pPr rtl="0"/>
             <a:fld id="{C014DD1E-5D91-48A3-AD6D-45FBA980D106}" type="slidenum">
               <a:rPr lang="de-DE" smtClean="0"/>
-              <a:t>14</a:t>
+              <a:t>13</a:t>
             </a:fld>
             <a:endParaRPr lang="de-DE" dirty="0"/>
           </a:p>
@@ -24536,7 +23826,7 @@
           <p:nvPr>
             <p:extLst>
               <p:ext uri="{D42A27DB-BD31-4B8C-83A1-F6EECF244321}">
-                <p14:modId xmlns:p14="http://schemas.microsoft.com/office/powerpoint/2010/main" val="2235510163"/>
+                <p14:modId xmlns:p14="http://schemas.microsoft.com/office/powerpoint/2010/main" val="1014512270"/>
               </p:ext>
             </p:extLst>
           </p:nvPr>
@@ -24573,6 +23863,642 @@
       </p:transition>
     </mc:Fallback>
   </mc:AlternateContent>
+</p:sld>
+</file>
+
+<file path=ppt/slides/slide14.xml><?xml version="1.0" encoding="utf-8"?>
+<p:sld xmlns:a="http://schemas.openxmlformats.org/drawingml/2006/main" xmlns:r="http://schemas.openxmlformats.org/officeDocument/2006/relationships" xmlns:p="http://schemas.openxmlformats.org/presentationml/2006/main">
+  <p:cSld>
+    <p:spTree>
+      <p:nvGrpSpPr>
+        <p:cNvPr id="1" name=""/>
+        <p:cNvGrpSpPr/>
+        <p:nvPr/>
+      </p:nvGrpSpPr>
+      <p:grpSpPr>
+        <a:xfrm>
+          <a:off x="0" y="0"/>
+          <a:ext cx="0" cy="0"/>
+          <a:chOff x="0" y="0"/>
+          <a:chExt cx="0" cy="0"/>
+        </a:xfrm>
+      </p:grpSpPr>
+      <p:sp>
+        <p:nvSpPr>
+          <p:cNvPr id="2" name="Titel 1"/>
+          <p:cNvSpPr>
+            <a:spLocks noGrp="1"/>
+          </p:cNvSpPr>
+          <p:nvPr>
+            <p:ph type="title"/>
+          </p:nvPr>
+        </p:nvSpPr>
+        <p:spPr>
+          <a:xfrm>
+            <a:off x="1224000" y="270000"/>
+            <a:ext cx="10360501" cy="562075"/>
+          </a:xfrm>
+        </p:spPr>
+        <p:txBody>
+          <a:bodyPr rtlCol="0">
+            <a:normAutofit fontScale="90000"/>
+          </a:bodyPr>
+          <a:lstStyle/>
+          <a:p>
+            <a:pPr algn="ctr"/>
+            <a:r>
+              <a:rPr lang="de-DE" dirty="0"/>
+              <a:t>Soll-/Ist-Vergleich – Anforderungen</a:t>
+            </a:r>
+          </a:p>
+        </p:txBody>
+      </p:sp>
+      <p:sp>
+        <p:nvSpPr>
+          <p:cNvPr id="3" name="Inhaltsplatzhalter 2">
+            <a:extLst>
+              <a:ext uri="{FF2B5EF4-FFF2-40B4-BE49-F238E27FC236}">
+                <a16:creationId xmlns:a16="http://schemas.microsoft.com/office/drawing/2014/main" id="{2354811B-43F9-4706-B744-6E7350D7DE39}"/>
+              </a:ext>
+            </a:extLst>
+          </p:cNvPr>
+          <p:cNvSpPr>
+            <a:spLocks noGrp="1"/>
+          </p:cNvSpPr>
+          <p:nvPr>
+            <p:ph idx="1"/>
+          </p:nvPr>
+        </p:nvSpPr>
+        <p:spPr>
+          <a:xfrm>
+            <a:off x="1218883" y="908719"/>
+            <a:ext cx="10360501" cy="5255349"/>
+          </a:xfrm>
+        </p:spPr>
+        <p:txBody>
+          <a:bodyPr/>
+          <a:lstStyle/>
+          <a:p>
+            <a:r>
+              <a:rPr lang="de-DE" dirty="0"/>
+              <a:t>Projekt aus der c‘t lauffähig machen</a:t>
+            </a:r>
+          </a:p>
+          <a:p>
+            <a:endParaRPr lang="de-DE" dirty="0"/>
+          </a:p>
+          <a:p>
+            <a:r>
+              <a:rPr lang="de-DE" dirty="0"/>
+              <a:t>eigene Texte hinzufügen können</a:t>
+            </a:r>
+          </a:p>
+          <a:p>
+            <a:endParaRPr lang="de-DE" dirty="0"/>
+          </a:p>
+          <a:p>
+            <a:r>
+              <a:rPr lang="de-DE" dirty="0"/>
+              <a:t>schnelle Verarbeitung der eingegebenen Texte</a:t>
+            </a:r>
+          </a:p>
+          <a:p>
+            <a:endParaRPr lang="de-DE" dirty="0"/>
+          </a:p>
+          <a:p>
+            <a:r>
+              <a:rPr lang="de-DE" dirty="0"/>
+              <a:t>Umsetzung in C oder Java (optional)</a:t>
+            </a:r>
+          </a:p>
+          <a:p>
+            <a:endParaRPr lang="de-DE" dirty="0"/>
+          </a:p>
+          <a:p>
+            <a:r>
+              <a:rPr lang="de-DE" dirty="0"/>
+              <a:t>modulare Entwicklung &amp; Kommentare</a:t>
+            </a:r>
+          </a:p>
+        </p:txBody>
+      </p:sp>
+      <p:sp>
+        <p:nvSpPr>
+          <p:cNvPr id="4" name="Fußzeilenplatzhalter 3">
+            <a:extLst>
+              <a:ext uri="{FF2B5EF4-FFF2-40B4-BE49-F238E27FC236}">
+                <a16:creationId xmlns:a16="http://schemas.microsoft.com/office/drawing/2014/main" id="{1E8F8C7F-00C3-4E0D-BD50-E1FC2480992F}"/>
+              </a:ext>
+            </a:extLst>
+          </p:cNvPr>
+          <p:cNvSpPr>
+            <a:spLocks noGrp="1"/>
+          </p:cNvSpPr>
+          <p:nvPr>
+            <p:ph type="ftr" sz="quarter" idx="11"/>
+          </p:nvPr>
+        </p:nvSpPr>
+        <p:spPr/>
+        <p:txBody>
+          <a:bodyPr/>
+          <a:lstStyle/>
+          <a:p>
+            <a:pPr rtl="0"/>
+            <a:r>
+              <a:rPr lang="de-DE"/>
+              <a:t>Jan-Philipp Töberg / Projektarbeit SS18</a:t>
+            </a:r>
+            <a:endParaRPr lang="de-DE" dirty="0"/>
+          </a:p>
+        </p:txBody>
+      </p:sp>
+      <p:sp>
+        <p:nvSpPr>
+          <p:cNvPr id="6" name="Foliennummernplatzhalter 5">
+            <a:extLst>
+              <a:ext uri="{FF2B5EF4-FFF2-40B4-BE49-F238E27FC236}">
+                <a16:creationId xmlns:a16="http://schemas.microsoft.com/office/drawing/2014/main" id="{2C10D558-D758-43BA-8345-AC431D702023}"/>
+              </a:ext>
+            </a:extLst>
+          </p:cNvPr>
+          <p:cNvSpPr>
+            <a:spLocks noGrp="1"/>
+          </p:cNvSpPr>
+          <p:nvPr>
+            <p:ph type="sldNum" sz="quarter" idx="12"/>
+          </p:nvPr>
+        </p:nvSpPr>
+        <p:spPr/>
+        <p:txBody>
+          <a:bodyPr/>
+          <a:lstStyle/>
+          <a:p>
+            <a:pPr rtl="0"/>
+            <a:fld id="{C014DD1E-5D91-48A3-AD6D-45FBA980D106}" type="slidenum">
+              <a:rPr lang="de-DE" smtClean="0"/>
+              <a:t>14</a:t>
+            </a:fld>
+            <a:endParaRPr lang="de-DE" dirty="0"/>
+          </a:p>
+        </p:txBody>
+      </p:sp>
+      <p:pic>
+        <p:nvPicPr>
+          <p:cNvPr id="7" name="Grafik 6">
+            <a:extLst>
+              <a:ext uri="{FF2B5EF4-FFF2-40B4-BE49-F238E27FC236}">
+                <a16:creationId xmlns:a16="http://schemas.microsoft.com/office/drawing/2014/main" id="{055F1487-3993-4E90-B7FB-BF752E5A6482}"/>
+              </a:ext>
+            </a:extLst>
+          </p:cNvPr>
+          <p:cNvPicPr>
+            <a:picLocks noChangeAspect="1"/>
+          </p:cNvPicPr>
+          <p:nvPr/>
+        </p:nvPicPr>
+        <p:blipFill>
+          <a:blip r:embed="rId3">
+            <a:extLst>
+              <a:ext uri="{28A0092B-C50C-407E-A947-70E740481C1C}">
+                <a14:useLocalDpi xmlns:a14="http://schemas.microsoft.com/office/drawing/2010/main" val="0"/>
+              </a:ext>
+            </a:extLst>
+          </a:blip>
+          <a:stretch>
+            <a:fillRect/>
+          </a:stretch>
+        </p:blipFill>
+        <p:spPr>
+          <a:xfrm>
+            <a:off x="6958508" y="693932"/>
+            <a:ext cx="680383" cy="792088"/>
+          </a:xfrm>
+          <a:prstGeom prst="rect">
+            <a:avLst/>
+          </a:prstGeom>
+        </p:spPr>
+      </p:pic>
+      <p:pic>
+        <p:nvPicPr>
+          <p:cNvPr id="8" name="Grafik 7">
+            <a:extLst>
+              <a:ext uri="{FF2B5EF4-FFF2-40B4-BE49-F238E27FC236}">
+                <a16:creationId xmlns:a16="http://schemas.microsoft.com/office/drawing/2014/main" id="{7565839A-A9B8-431B-B1C9-DA548D267943}"/>
+              </a:ext>
+            </a:extLst>
+          </p:cNvPr>
+          <p:cNvPicPr>
+            <a:picLocks noChangeAspect="1"/>
+          </p:cNvPicPr>
+          <p:nvPr/>
+        </p:nvPicPr>
+        <p:blipFill>
+          <a:blip r:embed="rId3">
+            <a:extLst>
+              <a:ext uri="{28A0092B-C50C-407E-A947-70E740481C1C}">
+                <a14:useLocalDpi xmlns:a14="http://schemas.microsoft.com/office/drawing/2010/main" val="0"/>
+              </a:ext>
+            </a:extLst>
+          </a:blip>
+          <a:stretch>
+            <a:fillRect/>
+          </a:stretch>
+        </p:blipFill>
+        <p:spPr>
+          <a:xfrm>
+            <a:off x="6413834" y="1764257"/>
+            <a:ext cx="680383" cy="792088"/>
+          </a:xfrm>
+          <a:prstGeom prst="rect">
+            <a:avLst/>
+          </a:prstGeom>
+        </p:spPr>
+      </p:pic>
+      <p:pic>
+        <p:nvPicPr>
+          <p:cNvPr id="9" name="Grafik 8">
+            <a:extLst>
+              <a:ext uri="{FF2B5EF4-FFF2-40B4-BE49-F238E27FC236}">
+                <a16:creationId xmlns:a16="http://schemas.microsoft.com/office/drawing/2014/main" id="{A8361625-1402-49D0-B50A-738384856755}"/>
+              </a:ext>
+            </a:extLst>
+          </p:cNvPr>
+          <p:cNvPicPr>
+            <a:picLocks noChangeAspect="1"/>
+          </p:cNvPicPr>
+          <p:nvPr/>
+        </p:nvPicPr>
+        <p:blipFill>
+          <a:blip r:embed="rId3">
+            <a:extLst>
+              <a:ext uri="{28A0092B-C50C-407E-A947-70E740481C1C}">
+                <a14:useLocalDpi xmlns:a14="http://schemas.microsoft.com/office/drawing/2010/main" val="0"/>
+              </a:ext>
+            </a:extLst>
+          </a:blip>
+          <a:stretch>
+            <a:fillRect/>
+          </a:stretch>
+        </p:blipFill>
+        <p:spPr>
+          <a:xfrm>
+            <a:off x="7298699" y="5371980"/>
+            <a:ext cx="680383" cy="792088"/>
+          </a:xfrm>
+          <a:prstGeom prst="rect">
+            <a:avLst/>
+          </a:prstGeom>
+        </p:spPr>
+      </p:pic>
+      <p:pic>
+        <p:nvPicPr>
+          <p:cNvPr id="10" name="Grafik 9">
+            <a:extLst>
+              <a:ext uri="{FF2B5EF4-FFF2-40B4-BE49-F238E27FC236}">
+                <a16:creationId xmlns:a16="http://schemas.microsoft.com/office/drawing/2014/main" id="{4ABB9B78-EA30-451B-9F8B-15FCF2ED95A0}"/>
+              </a:ext>
+            </a:extLst>
+          </p:cNvPr>
+          <p:cNvPicPr>
+            <a:picLocks noChangeAspect="1"/>
+          </p:cNvPicPr>
+          <p:nvPr/>
+        </p:nvPicPr>
+        <p:blipFill>
+          <a:blip r:embed="rId4" cstate="print">
+            <a:extLst>
+              <a:ext uri="{28A0092B-C50C-407E-A947-70E740481C1C}">
+                <a14:useLocalDpi xmlns:a14="http://schemas.microsoft.com/office/drawing/2010/main" val="0"/>
+              </a:ext>
+            </a:extLst>
+          </a:blip>
+          <a:stretch>
+            <a:fillRect/>
+          </a:stretch>
+        </p:blipFill>
+        <p:spPr>
+          <a:xfrm>
+            <a:off x="6754026" y="4405201"/>
+            <a:ext cx="625668" cy="625668"/>
+          </a:xfrm>
+          <a:prstGeom prst="rect">
+            <a:avLst/>
+          </a:prstGeom>
+        </p:spPr>
+      </p:pic>
+      <p:pic>
+        <p:nvPicPr>
+          <p:cNvPr id="13" name="Grafik 12">
+            <a:extLst>
+              <a:ext uri="{FF2B5EF4-FFF2-40B4-BE49-F238E27FC236}">
+                <a16:creationId xmlns:a16="http://schemas.microsoft.com/office/drawing/2014/main" id="{C67E35BB-D486-4549-AFEE-59886569A3AC}"/>
+              </a:ext>
+            </a:extLst>
+          </p:cNvPr>
+          <p:cNvPicPr>
+            <a:picLocks noChangeAspect="1"/>
+          </p:cNvPicPr>
+          <p:nvPr/>
+        </p:nvPicPr>
+        <p:blipFill>
+          <a:blip r:embed="rId5" cstate="print">
+            <a:extLst>
+              <a:ext uri="{28A0092B-C50C-407E-A947-70E740481C1C}">
+                <a14:useLocalDpi xmlns:a14="http://schemas.microsoft.com/office/drawing/2010/main" val="0"/>
+              </a:ext>
+            </a:extLst>
+          </a:blip>
+          <a:stretch>
+            <a:fillRect/>
+          </a:stretch>
+        </p:blipFill>
+        <p:spPr>
+          <a:xfrm>
+            <a:off x="8470676" y="3087022"/>
+            <a:ext cx="680383" cy="683956"/>
+          </a:xfrm>
+          <a:prstGeom prst="rect">
+            <a:avLst/>
+          </a:prstGeom>
+        </p:spPr>
+      </p:pic>
+    </p:spTree>
+    <p:extLst>
+      <p:ext uri="{BB962C8B-B14F-4D97-AF65-F5344CB8AC3E}">
+        <p14:creationId xmlns:p14="http://schemas.microsoft.com/office/powerpoint/2010/main" val="583030162"/>
+      </p:ext>
+    </p:extLst>
+  </p:cSld>
+  <p:clrMapOvr>
+    <a:masterClrMapping/>
+  </p:clrMapOvr>
+  <mc:AlternateContent xmlns:mc="http://schemas.openxmlformats.org/markup-compatibility/2006" xmlns:p14="http://schemas.microsoft.com/office/powerpoint/2010/main">
+    <mc:Choice Requires="p14">
+      <p:transition spd="med" p14:dur="700">
+        <p:fade/>
+      </p:transition>
+    </mc:Choice>
+    <mc:Fallback xmlns="">
+      <p:transition spd="med">
+        <p:fade/>
+      </p:transition>
+    </mc:Fallback>
+  </mc:AlternateContent>
+  <p:timing>
+    <p:tnLst>
+      <p:par>
+        <p:cTn id="1" dur="indefinite" restart="never" nodeType="tmRoot">
+          <p:childTnLst>
+            <p:seq concurrent="1" nextAc="seek">
+              <p:cTn id="2" dur="indefinite" nodeType="mainSeq">
+                <p:childTnLst>
+                  <p:par>
+                    <p:cTn id="3" fill="hold">
+                      <p:stCondLst>
+                        <p:cond delay="indefinite"/>
+                      </p:stCondLst>
+                      <p:childTnLst>
+                        <p:par>
+                          <p:cTn id="4" fill="hold">
+                            <p:stCondLst>
+                              <p:cond delay="0"/>
+                            </p:stCondLst>
+                            <p:childTnLst>
+                              <p:par>
+                                <p:cTn id="5" presetID="1" presetClass="entr" presetSubtype="0" fill="hold" nodeType="clickEffect">
+                                  <p:stCondLst>
+                                    <p:cond delay="0"/>
+                                  </p:stCondLst>
+                                  <p:childTnLst>
+                                    <p:set>
+                                      <p:cBhvr>
+                                        <p:cTn id="6" dur="1" fill="hold">
+                                          <p:stCondLst>
+                                            <p:cond delay="0"/>
+                                          </p:stCondLst>
+                                        </p:cTn>
+                                        <p:tgtEl>
+                                          <p:spTgt spid="7"/>
+                                        </p:tgtEl>
+                                        <p:attrNameLst>
+                                          <p:attrName>style.visibility</p:attrName>
+                                        </p:attrNameLst>
+                                      </p:cBhvr>
+                                      <p:to>
+                                        <p:strVal val="visible"/>
+                                      </p:to>
+                                    </p:set>
+                                  </p:childTnLst>
+                                </p:cTn>
+                              </p:par>
+                            </p:childTnLst>
+                          </p:cTn>
+                        </p:par>
+                      </p:childTnLst>
+                    </p:cTn>
+                  </p:par>
+                  <p:par>
+                    <p:cTn id="7" fill="hold">
+                      <p:stCondLst>
+                        <p:cond delay="indefinite"/>
+                      </p:stCondLst>
+                      <p:childTnLst>
+                        <p:par>
+                          <p:cTn id="8" fill="hold">
+                            <p:stCondLst>
+                              <p:cond delay="0"/>
+                            </p:stCondLst>
+                            <p:childTnLst>
+                              <p:par>
+                                <p:cTn id="9" presetID="1" presetClass="entr" presetSubtype="0" fill="hold" nodeType="clickEffect">
+                                  <p:stCondLst>
+                                    <p:cond delay="0"/>
+                                  </p:stCondLst>
+                                  <p:childTnLst>
+                                    <p:set>
+                                      <p:cBhvr>
+                                        <p:cTn id="10" dur="1" fill="hold">
+                                          <p:stCondLst>
+                                            <p:cond delay="0"/>
+                                          </p:stCondLst>
+                                        </p:cTn>
+                                        <p:tgtEl>
+                                          <p:spTgt spid="8"/>
+                                        </p:tgtEl>
+                                        <p:attrNameLst>
+                                          <p:attrName>style.visibility</p:attrName>
+                                        </p:attrNameLst>
+                                      </p:cBhvr>
+                                      <p:to>
+                                        <p:strVal val="visible"/>
+                                      </p:to>
+                                    </p:set>
+                                  </p:childTnLst>
+                                </p:cTn>
+                              </p:par>
+                            </p:childTnLst>
+                          </p:cTn>
+                        </p:par>
+                      </p:childTnLst>
+                    </p:cTn>
+                  </p:par>
+                  <p:par>
+                    <p:cTn id="11" fill="hold">
+                      <p:stCondLst>
+                        <p:cond delay="indefinite"/>
+                      </p:stCondLst>
+                      <p:childTnLst>
+                        <p:par>
+                          <p:cTn id="12" fill="hold">
+                            <p:stCondLst>
+                              <p:cond delay="0"/>
+                            </p:stCondLst>
+                            <p:childTnLst>
+                              <p:par>
+                                <p:cTn id="13" presetID="1" presetClass="entr" presetSubtype="0" fill="hold" nodeType="clickEffect">
+                                  <p:stCondLst>
+                                    <p:cond delay="0"/>
+                                  </p:stCondLst>
+                                  <p:childTnLst>
+                                    <p:set>
+                                      <p:cBhvr>
+                                        <p:cTn id="14" dur="1" fill="hold">
+                                          <p:stCondLst>
+                                            <p:cond delay="0"/>
+                                          </p:stCondLst>
+                                        </p:cTn>
+                                        <p:tgtEl>
+                                          <p:spTgt spid="13"/>
+                                        </p:tgtEl>
+                                        <p:attrNameLst>
+                                          <p:attrName>style.visibility</p:attrName>
+                                        </p:attrNameLst>
+                                      </p:cBhvr>
+                                      <p:to>
+                                        <p:strVal val="visible"/>
+                                      </p:to>
+                                    </p:set>
+                                  </p:childTnLst>
+                                </p:cTn>
+                              </p:par>
+                            </p:childTnLst>
+                          </p:cTn>
+                        </p:par>
+                      </p:childTnLst>
+                    </p:cTn>
+                  </p:par>
+                  <p:par>
+                    <p:cTn id="15" fill="hold">
+                      <p:stCondLst>
+                        <p:cond delay="indefinite"/>
+                      </p:stCondLst>
+                      <p:childTnLst>
+                        <p:par>
+                          <p:cTn id="16" fill="hold">
+                            <p:stCondLst>
+                              <p:cond delay="0"/>
+                            </p:stCondLst>
+                            <p:childTnLst>
+                              <p:par>
+                                <p:cTn id="17" presetID="1" presetClass="entr" presetSubtype="0" fill="hold" nodeType="clickEffect">
+                                  <p:stCondLst>
+                                    <p:cond delay="0"/>
+                                  </p:stCondLst>
+                                  <p:childTnLst>
+                                    <p:set>
+                                      <p:cBhvr>
+                                        <p:cTn id="18" dur="1" fill="hold">
+                                          <p:stCondLst>
+                                            <p:cond delay="0"/>
+                                          </p:stCondLst>
+                                        </p:cTn>
+                                        <p:tgtEl>
+                                          <p:spTgt spid="10"/>
+                                        </p:tgtEl>
+                                        <p:attrNameLst>
+                                          <p:attrName>style.visibility</p:attrName>
+                                        </p:attrNameLst>
+                                      </p:cBhvr>
+                                      <p:to>
+                                        <p:strVal val="visible"/>
+                                      </p:to>
+                                    </p:set>
+                                  </p:childTnLst>
+                                </p:cTn>
+                              </p:par>
+                            </p:childTnLst>
+                          </p:cTn>
+                        </p:par>
+                      </p:childTnLst>
+                    </p:cTn>
+                  </p:par>
+                  <p:par>
+                    <p:cTn id="19" fill="hold">
+                      <p:stCondLst>
+                        <p:cond delay="indefinite"/>
+                      </p:stCondLst>
+                      <p:childTnLst>
+                        <p:par>
+                          <p:cTn id="20" fill="hold">
+                            <p:stCondLst>
+                              <p:cond delay="0"/>
+                            </p:stCondLst>
+                            <p:childTnLst>
+                              <p:par>
+                                <p:cTn id="21" presetID="1" presetClass="entr" presetSubtype="0" fill="hold" nodeType="clickEffect">
+                                  <p:stCondLst>
+                                    <p:cond delay="0"/>
+                                  </p:stCondLst>
+                                  <p:childTnLst>
+                                    <p:set>
+                                      <p:cBhvr>
+                                        <p:cTn id="22" dur="1" fill="hold">
+                                          <p:stCondLst>
+                                            <p:cond delay="0"/>
+                                          </p:stCondLst>
+                                        </p:cTn>
+                                        <p:tgtEl>
+                                          <p:spTgt spid="9"/>
+                                        </p:tgtEl>
+                                        <p:attrNameLst>
+                                          <p:attrName>style.visibility</p:attrName>
+                                        </p:attrNameLst>
+                                      </p:cBhvr>
+                                      <p:to>
+                                        <p:strVal val="visible"/>
+                                      </p:to>
+                                    </p:set>
+                                  </p:childTnLst>
+                                </p:cTn>
+                              </p:par>
+                            </p:childTnLst>
+                          </p:cTn>
+                        </p:par>
+                      </p:childTnLst>
+                    </p:cTn>
+                  </p:par>
+                </p:childTnLst>
+              </p:cTn>
+              <p:prevCondLst>
+                <p:cond evt="onPrev" delay="0">
+                  <p:tgtEl>
+                    <p:sldTgt/>
+                  </p:tgtEl>
+                </p:cond>
+              </p:prevCondLst>
+              <p:nextCondLst>
+                <p:cond evt="onNext" delay="0">
+                  <p:tgtEl>
+                    <p:sldTgt/>
+                  </p:tgtEl>
+                </p:cond>
+              </p:nextCondLst>
+            </p:seq>
+          </p:childTnLst>
+        </p:cTn>
+      </p:par>
+    </p:tnLst>
+  </p:timing>
 </p:sld>
 </file>
 
@@ -24850,381 +24776,6 @@
       </p:transition>
     </mc:Fallback>
   </mc:AlternateContent>
-</p:sld>
-</file>
-
-<file path=ppt/slides/slide16.xml><?xml version="1.0" encoding="utf-8"?>
-<p:sld xmlns:a="http://schemas.openxmlformats.org/drawingml/2006/main" xmlns:r="http://schemas.openxmlformats.org/officeDocument/2006/relationships" xmlns:p="http://schemas.openxmlformats.org/presentationml/2006/main">
-  <p:cSld>
-    <p:spTree>
-      <p:nvGrpSpPr>
-        <p:cNvPr id="1" name=""/>
-        <p:cNvGrpSpPr/>
-        <p:nvPr/>
-      </p:nvGrpSpPr>
-      <p:grpSpPr>
-        <a:xfrm>
-          <a:off x="0" y="0"/>
-          <a:ext cx="0" cy="0"/>
-          <a:chOff x="0" y="0"/>
-          <a:chExt cx="0" cy="0"/>
-        </a:xfrm>
-      </p:grpSpPr>
-      <p:sp>
-        <p:nvSpPr>
-          <p:cNvPr id="2" name="Titel 1"/>
-          <p:cNvSpPr>
-            <a:spLocks noGrp="1"/>
-          </p:cNvSpPr>
-          <p:nvPr>
-            <p:ph type="title"/>
-          </p:nvPr>
-        </p:nvSpPr>
-        <p:spPr>
-          <a:xfrm>
-            <a:off x="1224000" y="270000"/>
-            <a:ext cx="10360501" cy="562075"/>
-          </a:xfrm>
-        </p:spPr>
-        <p:txBody>
-          <a:bodyPr rtlCol="0">
-            <a:normAutofit fontScale="90000"/>
-          </a:bodyPr>
-          <a:lstStyle/>
-          <a:p>
-            <a:pPr algn="ctr"/>
-            <a:r>
-              <a:rPr lang="de-DE" dirty="0"/>
-              <a:t>Soll-/Ist-Vergleich – Anforderungen</a:t>
-            </a:r>
-          </a:p>
-        </p:txBody>
-      </p:sp>
-      <p:sp>
-        <p:nvSpPr>
-          <p:cNvPr id="3" name="Inhaltsplatzhalter 2">
-            <a:extLst>
-              <a:ext uri="{FF2B5EF4-FFF2-40B4-BE49-F238E27FC236}">
-                <a16:creationId xmlns:a16="http://schemas.microsoft.com/office/drawing/2014/main" id="{2354811B-43F9-4706-B744-6E7350D7DE39}"/>
-              </a:ext>
-            </a:extLst>
-          </p:cNvPr>
-          <p:cNvSpPr>
-            <a:spLocks noGrp="1"/>
-          </p:cNvSpPr>
-          <p:nvPr>
-            <p:ph idx="1"/>
-          </p:nvPr>
-        </p:nvSpPr>
-        <p:spPr>
-          <a:xfrm>
-            <a:off x="1218883" y="908719"/>
-            <a:ext cx="10360501" cy="5255349"/>
-          </a:xfrm>
-        </p:spPr>
-        <p:txBody>
-          <a:bodyPr/>
-          <a:lstStyle/>
-          <a:p>
-            <a:endParaRPr lang="de-DE" dirty="0"/>
-          </a:p>
-          <a:p>
-            <a:r>
-              <a:rPr lang="de-DE" dirty="0"/>
-              <a:t>Projekt aus der c‘t lauffähig machen</a:t>
-            </a:r>
-          </a:p>
-          <a:p>
-            <a:endParaRPr lang="de-DE" dirty="0"/>
-          </a:p>
-          <a:p>
-            <a:r>
-              <a:rPr lang="de-DE" dirty="0"/>
-              <a:t>eigene Texte hinzufügen können</a:t>
-            </a:r>
-          </a:p>
-          <a:p>
-            <a:endParaRPr lang="de-DE" dirty="0"/>
-          </a:p>
-          <a:p>
-            <a:r>
-              <a:rPr lang="de-DE" dirty="0"/>
-              <a:t>Schnelle Verarbeitung der eingegebenen Texte</a:t>
-            </a:r>
-          </a:p>
-          <a:p>
-            <a:endParaRPr lang="de-DE" dirty="0"/>
-          </a:p>
-          <a:p>
-            <a:r>
-              <a:rPr lang="de-DE" dirty="0"/>
-              <a:t>Umsetzung in C oder Java</a:t>
-            </a:r>
-          </a:p>
-        </p:txBody>
-      </p:sp>
-      <p:sp>
-        <p:nvSpPr>
-          <p:cNvPr id="4" name="Fußzeilenplatzhalter 3">
-            <a:extLst>
-              <a:ext uri="{FF2B5EF4-FFF2-40B4-BE49-F238E27FC236}">
-                <a16:creationId xmlns:a16="http://schemas.microsoft.com/office/drawing/2014/main" id="{1E8F8C7F-00C3-4E0D-BD50-E1FC2480992F}"/>
-              </a:ext>
-            </a:extLst>
-          </p:cNvPr>
-          <p:cNvSpPr>
-            <a:spLocks noGrp="1"/>
-          </p:cNvSpPr>
-          <p:nvPr>
-            <p:ph type="ftr" sz="quarter" idx="11"/>
-          </p:nvPr>
-        </p:nvSpPr>
-        <p:spPr/>
-        <p:txBody>
-          <a:bodyPr/>
-          <a:lstStyle/>
-          <a:p>
-            <a:pPr rtl="0"/>
-            <a:r>
-              <a:rPr lang="de-DE"/>
-              <a:t>Jan-Philipp Töberg / Projektarbeit SS18</a:t>
-            </a:r>
-            <a:endParaRPr lang="de-DE" dirty="0"/>
-          </a:p>
-        </p:txBody>
-      </p:sp>
-      <p:sp>
-        <p:nvSpPr>
-          <p:cNvPr id="6" name="Foliennummernplatzhalter 5">
-            <a:extLst>
-              <a:ext uri="{FF2B5EF4-FFF2-40B4-BE49-F238E27FC236}">
-                <a16:creationId xmlns:a16="http://schemas.microsoft.com/office/drawing/2014/main" id="{2C10D558-D758-43BA-8345-AC431D702023}"/>
-              </a:ext>
-            </a:extLst>
-          </p:cNvPr>
-          <p:cNvSpPr>
-            <a:spLocks noGrp="1"/>
-          </p:cNvSpPr>
-          <p:nvPr>
-            <p:ph type="sldNum" sz="quarter" idx="12"/>
-          </p:nvPr>
-        </p:nvSpPr>
-        <p:spPr/>
-        <p:txBody>
-          <a:bodyPr/>
-          <a:lstStyle/>
-          <a:p>
-            <a:pPr rtl="0"/>
-            <a:fld id="{C014DD1E-5D91-48A3-AD6D-45FBA980D106}" type="slidenum">
-              <a:rPr lang="de-DE" smtClean="0"/>
-              <a:t>16</a:t>
-            </a:fld>
-            <a:endParaRPr lang="de-DE" dirty="0"/>
-          </a:p>
-        </p:txBody>
-      </p:sp>
-      <p:pic>
-        <p:nvPicPr>
-          <p:cNvPr id="11" name="Grafik 10">
-            <a:extLst>
-              <a:ext uri="{FF2B5EF4-FFF2-40B4-BE49-F238E27FC236}">
-                <a16:creationId xmlns:a16="http://schemas.microsoft.com/office/drawing/2014/main" id="{D36BD0A0-6C3D-4CC1-92AE-DD362763ED5C}"/>
-              </a:ext>
-            </a:extLst>
-          </p:cNvPr>
-          <p:cNvPicPr>
-            <a:picLocks noChangeAspect="1"/>
-          </p:cNvPicPr>
-          <p:nvPr/>
-        </p:nvPicPr>
-        <p:blipFill>
-          <a:blip r:embed="rId3">
-            <a:extLst>
-              <a:ext uri="{28A0092B-C50C-407E-A947-70E740481C1C}">
-                <a14:useLocalDpi xmlns:a14="http://schemas.microsoft.com/office/drawing/2010/main" val="0"/>
-              </a:ext>
-            </a:extLst>
-          </a:blip>
-          <a:stretch>
-            <a:fillRect/>
-          </a:stretch>
-        </p:blipFill>
-        <p:spPr>
-          <a:xfrm>
-            <a:off x="7030516" y="1124744"/>
-            <a:ext cx="680383" cy="792088"/>
-          </a:xfrm>
-          <a:prstGeom prst="rect">
-            <a:avLst/>
-          </a:prstGeom>
-        </p:spPr>
-      </p:pic>
-      <p:pic>
-        <p:nvPicPr>
-          <p:cNvPr id="12" name="Grafik 11">
-            <a:extLst>
-              <a:ext uri="{FF2B5EF4-FFF2-40B4-BE49-F238E27FC236}">
-                <a16:creationId xmlns:a16="http://schemas.microsoft.com/office/drawing/2014/main" id="{02E95E5B-0056-4A87-B34A-912300C26C6C}"/>
-              </a:ext>
-            </a:extLst>
-          </p:cNvPr>
-          <p:cNvPicPr>
-            <a:picLocks noChangeAspect="1"/>
-          </p:cNvPicPr>
-          <p:nvPr/>
-        </p:nvPicPr>
-        <p:blipFill>
-          <a:blip r:embed="rId3">
-            <a:extLst>
-              <a:ext uri="{28A0092B-C50C-407E-A947-70E740481C1C}">
-                <a14:useLocalDpi xmlns:a14="http://schemas.microsoft.com/office/drawing/2010/main" val="0"/>
-              </a:ext>
-            </a:extLst>
-          </a:blip>
-          <a:stretch>
-            <a:fillRect/>
-          </a:stretch>
-        </p:blipFill>
-        <p:spPr>
-          <a:xfrm>
-            <a:off x="6350133" y="2276872"/>
-            <a:ext cx="680383" cy="792088"/>
-          </a:xfrm>
-          <a:prstGeom prst="rect">
-            <a:avLst/>
-          </a:prstGeom>
-        </p:spPr>
-      </p:pic>
-      <p:pic>
-        <p:nvPicPr>
-          <p:cNvPr id="15" name="Grafik 14">
-            <a:extLst>
-              <a:ext uri="{FF2B5EF4-FFF2-40B4-BE49-F238E27FC236}">
-                <a16:creationId xmlns:a16="http://schemas.microsoft.com/office/drawing/2014/main" id="{32BEC22E-9D78-4EEB-9400-FD5388E62171}"/>
-              </a:ext>
-            </a:extLst>
-          </p:cNvPr>
-          <p:cNvPicPr>
-            <a:picLocks noChangeAspect="1"/>
-          </p:cNvPicPr>
-          <p:nvPr/>
-        </p:nvPicPr>
-        <p:blipFill>
-          <a:blip r:embed="rId4" cstate="print">
-            <a:extLst>
-              <a:ext uri="{28A0092B-C50C-407E-A947-70E740481C1C}">
-                <a14:useLocalDpi xmlns:a14="http://schemas.microsoft.com/office/drawing/2010/main" val="0"/>
-              </a:ext>
-            </a:extLst>
-          </a:blip>
-          <a:stretch>
-            <a:fillRect/>
-          </a:stretch>
-        </p:blipFill>
-        <p:spPr>
-          <a:xfrm>
-            <a:off x="5468744" y="4869160"/>
-            <a:ext cx="625668" cy="625668"/>
-          </a:xfrm>
-          <a:prstGeom prst="rect">
-            <a:avLst/>
-          </a:prstGeom>
-        </p:spPr>
-      </p:pic>
-      <p:pic>
-        <p:nvPicPr>
-          <p:cNvPr id="16" name="Grafik 15">
-            <a:extLst>
-              <a:ext uri="{FF2B5EF4-FFF2-40B4-BE49-F238E27FC236}">
-                <a16:creationId xmlns:a16="http://schemas.microsoft.com/office/drawing/2014/main" id="{9367CE9D-9A4F-44A2-8A3A-B658923C3CCB}"/>
-              </a:ext>
-            </a:extLst>
-          </p:cNvPr>
-          <p:cNvPicPr>
-            <a:picLocks noChangeAspect="1"/>
-          </p:cNvPicPr>
-          <p:nvPr/>
-        </p:nvPicPr>
-        <p:blipFill>
-          <a:blip r:embed="rId3">
-            <a:extLst>
-              <a:ext uri="{28A0092B-C50C-407E-A947-70E740481C1C}">
-                <a14:useLocalDpi xmlns:a14="http://schemas.microsoft.com/office/drawing/2010/main" val="0"/>
-              </a:ext>
-            </a:extLst>
-          </a:blip>
-          <a:stretch>
-            <a:fillRect/>
-          </a:stretch>
-        </p:blipFill>
-        <p:spPr>
-          <a:xfrm>
-            <a:off x="8395133" y="3456430"/>
-            <a:ext cx="680383" cy="792088"/>
-          </a:xfrm>
-          <a:prstGeom prst="rect">
-            <a:avLst/>
-          </a:prstGeom>
-        </p:spPr>
-      </p:pic>
-      <p:pic>
-        <p:nvPicPr>
-          <p:cNvPr id="17" name="Grafik 16">
-            <a:extLst>
-              <a:ext uri="{FF2B5EF4-FFF2-40B4-BE49-F238E27FC236}">
-                <a16:creationId xmlns:a16="http://schemas.microsoft.com/office/drawing/2014/main" id="{66EEDB1C-5A39-4C60-853C-AAC529A62BD7}"/>
-              </a:ext>
-            </a:extLst>
-          </p:cNvPr>
-          <p:cNvPicPr>
-            <a:picLocks noChangeAspect="1"/>
-          </p:cNvPicPr>
-          <p:nvPr/>
-        </p:nvPicPr>
-        <p:blipFill>
-          <a:blip r:embed="rId4" cstate="print">
-            <a:extLst>
-              <a:ext uri="{28A0092B-C50C-407E-A947-70E740481C1C}">
-                <a14:useLocalDpi xmlns:a14="http://schemas.microsoft.com/office/drawing/2010/main" val="0"/>
-              </a:ext>
-            </a:extLst>
-          </a:blip>
-          <a:stretch>
-            <a:fillRect/>
-          </a:stretch>
-        </p:blipFill>
-        <p:spPr>
-          <a:xfrm>
-            <a:off x="9075516" y="3650718"/>
-            <a:ext cx="625668" cy="625668"/>
-          </a:xfrm>
-          <a:prstGeom prst="rect">
-            <a:avLst/>
-          </a:prstGeom>
-        </p:spPr>
-      </p:pic>
-    </p:spTree>
-    <p:extLst>
-      <p:ext uri="{BB962C8B-B14F-4D97-AF65-F5344CB8AC3E}">
-        <p14:creationId xmlns:p14="http://schemas.microsoft.com/office/powerpoint/2010/main" val="2311730594"/>
-      </p:ext>
-    </p:extLst>
-  </p:cSld>
-  <p:clrMapOvr>
-    <a:masterClrMapping/>
-  </p:clrMapOvr>
-  <mc:AlternateContent xmlns:mc="http://schemas.openxmlformats.org/markup-compatibility/2006" xmlns:p14="http://schemas.microsoft.com/office/powerpoint/2010/main">
-    <mc:Choice Requires="p14">
-      <p:transition spd="med" p14:dur="700">
-        <p:fade/>
-      </p:transition>
-    </mc:Choice>
-    <mc:Fallback xmlns="">
-      <p:transition spd="med">
-        <p:fade/>
-      </p:transition>
-    </mc:Fallback>
-  </mc:AlternateContent>
   <p:timing>
     <p:tnLst>
       <p:par>
@@ -25259,169 +24810,7 @@
                                           </p:stCondLst>
                                         </p:cTn>
                                         <p:tgtEl>
-                                          <p:spTgt spid="11"/>
-                                        </p:tgtEl>
-                                        <p:attrNameLst>
-                                          <p:attrName>style.visibility</p:attrName>
-                                        </p:attrNameLst>
-                                      </p:cBhvr>
-                                      <p:to>
-                                        <p:strVal val="visible"/>
-                                      </p:to>
-                                    </p:set>
-                                  </p:childTnLst>
-                                </p:cTn>
-                              </p:par>
-                            </p:childTnLst>
-                          </p:cTn>
-                        </p:par>
-                      </p:childTnLst>
-                    </p:cTn>
-                  </p:par>
-                  <p:par>
-                    <p:cTn id="7" fill="hold">
-                      <p:stCondLst>
-                        <p:cond delay="indefinite"/>
-                      </p:stCondLst>
-                      <p:childTnLst>
-                        <p:par>
-                          <p:cTn id="8" fill="hold">
-                            <p:stCondLst>
-                              <p:cond delay="0"/>
-                            </p:stCondLst>
-                            <p:childTnLst>
-                              <p:par>
-                                <p:cTn id="9" presetID="1" presetClass="entr" presetSubtype="0" fill="hold" nodeType="clickEffect">
-                                  <p:stCondLst>
-                                    <p:cond delay="0"/>
-                                  </p:stCondLst>
-                                  <p:childTnLst>
-                                    <p:set>
-                                      <p:cBhvr>
-                                        <p:cTn id="10" dur="1" fill="hold">
-                                          <p:stCondLst>
-                                            <p:cond delay="0"/>
-                                          </p:stCondLst>
-                                        </p:cTn>
-                                        <p:tgtEl>
-                                          <p:spTgt spid="12"/>
-                                        </p:tgtEl>
-                                        <p:attrNameLst>
-                                          <p:attrName>style.visibility</p:attrName>
-                                        </p:attrNameLst>
-                                      </p:cBhvr>
-                                      <p:to>
-                                        <p:strVal val="visible"/>
-                                      </p:to>
-                                    </p:set>
-                                  </p:childTnLst>
-                                </p:cTn>
-                              </p:par>
-                            </p:childTnLst>
-                          </p:cTn>
-                        </p:par>
-                      </p:childTnLst>
-                    </p:cTn>
-                  </p:par>
-                  <p:par>
-                    <p:cTn id="11" fill="hold">
-                      <p:stCondLst>
-                        <p:cond delay="indefinite"/>
-                      </p:stCondLst>
-                      <p:childTnLst>
-                        <p:par>
-                          <p:cTn id="12" fill="hold">
-                            <p:stCondLst>
-                              <p:cond delay="0"/>
-                            </p:stCondLst>
-                            <p:childTnLst>
-                              <p:par>
-                                <p:cTn id="13" presetID="1" presetClass="entr" presetSubtype="0" fill="hold" nodeType="clickEffect">
-                                  <p:stCondLst>
-                                    <p:cond delay="0"/>
-                                  </p:stCondLst>
-                                  <p:childTnLst>
-                                    <p:set>
-                                      <p:cBhvr>
-                                        <p:cTn id="14" dur="1" fill="hold">
-                                          <p:stCondLst>
-                                            <p:cond delay="0"/>
-                                          </p:stCondLst>
-                                        </p:cTn>
-                                        <p:tgtEl>
-                                          <p:spTgt spid="16"/>
-                                        </p:tgtEl>
-                                        <p:attrNameLst>
-                                          <p:attrName>style.visibility</p:attrName>
-                                        </p:attrNameLst>
-                                      </p:cBhvr>
-                                      <p:to>
-                                        <p:strVal val="visible"/>
-                                      </p:to>
-                                    </p:set>
-                                  </p:childTnLst>
-                                </p:cTn>
-                              </p:par>
-                              <p:par>
-                                <p:cTn id="15" presetID="1" presetClass="entr" presetSubtype="0" fill="hold" nodeType="withEffect">
-                                  <p:stCondLst>
-                                    <p:cond delay="0"/>
-                                  </p:stCondLst>
-                                  <p:childTnLst>
-                                    <p:set>
-                                      <p:cBhvr>
-                                        <p:cTn id="16" dur="1" fill="hold">
-                                          <p:stCondLst>
-                                            <p:cond delay="0"/>
-                                          </p:stCondLst>
-                                        </p:cTn>
-                                        <p:tgtEl>
-                                          <p:spTgt spid="17"/>
-                                        </p:tgtEl>
-                                        <p:attrNameLst>
-                                          <p:attrName>style.visibility</p:attrName>
-                                        </p:attrNameLst>
-                                      </p:cBhvr>
-                                      <p:to>
-                                        <p:strVal val="visible"/>
-                                      </p:to>
-                                    </p:set>
-                                  </p:childTnLst>
-                                </p:cTn>
-                              </p:par>
-                            </p:childTnLst>
-                          </p:cTn>
-                        </p:par>
-                      </p:childTnLst>
-                    </p:cTn>
-                  </p:par>
-                  <p:par>
-                    <p:cTn id="17" fill="hold">
-                      <p:stCondLst>
-                        <p:cond delay="indefinite"/>
-                      </p:stCondLst>
-                      <p:childTnLst>
-                        <p:par>
-                          <p:cTn id="18" fill="hold">
-                            <p:stCondLst>
-                              <p:cond delay="0"/>
-                            </p:stCondLst>
-                            <p:childTnLst>
-                              <p:par>
-                                <p:cTn id="19" presetID="1" presetClass="entr" presetSubtype="0" fill="hold" nodeType="clickEffect">
-                                  <p:stCondLst>
-                                    <p:cond delay="0"/>
-                                  </p:stCondLst>
-                                  <p:childTnLst>
-                                    <p:set>
-                                      <p:cBhvr>
-                                        <p:cTn id="20" dur="1" fill="hold">
-                                          <p:stCondLst>
-                                            <p:cond delay="0"/>
-                                          </p:stCondLst>
-                                        </p:cTn>
-                                        <p:tgtEl>
-                                          <p:spTgt spid="15"/>
+                                          <p:spTgt spid="13"/>
                                         </p:tgtEl>
                                         <p:attrNameLst>
                                           <p:attrName>style.visibility</p:attrName>
@@ -25465,7 +24854,7 @@
 </p:sld>
 </file>
 
-<file path=ppt/slides/slide17.xml><?xml version="1.0" encoding="utf-8"?>
+<file path=ppt/slides/slide16.xml><?xml version="1.0" encoding="utf-8"?>
 <p:sld xmlns:a="http://schemas.openxmlformats.org/drawingml/2006/main" xmlns:r="http://schemas.openxmlformats.org/officeDocument/2006/relationships" xmlns:p="http://schemas.openxmlformats.org/presentationml/2006/main">
   <p:cSld>
     <p:spTree>
@@ -25500,13 +24889,13 @@
         </p:spPr>
         <p:txBody>
           <a:bodyPr rtlCol="0">
-            <a:normAutofit fontScale="90000"/>
+            <a:noAutofit/>
           </a:bodyPr>
           <a:lstStyle/>
           <a:p>
             <a:pPr algn="ctr" rtl="0"/>
             <a:r>
-              <a:rPr lang="de-DE" dirty="0"/>
+              <a:rPr lang="de-DE" sz="3200" b="1" dirty="0"/>
               <a:t>Vielen Dank für ihre Aufmerksamkeit!</a:t>
             </a:r>
           </a:p>
@@ -25566,7 +24955,7 @@
             <a:pPr rtl="0"/>
             <a:fld id="{C014DD1E-5D91-48A3-AD6D-45FBA980D106}" type="slidenum">
               <a:rPr lang="de-DE" smtClean="0"/>
-              <a:t>17</a:t>
+              <a:t>16</a:t>
             </a:fld>
             <a:endParaRPr lang="de-DE" dirty="0"/>
           </a:p>
@@ -25717,7 +25106,7 @@
           <p:nvPr>
             <p:extLst>
               <p:ext uri="{D42A27DB-BD31-4B8C-83A1-F6EECF244321}">
-                <p14:modId xmlns:p14="http://schemas.microsoft.com/office/powerpoint/2010/main" val="2630102934"/>
+                <p14:modId xmlns:p14="http://schemas.microsoft.com/office/powerpoint/2010/main" val="1253250769"/>
               </p:ext>
             </p:extLst>
           </p:nvPr>
@@ -25893,7 +25282,7 @@
         <p:spPr>
           <a:xfrm>
             <a:off x="2522562" y="1096792"/>
-            <a:ext cx="7143700" cy="4664416"/>
+            <a:ext cx="7143700" cy="4664415"/>
           </a:xfrm>
         </p:spPr>
       </p:pic>
@@ -26042,7 +25431,7 @@
           <p:nvPr>
             <p:extLst>
               <p:ext uri="{D42A27DB-BD31-4B8C-83A1-F6EECF244321}">
-                <p14:modId xmlns:p14="http://schemas.microsoft.com/office/powerpoint/2010/main" val="2867069111"/>
+                <p14:modId xmlns:p14="http://schemas.microsoft.com/office/powerpoint/2010/main" val="1812979622"/>
               </p:ext>
             </p:extLst>
           </p:nvPr>
@@ -26124,7 +25513,76 @@
             <a:pPr algn="ctr" rtl="0"/>
             <a:r>
               <a:rPr lang="de-DE" dirty="0"/>
-              <a:t>Analysephase – c‘t Programm</a:t>
+              <a:t>Anforderungen</a:t>
+            </a:r>
+          </a:p>
+        </p:txBody>
+      </p:sp>
+      <p:sp>
+        <p:nvSpPr>
+          <p:cNvPr id="3" name="Inhaltsplatzhalter 2">
+            <a:extLst>
+              <a:ext uri="{FF2B5EF4-FFF2-40B4-BE49-F238E27FC236}">
+                <a16:creationId xmlns:a16="http://schemas.microsoft.com/office/drawing/2014/main" id="{2354811B-43F9-4706-B744-6E7350D7DE39}"/>
+              </a:ext>
+            </a:extLst>
+          </p:cNvPr>
+          <p:cNvSpPr>
+            <a:spLocks noGrp="1"/>
+          </p:cNvSpPr>
+          <p:nvPr>
+            <p:ph idx="1"/>
+          </p:nvPr>
+        </p:nvSpPr>
+        <p:spPr>
+          <a:xfrm>
+            <a:off x="1218883" y="908719"/>
+            <a:ext cx="10360501" cy="5255349"/>
+          </a:xfrm>
+        </p:spPr>
+        <p:txBody>
+          <a:bodyPr/>
+          <a:lstStyle/>
+          <a:p>
+            <a:r>
+              <a:rPr lang="de-DE" dirty="0"/>
+              <a:t>Projekt aus der c‘t lauffähig machen</a:t>
+            </a:r>
+          </a:p>
+          <a:p>
+            <a:endParaRPr lang="de-DE" dirty="0"/>
+          </a:p>
+          <a:p>
+            <a:r>
+              <a:rPr lang="de-DE" dirty="0"/>
+              <a:t>eigene Texte hinzufügen können (ähnlich dem Infomonitor von FB5)</a:t>
+            </a:r>
+          </a:p>
+          <a:p>
+            <a:endParaRPr lang="de-DE" dirty="0"/>
+          </a:p>
+          <a:p>
+            <a:r>
+              <a:rPr lang="de-DE" dirty="0"/>
+              <a:t>schnelle Verarbeitung der eingegebenen Texte</a:t>
+            </a:r>
+          </a:p>
+          <a:p>
+            <a:endParaRPr lang="de-DE" dirty="0"/>
+          </a:p>
+          <a:p>
+            <a:r>
+              <a:rPr lang="de-DE" dirty="0"/>
+              <a:t>Umsetzung in C oder Java (optional)</a:t>
+            </a:r>
+          </a:p>
+          <a:p>
+            <a:endParaRPr lang="de-DE" dirty="0"/>
+          </a:p>
+          <a:p>
+            <a:r>
+              <a:rPr lang="de-DE" dirty="0"/>
+              <a:t>modulare Entwicklung &amp; Kommentare</a:t>
             </a:r>
           </a:p>
         </p:txBody>
@@ -26189,251 +25647,6 @@
           </a:p>
         </p:txBody>
       </p:sp>
-      <p:sp>
-        <p:nvSpPr>
-          <p:cNvPr id="8" name="Inhaltsplatzhalter 7">
-            <a:extLst>
-              <a:ext uri="{FF2B5EF4-FFF2-40B4-BE49-F238E27FC236}">
-                <a16:creationId xmlns:a16="http://schemas.microsoft.com/office/drawing/2014/main" id="{6F44A896-D30B-46EA-85C5-6B30E78AAD7F}"/>
-              </a:ext>
-            </a:extLst>
-          </p:cNvPr>
-          <p:cNvSpPr>
-            <a:spLocks noGrp="1"/>
-          </p:cNvSpPr>
-          <p:nvPr>
-            <p:ph sz="half" idx="1"/>
-          </p:nvPr>
-        </p:nvSpPr>
-        <p:spPr/>
-        <p:txBody>
-          <a:bodyPr/>
-          <a:lstStyle/>
-          <a:p>
-            <a:endParaRPr lang="de-DE"/>
-          </a:p>
-        </p:txBody>
-      </p:sp>
-      <p:sp>
-        <p:nvSpPr>
-          <p:cNvPr id="10" name="Inhaltsplatzhalter 9">
-            <a:extLst>
-              <a:ext uri="{FF2B5EF4-FFF2-40B4-BE49-F238E27FC236}">
-                <a16:creationId xmlns:a16="http://schemas.microsoft.com/office/drawing/2014/main" id="{176075E8-5EEA-4518-8BA3-7CB21980E5DF}"/>
-              </a:ext>
-            </a:extLst>
-          </p:cNvPr>
-          <p:cNvSpPr>
-            <a:spLocks noGrp="1"/>
-          </p:cNvSpPr>
-          <p:nvPr>
-            <p:ph sz="half" idx="2"/>
-          </p:nvPr>
-        </p:nvSpPr>
-        <p:spPr/>
-        <p:txBody>
-          <a:bodyPr/>
-          <a:lstStyle/>
-          <a:p>
-            <a:endParaRPr lang="de-DE"/>
-          </a:p>
-        </p:txBody>
-      </p:sp>
-    </p:spTree>
-    <p:extLst>
-      <p:ext uri="{BB962C8B-B14F-4D97-AF65-F5344CB8AC3E}">
-        <p14:creationId xmlns:p14="http://schemas.microsoft.com/office/powerpoint/2010/main" val="2341911148"/>
-      </p:ext>
-    </p:extLst>
-  </p:cSld>
-  <p:clrMapOvr>
-    <a:masterClrMapping/>
-  </p:clrMapOvr>
-  <mc:AlternateContent xmlns:mc="http://schemas.openxmlformats.org/markup-compatibility/2006" xmlns:p14="http://schemas.microsoft.com/office/powerpoint/2010/main">
-    <mc:Choice Requires="p14">
-      <p:transition spd="med" p14:dur="700">
-        <p:fade/>
-      </p:transition>
-    </mc:Choice>
-    <mc:Fallback xmlns="">
-      <p:transition spd="med">
-        <p:fade/>
-      </p:transition>
-    </mc:Fallback>
-  </mc:AlternateContent>
-</p:sld>
-</file>
-
-<file path=ppt/slides/slide6.xml><?xml version="1.0" encoding="utf-8"?>
-<p:sld xmlns:a="http://schemas.openxmlformats.org/drawingml/2006/main" xmlns:r="http://schemas.openxmlformats.org/officeDocument/2006/relationships" xmlns:p="http://schemas.openxmlformats.org/presentationml/2006/main">
-  <p:cSld>
-    <p:spTree>
-      <p:nvGrpSpPr>
-        <p:cNvPr id="1" name=""/>
-        <p:cNvGrpSpPr/>
-        <p:nvPr/>
-      </p:nvGrpSpPr>
-      <p:grpSpPr>
-        <a:xfrm>
-          <a:off x="0" y="0"/>
-          <a:ext cx="0" cy="0"/>
-          <a:chOff x="0" y="0"/>
-          <a:chExt cx="0" cy="0"/>
-        </a:xfrm>
-      </p:grpSpPr>
-      <p:sp>
-        <p:nvSpPr>
-          <p:cNvPr id="2" name="Titel 1"/>
-          <p:cNvSpPr>
-            <a:spLocks noGrp="1"/>
-          </p:cNvSpPr>
-          <p:nvPr>
-            <p:ph type="title"/>
-          </p:nvPr>
-        </p:nvSpPr>
-        <p:spPr>
-          <a:xfrm>
-            <a:off x="1224000" y="270000"/>
-            <a:ext cx="10360501" cy="562075"/>
-          </a:xfrm>
-        </p:spPr>
-        <p:txBody>
-          <a:bodyPr rtlCol="0">
-            <a:normAutofit fontScale="90000"/>
-          </a:bodyPr>
-          <a:lstStyle/>
-          <a:p>
-            <a:pPr algn="ctr" rtl="0"/>
-            <a:r>
-              <a:rPr lang="de-DE" dirty="0"/>
-              <a:t>Analysephase – Anforderungen</a:t>
-            </a:r>
-          </a:p>
-        </p:txBody>
-      </p:sp>
-      <p:sp>
-        <p:nvSpPr>
-          <p:cNvPr id="3" name="Inhaltsplatzhalter 2">
-            <a:extLst>
-              <a:ext uri="{FF2B5EF4-FFF2-40B4-BE49-F238E27FC236}">
-                <a16:creationId xmlns:a16="http://schemas.microsoft.com/office/drawing/2014/main" id="{2354811B-43F9-4706-B744-6E7350D7DE39}"/>
-              </a:ext>
-            </a:extLst>
-          </p:cNvPr>
-          <p:cNvSpPr>
-            <a:spLocks noGrp="1"/>
-          </p:cNvSpPr>
-          <p:nvPr>
-            <p:ph idx="1"/>
-          </p:nvPr>
-        </p:nvSpPr>
-        <p:spPr>
-          <a:xfrm>
-            <a:off x="1218883" y="908719"/>
-            <a:ext cx="10360501" cy="5255349"/>
-          </a:xfrm>
-        </p:spPr>
-        <p:txBody>
-          <a:bodyPr/>
-          <a:lstStyle/>
-          <a:p>
-            <a:endParaRPr lang="de-DE" dirty="0"/>
-          </a:p>
-          <a:p>
-            <a:r>
-              <a:rPr lang="de-DE" dirty="0"/>
-              <a:t>Projekt aus der c‘t lauffähig machen</a:t>
-            </a:r>
-          </a:p>
-          <a:p>
-            <a:endParaRPr lang="de-DE" dirty="0"/>
-          </a:p>
-          <a:p>
-            <a:r>
-              <a:rPr lang="de-DE" dirty="0"/>
-              <a:t>eigene Texte hinzufügen können (ähnlich dem Infomonitor von FB5)</a:t>
-            </a:r>
-          </a:p>
-          <a:p>
-            <a:endParaRPr lang="de-DE" dirty="0"/>
-          </a:p>
-          <a:p>
-            <a:r>
-              <a:rPr lang="de-DE" dirty="0"/>
-              <a:t>Schnelle Verarbeitung der eingegebenen Texte</a:t>
-            </a:r>
-          </a:p>
-          <a:p>
-            <a:endParaRPr lang="de-DE" dirty="0"/>
-          </a:p>
-          <a:p>
-            <a:r>
-              <a:rPr lang="de-DE" dirty="0"/>
-              <a:t>Umsetzung in C oder Java (optional)</a:t>
-            </a:r>
-          </a:p>
-        </p:txBody>
-      </p:sp>
-      <p:sp>
-        <p:nvSpPr>
-          <p:cNvPr id="4" name="Fußzeilenplatzhalter 3">
-            <a:extLst>
-              <a:ext uri="{FF2B5EF4-FFF2-40B4-BE49-F238E27FC236}">
-                <a16:creationId xmlns:a16="http://schemas.microsoft.com/office/drawing/2014/main" id="{1E8F8C7F-00C3-4E0D-BD50-E1FC2480992F}"/>
-              </a:ext>
-            </a:extLst>
-          </p:cNvPr>
-          <p:cNvSpPr>
-            <a:spLocks noGrp="1"/>
-          </p:cNvSpPr>
-          <p:nvPr>
-            <p:ph type="ftr" sz="quarter" idx="11"/>
-          </p:nvPr>
-        </p:nvSpPr>
-        <p:spPr/>
-        <p:txBody>
-          <a:bodyPr/>
-          <a:lstStyle/>
-          <a:p>
-            <a:pPr rtl="0"/>
-            <a:r>
-              <a:rPr lang="de-DE"/>
-              <a:t>Jan-Philipp Töberg / Projektarbeit SS18</a:t>
-            </a:r>
-            <a:endParaRPr lang="de-DE" dirty="0"/>
-          </a:p>
-        </p:txBody>
-      </p:sp>
-      <p:sp>
-        <p:nvSpPr>
-          <p:cNvPr id="6" name="Foliennummernplatzhalter 5">
-            <a:extLst>
-              <a:ext uri="{FF2B5EF4-FFF2-40B4-BE49-F238E27FC236}">
-                <a16:creationId xmlns:a16="http://schemas.microsoft.com/office/drawing/2014/main" id="{2C10D558-D758-43BA-8345-AC431D702023}"/>
-              </a:ext>
-            </a:extLst>
-          </p:cNvPr>
-          <p:cNvSpPr>
-            <a:spLocks noGrp="1"/>
-          </p:cNvSpPr>
-          <p:nvPr>
-            <p:ph type="sldNum" sz="quarter" idx="12"/>
-          </p:nvPr>
-        </p:nvSpPr>
-        <p:spPr/>
-        <p:txBody>
-          <a:bodyPr/>
-          <a:lstStyle/>
-          <a:p>
-            <a:pPr rtl="0"/>
-            <a:fld id="{C014DD1E-5D91-48A3-AD6D-45FBA980D106}" type="slidenum">
-              <a:rPr lang="de-DE" smtClean="0"/>
-              <a:t>6</a:t>
-            </a:fld>
-            <a:endParaRPr lang="de-DE" dirty="0"/>
-          </a:p>
-        </p:txBody>
-      </p:sp>
     </p:spTree>
     <p:extLst>
       <p:ext uri="{BB962C8B-B14F-4D97-AF65-F5344CB8AC3E}">
@@ -26459,7 +25672,7 @@
 </p:sld>
 </file>
 
-<file path=ppt/slides/slide7.xml><?xml version="1.0" encoding="utf-8"?>
+<file path=ppt/slides/slide6.xml><?xml version="1.0" encoding="utf-8"?>
 <p:sld xmlns:a="http://schemas.openxmlformats.org/drawingml/2006/main" xmlns:r="http://schemas.openxmlformats.org/officeDocument/2006/relationships" xmlns:p="http://schemas.openxmlformats.org/presentationml/2006/main">
   <p:cSld>
     <p:spTree>
@@ -26560,7 +25773,7 @@
             <a:pPr rtl="0"/>
             <a:fld id="{C014DD1E-5D91-48A3-AD6D-45FBA980D106}" type="slidenum">
               <a:rPr lang="de-DE" smtClean="0"/>
-              <a:t>7</a:t>
+              <a:t>6</a:t>
             </a:fld>
             <a:endParaRPr lang="de-DE" dirty="0"/>
           </a:p>
@@ -26579,7 +25792,7 @@
           <p:nvPr>
             <p:extLst>
               <p:ext uri="{D42A27DB-BD31-4B8C-83A1-F6EECF244321}">
-                <p14:modId xmlns:p14="http://schemas.microsoft.com/office/powerpoint/2010/main" val="2487514743"/>
+                <p14:modId xmlns:p14="http://schemas.microsoft.com/office/powerpoint/2010/main" val="2597716197"/>
               </p:ext>
             </p:extLst>
           </p:nvPr>
@@ -26619,7 +25832,7 @@
 </p:sld>
 </file>
 
-<file path=ppt/slides/slide8.xml><?xml version="1.0" encoding="utf-8"?>
+<file path=ppt/slides/slide7.xml><?xml version="1.0" encoding="utf-8"?>
 <p:sld xmlns:a="http://schemas.openxmlformats.org/drawingml/2006/main" xmlns:r="http://schemas.openxmlformats.org/officeDocument/2006/relationships" xmlns:p="http://schemas.openxmlformats.org/presentationml/2006/main">
   <p:cSld>
     <p:spTree>
@@ -26718,7 +25931,7 @@
             <a:pPr rtl="0"/>
             <a:fld id="{C014DD1E-5D91-48A3-AD6D-45FBA980D106}" type="slidenum">
               <a:rPr lang="de-DE" smtClean="0"/>
-              <a:t>8</a:t>
+              <a:t>7</a:t>
             </a:fld>
             <a:endParaRPr lang="de-DE" dirty="0"/>
           </a:p>
@@ -27418,7 +26631,7 @@
 </p:sld>
 </file>
 
-<file path=ppt/slides/slide9.xml><?xml version="1.0" encoding="utf-8"?>
+<file path=ppt/slides/slide8.xml><?xml version="1.0" encoding="utf-8"?>
 <p:sld xmlns:a="http://schemas.openxmlformats.org/drawingml/2006/main" xmlns:r="http://schemas.openxmlformats.org/officeDocument/2006/relationships" xmlns:p="http://schemas.openxmlformats.org/presentationml/2006/main">
   <p:cSld>
     <p:spTree>
@@ -27519,7 +26732,7 @@
             <a:pPr rtl="0"/>
             <a:fld id="{C014DD1E-5D91-48A3-AD6D-45FBA980D106}" type="slidenum">
               <a:rPr lang="de-DE" smtClean="0"/>
-              <a:t>9</a:t>
+              <a:t>8</a:t>
             </a:fld>
             <a:endParaRPr lang="de-DE" dirty="0"/>
           </a:p>
@@ -27538,7 +26751,7 @@
           <p:nvPr>
             <p:extLst>
               <p:ext uri="{D42A27DB-BD31-4B8C-83A1-F6EECF244321}">
-                <p14:modId xmlns:p14="http://schemas.microsoft.com/office/powerpoint/2010/main" val="935840589"/>
+                <p14:modId xmlns:p14="http://schemas.microsoft.com/office/powerpoint/2010/main" val="371296050"/>
               </p:ext>
             </p:extLst>
           </p:nvPr>
@@ -27557,6 +26770,171 @@
     <p:extLst>
       <p:ext uri="{BB962C8B-B14F-4D97-AF65-F5344CB8AC3E}">
         <p14:creationId xmlns:p14="http://schemas.microsoft.com/office/powerpoint/2010/main" val="746708545"/>
+      </p:ext>
+    </p:extLst>
+  </p:cSld>
+  <p:clrMapOvr>
+    <a:masterClrMapping/>
+  </p:clrMapOvr>
+  <mc:AlternateContent xmlns:mc="http://schemas.openxmlformats.org/markup-compatibility/2006" xmlns:p14="http://schemas.microsoft.com/office/powerpoint/2010/main">
+    <mc:Choice Requires="p14">
+      <p:transition spd="med" p14:dur="700">
+        <p:fade/>
+      </p:transition>
+    </mc:Choice>
+    <mc:Fallback xmlns="">
+      <p:transition spd="med">
+        <p:fade/>
+      </p:transition>
+    </mc:Fallback>
+  </mc:AlternateContent>
+</p:sld>
+</file>
+
+<file path=ppt/slides/slide9.xml><?xml version="1.0" encoding="utf-8"?>
+<p:sld xmlns:a="http://schemas.openxmlformats.org/drawingml/2006/main" xmlns:r="http://schemas.openxmlformats.org/officeDocument/2006/relationships" xmlns:p="http://schemas.openxmlformats.org/presentationml/2006/main">
+  <p:cSld>
+    <p:spTree>
+      <p:nvGrpSpPr>
+        <p:cNvPr id="1" name=""/>
+        <p:cNvGrpSpPr/>
+        <p:nvPr/>
+      </p:nvGrpSpPr>
+      <p:grpSpPr>
+        <a:xfrm>
+          <a:off x="0" y="0"/>
+          <a:ext cx="0" cy="0"/>
+          <a:chOff x="0" y="0"/>
+          <a:chExt cx="0" cy="0"/>
+        </a:xfrm>
+      </p:grpSpPr>
+      <p:sp>
+        <p:nvSpPr>
+          <p:cNvPr id="4" name="Titel 3"/>
+          <p:cNvSpPr>
+            <a:spLocks noGrp="1"/>
+          </p:cNvSpPr>
+          <p:nvPr>
+            <p:ph type="title"/>
+          </p:nvPr>
+        </p:nvSpPr>
+        <p:spPr>
+          <a:xfrm>
+            <a:off x="1224000" y="270000"/>
+            <a:ext cx="10360501" cy="634083"/>
+          </a:xfrm>
+        </p:spPr>
+        <p:txBody>
+          <a:bodyPr rtlCol="0"/>
+          <a:lstStyle/>
+          <a:p>
+            <a:pPr algn="ctr" rtl="0"/>
+            <a:r>
+              <a:rPr lang="de-DE" dirty="0"/>
+              <a:t>Umsetzung - Kommunikation</a:t>
+            </a:r>
+          </a:p>
+        </p:txBody>
+      </p:sp>
+      <p:pic>
+        <p:nvPicPr>
+          <p:cNvPr id="8" name="Inhaltsplatzhalter 7">
+            <a:extLst>
+              <a:ext uri="{FF2B5EF4-FFF2-40B4-BE49-F238E27FC236}">
+                <a16:creationId xmlns:a16="http://schemas.microsoft.com/office/drawing/2014/main" id="{43E8FCE4-A37C-4C02-9439-EFC1BC76FBE3}"/>
+              </a:ext>
+            </a:extLst>
+          </p:cNvPr>
+          <p:cNvPicPr>
+            <a:picLocks noGrp="1" noChangeAspect="1"/>
+          </p:cNvPicPr>
+          <p:nvPr>
+            <p:ph idx="1"/>
+          </p:nvPr>
+        </p:nvPicPr>
+        <p:blipFill>
+          <a:blip r:embed="rId3">
+            <a:extLst>
+              <a:ext uri="{28A0092B-C50C-407E-A947-70E740481C1C}">
+                <a14:useLocalDpi xmlns:a14="http://schemas.microsoft.com/office/drawing/2010/main" val="0"/>
+              </a:ext>
+            </a:extLst>
+          </a:blip>
+          <a:stretch>
+            <a:fillRect/>
+          </a:stretch>
+        </p:blipFill>
+        <p:spPr>
+          <a:xfrm>
+            <a:off x="2262474" y="1034905"/>
+            <a:ext cx="8283552" cy="5227948"/>
+          </a:xfrm>
+        </p:spPr>
+      </p:pic>
+      <p:sp>
+        <p:nvSpPr>
+          <p:cNvPr id="2" name="Fußzeilenplatzhalter 1">
+            <a:extLst>
+              <a:ext uri="{FF2B5EF4-FFF2-40B4-BE49-F238E27FC236}">
+                <a16:creationId xmlns:a16="http://schemas.microsoft.com/office/drawing/2014/main" id="{366F0BE8-B140-4101-8D7F-49063527154F}"/>
+              </a:ext>
+            </a:extLst>
+          </p:cNvPr>
+          <p:cNvSpPr>
+            <a:spLocks noGrp="1"/>
+          </p:cNvSpPr>
+          <p:nvPr>
+            <p:ph type="ftr" sz="quarter" idx="11"/>
+          </p:nvPr>
+        </p:nvSpPr>
+        <p:spPr/>
+        <p:txBody>
+          <a:bodyPr/>
+          <a:lstStyle/>
+          <a:p>
+            <a:pPr rtl="0"/>
+            <a:r>
+              <a:rPr lang="de-DE"/>
+              <a:t>Jan-Philipp Töberg / Projektarbeit SS18</a:t>
+            </a:r>
+            <a:endParaRPr lang="de-DE" dirty="0"/>
+          </a:p>
+        </p:txBody>
+      </p:sp>
+      <p:sp>
+        <p:nvSpPr>
+          <p:cNvPr id="3" name="Foliennummernplatzhalter 2">
+            <a:extLst>
+              <a:ext uri="{FF2B5EF4-FFF2-40B4-BE49-F238E27FC236}">
+                <a16:creationId xmlns:a16="http://schemas.microsoft.com/office/drawing/2014/main" id="{E1496EE6-9889-4F3B-B37C-7370A6BFE472}"/>
+              </a:ext>
+            </a:extLst>
+          </p:cNvPr>
+          <p:cNvSpPr>
+            <a:spLocks noGrp="1"/>
+          </p:cNvSpPr>
+          <p:nvPr>
+            <p:ph type="sldNum" sz="quarter" idx="12"/>
+          </p:nvPr>
+        </p:nvSpPr>
+        <p:spPr/>
+        <p:txBody>
+          <a:bodyPr/>
+          <a:lstStyle/>
+          <a:p>
+            <a:pPr rtl="0"/>
+            <a:fld id="{C014DD1E-5D91-48A3-AD6D-45FBA980D106}" type="slidenum">
+              <a:rPr lang="de-DE" smtClean="0"/>
+              <a:t>9</a:t>
+            </a:fld>
+            <a:endParaRPr lang="de-DE" dirty="0"/>
+          </a:p>
+        </p:txBody>
+      </p:sp>
+    </p:spTree>
+    <p:extLst>
+      <p:ext uri="{BB962C8B-B14F-4D97-AF65-F5344CB8AC3E}">
+        <p14:creationId xmlns:p14="http://schemas.microsoft.com/office/powerpoint/2010/main" val="4264977537"/>
       </p:ext>
     </p:extLst>
   </p:cSld>
@@ -28529,142 +27907,6 @@
 </file>
 
 <file path=customXml/item1.xml><?xml version="1.0" encoding="utf-8"?>
-<p:properties xmlns:p="http://schemas.microsoft.com/office/2006/metadata/properties" xmlns:xsi="http://www.w3.org/2001/XMLSchema-instance" xmlns:pc="http://schemas.microsoft.com/office/infopath/2007/PartnerControls">
-  <documentManagement>
-    <LocPublishedLinkedAssetsLookup xmlns="4873beb7-5857-4685-be1f-d57550cc96cc" xsi:nil="true"/>
-    <ApprovalStatus xmlns="4873beb7-5857-4685-be1f-d57550cc96cc">InProgress</ApprovalStatus>
-    <MarketSpecific xmlns="4873beb7-5857-4685-be1f-d57550cc96cc">false</MarketSpecific>
-    <LocComments xmlns="4873beb7-5857-4685-be1f-d57550cc96cc" xsi:nil="true"/>
-    <LocLastLocAttemptVersionTypeLookup xmlns="4873beb7-5857-4685-be1f-d57550cc96cc" xsi:nil="true"/>
-    <DirectSourceMarket xmlns="4873beb7-5857-4685-be1f-d57550cc96cc" xsi:nil="true"/>
-    <ThumbnailAssetId xmlns="4873beb7-5857-4685-be1f-d57550cc96cc" xsi:nil="true"/>
-    <PrimaryImageGen xmlns="4873beb7-5857-4685-be1f-d57550cc96cc">false</PrimaryImageGen>
-    <LocNewPublishedVersionLookup xmlns="4873beb7-5857-4685-be1f-d57550cc96cc" xsi:nil="true"/>
-    <LegacyData xmlns="4873beb7-5857-4685-be1f-d57550cc96cc" xsi:nil="true"/>
-    <LocRecommendedHandoff xmlns="4873beb7-5857-4685-be1f-d57550cc96cc" xsi:nil="true"/>
-    <BusinessGroup xmlns="4873beb7-5857-4685-be1f-d57550cc96cc" xsi:nil="true"/>
-    <BlockPublish xmlns="4873beb7-5857-4685-be1f-d57550cc96cc">false</BlockPublish>
-    <TPFriendlyName xmlns="4873beb7-5857-4685-be1f-d57550cc96cc" xsi:nil="true"/>
-    <LocOverallPublishStatusLookup xmlns="4873beb7-5857-4685-be1f-d57550cc96cc" xsi:nil="true"/>
-    <NumericId xmlns="4873beb7-5857-4685-be1f-d57550cc96cc" xsi:nil="true"/>
-    <APEditor xmlns="4873beb7-5857-4685-be1f-d57550cc96cc">
-      <UserInfo>
-        <DisplayName/>
-        <AccountId xsi:nil="true"/>
-        <AccountType/>
-      </UserInfo>
-    </APEditor>
-    <SourceTitle xmlns="4873beb7-5857-4685-be1f-d57550cc96cc" xsi:nil="true"/>
-    <OpenTemplate xmlns="4873beb7-5857-4685-be1f-d57550cc96cc">true</OpenTemplate>
-    <LocOverallLocStatusLookup xmlns="4873beb7-5857-4685-be1f-d57550cc96cc" xsi:nil="true"/>
-    <UALocComments xmlns="4873beb7-5857-4685-be1f-d57550cc96cc" xsi:nil="true"/>
-    <ParentAssetId xmlns="4873beb7-5857-4685-be1f-d57550cc96cc" xsi:nil="true"/>
-    <IntlLangReviewDate xmlns="4873beb7-5857-4685-be1f-d57550cc96cc" xsi:nil="true"/>
-    <FeatureTagsTaxHTField0 xmlns="4873beb7-5857-4685-be1f-d57550cc96cc">
-      <Terms xmlns="http://schemas.microsoft.com/office/infopath/2007/PartnerControls"/>
-    </FeatureTagsTaxHTField0>
-    <PublishStatusLookup xmlns="4873beb7-5857-4685-be1f-d57550cc96cc">
-      <Value>1345093</Value>
-    </PublishStatusLookup>
-    <Providers xmlns="4873beb7-5857-4685-be1f-d57550cc96cc" xsi:nil="true"/>
-    <MachineTranslated xmlns="4873beb7-5857-4685-be1f-d57550cc96cc">false</MachineTranslated>
-    <OriginalSourceMarket xmlns="4873beb7-5857-4685-be1f-d57550cc96cc" xsi:nil="true"/>
-    <APDescription xmlns="4873beb7-5857-4685-be1f-d57550cc96cc">This simple template design works for technology and  businesses, but it's versatile enough to use in other contexts.  It features multiple slide layouts designed for widescreen (16x9 resolution) and includes a sample SmartArt list and chart that are easily editable.</APDescription>
-    <ClipArtFilename xmlns="4873beb7-5857-4685-be1f-d57550cc96cc" xsi:nil="true"/>
-    <ContentItem xmlns="4873beb7-5857-4685-be1f-d57550cc96cc" xsi:nil="true"/>
-    <TPInstallLocation xmlns="4873beb7-5857-4685-be1f-d57550cc96cc" xsi:nil="true"/>
-    <PublishTargets xmlns="4873beb7-5857-4685-be1f-d57550cc96cc">OfficeOnlineVNext</PublishTargets>
-    <TimesCloned xmlns="4873beb7-5857-4685-be1f-d57550cc96cc" xsi:nil="true"/>
-    <AssetStart xmlns="4873beb7-5857-4685-be1f-d57550cc96cc">2011-11-26T00:30:00+00:00</AssetStart>
-    <Provider xmlns="4873beb7-5857-4685-be1f-d57550cc96cc" xsi:nil="true"/>
-    <AcquiredFrom xmlns="4873beb7-5857-4685-be1f-d57550cc96cc">Internal MS</AcquiredFrom>
-    <FriendlyTitle xmlns="4873beb7-5857-4685-be1f-d57550cc96cc" xsi:nil="true"/>
-    <LastHandOff xmlns="4873beb7-5857-4685-be1f-d57550cc96cc" xsi:nil="true"/>
-    <TPClientViewer xmlns="4873beb7-5857-4685-be1f-d57550cc96cc" xsi:nil="true"/>
-    <TemplateStatus xmlns="4873beb7-5857-4685-be1f-d57550cc96cc">Complete</TemplateStatus>
-    <Downloads xmlns="4873beb7-5857-4685-be1f-d57550cc96cc">0</Downloads>
-    <OOCacheId xmlns="4873beb7-5857-4685-be1f-d57550cc96cc" xsi:nil="true"/>
-    <IsDeleted xmlns="4873beb7-5857-4685-be1f-d57550cc96cc">false</IsDeleted>
-    <LocPublishedDependentAssetsLookup xmlns="4873beb7-5857-4685-be1f-d57550cc96cc" xsi:nil="true"/>
-    <TPExecutable xmlns="4873beb7-5857-4685-be1f-d57550cc96cc" xsi:nil="true"/>
-    <EditorialTags xmlns="4873beb7-5857-4685-be1f-d57550cc96cc" xsi:nil="true"/>
-    <SubmitterId xmlns="4873beb7-5857-4685-be1f-d57550cc96cc" xsi:nil="true"/>
-    <ApprovalLog xmlns="4873beb7-5857-4685-be1f-d57550cc96cc" xsi:nil="true"/>
-    <AssetType xmlns="4873beb7-5857-4685-be1f-d57550cc96cc">TP</AssetType>
-    <BugNumber xmlns="4873beb7-5857-4685-be1f-d57550cc96cc" xsi:nil="true"/>
-    <CSXSubmissionDate xmlns="4873beb7-5857-4685-be1f-d57550cc96cc" xsi:nil="true"/>
-    <CSXUpdate xmlns="4873beb7-5857-4685-be1f-d57550cc96cc">false</CSXUpdate>
-    <Milestone xmlns="4873beb7-5857-4685-be1f-d57550cc96cc" xsi:nil="true"/>
-    <RecommendationsModifier xmlns="4873beb7-5857-4685-be1f-d57550cc96cc" xsi:nil="true"/>
-    <OriginAsset xmlns="4873beb7-5857-4685-be1f-d57550cc96cc" xsi:nil="true"/>
-    <TPComponent xmlns="4873beb7-5857-4685-be1f-d57550cc96cc" xsi:nil="true"/>
-    <AssetId xmlns="4873beb7-5857-4685-be1f-d57550cc96cc">TP102787989</AssetId>
-    <IntlLocPriority xmlns="4873beb7-5857-4685-be1f-d57550cc96cc" xsi:nil="true"/>
-    <PolicheckWords xmlns="4873beb7-5857-4685-be1f-d57550cc96cc" xsi:nil="true"/>
-    <TPLaunchHelpLink xmlns="4873beb7-5857-4685-be1f-d57550cc96cc" xsi:nil="true"/>
-    <TPApplication xmlns="4873beb7-5857-4685-be1f-d57550cc96cc" xsi:nil="true"/>
-    <CrawlForDependencies xmlns="4873beb7-5857-4685-be1f-d57550cc96cc">false</CrawlForDependencies>
-    <HandoffToMSDN xmlns="4873beb7-5857-4685-be1f-d57550cc96cc" xsi:nil="true"/>
-    <PlannedPubDate xmlns="4873beb7-5857-4685-be1f-d57550cc96cc" xsi:nil="true"/>
-    <IntlLangReviewer xmlns="4873beb7-5857-4685-be1f-d57550cc96cc" xsi:nil="true"/>
-    <TrustLevel xmlns="4873beb7-5857-4685-be1f-d57550cc96cc">1 Microsoft Managed Content</TrustLevel>
-    <LocLastLocAttemptVersionLookup xmlns="4873beb7-5857-4685-be1f-d57550cc96cc">694266</LocLastLocAttemptVersionLookup>
-    <LocProcessedForHandoffsLookup xmlns="4873beb7-5857-4685-be1f-d57550cc96cc" xsi:nil="true"/>
-    <IsSearchable xmlns="4873beb7-5857-4685-be1f-d57550cc96cc">true</IsSearchable>
-    <TemplateTemplateType xmlns="4873beb7-5857-4685-be1f-d57550cc96cc">PowerPoint Presentation Template</TemplateTemplateType>
-    <CampaignTagsTaxHTField0 xmlns="4873beb7-5857-4685-be1f-d57550cc96cc">
-      <Terms xmlns="http://schemas.microsoft.com/office/infopath/2007/PartnerControls"/>
-    </CampaignTagsTaxHTField0>
-    <TPNamespace xmlns="4873beb7-5857-4685-be1f-d57550cc96cc" xsi:nil="true"/>
-    <LocOverallPreviewStatusLookup xmlns="4873beb7-5857-4685-be1f-d57550cc96cc" xsi:nil="true"/>
-    <TaxCatchAll xmlns="4873beb7-5857-4685-be1f-d57550cc96cc"/>
-    <Markets xmlns="4873beb7-5857-4685-be1f-d57550cc96cc"/>
-    <UAProjectedTotalWords xmlns="4873beb7-5857-4685-be1f-d57550cc96cc" xsi:nil="true"/>
-    <IntlLangReview xmlns="4873beb7-5857-4685-be1f-d57550cc96cc" xsi:nil="true"/>
-    <OutputCachingOn xmlns="4873beb7-5857-4685-be1f-d57550cc96cc">false</OutputCachingOn>
-    <AverageRating xmlns="4873beb7-5857-4685-be1f-d57550cc96cc" xsi:nil="true"/>
-    <APAuthor xmlns="4873beb7-5857-4685-be1f-d57550cc96cc">
-      <UserInfo>
-        <DisplayName>REDMOND\kristaa</DisplayName>
-        <AccountId>136</AccountId>
-        <AccountType/>
-      </UserInfo>
-    </APAuthor>
-    <LocManualTestRequired xmlns="4873beb7-5857-4685-be1f-d57550cc96cc">false</LocManualTestRequired>
-    <TPCommandLine xmlns="4873beb7-5857-4685-be1f-d57550cc96cc" xsi:nil="true"/>
-    <TPAppVersion xmlns="4873beb7-5857-4685-be1f-d57550cc96cc" xsi:nil="true"/>
-    <EditorialStatus xmlns="4873beb7-5857-4685-be1f-d57550cc96cc">Complete</EditorialStatus>
-    <LastModifiedDateTime xmlns="4873beb7-5857-4685-be1f-d57550cc96cc" xsi:nil="true"/>
-    <ScenarioTagsTaxHTField0 xmlns="4873beb7-5857-4685-be1f-d57550cc96cc">
-      <Terms xmlns="http://schemas.microsoft.com/office/infopath/2007/PartnerControls"/>
-    </ScenarioTagsTaxHTField0>
-    <LocProcessedForMarketsLookup xmlns="4873beb7-5857-4685-be1f-d57550cc96cc" xsi:nil="true"/>
-    <TPLaunchHelpLinkType xmlns="4873beb7-5857-4685-be1f-d57550cc96cc">Template</TPLaunchHelpLinkType>
-    <OriginalRelease xmlns="4873beb7-5857-4685-be1f-d57550cc96cc">15</OriginalRelease>
-    <LocalizationTagsTaxHTField0 xmlns="4873beb7-5857-4685-be1f-d57550cc96cc">
-      <Terms xmlns="http://schemas.microsoft.com/office/infopath/2007/PartnerControls"/>
-    </LocalizationTagsTaxHTField0>
-    <UACurrentWords xmlns="4873beb7-5857-4685-be1f-d57550cc96cc" xsi:nil="true"/>
-    <ArtSampleDocs xmlns="4873beb7-5857-4685-be1f-d57550cc96cc" xsi:nil="true"/>
-    <UALocRecommendation xmlns="4873beb7-5857-4685-be1f-d57550cc96cc">Localize</UALocRecommendation>
-    <Manager xmlns="4873beb7-5857-4685-be1f-d57550cc96cc" xsi:nil="true"/>
-    <LocOverallHandbackStatusLookup xmlns="4873beb7-5857-4685-be1f-d57550cc96cc" xsi:nil="true"/>
-    <ShowIn xmlns="4873beb7-5857-4685-be1f-d57550cc96cc">Show everywhere</ShowIn>
-    <UANotes xmlns="4873beb7-5857-4685-be1f-d57550cc96cc" xsi:nil="true"/>
-    <InternalTagsTaxHTField0 xmlns="4873beb7-5857-4685-be1f-d57550cc96cc">
-      <Terms xmlns="http://schemas.microsoft.com/office/infopath/2007/PartnerControls"/>
-    </InternalTagsTaxHTField0>
-    <CSXHash xmlns="4873beb7-5857-4685-be1f-d57550cc96cc" xsi:nil="true"/>
-    <VoteCount xmlns="4873beb7-5857-4685-be1f-d57550cc96cc" xsi:nil="true"/>
-    <AssetExpire xmlns="4873beb7-5857-4685-be1f-d57550cc96cc">2029-05-12T07:00:00+00:00</AssetExpire>
-    <DSATActionTaken xmlns="4873beb7-5857-4685-be1f-d57550cc96cc" xsi:nil="true"/>
-    <CSXSubmissionMarket xmlns="4873beb7-5857-4685-be1f-d57550cc96cc" xsi:nil="true"/>
-    <LocMarketGroupTiers2 xmlns="4873beb7-5857-4685-be1f-d57550cc96cc" xsi:nil="true"/>
-  </documentManagement>
-</p:properties>
-</file>
-
-<file path=customXml/item2.xml><?xml version="1.0" encoding="utf-8"?>
 <ct:contentTypeSchema xmlns:ct="http://schemas.microsoft.com/office/2006/metadata/contentType" xmlns:ma="http://schemas.microsoft.com/office/2006/metadata/properties/metaAttributes" ct:_="" ma:_="" ma:contentTypeName="TemplateFile" ma:contentTypeID="0x0101006EDDDB5EE6D98C44930B742096920B300400F5B6D36B3EF94B4E9A635CDF2A18F5B8" ma:contentTypeVersion="72" ma:contentTypeDescription="Create a new document." ma:contentTypeScope="" ma:versionID="a23e56308344d904b51738559c3d67c9">
   <xsd:schema xmlns:xsd="http://www.w3.org/2001/XMLSchema" xmlns:xs="http://www.w3.org/2001/XMLSchema" xmlns:p="http://schemas.microsoft.com/office/2006/metadata/properties" xmlns:ns2="4873beb7-5857-4685-be1f-d57550cc96cc" targetNamespace="http://schemas.microsoft.com/office/2006/metadata/properties" ma:root="true" ma:fieldsID="cd0908cc4600e77bf5da051303e00c8d" ns2:_="">
     <xsd:import namespace="4873beb7-5857-4685-be1f-d57550cc96cc"/>
@@ -29704,6 +28946,142 @@
 </ct:contentTypeSchema>
 </file>
 
+<file path=customXml/item2.xml><?xml version="1.0" encoding="utf-8"?>
+<p:properties xmlns:p="http://schemas.microsoft.com/office/2006/metadata/properties" xmlns:xsi="http://www.w3.org/2001/XMLSchema-instance" xmlns:pc="http://schemas.microsoft.com/office/infopath/2007/PartnerControls">
+  <documentManagement>
+    <LocPublishedLinkedAssetsLookup xmlns="4873beb7-5857-4685-be1f-d57550cc96cc" xsi:nil="true"/>
+    <ApprovalStatus xmlns="4873beb7-5857-4685-be1f-d57550cc96cc">InProgress</ApprovalStatus>
+    <MarketSpecific xmlns="4873beb7-5857-4685-be1f-d57550cc96cc">false</MarketSpecific>
+    <LocComments xmlns="4873beb7-5857-4685-be1f-d57550cc96cc" xsi:nil="true"/>
+    <LocLastLocAttemptVersionTypeLookup xmlns="4873beb7-5857-4685-be1f-d57550cc96cc" xsi:nil="true"/>
+    <DirectSourceMarket xmlns="4873beb7-5857-4685-be1f-d57550cc96cc" xsi:nil="true"/>
+    <ThumbnailAssetId xmlns="4873beb7-5857-4685-be1f-d57550cc96cc" xsi:nil="true"/>
+    <PrimaryImageGen xmlns="4873beb7-5857-4685-be1f-d57550cc96cc">false</PrimaryImageGen>
+    <LocNewPublishedVersionLookup xmlns="4873beb7-5857-4685-be1f-d57550cc96cc" xsi:nil="true"/>
+    <LegacyData xmlns="4873beb7-5857-4685-be1f-d57550cc96cc" xsi:nil="true"/>
+    <LocRecommendedHandoff xmlns="4873beb7-5857-4685-be1f-d57550cc96cc" xsi:nil="true"/>
+    <BusinessGroup xmlns="4873beb7-5857-4685-be1f-d57550cc96cc" xsi:nil="true"/>
+    <BlockPublish xmlns="4873beb7-5857-4685-be1f-d57550cc96cc">false</BlockPublish>
+    <TPFriendlyName xmlns="4873beb7-5857-4685-be1f-d57550cc96cc" xsi:nil="true"/>
+    <LocOverallPublishStatusLookup xmlns="4873beb7-5857-4685-be1f-d57550cc96cc" xsi:nil="true"/>
+    <NumericId xmlns="4873beb7-5857-4685-be1f-d57550cc96cc" xsi:nil="true"/>
+    <APEditor xmlns="4873beb7-5857-4685-be1f-d57550cc96cc">
+      <UserInfo>
+        <DisplayName/>
+        <AccountId xsi:nil="true"/>
+        <AccountType/>
+      </UserInfo>
+    </APEditor>
+    <SourceTitle xmlns="4873beb7-5857-4685-be1f-d57550cc96cc" xsi:nil="true"/>
+    <OpenTemplate xmlns="4873beb7-5857-4685-be1f-d57550cc96cc">true</OpenTemplate>
+    <LocOverallLocStatusLookup xmlns="4873beb7-5857-4685-be1f-d57550cc96cc" xsi:nil="true"/>
+    <UALocComments xmlns="4873beb7-5857-4685-be1f-d57550cc96cc" xsi:nil="true"/>
+    <ParentAssetId xmlns="4873beb7-5857-4685-be1f-d57550cc96cc" xsi:nil="true"/>
+    <IntlLangReviewDate xmlns="4873beb7-5857-4685-be1f-d57550cc96cc" xsi:nil="true"/>
+    <FeatureTagsTaxHTField0 xmlns="4873beb7-5857-4685-be1f-d57550cc96cc">
+      <Terms xmlns="http://schemas.microsoft.com/office/infopath/2007/PartnerControls"/>
+    </FeatureTagsTaxHTField0>
+    <PublishStatusLookup xmlns="4873beb7-5857-4685-be1f-d57550cc96cc">
+      <Value>1345093</Value>
+    </PublishStatusLookup>
+    <Providers xmlns="4873beb7-5857-4685-be1f-d57550cc96cc" xsi:nil="true"/>
+    <MachineTranslated xmlns="4873beb7-5857-4685-be1f-d57550cc96cc">false</MachineTranslated>
+    <OriginalSourceMarket xmlns="4873beb7-5857-4685-be1f-d57550cc96cc" xsi:nil="true"/>
+    <APDescription xmlns="4873beb7-5857-4685-be1f-d57550cc96cc">This simple template design works for technology and  businesses, but it's versatile enough to use in other contexts.  It features multiple slide layouts designed for widescreen (16x9 resolution) and includes a sample SmartArt list and chart that are easily editable.</APDescription>
+    <ClipArtFilename xmlns="4873beb7-5857-4685-be1f-d57550cc96cc" xsi:nil="true"/>
+    <ContentItem xmlns="4873beb7-5857-4685-be1f-d57550cc96cc" xsi:nil="true"/>
+    <TPInstallLocation xmlns="4873beb7-5857-4685-be1f-d57550cc96cc" xsi:nil="true"/>
+    <PublishTargets xmlns="4873beb7-5857-4685-be1f-d57550cc96cc">OfficeOnlineVNext</PublishTargets>
+    <TimesCloned xmlns="4873beb7-5857-4685-be1f-d57550cc96cc" xsi:nil="true"/>
+    <AssetStart xmlns="4873beb7-5857-4685-be1f-d57550cc96cc">2011-11-26T00:30:00+00:00</AssetStart>
+    <Provider xmlns="4873beb7-5857-4685-be1f-d57550cc96cc" xsi:nil="true"/>
+    <AcquiredFrom xmlns="4873beb7-5857-4685-be1f-d57550cc96cc">Internal MS</AcquiredFrom>
+    <FriendlyTitle xmlns="4873beb7-5857-4685-be1f-d57550cc96cc" xsi:nil="true"/>
+    <LastHandOff xmlns="4873beb7-5857-4685-be1f-d57550cc96cc" xsi:nil="true"/>
+    <TPClientViewer xmlns="4873beb7-5857-4685-be1f-d57550cc96cc" xsi:nil="true"/>
+    <TemplateStatus xmlns="4873beb7-5857-4685-be1f-d57550cc96cc">Complete</TemplateStatus>
+    <Downloads xmlns="4873beb7-5857-4685-be1f-d57550cc96cc">0</Downloads>
+    <OOCacheId xmlns="4873beb7-5857-4685-be1f-d57550cc96cc" xsi:nil="true"/>
+    <IsDeleted xmlns="4873beb7-5857-4685-be1f-d57550cc96cc">false</IsDeleted>
+    <LocPublishedDependentAssetsLookup xmlns="4873beb7-5857-4685-be1f-d57550cc96cc" xsi:nil="true"/>
+    <TPExecutable xmlns="4873beb7-5857-4685-be1f-d57550cc96cc" xsi:nil="true"/>
+    <EditorialTags xmlns="4873beb7-5857-4685-be1f-d57550cc96cc" xsi:nil="true"/>
+    <SubmitterId xmlns="4873beb7-5857-4685-be1f-d57550cc96cc" xsi:nil="true"/>
+    <ApprovalLog xmlns="4873beb7-5857-4685-be1f-d57550cc96cc" xsi:nil="true"/>
+    <AssetType xmlns="4873beb7-5857-4685-be1f-d57550cc96cc">TP</AssetType>
+    <BugNumber xmlns="4873beb7-5857-4685-be1f-d57550cc96cc" xsi:nil="true"/>
+    <CSXSubmissionDate xmlns="4873beb7-5857-4685-be1f-d57550cc96cc" xsi:nil="true"/>
+    <CSXUpdate xmlns="4873beb7-5857-4685-be1f-d57550cc96cc">false</CSXUpdate>
+    <Milestone xmlns="4873beb7-5857-4685-be1f-d57550cc96cc" xsi:nil="true"/>
+    <RecommendationsModifier xmlns="4873beb7-5857-4685-be1f-d57550cc96cc" xsi:nil="true"/>
+    <OriginAsset xmlns="4873beb7-5857-4685-be1f-d57550cc96cc" xsi:nil="true"/>
+    <TPComponent xmlns="4873beb7-5857-4685-be1f-d57550cc96cc" xsi:nil="true"/>
+    <AssetId xmlns="4873beb7-5857-4685-be1f-d57550cc96cc">TP102787989</AssetId>
+    <IntlLocPriority xmlns="4873beb7-5857-4685-be1f-d57550cc96cc" xsi:nil="true"/>
+    <PolicheckWords xmlns="4873beb7-5857-4685-be1f-d57550cc96cc" xsi:nil="true"/>
+    <TPLaunchHelpLink xmlns="4873beb7-5857-4685-be1f-d57550cc96cc" xsi:nil="true"/>
+    <TPApplication xmlns="4873beb7-5857-4685-be1f-d57550cc96cc" xsi:nil="true"/>
+    <CrawlForDependencies xmlns="4873beb7-5857-4685-be1f-d57550cc96cc">false</CrawlForDependencies>
+    <HandoffToMSDN xmlns="4873beb7-5857-4685-be1f-d57550cc96cc" xsi:nil="true"/>
+    <PlannedPubDate xmlns="4873beb7-5857-4685-be1f-d57550cc96cc" xsi:nil="true"/>
+    <IntlLangReviewer xmlns="4873beb7-5857-4685-be1f-d57550cc96cc" xsi:nil="true"/>
+    <TrustLevel xmlns="4873beb7-5857-4685-be1f-d57550cc96cc">1 Microsoft Managed Content</TrustLevel>
+    <LocLastLocAttemptVersionLookup xmlns="4873beb7-5857-4685-be1f-d57550cc96cc">694266</LocLastLocAttemptVersionLookup>
+    <LocProcessedForHandoffsLookup xmlns="4873beb7-5857-4685-be1f-d57550cc96cc" xsi:nil="true"/>
+    <IsSearchable xmlns="4873beb7-5857-4685-be1f-d57550cc96cc">true</IsSearchable>
+    <TemplateTemplateType xmlns="4873beb7-5857-4685-be1f-d57550cc96cc">PowerPoint Presentation Template</TemplateTemplateType>
+    <CampaignTagsTaxHTField0 xmlns="4873beb7-5857-4685-be1f-d57550cc96cc">
+      <Terms xmlns="http://schemas.microsoft.com/office/infopath/2007/PartnerControls"/>
+    </CampaignTagsTaxHTField0>
+    <TPNamespace xmlns="4873beb7-5857-4685-be1f-d57550cc96cc" xsi:nil="true"/>
+    <LocOverallPreviewStatusLookup xmlns="4873beb7-5857-4685-be1f-d57550cc96cc" xsi:nil="true"/>
+    <TaxCatchAll xmlns="4873beb7-5857-4685-be1f-d57550cc96cc"/>
+    <Markets xmlns="4873beb7-5857-4685-be1f-d57550cc96cc"/>
+    <UAProjectedTotalWords xmlns="4873beb7-5857-4685-be1f-d57550cc96cc" xsi:nil="true"/>
+    <IntlLangReview xmlns="4873beb7-5857-4685-be1f-d57550cc96cc" xsi:nil="true"/>
+    <OutputCachingOn xmlns="4873beb7-5857-4685-be1f-d57550cc96cc">false</OutputCachingOn>
+    <AverageRating xmlns="4873beb7-5857-4685-be1f-d57550cc96cc" xsi:nil="true"/>
+    <APAuthor xmlns="4873beb7-5857-4685-be1f-d57550cc96cc">
+      <UserInfo>
+        <DisplayName>REDMOND\kristaa</DisplayName>
+        <AccountId>136</AccountId>
+        <AccountType/>
+      </UserInfo>
+    </APAuthor>
+    <LocManualTestRequired xmlns="4873beb7-5857-4685-be1f-d57550cc96cc">false</LocManualTestRequired>
+    <TPCommandLine xmlns="4873beb7-5857-4685-be1f-d57550cc96cc" xsi:nil="true"/>
+    <TPAppVersion xmlns="4873beb7-5857-4685-be1f-d57550cc96cc" xsi:nil="true"/>
+    <EditorialStatus xmlns="4873beb7-5857-4685-be1f-d57550cc96cc">Complete</EditorialStatus>
+    <LastModifiedDateTime xmlns="4873beb7-5857-4685-be1f-d57550cc96cc" xsi:nil="true"/>
+    <ScenarioTagsTaxHTField0 xmlns="4873beb7-5857-4685-be1f-d57550cc96cc">
+      <Terms xmlns="http://schemas.microsoft.com/office/infopath/2007/PartnerControls"/>
+    </ScenarioTagsTaxHTField0>
+    <LocProcessedForMarketsLookup xmlns="4873beb7-5857-4685-be1f-d57550cc96cc" xsi:nil="true"/>
+    <TPLaunchHelpLinkType xmlns="4873beb7-5857-4685-be1f-d57550cc96cc">Template</TPLaunchHelpLinkType>
+    <OriginalRelease xmlns="4873beb7-5857-4685-be1f-d57550cc96cc">15</OriginalRelease>
+    <LocalizationTagsTaxHTField0 xmlns="4873beb7-5857-4685-be1f-d57550cc96cc">
+      <Terms xmlns="http://schemas.microsoft.com/office/infopath/2007/PartnerControls"/>
+    </LocalizationTagsTaxHTField0>
+    <UACurrentWords xmlns="4873beb7-5857-4685-be1f-d57550cc96cc" xsi:nil="true"/>
+    <ArtSampleDocs xmlns="4873beb7-5857-4685-be1f-d57550cc96cc" xsi:nil="true"/>
+    <UALocRecommendation xmlns="4873beb7-5857-4685-be1f-d57550cc96cc">Localize</UALocRecommendation>
+    <Manager xmlns="4873beb7-5857-4685-be1f-d57550cc96cc" xsi:nil="true"/>
+    <LocOverallHandbackStatusLookup xmlns="4873beb7-5857-4685-be1f-d57550cc96cc" xsi:nil="true"/>
+    <ShowIn xmlns="4873beb7-5857-4685-be1f-d57550cc96cc">Show everywhere</ShowIn>
+    <UANotes xmlns="4873beb7-5857-4685-be1f-d57550cc96cc" xsi:nil="true"/>
+    <InternalTagsTaxHTField0 xmlns="4873beb7-5857-4685-be1f-d57550cc96cc">
+      <Terms xmlns="http://schemas.microsoft.com/office/infopath/2007/PartnerControls"/>
+    </InternalTagsTaxHTField0>
+    <CSXHash xmlns="4873beb7-5857-4685-be1f-d57550cc96cc" xsi:nil="true"/>
+    <VoteCount xmlns="4873beb7-5857-4685-be1f-d57550cc96cc" xsi:nil="true"/>
+    <AssetExpire xmlns="4873beb7-5857-4685-be1f-d57550cc96cc">2029-05-12T07:00:00+00:00</AssetExpire>
+    <DSATActionTaken xmlns="4873beb7-5857-4685-be1f-d57550cc96cc" xsi:nil="true"/>
+    <CSXSubmissionMarket xmlns="4873beb7-5857-4685-be1f-d57550cc96cc" xsi:nil="true"/>
+    <LocMarketGroupTiers2 xmlns="4873beb7-5857-4685-be1f-d57550cc96cc" xsi:nil="true"/>
+  </documentManagement>
+</p:properties>
+</file>
+
 <file path=customXml/item3.xml><?xml version="1.0" encoding="utf-8"?>
 <?mso-contentType ?>
 <FormTemplates xmlns="http://schemas.microsoft.com/sharepoint/v3/contenttype/forms">
@@ -29714,22 +29092,6 @@
 </file>
 
 <file path=customXml/itemProps1.xml><?xml version="1.0" encoding="utf-8"?>
-<ds:datastoreItem xmlns:ds="http://schemas.openxmlformats.org/officeDocument/2006/customXml" ds:itemID="{60C67BEE-D13F-4BD2-98A5-34D8A0977F68}">
-  <ds:schemaRefs>
-    <ds:schemaRef ds:uri="4873beb7-5857-4685-be1f-d57550cc96cc"/>
-    <ds:schemaRef ds:uri="http://schemas.microsoft.com/office/2006/documentManagement/types"/>
-    <ds:schemaRef ds:uri="http://purl.org/dc/terms/"/>
-    <ds:schemaRef ds:uri="http://schemas.microsoft.com/office/infopath/2007/PartnerControls"/>
-    <ds:schemaRef ds:uri="http://purl.org/dc/dcmitype/"/>
-    <ds:schemaRef ds:uri="http://purl.org/dc/elements/1.1/"/>
-    <ds:schemaRef ds:uri="http://schemas.microsoft.com/office/2006/metadata/properties"/>
-    <ds:schemaRef ds:uri="http://schemas.openxmlformats.org/package/2006/metadata/core-properties"/>
-    <ds:schemaRef ds:uri="http://www.w3.org/XML/1998/namespace"/>
-  </ds:schemaRefs>
-</ds:datastoreItem>
-</file>
-
-<file path=customXml/itemProps2.xml><?xml version="1.0" encoding="utf-8"?>
 <ds:datastoreItem xmlns:ds="http://schemas.openxmlformats.org/officeDocument/2006/customXml" ds:itemID="{A09BF4D4-EF60-4196-BFC3-9462D607978C}">
   <ds:schemaRefs>
     <ds:schemaRef ds:uri="http://schemas.microsoft.com/office/2006/metadata/contentType"/>
@@ -29747,6 +29109,22 @@
 </ds:datastoreItem>
 </file>
 
+<file path=customXml/itemProps2.xml><?xml version="1.0" encoding="utf-8"?>
+<ds:datastoreItem xmlns:ds="http://schemas.openxmlformats.org/officeDocument/2006/customXml" ds:itemID="{60C67BEE-D13F-4BD2-98A5-34D8A0977F68}">
+  <ds:schemaRefs>
+    <ds:schemaRef ds:uri="4873beb7-5857-4685-be1f-d57550cc96cc"/>
+    <ds:schemaRef ds:uri="http://schemas.microsoft.com/office/2006/documentManagement/types"/>
+    <ds:schemaRef ds:uri="http://purl.org/dc/terms/"/>
+    <ds:schemaRef ds:uri="http://schemas.microsoft.com/office/infopath/2007/PartnerControls"/>
+    <ds:schemaRef ds:uri="http://purl.org/dc/dcmitype/"/>
+    <ds:schemaRef ds:uri="http://purl.org/dc/elements/1.1/"/>
+    <ds:schemaRef ds:uri="http://schemas.microsoft.com/office/2006/metadata/properties"/>
+    <ds:schemaRef ds:uri="http://schemas.openxmlformats.org/package/2006/metadata/core-properties"/>
+    <ds:schemaRef ds:uri="http://www.w3.org/XML/1998/namespace"/>
+  </ds:schemaRefs>
+</ds:datastoreItem>
+</file>
+
 <file path=customXml/itemProps3.xml><?xml version="1.0" encoding="utf-8"?>
 <ds:datastoreItem xmlns:ds="http://schemas.openxmlformats.org/officeDocument/2006/customXml" ds:itemID="{3836F65B-1B07-41EE-A0E8-BC6EF3855225}">
   <ds:schemaRefs>

--- a/Dokumentation/Kolloquium Janfi.pptx
+++ b/Dokumentation/Kolloquium Janfi.pptx
@@ -4613,6 +4613,13 @@
         </dgm:presLayoutVars>
       </dgm:prSet>
       <dgm:spPr/>
+      <dgm:t>
+        <a:bodyPr/>
+        <a:lstStyle/>
+        <a:p>
+          <a:endParaRPr lang="de-DE"/>
+        </a:p>
+      </dgm:t>
     </dgm:pt>
     <dgm:pt modelId="{2F1D695E-B2A2-4714-8A5E-02BBAC019932}" type="pres">
       <dgm:prSet presAssocID="{42604BAE-9874-49A0-91B5-0A571C53DBF8}" presName="spacing" presStyleCnt="0"/>
@@ -4647,6 +4654,13 @@
         </dgm:presLayoutVars>
       </dgm:prSet>
       <dgm:spPr/>
+      <dgm:t>
+        <a:bodyPr/>
+        <a:lstStyle/>
+        <a:p>
+          <a:endParaRPr lang="de-DE"/>
+        </a:p>
+      </dgm:t>
     </dgm:pt>
     <dgm:pt modelId="{D848F648-861C-4DC1-8A21-85FC6CB79652}" type="pres">
       <dgm:prSet presAssocID="{C831B9A5-9ADE-4A3B-8875-B9CCAA0C32A8}" presName="spacing" presStyleCnt="0"/>
@@ -4681,6 +4695,13 @@
         </dgm:presLayoutVars>
       </dgm:prSet>
       <dgm:spPr/>
+      <dgm:t>
+        <a:bodyPr/>
+        <a:lstStyle/>
+        <a:p>
+          <a:endParaRPr lang="de-DE"/>
+        </a:p>
+      </dgm:t>
     </dgm:pt>
     <dgm:pt modelId="{FBB175AC-579E-46C8-AC09-2FDD1C26A5EE}" type="pres">
       <dgm:prSet presAssocID="{427601A5-CAF1-4178-BF38-C50DFC4D2BF1}" presName="spacing" presStyleCnt="0"/>
@@ -4715,6 +4736,13 @@
         </dgm:presLayoutVars>
       </dgm:prSet>
       <dgm:spPr/>
+      <dgm:t>
+        <a:bodyPr/>
+        <a:lstStyle/>
+        <a:p>
+          <a:endParaRPr lang="de-DE"/>
+        </a:p>
+      </dgm:t>
     </dgm:pt>
     <dgm:pt modelId="{214FFCAC-DC5F-42D0-8E57-8C07F3CD7B87}" type="pres">
       <dgm:prSet presAssocID="{059EA570-2130-4D38-A3FA-ED447F3D3E2C}" presName="spacing" presStyleCnt="0"/>
@@ -4749,20 +4777,27 @@
         </dgm:presLayoutVars>
       </dgm:prSet>
       <dgm:spPr/>
+      <dgm:t>
+        <a:bodyPr/>
+        <a:lstStyle/>
+        <a:p>
+          <a:endParaRPr lang="de-DE"/>
+        </a:p>
+      </dgm:t>
     </dgm:pt>
   </dgm:ptLst>
   <dgm:cxnLst>
-    <dgm:cxn modelId="{B030552D-F6EC-4FA3-A556-9D0DA07749A8}" type="presOf" srcId="{F5249CBC-37A1-4C8A-8441-BD3A52DD84A6}" destId="{0E4D1F20-0DB1-4A3D-A487-6CE96BE3BF6B}" srcOrd="0" destOrd="0" presId="urn:microsoft.com/office/officeart/2005/8/layout/vList3"/>
+    <dgm:cxn modelId="{5C2E187A-8F1E-4015-81A7-5348943553E1}" type="presOf" srcId="{40CE98B6-7B17-4A1C-B56D-A510FB156127}" destId="{2A9620BA-B741-45CD-9811-3E32ED2A75AE}" srcOrd="0" destOrd="0" presId="urn:microsoft.com/office/officeart/2005/8/layout/vList3"/>
+    <dgm:cxn modelId="{85E386E6-AF7D-4B33-8EF0-29C417592077}" srcId="{8CDD8CF6-0521-443C-953D-66C7E945FFE4}" destId="{40CE98B6-7B17-4A1C-B56D-A510FB156127}" srcOrd="3" destOrd="0" parTransId="{3675D6D4-72F6-42F9-A070-EC1FCDCA68E5}" sibTransId="{059EA570-2130-4D38-A3FA-ED447F3D3E2C}"/>
+    <dgm:cxn modelId="{2FD401CC-2061-424F-9360-24E4EB5F946C}" type="presOf" srcId="{C4D56C75-215B-47B5-B0EE-AAA37AFA7894}" destId="{3CFFDBED-22E7-42DD-869D-68DDB27DBCFA}" srcOrd="0" destOrd="0" presId="urn:microsoft.com/office/officeart/2005/8/layout/vList3"/>
     <dgm:cxn modelId="{F510C53B-CD11-4D35-A379-A717615E9053}" srcId="{8CDD8CF6-0521-443C-953D-66C7E945FFE4}" destId="{85B7942F-4078-45FD-8057-49DA9BC4B716}" srcOrd="4" destOrd="0" parTransId="{6A424B3F-6FE0-4EF4-B1AF-A50CA99AD8FE}" sibTransId="{63C836F6-4D81-454E-8FA7-307003149ED4}"/>
+    <dgm:cxn modelId="{7E293EDF-C298-4CC6-94BB-A74B3E9726ED}" type="presOf" srcId="{85B7942F-4078-45FD-8057-49DA9BC4B716}" destId="{50772E46-F5E4-4FB9-9403-01C44A6EE54D}" srcOrd="0" destOrd="0" presId="urn:microsoft.com/office/officeart/2005/8/layout/vList3"/>
+    <dgm:cxn modelId="{3169E8DF-9CAC-488F-B143-58C011479FF8}" type="presOf" srcId="{8CDD8CF6-0521-443C-953D-66C7E945FFE4}" destId="{7E474F9C-2627-4C14-ABCB-2616BC1D5183}" srcOrd="0" destOrd="0" presId="urn:microsoft.com/office/officeart/2005/8/layout/vList3"/>
+    <dgm:cxn modelId="{EF0D0484-4D9B-49EE-ADAA-CB95635E433E}" srcId="{8CDD8CF6-0521-443C-953D-66C7E945FFE4}" destId="{C4D56C75-215B-47B5-B0EE-AAA37AFA7894}" srcOrd="0" destOrd="0" parTransId="{2EB3752F-04A0-4FB8-B73A-758ED06CB00D}" sibTransId="{42604BAE-9874-49A0-91B5-0A571C53DBF8}"/>
+    <dgm:cxn modelId="{570F09BF-154F-4312-8269-176BF171FDE6}" srcId="{8CDD8CF6-0521-443C-953D-66C7E945FFE4}" destId="{5D15E311-A1FD-43CE-8ADB-5C16028BA30F}" srcOrd="2" destOrd="0" parTransId="{A29C397D-9FC9-4394-9579-11AAA5A29D47}" sibTransId="{427601A5-CAF1-4178-BF38-C50DFC4D2BF1}"/>
     <dgm:cxn modelId="{435DBD40-15FE-496D-87AA-295DBB6843DC}" type="presOf" srcId="{5D15E311-A1FD-43CE-8ADB-5C16028BA30F}" destId="{FAA343AB-657E-4FB6-A8D8-D752FB3BFC4E}" srcOrd="0" destOrd="0" presId="urn:microsoft.com/office/officeart/2005/8/layout/vList3"/>
     <dgm:cxn modelId="{A749DB4A-67AE-41F4-A2FC-E8E86316BD1B}" srcId="{8CDD8CF6-0521-443C-953D-66C7E945FFE4}" destId="{F5249CBC-37A1-4C8A-8441-BD3A52DD84A6}" srcOrd="1" destOrd="0" parTransId="{2CC6AC87-7DEF-4D55-8ADF-08DC09DC82CE}" sibTransId="{C831B9A5-9ADE-4A3B-8875-B9CCAA0C32A8}"/>
-    <dgm:cxn modelId="{5C2E187A-8F1E-4015-81A7-5348943553E1}" type="presOf" srcId="{40CE98B6-7B17-4A1C-B56D-A510FB156127}" destId="{2A9620BA-B741-45CD-9811-3E32ED2A75AE}" srcOrd="0" destOrd="0" presId="urn:microsoft.com/office/officeart/2005/8/layout/vList3"/>
-    <dgm:cxn modelId="{EF0D0484-4D9B-49EE-ADAA-CB95635E433E}" srcId="{8CDD8CF6-0521-443C-953D-66C7E945FFE4}" destId="{C4D56C75-215B-47B5-B0EE-AAA37AFA7894}" srcOrd="0" destOrd="0" parTransId="{2EB3752F-04A0-4FB8-B73A-758ED06CB00D}" sibTransId="{42604BAE-9874-49A0-91B5-0A571C53DBF8}"/>
-    <dgm:cxn modelId="{570F09BF-154F-4312-8269-176BF171FDE6}" srcId="{8CDD8CF6-0521-443C-953D-66C7E945FFE4}" destId="{5D15E311-A1FD-43CE-8ADB-5C16028BA30F}" srcOrd="2" destOrd="0" parTransId="{A29C397D-9FC9-4394-9579-11AAA5A29D47}" sibTransId="{427601A5-CAF1-4178-BF38-C50DFC4D2BF1}"/>
-    <dgm:cxn modelId="{2FD401CC-2061-424F-9360-24E4EB5F946C}" type="presOf" srcId="{C4D56C75-215B-47B5-B0EE-AAA37AFA7894}" destId="{3CFFDBED-22E7-42DD-869D-68DDB27DBCFA}" srcOrd="0" destOrd="0" presId="urn:microsoft.com/office/officeart/2005/8/layout/vList3"/>
-    <dgm:cxn modelId="{7E293EDF-C298-4CC6-94BB-A74B3E9726ED}" type="presOf" srcId="{85B7942F-4078-45FD-8057-49DA9BC4B716}" destId="{50772E46-F5E4-4FB9-9403-01C44A6EE54D}" srcOrd="0" destOrd="0" presId="urn:microsoft.com/office/officeart/2005/8/layout/vList3"/>
-    <dgm:cxn modelId="{3169E8DF-9CAC-488F-B143-58C011479FF8}" type="presOf" srcId="{8CDD8CF6-0521-443C-953D-66C7E945FFE4}" destId="{7E474F9C-2627-4C14-ABCB-2616BC1D5183}" srcOrd="0" destOrd="0" presId="urn:microsoft.com/office/officeart/2005/8/layout/vList3"/>
-    <dgm:cxn modelId="{85E386E6-AF7D-4B33-8EF0-29C417592077}" srcId="{8CDD8CF6-0521-443C-953D-66C7E945FFE4}" destId="{40CE98B6-7B17-4A1C-B56D-A510FB156127}" srcOrd="3" destOrd="0" parTransId="{3675D6D4-72F6-42F9-A070-EC1FCDCA68E5}" sibTransId="{059EA570-2130-4D38-A3FA-ED447F3D3E2C}"/>
+    <dgm:cxn modelId="{B030552D-F6EC-4FA3-A556-9D0DA07749A8}" type="presOf" srcId="{F5249CBC-37A1-4C8A-8441-BD3A52DD84A6}" destId="{0E4D1F20-0DB1-4A3D-A487-6CE96BE3BF6B}" srcOrd="0" destOrd="0" presId="urn:microsoft.com/office/officeart/2005/8/layout/vList3"/>
     <dgm:cxn modelId="{5CA80D69-89E3-413F-83DF-2FA12D6B9571}" type="presParOf" srcId="{7E474F9C-2627-4C14-ABCB-2616BC1D5183}" destId="{0BCFEC3C-2326-4A1B-B44E-ED35BB740714}" srcOrd="0" destOrd="0" presId="urn:microsoft.com/office/officeart/2005/8/layout/vList3"/>
     <dgm:cxn modelId="{E87A490A-A6AE-42AE-BF36-A46335D2FC77}" type="presParOf" srcId="{0BCFEC3C-2326-4A1B-B44E-ED35BB740714}" destId="{04D8072E-3488-4E6D-9AE8-52A94EB61490}" srcOrd="0" destOrd="0" presId="urn:microsoft.com/office/officeart/2005/8/layout/vList3"/>
     <dgm:cxn modelId="{1A2ACE2A-E3DA-4B18-9A99-1DAB323AE372}" type="presParOf" srcId="{0BCFEC3C-2326-4A1B-B44E-ED35BB740714}" destId="{3CFFDBED-22E7-42DD-869D-68DDB27DBCFA}" srcOrd="1" destOrd="0" presId="urn:microsoft.com/office/officeart/2005/8/layout/vList3"/>
@@ -5028,6 +5063,13 @@
         </dgm:presLayoutVars>
       </dgm:prSet>
       <dgm:spPr/>
+      <dgm:t>
+        <a:bodyPr/>
+        <a:lstStyle/>
+        <a:p>
+          <a:endParaRPr lang="de-DE"/>
+        </a:p>
+      </dgm:t>
     </dgm:pt>
     <dgm:pt modelId="{2F1D695E-B2A2-4714-8A5E-02BBAC019932}" type="pres">
       <dgm:prSet presAssocID="{42604BAE-9874-49A0-91B5-0A571C53DBF8}" presName="spacing" presStyleCnt="0"/>
@@ -5062,6 +5104,13 @@
         </dgm:presLayoutVars>
       </dgm:prSet>
       <dgm:spPr/>
+      <dgm:t>
+        <a:bodyPr/>
+        <a:lstStyle/>
+        <a:p>
+          <a:endParaRPr lang="de-DE"/>
+        </a:p>
+      </dgm:t>
     </dgm:pt>
     <dgm:pt modelId="{D848F648-861C-4DC1-8A21-85FC6CB79652}" type="pres">
       <dgm:prSet presAssocID="{C831B9A5-9ADE-4A3B-8875-B9CCAA0C32A8}" presName="spacing" presStyleCnt="0"/>
@@ -5096,6 +5145,13 @@
         </dgm:presLayoutVars>
       </dgm:prSet>
       <dgm:spPr/>
+      <dgm:t>
+        <a:bodyPr/>
+        <a:lstStyle/>
+        <a:p>
+          <a:endParaRPr lang="de-DE"/>
+        </a:p>
+      </dgm:t>
     </dgm:pt>
     <dgm:pt modelId="{FBB175AC-579E-46C8-AC09-2FDD1C26A5EE}" type="pres">
       <dgm:prSet presAssocID="{427601A5-CAF1-4178-BF38-C50DFC4D2BF1}" presName="spacing" presStyleCnt="0"/>
@@ -5130,6 +5186,13 @@
         </dgm:presLayoutVars>
       </dgm:prSet>
       <dgm:spPr/>
+      <dgm:t>
+        <a:bodyPr/>
+        <a:lstStyle/>
+        <a:p>
+          <a:endParaRPr lang="de-DE"/>
+        </a:p>
+      </dgm:t>
     </dgm:pt>
     <dgm:pt modelId="{214FFCAC-DC5F-42D0-8E57-8C07F3CD7B87}" type="pres">
       <dgm:prSet presAssocID="{059EA570-2130-4D38-A3FA-ED447F3D3E2C}" presName="spacing" presStyleCnt="0"/>
@@ -5164,20 +5227,27 @@
         </dgm:presLayoutVars>
       </dgm:prSet>
       <dgm:spPr/>
+      <dgm:t>
+        <a:bodyPr/>
+        <a:lstStyle/>
+        <a:p>
+          <a:endParaRPr lang="de-DE"/>
+        </a:p>
+      </dgm:t>
     </dgm:pt>
   </dgm:ptLst>
   <dgm:cxnLst>
-    <dgm:cxn modelId="{1F46CF1A-078B-4B3B-9690-E3C5BBB2368D}" type="presOf" srcId="{C4D56C75-215B-47B5-B0EE-AAA37AFA7894}" destId="{3CFFDBED-22E7-42DD-869D-68DDB27DBCFA}" srcOrd="0" destOrd="0" presId="urn:microsoft.com/office/officeart/2005/8/layout/vList3"/>
+    <dgm:cxn modelId="{B6574A5F-6CFF-4FFF-81B0-E7B984C317C3}" type="presOf" srcId="{5D15E311-A1FD-43CE-8ADB-5C16028BA30F}" destId="{FAA343AB-657E-4FB6-A8D8-D752FB3BFC4E}" srcOrd="0" destOrd="0" presId="urn:microsoft.com/office/officeart/2005/8/layout/vList3"/>
     <dgm:cxn modelId="{F510C53B-CD11-4D35-A379-A717615E9053}" srcId="{8CDD8CF6-0521-443C-953D-66C7E945FFE4}" destId="{85B7942F-4078-45FD-8057-49DA9BC4B716}" srcOrd="4" destOrd="0" parTransId="{6A424B3F-6FE0-4EF4-B1AF-A50CA99AD8FE}" sibTransId="{63C836F6-4D81-454E-8FA7-307003149ED4}"/>
-    <dgm:cxn modelId="{B6574A5F-6CFF-4FFF-81B0-E7B984C317C3}" type="presOf" srcId="{5D15E311-A1FD-43CE-8ADB-5C16028BA30F}" destId="{FAA343AB-657E-4FB6-A8D8-D752FB3BFC4E}" srcOrd="0" destOrd="0" presId="urn:microsoft.com/office/officeart/2005/8/layout/vList3"/>
+    <dgm:cxn modelId="{570F09BF-154F-4312-8269-176BF171FDE6}" srcId="{8CDD8CF6-0521-443C-953D-66C7E945FFE4}" destId="{5D15E311-A1FD-43CE-8ADB-5C16028BA30F}" srcOrd="2" destOrd="0" parTransId="{A29C397D-9FC9-4394-9579-11AAA5A29D47}" sibTransId="{427601A5-CAF1-4178-BF38-C50DFC4D2BF1}"/>
     <dgm:cxn modelId="{A749DB4A-67AE-41F4-A2FC-E8E86316BD1B}" srcId="{8CDD8CF6-0521-443C-953D-66C7E945FFE4}" destId="{F5249CBC-37A1-4C8A-8441-BD3A52DD84A6}" srcOrd="1" destOrd="0" parTransId="{2CC6AC87-7DEF-4D55-8ADF-08DC09DC82CE}" sibTransId="{C831B9A5-9ADE-4A3B-8875-B9CCAA0C32A8}"/>
-    <dgm:cxn modelId="{EF0D0484-4D9B-49EE-ADAA-CB95635E433E}" srcId="{8CDD8CF6-0521-443C-953D-66C7E945FFE4}" destId="{C4D56C75-215B-47B5-B0EE-AAA37AFA7894}" srcOrd="0" destOrd="0" parTransId="{2EB3752F-04A0-4FB8-B73A-758ED06CB00D}" sibTransId="{42604BAE-9874-49A0-91B5-0A571C53DBF8}"/>
+    <dgm:cxn modelId="{F1FE02C5-165F-432F-875B-4595B6632CB0}" type="presOf" srcId="{85B7942F-4078-45FD-8057-49DA9BC4B716}" destId="{50772E46-F5E4-4FB9-9403-01C44A6EE54D}" srcOrd="0" destOrd="0" presId="urn:microsoft.com/office/officeart/2005/8/layout/vList3"/>
     <dgm:cxn modelId="{FFD45887-923F-43C1-A872-7CAB25B80414}" type="presOf" srcId="{8CDD8CF6-0521-443C-953D-66C7E945FFE4}" destId="{7E474F9C-2627-4C14-ABCB-2616BC1D5183}" srcOrd="0" destOrd="0" presId="urn:microsoft.com/office/officeart/2005/8/layout/vList3"/>
-    <dgm:cxn modelId="{570F09BF-154F-4312-8269-176BF171FDE6}" srcId="{8CDD8CF6-0521-443C-953D-66C7E945FFE4}" destId="{5D15E311-A1FD-43CE-8ADB-5C16028BA30F}" srcOrd="2" destOrd="0" parTransId="{A29C397D-9FC9-4394-9579-11AAA5A29D47}" sibTransId="{427601A5-CAF1-4178-BF38-C50DFC4D2BF1}"/>
-    <dgm:cxn modelId="{F1FE02C5-165F-432F-875B-4595B6632CB0}" type="presOf" srcId="{85B7942F-4078-45FD-8057-49DA9BC4B716}" destId="{50772E46-F5E4-4FB9-9403-01C44A6EE54D}" srcOrd="0" destOrd="0" presId="urn:microsoft.com/office/officeart/2005/8/layout/vList3"/>
     <dgm:cxn modelId="{74D7DEE2-A78F-4487-B537-07BAB7DA37B0}" type="presOf" srcId="{40CE98B6-7B17-4A1C-B56D-A510FB156127}" destId="{2A9620BA-B741-45CD-9811-3E32ED2A75AE}" srcOrd="0" destOrd="0" presId="urn:microsoft.com/office/officeart/2005/8/layout/vList3"/>
     <dgm:cxn modelId="{85E386E6-AF7D-4B33-8EF0-29C417592077}" srcId="{8CDD8CF6-0521-443C-953D-66C7E945FFE4}" destId="{40CE98B6-7B17-4A1C-B56D-A510FB156127}" srcOrd="3" destOrd="0" parTransId="{3675D6D4-72F6-42F9-A070-EC1FCDCA68E5}" sibTransId="{059EA570-2130-4D38-A3FA-ED447F3D3E2C}"/>
     <dgm:cxn modelId="{B8A55AF4-FD89-42F2-AF6B-ADA9F4C0B9EB}" type="presOf" srcId="{F5249CBC-37A1-4C8A-8441-BD3A52DD84A6}" destId="{0E4D1F20-0DB1-4A3D-A487-6CE96BE3BF6B}" srcOrd="0" destOrd="0" presId="urn:microsoft.com/office/officeart/2005/8/layout/vList3"/>
+    <dgm:cxn modelId="{EF0D0484-4D9B-49EE-ADAA-CB95635E433E}" srcId="{8CDD8CF6-0521-443C-953D-66C7E945FFE4}" destId="{C4D56C75-215B-47B5-B0EE-AAA37AFA7894}" srcOrd="0" destOrd="0" parTransId="{2EB3752F-04A0-4FB8-B73A-758ED06CB00D}" sibTransId="{42604BAE-9874-49A0-91B5-0A571C53DBF8}"/>
+    <dgm:cxn modelId="{1F46CF1A-078B-4B3B-9690-E3C5BBB2368D}" type="presOf" srcId="{C4D56C75-215B-47B5-B0EE-AAA37AFA7894}" destId="{3CFFDBED-22E7-42DD-869D-68DDB27DBCFA}" srcOrd="0" destOrd="0" presId="urn:microsoft.com/office/officeart/2005/8/layout/vList3"/>
     <dgm:cxn modelId="{1705F717-7D49-4405-A9FD-D32AF1006AD3}" type="presParOf" srcId="{7E474F9C-2627-4C14-ABCB-2616BC1D5183}" destId="{0BCFEC3C-2326-4A1B-B44E-ED35BB740714}" srcOrd="0" destOrd="0" presId="urn:microsoft.com/office/officeart/2005/8/layout/vList3"/>
     <dgm:cxn modelId="{19798015-7817-407A-87FB-479FCBAB71A1}" type="presParOf" srcId="{0BCFEC3C-2326-4A1B-B44E-ED35BB740714}" destId="{04D8072E-3488-4E6D-9AE8-52A94EB61490}" srcOrd="0" destOrd="0" presId="urn:microsoft.com/office/officeart/2005/8/layout/vList3"/>
     <dgm:cxn modelId="{25BD5F3F-E4A9-4E7E-9D46-636677BDE0D6}" type="presParOf" srcId="{0BCFEC3C-2326-4A1B-B44E-ED35BB740714}" destId="{3CFFDBED-22E7-42DD-869D-68DDB27DBCFA}" srcOrd="1" destOrd="0" presId="urn:microsoft.com/office/officeart/2005/8/layout/vList3"/>
@@ -5447,6 +5517,13 @@
         </dgm:presLayoutVars>
       </dgm:prSet>
       <dgm:spPr/>
+      <dgm:t>
+        <a:bodyPr/>
+        <a:lstStyle/>
+        <a:p>
+          <a:endParaRPr lang="de-DE"/>
+        </a:p>
+      </dgm:t>
     </dgm:pt>
     <dgm:pt modelId="{2F1D695E-B2A2-4714-8A5E-02BBAC019932}" type="pres">
       <dgm:prSet presAssocID="{42604BAE-9874-49A0-91B5-0A571C53DBF8}" presName="spacing" presStyleCnt="0"/>
@@ -5481,6 +5558,13 @@
         </dgm:presLayoutVars>
       </dgm:prSet>
       <dgm:spPr/>
+      <dgm:t>
+        <a:bodyPr/>
+        <a:lstStyle/>
+        <a:p>
+          <a:endParaRPr lang="de-DE"/>
+        </a:p>
+      </dgm:t>
     </dgm:pt>
     <dgm:pt modelId="{D848F648-861C-4DC1-8A21-85FC6CB79652}" type="pres">
       <dgm:prSet presAssocID="{C831B9A5-9ADE-4A3B-8875-B9CCAA0C32A8}" presName="spacing" presStyleCnt="0"/>
@@ -5515,6 +5599,13 @@
         </dgm:presLayoutVars>
       </dgm:prSet>
       <dgm:spPr/>
+      <dgm:t>
+        <a:bodyPr/>
+        <a:lstStyle/>
+        <a:p>
+          <a:endParaRPr lang="de-DE"/>
+        </a:p>
+      </dgm:t>
     </dgm:pt>
     <dgm:pt modelId="{FBB175AC-579E-46C8-AC09-2FDD1C26A5EE}" type="pres">
       <dgm:prSet presAssocID="{427601A5-CAF1-4178-BF38-C50DFC4D2BF1}" presName="spacing" presStyleCnt="0"/>
@@ -5549,6 +5640,13 @@
         </dgm:presLayoutVars>
       </dgm:prSet>
       <dgm:spPr/>
+      <dgm:t>
+        <a:bodyPr/>
+        <a:lstStyle/>
+        <a:p>
+          <a:endParaRPr lang="de-DE"/>
+        </a:p>
+      </dgm:t>
     </dgm:pt>
     <dgm:pt modelId="{214FFCAC-DC5F-42D0-8E57-8C07F3CD7B87}" type="pres">
       <dgm:prSet presAssocID="{059EA570-2130-4D38-A3FA-ED447F3D3E2C}" presName="spacing" presStyleCnt="0"/>
@@ -5583,20 +5681,27 @@
         </dgm:presLayoutVars>
       </dgm:prSet>
       <dgm:spPr/>
+      <dgm:t>
+        <a:bodyPr/>
+        <a:lstStyle/>
+        <a:p>
+          <a:endParaRPr lang="de-DE"/>
+        </a:p>
+      </dgm:t>
     </dgm:pt>
   </dgm:ptLst>
   <dgm:cxnLst>
+    <dgm:cxn modelId="{D8AA52E0-7C9E-451E-A2B3-36901E83F298}" type="presOf" srcId="{5D15E311-A1FD-43CE-8ADB-5C16028BA30F}" destId="{FAA343AB-657E-4FB6-A8D8-D752FB3BFC4E}" srcOrd="0" destOrd="0" presId="urn:microsoft.com/office/officeart/2005/8/layout/vList3"/>
+    <dgm:cxn modelId="{F510C53B-CD11-4D35-A379-A717615E9053}" srcId="{8CDD8CF6-0521-443C-953D-66C7E945FFE4}" destId="{85B7942F-4078-45FD-8057-49DA9BC4B716}" srcOrd="4" destOrd="0" parTransId="{6A424B3F-6FE0-4EF4-B1AF-A50CA99AD8FE}" sibTransId="{63C836F6-4D81-454E-8FA7-307003149ED4}"/>
+    <dgm:cxn modelId="{570F09BF-154F-4312-8269-176BF171FDE6}" srcId="{8CDD8CF6-0521-443C-953D-66C7E945FFE4}" destId="{5D15E311-A1FD-43CE-8ADB-5C16028BA30F}" srcOrd="2" destOrd="0" parTransId="{A29C397D-9FC9-4394-9579-11AAA5A29D47}" sibTransId="{427601A5-CAF1-4178-BF38-C50DFC4D2BF1}"/>
+    <dgm:cxn modelId="{A749DB4A-67AE-41F4-A2FC-E8E86316BD1B}" srcId="{8CDD8CF6-0521-443C-953D-66C7E945FFE4}" destId="{F5249CBC-37A1-4C8A-8441-BD3A52DD84A6}" srcOrd="1" destOrd="0" parTransId="{2CC6AC87-7DEF-4D55-8ADF-08DC09DC82CE}" sibTransId="{C831B9A5-9ADE-4A3B-8875-B9CCAA0C32A8}"/>
+    <dgm:cxn modelId="{4A4C3742-B65D-4BF3-AEB4-CA7D2C086BE1}" type="presOf" srcId="{C4D56C75-215B-47B5-B0EE-AAA37AFA7894}" destId="{3CFFDBED-22E7-42DD-869D-68DDB27DBCFA}" srcOrd="0" destOrd="0" presId="urn:microsoft.com/office/officeart/2005/8/layout/vList3"/>
+    <dgm:cxn modelId="{9EAD2E4B-DC93-426B-AE9A-18819F77FFB4}" type="presOf" srcId="{8CDD8CF6-0521-443C-953D-66C7E945FFE4}" destId="{7E474F9C-2627-4C14-ABCB-2616BC1D5183}" srcOrd="0" destOrd="0" presId="urn:microsoft.com/office/officeart/2005/8/layout/vList3"/>
+    <dgm:cxn modelId="{6A930347-5541-4503-871D-A9908489945D}" type="presOf" srcId="{F5249CBC-37A1-4C8A-8441-BD3A52DD84A6}" destId="{0E4D1F20-0DB1-4A3D-A487-6CE96BE3BF6B}" srcOrd="0" destOrd="0" presId="urn:microsoft.com/office/officeart/2005/8/layout/vList3"/>
+    <dgm:cxn modelId="{85E386E6-AF7D-4B33-8EF0-29C417592077}" srcId="{8CDD8CF6-0521-443C-953D-66C7E945FFE4}" destId="{40CE98B6-7B17-4A1C-B56D-A510FB156127}" srcOrd="3" destOrd="0" parTransId="{3675D6D4-72F6-42F9-A070-EC1FCDCA68E5}" sibTransId="{059EA570-2130-4D38-A3FA-ED447F3D3E2C}"/>
+    <dgm:cxn modelId="{EF0D0484-4D9B-49EE-ADAA-CB95635E433E}" srcId="{8CDD8CF6-0521-443C-953D-66C7E945FFE4}" destId="{C4D56C75-215B-47B5-B0EE-AAA37AFA7894}" srcOrd="0" destOrd="0" parTransId="{2EB3752F-04A0-4FB8-B73A-758ED06CB00D}" sibTransId="{42604BAE-9874-49A0-91B5-0A571C53DBF8}"/>
     <dgm:cxn modelId="{E9250F0B-2E6D-41A5-9E4F-D3BC426A7C2B}" type="presOf" srcId="{85B7942F-4078-45FD-8057-49DA9BC4B716}" destId="{50772E46-F5E4-4FB9-9403-01C44A6EE54D}" srcOrd="0" destOrd="0" presId="urn:microsoft.com/office/officeart/2005/8/layout/vList3"/>
     <dgm:cxn modelId="{2C4F6C20-6687-4833-BB79-D1836B2DA4E7}" type="presOf" srcId="{40CE98B6-7B17-4A1C-B56D-A510FB156127}" destId="{2A9620BA-B741-45CD-9811-3E32ED2A75AE}" srcOrd="0" destOrd="0" presId="urn:microsoft.com/office/officeart/2005/8/layout/vList3"/>
-    <dgm:cxn modelId="{F510C53B-CD11-4D35-A379-A717615E9053}" srcId="{8CDD8CF6-0521-443C-953D-66C7E945FFE4}" destId="{85B7942F-4078-45FD-8057-49DA9BC4B716}" srcOrd="4" destOrd="0" parTransId="{6A424B3F-6FE0-4EF4-B1AF-A50CA99AD8FE}" sibTransId="{63C836F6-4D81-454E-8FA7-307003149ED4}"/>
-    <dgm:cxn modelId="{4A4C3742-B65D-4BF3-AEB4-CA7D2C086BE1}" type="presOf" srcId="{C4D56C75-215B-47B5-B0EE-AAA37AFA7894}" destId="{3CFFDBED-22E7-42DD-869D-68DDB27DBCFA}" srcOrd="0" destOrd="0" presId="urn:microsoft.com/office/officeart/2005/8/layout/vList3"/>
-    <dgm:cxn modelId="{6A930347-5541-4503-871D-A9908489945D}" type="presOf" srcId="{F5249CBC-37A1-4C8A-8441-BD3A52DD84A6}" destId="{0E4D1F20-0DB1-4A3D-A487-6CE96BE3BF6B}" srcOrd="0" destOrd="0" presId="urn:microsoft.com/office/officeart/2005/8/layout/vList3"/>
-    <dgm:cxn modelId="{A749DB4A-67AE-41F4-A2FC-E8E86316BD1B}" srcId="{8CDD8CF6-0521-443C-953D-66C7E945FFE4}" destId="{F5249CBC-37A1-4C8A-8441-BD3A52DD84A6}" srcOrd="1" destOrd="0" parTransId="{2CC6AC87-7DEF-4D55-8ADF-08DC09DC82CE}" sibTransId="{C831B9A5-9ADE-4A3B-8875-B9CCAA0C32A8}"/>
-    <dgm:cxn modelId="{9EAD2E4B-DC93-426B-AE9A-18819F77FFB4}" type="presOf" srcId="{8CDD8CF6-0521-443C-953D-66C7E945FFE4}" destId="{7E474F9C-2627-4C14-ABCB-2616BC1D5183}" srcOrd="0" destOrd="0" presId="urn:microsoft.com/office/officeart/2005/8/layout/vList3"/>
-    <dgm:cxn modelId="{EF0D0484-4D9B-49EE-ADAA-CB95635E433E}" srcId="{8CDD8CF6-0521-443C-953D-66C7E945FFE4}" destId="{C4D56C75-215B-47B5-B0EE-AAA37AFA7894}" srcOrd="0" destOrd="0" parTransId="{2EB3752F-04A0-4FB8-B73A-758ED06CB00D}" sibTransId="{42604BAE-9874-49A0-91B5-0A571C53DBF8}"/>
-    <dgm:cxn modelId="{570F09BF-154F-4312-8269-176BF171FDE6}" srcId="{8CDD8CF6-0521-443C-953D-66C7E945FFE4}" destId="{5D15E311-A1FD-43CE-8ADB-5C16028BA30F}" srcOrd="2" destOrd="0" parTransId="{A29C397D-9FC9-4394-9579-11AAA5A29D47}" sibTransId="{427601A5-CAF1-4178-BF38-C50DFC4D2BF1}"/>
-    <dgm:cxn modelId="{D8AA52E0-7C9E-451E-A2B3-36901E83F298}" type="presOf" srcId="{5D15E311-A1FD-43CE-8ADB-5C16028BA30F}" destId="{FAA343AB-657E-4FB6-A8D8-D752FB3BFC4E}" srcOrd="0" destOrd="0" presId="urn:microsoft.com/office/officeart/2005/8/layout/vList3"/>
-    <dgm:cxn modelId="{85E386E6-AF7D-4B33-8EF0-29C417592077}" srcId="{8CDD8CF6-0521-443C-953D-66C7E945FFE4}" destId="{40CE98B6-7B17-4A1C-B56D-A510FB156127}" srcOrd="3" destOrd="0" parTransId="{3675D6D4-72F6-42F9-A070-EC1FCDCA68E5}" sibTransId="{059EA570-2130-4D38-A3FA-ED447F3D3E2C}"/>
     <dgm:cxn modelId="{980049D4-790A-468C-838A-D37926AFD03E}" type="presParOf" srcId="{7E474F9C-2627-4C14-ABCB-2616BC1D5183}" destId="{0BCFEC3C-2326-4A1B-B44E-ED35BB740714}" srcOrd="0" destOrd="0" presId="urn:microsoft.com/office/officeart/2005/8/layout/vList3"/>
     <dgm:cxn modelId="{A5C6FF23-B90C-4FF3-A832-72AA522ADF1F}" type="presParOf" srcId="{0BCFEC3C-2326-4A1B-B44E-ED35BB740714}" destId="{04D8072E-3488-4E6D-9AE8-52A94EB61490}" srcOrd="0" destOrd="0" presId="urn:microsoft.com/office/officeart/2005/8/layout/vList3"/>
     <dgm:cxn modelId="{92A8A04B-84FC-4B88-B6F5-FD05AD02DD90}" type="presParOf" srcId="{0BCFEC3C-2326-4A1B-B44E-ED35BB740714}" destId="{3CFFDBED-22E7-42DD-869D-68DDB27DBCFA}" srcOrd="1" destOrd="0" presId="urn:microsoft.com/office/officeart/2005/8/layout/vList3"/>
@@ -5870,6 +5975,13 @@
         </dgm:presLayoutVars>
       </dgm:prSet>
       <dgm:spPr/>
+      <dgm:t>
+        <a:bodyPr/>
+        <a:lstStyle/>
+        <a:p>
+          <a:endParaRPr lang="de-DE"/>
+        </a:p>
+      </dgm:t>
     </dgm:pt>
     <dgm:pt modelId="{2F1D695E-B2A2-4714-8A5E-02BBAC019932}" type="pres">
       <dgm:prSet presAssocID="{42604BAE-9874-49A0-91B5-0A571C53DBF8}" presName="spacing" presStyleCnt="0"/>
@@ -5904,6 +6016,13 @@
         </dgm:presLayoutVars>
       </dgm:prSet>
       <dgm:spPr/>
+      <dgm:t>
+        <a:bodyPr/>
+        <a:lstStyle/>
+        <a:p>
+          <a:endParaRPr lang="de-DE"/>
+        </a:p>
+      </dgm:t>
     </dgm:pt>
     <dgm:pt modelId="{D848F648-861C-4DC1-8A21-85FC6CB79652}" type="pres">
       <dgm:prSet presAssocID="{C831B9A5-9ADE-4A3B-8875-B9CCAA0C32A8}" presName="spacing" presStyleCnt="0"/>
@@ -5938,6 +6057,13 @@
         </dgm:presLayoutVars>
       </dgm:prSet>
       <dgm:spPr/>
+      <dgm:t>
+        <a:bodyPr/>
+        <a:lstStyle/>
+        <a:p>
+          <a:endParaRPr lang="de-DE"/>
+        </a:p>
+      </dgm:t>
     </dgm:pt>
     <dgm:pt modelId="{FBB175AC-579E-46C8-AC09-2FDD1C26A5EE}" type="pres">
       <dgm:prSet presAssocID="{427601A5-CAF1-4178-BF38-C50DFC4D2BF1}" presName="spacing" presStyleCnt="0"/>
@@ -5972,6 +6098,13 @@
         </dgm:presLayoutVars>
       </dgm:prSet>
       <dgm:spPr/>
+      <dgm:t>
+        <a:bodyPr/>
+        <a:lstStyle/>
+        <a:p>
+          <a:endParaRPr lang="de-DE"/>
+        </a:p>
+      </dgm:t>
     </dgm:pt>
     <dgm:pt modelId="{214FFCAC-DC5F-42D0-8E57-8C07F3CD7B87}" type="pres">
       <dgm:prSet presAssocID="{059EA570-2130-4D38-A3FA-ED447F3D3E2C}" presName="spacing" presStyleCnt="0"/>
@@ -6006,20 +6139,27 @@
         </dgm:presLayoutVars>
       </dgm:prSet>
       <dgm:spPr/>
+      <dgm:t>
+        <a:bodyPr/>
+        <a:lstStyle/>
+        <a:p>
+          <a:endParaRPr lang="de-DE"/>
+        </a:p>
+      </dgm:t>
     </dgm:pt>
   </dgm:ptLst>
   <dgm:cxnLst>
+    <dgm:cxn modelId="{F510C53B-CD11-4D35-A379-A717615E9053}" srcId="{8CDD8CF6-0521-443C-953D-66C7E945FFE4}" destId="{85B7942F-4078-45FD-8057-49DA9BC4B716}" srcOrd="4" destOrd="0" parTransId="{6A424B3F-6FE0-4EF4-B1AF-A50CA99AD8FE}" sibTransId="{63C836F6-4D81-454E-8FA7-307003149ED4}"/>
     <dgm:cxn modelId="{6A242333-022B-4A31-810F-CECD89DA9BA1}" type="presOf" srcId="{5D15E311-A1FD-43CE-8ADB-5C16028BA30F}" destId="{FAA343AB-657E-4FB6-A8D8-D752FB3BFC4E}" srcOrd="0" destOrd="0" presId="urn:microsoft.com/office/officeart/2005/8/layout/vList3"/>
-    <dgm:cxn modelId="{F510C53B-CD11-4D35-A379-A717615E9053}" srcId="{8CDD8CF6-0521-443C-953D-66C7E945FFE4}" destId="{85B7942F-4078-45FD-8057-49DA9BC4B716}" srcOrd="4" destOrd="0" parTransId="{6A424B3F-6FE0-4EF4-B1AF-A50CA99AD8FE}" sibTransId="{63C836F6-4D81-454E-8FA7-307003149ED4}"/>
+    <dgm:cxn modelId="{570F09BF-154F-4312-8269-176BF171FDE6}" srcId="{8CDD8CF6-0521-443C-953D-66C7E945FFE4}" destId="{5D15E311-A1FD-43CE-8ADB-5C16028BA30F}" srcOrd="2" destOrd="0" parTransId="{A29C397D-9FC9-4394-9579-11AAA5A29D47}" sibTransId="{427601A5-CAF1-4178-BF38-C50DFC4D2BF1}"/>
+    <dgm:cxn modelId="{A749DB4A-67AE-41F4-A2FC-E8E86316BD1B}" srcId="{8CDD8CF6-0521-443C-953D-66C7E945FFE4}" destId="{F5249CBC-37A1-4C8A-8441-BD3A52DD84A6}" srcOrd="1" destOrd="0" parTransId="{2CC6AC87-7DEF-4D55-8ADF-08DC09DC82CE}" sibTransId="{C831B9A5-9ADE-4A3B-8875-B9CCAA0C32A8}"/>
     <dgm:cxn modelId="{7E56325B-028B-4387-BBAB-149C7507F7DB}" type="presOf" srcId="{C4D56C75-215B-47B5-B0EE-AAA37AFA7894}" destId="{3CFFDBED-22E7-42DD-869D-68DDB27DBCFA}" srcOrd="0" destOrd="0" presId="urn:microsoft.com/office/officeart/2005/8/layout/vList3"/>
-    <dgm:cxn modelId="{A749DB4A-67AE-41F4-A2FC-E8E86316BD1B}" srcId="{8CDD8CF6-0521-443C-953D-66C7E945FFE4}" destId="{F5249CBC-37A1-4C8A-8441-BD3A52DD84A6}" srcOrd="1" destOrd="0" parTransId="{2CC6AC87-7DEF-4D55-8ADF-08DC09DC82CE}" sibTransId="{C831B9A5-9ADE-4A3B-8875-B9CCAA0C32A8}"/>
+    <dgm:cxn modelId="{85E386E6-AF7D-4B33-8EF0-29C417592077}" srcId="{8CDD8CF6-0521-443C-953D-66C7E945FFE4}" destId="{40CE98B6-7B17-4A1C-B56D-A510FB156127}" srcOrd="3" destOrd="0" parTransId="{3675D6D4-72F6-42F9-A070-EC1FCDCA68E5}" sibTransId="{059EA570-2130-4D38-A3FA-ED447F3D3E2C}"/>
+    <dgm:cxn modelId="{33E9859C-CF97-4A51-9290-76A21CA933F9}" type="presOf" srcId="{85B7942F-4078-45FD-8057-49DA9BC4B716}" destId="{50772E46-F5E4-4FB9-9403-01C44A6EE54D}" srcOrd="0" destOrd="0" presId="urn:microsoft.com/office/officeart/2005/8/layout/vList3"/>
     <dgm:cxn modelId="{EF0D0484-4D9B-49EE-ADAA-CB95635E433E}" srcId="{8CDD8CF6-0521-443C-953D-66C7E945FFE4}" destId="{C4D56C75-215B-47B5-B0EE-AAA37AFA7894}" srcOrd="0" destOrd="0" parTransId="{2EB3752F-04A0-4FB8-B73A-758ED06CB00D}" sibTransId="{42604BAE-9874-49A0-91B5-0A571C53DBF8}"/>
-    <dgm:cxn modelId="{33E9859C-CF97-4A51-9290-76A21CA933F9}" type="presOf" srcId="{85B7942F-4078-45FD-8057-49DA9BC4B716}" destId="{50772E46-F5E4-4FB9-9403-01C44A6EE54D}" srcOrd="0" destOrd="0" presId="urn:microsoft.com/office/officeart/2005/8/layout/vList3"/>
+    <dgm:cxn modelId="{D1E102CC-A838-4ABC-A7E1-B82522CDB0F6}" type="presOf" srcId="{F5249CBC-37A1-4C8A-8441-BD3A52DD84A6}" destId="{0E4D1F20-0DB1-4A3D-A487-6CE96BE3BF6B}" srcOrd="0" destOrd="0" presId="urn:microsoft.com/office/officeart/2005/8/layout/vList3"/>
+    <dgm:cxn modelId="{6E8D58BC-77C9-4D40-A99E-F912C13976FB}" type="presOf" srcId="{8CDD8CF6-0521-443C-953D-66C7E945FFE4}" destId="{7E474F9C-2627-4C14-ABCB-2616BC1D5183}" srcOrd="0" destOrd="0" presId="urn:microsoft.com/office/officeart/2005/8/layout/vList3"/>
     <dgm:cxn modelId="{B64AF1B2-AE69-4231-8154-9FE19606F313}" type="presOf" srcId="{40CE98B6-7B17-4A1C-B56D-A510FB156127}" destId="{2A9620BA-B741-45CD-9811-3E32ED2A75AE}" srcOrd="0" destOrd="0" presId="urn:microsoft.com/office/officeart/2005/8/layout/vList3"/>
-    <dgm:cxn modelId="{6E8D58BC-77C9-4D40-A99E-F912C13976FB}" type="presOf" srcId="{8CDD8CF6-0521-443C-953D-66C7E945FFE4}" destId="{7E474F9C-2627-4C14-ABCB-2616BC1D5183}" srcOrd="0" destOrd="0" presId="urn:microsoft.com/office/officeart/2005/8/layout/vList3"/>
-    <dgm:cxn modelId="{570F09BF-154F-4312-8269-176BF171FDE6}" srcId="{8CDD8CF6-0521-443C-953D-66C7E945FFE4}" destId="{5D15E311-A1FD-43CE-8ADB-5C16028BA30F}" srcOrd="2" destOrd="0" parTransId="{A29C397D-9FC9-4394-9579-11AAA5A29D47}" sibTransId="{427601A5-CAF1-4178-BF38-C50DFC4D2BF1}"/>
-    <dgm:cxn modelId="{D1E102CC-A838-4ABC-A7E1-B82522CDB0F6}" type="presOf" srcId="{F5249CBC-37A1-4C8A-8441-BD3A52DD84A6}" destId="{0E4D1F20-0DB1-4A3D-A487-6CE96BE3BF6B}" srcOrd="0" destOrd="0" presId="urn:microsoft.com/office/officeart/2005/8/layout/vList3"/>
-    <dgm:cxn modelId="{85E386E6-AF7D-4B33-8EF0-29C417592077}" srcId="{8CDD8CF6-0521-443C-953D-66C7E945FFE4}" destId="{40CE98B6-7B17-4A1C-B56D-A510FB156127}" srcOrd="3" destOrd="0" parTransId="{3675D6D4-72F6-42F9-A070-EC1FCDCA68E5}" sibTransId="{059EA570-2130-4D38-A3FA-ED447F3D3E2C}"/>
     <dgm:cxn modelId="{32F61E8F-4C04-4AA6-A3CB-77F0C53F3187}" type="presParOf" srcId="{7E474F9C-2627-4C14-ABCB-2616BC1D5183}" destId="{0BCFEC3C-2326-4A1B-B44E-ED35BB740714}" srcOrd="0" destOrd="0" presId="urn:microsoft.com/office/officeart/2005/8/layout/vList3"/>
     <dgm:cxn modelId="{7310E069-F74D-48A5-9C3D-4FC74631D850}" type="presParOf" srcId="{0BCFEC3C-2326-4A1B-B44E-ED35BB740714}" destId="{04D8072E-3488-4E6D-9AE8-52A94EB61490}" srcOrd="0" destOrd="0" presId="urn:microsoft.com/office/officeart/2005/8/layout/vList3"/>
     <dgm:cxn modelId="{52B48A76-BFCD-46F0-9D44-9DB7CB89B217}" type="presParOf" srcId="{0BCFEC3C-2326-4A1B-B44E-ED35BB740714}" destId="{3CFFDBED-22E7-42DD-869D-68DDB27DBCFA}" srcOrd="1" destOrd="0" presId="urn:microsoft.com/office/officeart/2005/8/layout/vList3"/>
@@ -6297,6 +6437,13 @@
         </dgm:presLayoutVars>
       </dgm:prSet>
       <dgm:spPr/>
+      <dgm:t>
+        <a:bodyPr/>
+        <a:lstStyle/>
+        <a:p>
+          <a:endParaRPr lang="de-DE"/>
+        </a:p>
+      </dgm:t>
     </dgm:pt>
     <dgm:pt modelId="{2F1D695E-B2A2-4714-8A5E-02BBAC019932}" type="pres">
       <dgm:prSet presAssocID="{42604BAE-9874-49A0-91B5-0A571C53DBF8}" presName="spacing" presStyleCnt="0"/>
@@ -6331,6 +6478,13 @@
         </dgm:presLayoutVars>
       </dgm:prSet>
       <dgm:spPr/>
+      <dgm:t>
+        <a:bodyPr/>
+        <a:lstStyle/>
+        <a:p>
+          <a:endParaRPr lang="de-DE"/>
+        </a:p>
+      </dgm:t>
     </dgm:pt>
     <dgm:pt modelId="{D848F648-861C-4DC1-8A21-85FC6CB79652}" type="pres">
       <dgm:prSet presAssocID="{C831B9A5-9ADE-4A3B-8875-B9CCAA0C32A8}" presName="spacing" presStyleCnt="0"/>
@@ -6365,6 +6519,13 @@
         </dgm:presLayoutVars>
       </dgm:prSet>
       <dgm:spPr/>
+      <dgm:t>
+        <a:bodyPr/>
+        <a:lstStyle/>
+        <a:p>
+          <a:endParaRPr lang="de-DE"/>
+        </a:p>
+      </dgm:t>
     </dgm:pt>
     <dgm:pt modelId="{FBB175AC-579E-46C8-AC09-2FDD1C26A5EE}" type="pres">
       <dgm:prSet presAssocID="{427601A5-CAF1-4178-BF38-C50DFC4D2BF1}" presName="spacing" presStyleCnt="0"/>
@@ -6399,6 +6560,13 @@
         </dgm:presLayoutVars>
       </dgm:prSet>
       <dgm:spPr/>
+      <dgm:t>
+        <a:bodyPr/>
+        <a:lstStyle/>
+        <a:p>
+          <a:endParaRPr lang="de-DE"/>
+        </a:p>
+      </dgm:t>
     </dgm:pt>
     <dgm:pt modelId="{214FFCAC-DC5F-42D0-8E57-8C07F3CD7B87}" type="pres">
       <dgm:prSet presAssocID="{059EA570-2130-4D38-A3FA-ED447F3D3E2C}" presName="spacing" presStyleCnt="0"/>
@@ -6433,20 +6601,27 @@
         </dgm:presLayoutVars>
       </dgm:prSet>
       <dgm:spPr/>
+      <dgm:t>
+        <a:bodyPr/>
+        <a:lstStyle/>
+        <a:p>
+          <a:endParaRPr lang="de-DE"/>
+        </a:p>
+      </dgm:t>
     </dgm:pt>
   </dgm:ptLst>
   <dgm:cxnLst>
-    <dgm:cxn modelId="{F510C53B-CD11-4D35-A379-A717615E9053}" srcId="{8CDD8CF6-0521-443C-953D-66C7E945FFE4}" destId="{85B7942F-4078-45FD-8057-49DA9BC4B716}" srcOrd="4" destOrd="0" parTransId="{6A424B3F-6FE0-4EF4-B1AF-A50CA99AD8FE}" sibTransId="{63C836F6-4D81-454E-8FA7-307003149ED4}"/>
     <dgm:cxn modelId="{6A886B46-4C84-40CE-90DC-BE95A8F109FF}" type="presOf" srcId="{85B7942F-4078-45FD-8057-49DA9BC4B716}" destId="{50772E46-F5E4-4FB9-9403-01C44A6EE54D}" srcOrd="0" destOrd="0" presId="urn:microsoft.com/office/officeart/2005/8/layout/vList3"/>
-    <dgm:cxn modelId="{A749DB4A-67AE-41F4-A2FC-E8E86316BD1B}" srcId="{8CDD8CF6-0521-443C-953D-66C7E945FFE4}" destId="{F5249CBC-37A1-4C8A-8441-BD3A52DD84A6}" srcOrd="1" destOrd="0" parTransId="{2CC6AC87-7DEF-4D55-8ADF-08DC09DC82CE}" sibTransId="{C831B9A5-9ADE-4A3B-8875-B9CCAA0C32A8}"/>
-    <dgm:cxn modelId="{053E6F6E-E925-451F-9BAB-CD23FCFF8FB9}" type="presOf" srcId="{C4D56C75-215B-47B5-B0EE-AAA37AFA7894}" destId="{3CFFDBED-22E7-42DD-869D-68DDB27DBCFA}" srcOrd="0" destOrd="0" presId="urn:microsoft.com/office/officeart/2005/8/layout/vList3"/>
     <dgm:cxn modelId="{B16D7C71-5D19-4350-91C4-EE079B7D83BE}" type="presOf" srcId="{5D15E311-A1FD-43CE-8ADB-5C16028BA30F}" destId="{FAA343AB-657E-4FB6-A8D8-D752FB3BFC4E}" srcOrd="0" destOrd="0" presId="urn:microsoft.com/office/officeart/2005/8/layout/vList3"/>
     <dgm:cxn modelId="{9B593852-1006-4CCB-8C05-F98C507AD44E}" type="presOf" srcId="{8CDD8CF6-0521-443C-953D-66C7E945FFE4}" destId="{7E474F9C-2627-4C14-ABCB-2616BC1D5183}" srcOrd="0" destOrd="0" presId="urn:microsoft.com/office/officeart/2005/8/layout/vList3"/>
+    <dgm:cxn modelId="{85E386E6-AF7D-4B33-8EF0-29C417592077}" srcId="{8CDD8CF6-0521-443C-953D-66C7E945FFE4}" destId="{40CE98B6-7B17-4A1C-B56D-A510FB156127}" srcOrd="3" destOrd="0" parTransId="{3675D6D4-72F6-42F9-A070-EC1FCDCA68E5}" sibTransId="{059EA570-2130-4D38-A3FA-ED447F3D3E2C}"/>
+    <dgm:cxn modelId="{053E6F6E-E925-451F-9BAB-CD23FCFF8FB9}" type="presOf" srcId="{C4D56C75-215B-47B5-B0EE-AAA37AFA7894}" destId="{3CFFDBED-22E7-42DD-869D-68DDB27DBCFA}" srcOrd="0" destOrd="0" presId="urn:microsoft.com/office/officeart/2005/8/layout/vList3"/>
+    <dgm:cxn modelId="{F510C53B-CD11-4D35-A379-A717615E9053}" srcId="{8CDD8CF6-0521-443C-953D-66C7E945FFE4}" destId="{85B7942F-4078-45FD-8057-49DA9BC4B716}" srcOrd="4" destOrd="0" parTransId="{6A424B3F-6FE0-4EF4-B1AF-A50CA99AD8FE}" sibTransId="{63C836F6-4D81-454E-8FA7-307003149ED4}"/>
     <dgm:cxn modelId="{EF0D0484-4D9B-49EE-ADAA-CB95635E433E}" srcId="{8CDD8CF6-0521-443C-953D-66C7E945FFE4}" destId="{C4D56C75-215B-47B5-B0EE-AAA37AFA7894}" srcOrd="0" destOrd="0" parTransId="{2EB3752F-04A0-4FB8-B73A-758ED06CB00D}" sibTransId="{42604BAE-9874-49A0-91B5-0A571C53DBF8}"/>
+    <dgm:cxn modelId="{570F09BF-154F-4312-8269-176BF171FDE6}" srcId="{8CDD8CF6-0521-443C-953D-66C7E945FFE4}" destId="{5D15E311-A1FD-43CE-8ADB-5C16028BA30F}" srcOrd="2" destOrd="0" parTransId="{A29C397D-9FC9-4394-9579-11AAA5A29D47}" sibTransId="{427601A5-CAF1-4178-BF38-C50DFC4D2BF1}"/>
+    <dgm:cxn modelId="{1D44E1F6-208B-47B6-8E8E-EBCB3B4B4AE2}" type="presOf" srcId="{F5249CBC-37A1-4C8A-8441-BD3A52DD84A6}" destId="{0E4D1F20-0DB1-4A3D-A487-6CE96BE3BF6B}" srcOrd="0" destOrd="0" presId="urn:microsoft.com/office/officeart/2005/8/layout/vList3"/>
     <dgm:cxn modelId="{733E39AF-92CF-41E6-9B4B-0F14CB439C75}" type="presOf" srcId="{40CE98B6-7B17-4A1C-B56D-A510FB156127}" destId="{2A9620BA-B741-45CD-9811-3E32ED2A75AE}" srcOrd="0" destOrd="0" presId="urn:microsoft.com/office/officeart/2005/8/layout/vList3"/>
-    <dgm:cxn modelId="{570F09BF-154F-4312-8269-176BF171FDE6}" srcId="{8CDD8CF6-0521-443C-953D-66C7E945FFE4}" destId="{5D15E311-A1FD-43CE-8ADB-5C16028BA30F}" srcOrd="2" destOrd="0" parTransId="{A29C397D-9FC9-4394-9579-11AAA5A29D47}" sibTransId="{427601A5-CAF1-4178-BF38-C50DFC4D2BF1}"/>
-    <dgm:cxn modelId="{85E386E6-AF7D-4B33-8EF0-29C417592077}" srcId="{8CDD8CF6-0521-443C-953D-66C7E945FFE4}" destId="{40CE98B6-7B17-4A1C-B56D-A510FB156127}" srcOrd="3" destOrd="0" parTransId="{3675D6D4-72F6-42F9-A070-EC1FCDCA68E5}" sibTransId="{059EA570-2130-4D38-A3FA-ED447F3D3E2C}"/>
-    <dgm:cxn modelId="{1D44E1F6-208B-47B6-8E8E-EBCB3B4B4AE2}" type="presOf" srcId="{F5249CBC-37A1-4C8A-8441-BD3A52DD84A6}" destId="{0E4D1F20-0DB1-4A3D-A487-6CE96BE3BF6B}" srcOrd="0" destOrd="0" presId="urn:microsoft.com/office/officeart/2005/8/layout/vList3"/>
+    <dgm:cxn modelId="{A749DB4A-67AE-41F4-A2FC-E8E86316BD1B}" srcId="{8CDD8CF6-0521-443C-953D-66C7E945FFE4}" destId="{F5249CBC-37A1-4C8A-8441-BD3A52DD84A6}" srcOrd="1" destOrd="0" parTransId="{2CC6AC87-7DEF-4D55-8ADF-08DC09DC82CE}" sibTransId="{C831B9A5-9ADE-4A3B-8875-B9CCAA0C32A8}"/>
     <dgm:cxn modelId="{69429221-8329-499A-833C-A162060CA39D}" type="presParOf" srcId="{7E474F9C-2627-4C14-ABCB-2616BC1D5183}" destId="{0BCFEC3C-2326-4A1B-B44E-ED35BB740714}" srcOrd="0" destOrd="0" presId="urn:microsoft.com/office/officeart/2005/8/layout/vList3"/>
     <dgm:cxn modelId="{7DCE3B9B-8CD7-47C2-A291-2B4E266D8AE3}" type="presParOf" srcId="{0BCFEC3C-2326-4A1B-B44E-ED35BB740714}" destId="{04D8072E-3488-4E6D-9AE8-52A94EB61490}" srcOrd="0" destOrd="0" presId="urn:microsoft.com/office/officeart/2005/8/layout/vList3"/>
     <dgm:cxn modelId="{AD7CE3F2-5F72-42B3-9AC7-25AF41DBE952}" type="presParOf" srcId="{0BCFEC3C-2326-4A1B-B44E-ED35BB740714}" destId="{3CFFDBED-22E7-42DD-869D-68DDB27DBCFA}" srcOrd="1" destOrd="0" presId="urn:microsoft.com/office/officeart/2005/8/layout/vList3"/>
@@ -6536,7 +6711,7 @@
         </a:bodyPr>
         <a:lstStyle/>
         <a:p>
-          <a:pPr marL="0" lvl="0" indent="0" algn="ctr" defTabSz="1466850">
+          <a:pPr lvl="0" algn="ctr" defTabSz="1466850">
             <a:lnSpc>
               <a:spcPct val="90000"/>
             </a:lnSpc>
@@ -6546,7 +6721,6 @@
             <a:spcAft>
               <a:spcPct val="35000"/>
             </a:spcAft>
-            <a:buNone/>
           </a:pPr>
           <a:r>
             <a:rPr lang="de-DE" sz="3300" kern="1200" dirty="0"/>
@@ -6665,7 +6839,7 @@
         </a:bodyPr>
         <a:lstStyle/>
         <a:p>
-          <a:pPr marL="0" lvl="0" indent="0" algn="ctr" defTabSz="1466850">
+          <a:pPr lvl="0" algn="ctr" defTabSz="1466850">
             <a:lnSpc>
               <a:spcPct val="90000"/>
             </a:lnSpc>
@@ -6675,7 +6849,6 @@
             <a:spcAft>
               <a:spcPct val="35000"/>
             </a:spcAft>
-            <a:buNone/>
           </a:pPr>
           <a:r>
             <a:rPr lang="de-DE" sz="3300" kern="1200" dirty="0"/>
@@ -6794,7 +6967,7 @@
         </a:bodyPr>
         <a:lstStyle/>
         <a:p>
-          <a:pPr marL="0" lvl="0" indent="0" algn="ctr" defTabSz="1466850">
+          <a:pPr lvl="0" algn="ctr" defTabSz="1466850">
             <a:lnSpc>
               <a:spcPct val="90000"/>
             </a:lnSpc>
@@ -6804,7 +6977,6 @@
             <a:spcAft>
               <a:spcPct val="35000"/>
             </a:spcAft>
-            <a:buNone/>
           </a:pPr>
           <a:r>
             <a:rPr lang="de-DE" sz="3300" kern="1200" dirty="0"/>
@@ -6923,7 +7095,7 @@
         </a:bodyPr>
         <a:lstStyle/>
         <a:p>
-          <a:pPr marL="0" lvl="0" indent="0" algn="ctr" defTabSz="1466850">
+          <a:pPr lvl="0" algn="ctr" defTabSz="1466850">
             <a:lnSpc>
               <a:spcPct val="90000"/>
             </a:lnSpc>
@@ -6933,7 +7105,6 @@
             <a:spcAft>
               <a:spcPct val="35000"/>
             </a:spcAft>
-            <a:buNone/>
           </a:pPr>
           <a:r>
             <a:rPr lang="de-DE" sz="3300" kern="1200" dirty="0"/>
@@ -7052,7 +7223,7 @@
         </a:bodyPr>
         <a:lstStyle/>
         <a:p>
-          <a:pPr marL="0" lvl="0" indent="0" algn="ctr" defTabSz="1466850">
+          <a:pPr lvl="0" algn="ctr" defTabSz="1466850">
             <a:lnSpc>
               <a:spcPct val="90000"/>
             </a:lnSpc>
@@ -7062,7 +7233,6 @@
             <a:spcAft>
               <a:spcPct val="35000"/>
             </a:spcAft>
-            <a:buNone/>
           </a:pPr>
           <a:r>
             <a:rPr lang="de-DE" sz="3300" kern="1200" dirty="0"/>
@@ -7188,7 +7358,7 @@
         </a:bodyPr>
         <a:lstStyle/>
         <a:p>
-          <a:pPr marL="0" lvl="0" indent="0" algn="ctr" defTabSz="1466850">
+          <a:pPr lvl="0" algn="ctr" defTabSz="1466850">
             <a:lnSpc>
               <a:spcPct val="90000"/>
             </a:lnSpc>
@@ -7198,7 +7368,6 @@
             <a:spcAft>
               <a:spcPct val="35000"/>
             </a:spcAft>
-            <a:buNone/>
           </a:pPr>
           <a:r>
             <a:rPr lang="de-DE" sz="3300" kern="1200" dirty="0"/>
@@ -7314,7 +7483,7 @@
         </a:bodyPr>
         <a:lstStyle/>
         <a:p>
-          <a:pPr marL="0" lvl="0" indent="0" algn="ctr" defTabSz="1466850">
+          <a:pPr lvl="0" algn="ctr" defTabSz="1466850">
             <a:lnSpc>
               <a:spcPct val="90000"/>
             </a:lnSpc>
@@ -7324,7 +7493,6 @@
             <a:spcAft>
               <a:spcPct val="35000"/>
             </a:spcAft>
-            <a:buNone/>
           </a:pPr>
           <a:r>
             <a:rPr lang="de-DE" sz="3300" kern="1200" dirty="0"/>
@@ -7443,7 +7611,7 @@
         </a:bodyPr>
         <a:lstStyle/>
         <a:p>
-          <a:pPr marL="0" lvl="0" indent="0" algn="ctr" defTabSz="1466850">
+          <a:pPr lvl="0" algn="ctr" defTabSz="1466850">
             <a:lnSpc>
               <a:spcPct val="90000"/>
             </a:lnSpc>
@@ -7453,7 +7621,6 @@
             <a:spcAft>
               <a:spcPct val="35000"/>
             </a:spcAft>
-            <a:buNone/>
           </a:pPr>
           <a:r>
             <a:rPr lang="de-DE" sz="3300" kern="1200" dirty="0"/>
@@ -7572,7 +7739,7 @@
         </a:bodyPr>
         <a:lstStyle/>
         <a:p>
-          <a:pPr marL="0" lvl="0" indent="0" algn="ctr" defTabSz="1466850">
+          <a:pPr lvl="0" algn="ctr" defTabSz="1466850">
             <a:lnSpc>
               <a:spcPct val="90000"/>
             </a:lnSpc>
@@ -7582,7 +7749,6 @@
             <a:spcAft>
               <a:spcPct val="35000"/>
             </a:spcAft>
-            <a:buNone/>
           </a:pPr>
           <a:r>
             <a:rPr lang="de-DE" sz="3300" kern="1200" dirty="0"/>
@@ -7701,7 +7867,7 @@
         </a:bodyPr>
         <a:lstStyle/>
         <a:p>
-          <a:pPr marL="0" lvl="0" indent="0" algn="ctr" defTabSz="1466850">
+          <a:pPr lvl="0" algn="ctr" defTabSz="1466850">
             <a:lnSpc>
               <a:spcPct val="90000"/>
             </a:lnSpc>
@@ -7711,7 +7877,6 @@
             <a:spcAft>
               <a:spcPct val="35000"/>
             </a:spcAft>
-            <a:buNone/>
           </a:pPr>
           <a:r>
             <a:rPr lang="de-DE" sz="3300" kern="1200" dirty="0"/>
@@ -7837,7 +8002,7 @@
         </a:bodyPr>
         <a:lstStyle/>
         <a:p>
-          <a:pPr marL="0" lvl="0" indent="0" algn="ctr" defTabSz="1466850">
+          <a:pPr lvl="0" algn="ctr" defTabSz="1466850">
             <a:lnSpc>
               <a:spcPct val="90000"/>
             </a:lnSpc>
@@ -7847,7 +8012,6 @@
             <a:spcAft>
               <a:spcPct val="35000"/>
             </a:spcAft>
-            <a:buNone/>
           </a:pPr>
           <a:r>
             <a:rPr lang="de-DE" sz="3300" kern="1200" dirty="0"/>
@@ -7961,7 +8125,7 @@
         </a:bodyPr>
         <a:lstStyle/>
         <a:p>
-          <a:pPr marL="0" lvl="0" indent="0" algn="ctr" defTabSz="1466850">
+          <a:pPr lvl="0" algn="ctr" defTabSz="1466850">
             <a:lnSpc>
               <a:spcPct val="90000"/>
             </a:lnSpc>
@@ -7971,7 +8135,6 @@
             <a:spcAft>
               <a:spcPct val="35000"/>
             </a:spcAft>
-            <a:buNone/>
           </a:pPr>
           <a:r>
             <a:rPr lang="de-DE" sz="3300" kern="1200" dirty="0"/>
@@ -8087,7 +8250,7 @@
         </a:bodyPr>
         <a:lstStyle/>
         <a:p>
-          <a:pPr marL="0" lvl="0" indent="0" algn="ctr" defTabSz="1466850">
+          <a:pPr lvl="0" algn="ctr" defTabSz="1466850">
             <a:lnSpc>
               <a:spcPct val="90000"/>
             </a:lnSpc>
@@ -8097,7 +8260,6 @@
             <a:spcAft>
               <a:spcPct val="35000"/>
             </a:spcAft>
-            <a:buNone/>
           </a:pPr>
           <a:r>
             <a:rPr lang="de-DE" sz="3300" kern="1200" dirty="0"/>
@@ -8216,7 +8378,7 @@
         </a:bodyPr>
         <a:lstStyle/>
         <a:p>
-          <a:pPr marL="0" lvl="0" indent="0" algn="ctr" defTabSz="1466850">
+          <a:pPr lvl="0" algn="ctr" defTabSz="1466850">
             <a:lnSpc>
               <a:spcPct val="90000"/>
             </a:lnSpc>
@@ -8226,7 +8388,6 @@
             <a:spcAft>
               <a:spcPct val="35000"/>
             </a:spcAft>
-            <a:buNone/>
           </a:pPr>
           <a:r>
             <a:rPr lang="de-DE" sz="3300" kern="1200" dirty="0"/>
@@ -8345,7 +8506,7 @@
         </a:bodyPr>
         <a:lstStyle/>
         <a:p>
-          <a:pPr marL="0" lvl="0" indent="0" algn="ctr" defTabSz="1466850">
+          <a:pPr lvl="0" algn="ctr" defTabSz="1466850">
             <a:lnSpc>
               <a:spcPct val="90000"/>
             </a:lnSpc>
@@ -8355,7 +8516,6 @@
             <a:spcAft>
               <a:spcPct val="35000"/>
             </a:spcAft>
-            <a:buNone/>
           </a:pPr>
           <a:r>
             <a:rPr lang="de-DE" sz="3300" kern="1200" dirty="0"/>
@@ -8481,7 +8641,7 @@
         </a:bodyPr>
         <a:lstStyle/>
         <a:p>
-          <a:pPr marL="0" lvl="0" indent="0" algn="ctr" defTabSz="1466850">
+          <a:pPr lvl="0" algn="ctr" defTabSz="1466850">
             <a:lnSpc>
               <a:spcPct val="90000"/>
             </a:lnSpc>
@@ -8491,7 +8651,6 @@
             <a:spcAft>
               <a:spcPct val="35000"/>
             </a:spcAft>
-            <a:buNone/>
           </a:pPr>
           <a:r>
             <a:rPr lang="de-DE" sz="3300" kern="1200" dirty="0"/>
@@ -8605,7 +8764,7 @@
         </a:bodyPr>
         <a:lstStyle/>
         <a:p>
-          <a:pPr marL="0" lvl="0" indent="0" algn="ctr" defTabSz="1466850">
+          <a:pPr lvl="0" algn="ctr" defTabSz="1466850">
             <a:lnSpc>
               <a:spcPct val="90000"/>
             </a:lnSpc>
@@ -8615,7 +8774,6 @@
             <a:spcAft>
               <a:spcPct val="35000"/>
             </a:spcAft>
-            <a:buNone/>
           </a:pPr>
           <a:r>
             <a:rPr lang="de-DE" sz="3300" kern="1200" dirty="0"/>
@@ -8729,7 +8887,7 @@
         </a:bodyPr>
         <a:lstStyle/>
         <a:p>
-          <a:pPr marL="0" lvl="0" indent="0" algn="ctr" defTabSz="1466850">
+          <a:pPr lvl="0" algn="ctr" defTabSz="1466850">
             <a:lnSpc>
               <a:spcPct val="90000"/>
             </a:lnSpc>
@@ -8739,7 +8897,6 @@
             <a:spcAft>
               <a:spcPct val="35000"/>
             </a:spcAft>
-            <a:buNone/>
           </a:pPr>
           <a:r>
             <a:rPr lang="de-DE" sz="3300" kern="1200" dirty="0"/>
@@ -8855,7 +9012,7 @@
         </a:bodyPr>
         <a:lstStyle/>
         <a:p>
-          <a:pPr marL="0" lvl="0" indent="0" algn="ctr" defTabSz="1466850">
+          <a:pPr lvl="0" algn="ctr" defTabSz="1466850">
             <a:lnSpc>
               <a:spcPct val="90000"/>
             </a:lnSpc>
@@ -8865,7 +9022,6 @@
             <a:spcAft>
               <a:spcPct val="35000"/>
             </a:spcAft>
-            <a:buNone/>
           </a:pPr>
           <a:r>
             <a:rPr lang="de-DE" sz="3300" kern="1200" dirty="0"/>
@@ -8984,7 +9140,7 @@
         </a:bodyPr>
         <a:lstStyle/>
         <a:p>
-          <a:pPr marL="0" lvl="0" indent="0" algn="ctr" defTabSz="1466850">
+          <a:pPr lvl="0" algn="ctr" defTabSz="1466850">
             <a:lnSpc>
               <a:spcPct val="90000"/>
             </a:lnSpc>
@@ -8994,7 +9150,6 @@
             <a:spcAft>
               <a:spcPct val="35000"/>
             </a:spcAft>
-            <a:buNone/>
           </a:pPr>
           <a:r>
             <a:rPr lang="de-DE" sz="3300" kern="1200" dirty="0"/>
@@ -9120,7 +9275,7 @@
         </a:bodyPr>
         <a:lstStyle/>
         <a:p>
-          <a:pPr marL="0" lvl="0" indent="0" algn="ctr" defTabSz="1466850">
+          <a:pPr lvl="0" algn="ctr" defTabSz="1466850">
             <a:lnSpc>
               <a:spcPct val="90000"/>
             </a:lnSpc>
@@ -9130,7 +9285,6 @@
             <a:spcAft>
               <a:spcPct val="35000"/>
             </a:spcAft>
-            <a:buNone/>
           </a:pPr>
           <a:r>
             <a:rPr lang="de-DE" sz="3300" kern="1200" dirty="0"/>
@@ -9244,7 +9398,7 @@
         </a:bodyPr>
         <a:lstStyle/>
         <a:p>
-          <a:pPr marL="0" lvl="0" indent="0" algn="ctr" defTabSz="1466850">
+          <a:pPr lvl="0" algn="ctr" defTabSz="1466850">
             <a:lnSpc>
               <a:spcPct val="90000"/>
             </a:lnSpc>
@@ -9254,7 +9408,6 @@
             <a:spcAft>
               <a:spcPct val="35000"/>
             </a:spcAft>
-            <a:buNone/>
           </a:pPr>
           <a:r>
             <a:rPr lang="de-DE" sz="3300" kern="1200" dirty="0"/>
@@ -9368,7 +9521,7 @@
         </a:bodyPr>
         <a:lstStyle/>
         <a:p>
-          <a:pPr marL="0" lvl="0" indent="0" algn="ctr" defTabSz="1466850">
+          <a:pPr lvl="0" algn="ctr" defTabSz="1466850">
             <a:lnSpc>
               <a:spcPct val="90000"/>
             </a:lnSpc>
@@ -9378,7 +9531,6 @@
             <a:spcAft>
               <a:spcPct val="35000"/>
             </a:spcAft>
-            <a:buNone/>
           </a:pPr>
           <a:r>
             <a:rPr lang="de-DE" sz="3300" kern="1200" dirty="0"/>
@@ -9492,7 +9644,7 @@
         </a:bodyPr>
         <a:lstStyle/>
         <a:p>
-          <a:pPr marL="0" lvl="0" indent="0" algn="ctr" defTabSz="1466850">
+          <a:pPr lvl="0" algn="ctr" defTabSz="1466850">
             <a:lnSpc>
               <a:spcPct val="90000"/>
             </a:lnSpc>
@@ -9502,7 +9654,6 @@
             <a:spcAft>
               <a:spcPct val="35000"/>
             </a:spcAft>
-            <a:buNone/>
           </a:pPr>
           <a:r>
             <a:rPr lang="de-DE" sz="3300" kern="1200" dirty="0"/>
@@ -9618,7 +9769,7 @@
         </a:bodyPr>
         <a:lstStyle/>
         <a:p>
-          <a:pPr marL="0" lvl="0" indent="0" algn="ctr" defTabSz="1466850">
+          <a:pPr lvl="0" algn="ctr" defTabSz="1466850">
             <a:lnSpc>
               <a:spcPct val="90000"/>
             </a:lnSpc>
@@ -9628,7 +9779,6 @@
             <a:spcAft>
               <a:spcPct val="35000"/>
             </a:spcAft>
-            <a:buNone/>
           </a:pPr>
           <a:r>
             <a:rPr lang="de-DE" sz="3300" kern="1200" dirty="0"/>
@@ -15766,7 +15916,7 @@
             <a:pPr algn="r" rtl="0"/>
             <a:fld id="{EA8C5A89-D750-4C9C-AD82-BD87E1631370}" type="datetime1">
               <a:rPr lang="de-DE" smtClean="0"/>
-              <a:t>04.07.2018</a:t>
+              <a:t>05.07.2018</a:t>
             </a:fld>
             <a:endParaRPr lang="de-DE" dirty="0"/>
           </a:p>
@@ -15936,7 +16086,7 @@
             <a:fld id="{729E0972-DB1D-4D71-93B8-56ECB99C47FF}" type="datetime1">
               <a:rPr lang="de-DE" smtClean="0"/>
               <a:pPr/>
-              <a:t>04.07.2018</a:t>
+              <a:t>05.07.2018</a:t>
             </a:fld>
             <a:endParaRPr lang="de-DE" dirty="0"/>
           </a:p>
@@ -17300,6 +17450,13 @@
             <a:endParaRPr lang="de-DE" dirty="0"/>
           </a:p>
           <a:p>
+            <a:endParaRPr lang="de-DE" dirty="0" smtClean="0"/>
+          </a:p>
+          <a:p>
+            <a:r>
+              <a:rPr lang="de-DE" dirty="0" smtClean="0"/>
+              <a:t>/*</a:t>
+            </a:r>
             <a:endParaRPr lang="de-DE" dirty="0"/>
           </a:p>
           <a:p>
@@ -17327,6 +17484,10 @@
             </a:r>
           </a:p>
           <a:p>
+            <a:r>
+              <a:rPr lang="de-DE" dirty="0" smtClean="0"/>
+              <a:t>*/</a:t>
+            </a:r>
             <a:endParaRPr lang="de-DE" dirty="0"/>
           </a:p>
         </p:txBody>
@@ -17760,7 +17921,11 @@
             </a:pPr>
             <a:r>
               <a:rPr lang="de-DE" dirty="0"/>
-              <a:t>http-Anfragen und JSON-Antworten zur Kommunikation von beiden</a:t>
+              <a:t>http-Anfragen und JSON-Antworten zur Kommunikation von </a:t>
+            </a:r>
+            <a:r>
+              <a:rPr lang="de-DE" dirty="0" smtClean="0"/>
+              <a:t>beiden</a:t>
             </a:r>
           </a:p>
           <a:p>
@@ -17768,10 +17933,41 @@
               <a:buFontTx/>
               <a:buChar char="-"/>
             </a:pPr>
+            <a:endParaRPr lang="de-DE" dirty="0"/>
+          </a:p>
+          <a:p>
+            <a:pPr marL="285750" indent="-285750">
+              <a:buFontTx/>
+              <a:buChar char="-"/>
+            </a:pPr>
             <a:r>
-              <a:rPr lang="de-DE" dirty="0"/>
-              <a:t>(Kommunikation über TCP/IP)</a:t>
+              <a:rPr lang="de-DE" dirty="0" smtClean="0"/>
+              <a:t>//</a:t>
             </a:r>
+            <a:r>
+              <a:rPr lang="de-DE" baseline="0" dirty="0" smtClean="0"/>
+              <a:t> </a:t>
+            </a:r>
+            <a:r>
+              <a:rPr lang="de-DE" dirty="0" smtClean="0"/>
+              <a:t>Kommunikation </a:t>
+            </a:r>
+            <a:r>
+              <a:rPr lang="de-DE"/>
+              <a:t>über </a:t>
+            </a:r>
+            <a:r>
+              <a:rPr lang="de-DE" smtClean="0"/>
+              <a:t>TCP/IP</a:t>
+            </a:r>
+            <a:endParaRPr lang="de-DE" dirty="0" smtClean="0"/>
+          </a:p>
+          <a:p>
+            <a:pPr marL="285750" indent="-285750">
+              <a:buFontTx/>
+              <a:buChar char="-"/>
+            </a:pPr>
+            <a:endParaRPr lang="de-DE" dirty="0"/>
           </a:p>
           <a:p>
             <a:pPr marL="285750" indent="-285750">
@@ -18581,7 +18777,7 @@
           <a:p>
             <a:fld id="{5A09CFD7-FC86-4C82-9E1B-F351AC8184BB}" type="datetime1">
               <a:rPr lang="de-DE" smtClean="0"/>
-              <a:t>04.07.2018</a:t>
+              <a:t>05.07.2018</a:t>
             </a:fld>
             <a:endParaRPr lang="de-DE" dirty="0"/>
           </a:p>
@@ -18790,7 +18986,7 @@
           <a:p>
             <a:fld id="{038A29F2-5EB4-4EA6-972B-B8E49DA927FE}" type="datetime1">
               <a:rPr lang="de-DE" smtClean="0"/>
-              <a:t>04.07.2018</a:t>
+              <a:t>05.07.2018</a:t>
             </a:fld>
             <a:endParaRPr lang="de-DE" dirty="0"/>
           </a:p>
@@ -19009,7 +19205,7 @@
           <a:p>
             <a:fld id="{8D0D0724-94A9-4F1A-89E8-E06329536902}" type="datetime1">
               <a:rPr lang="de-DE" smtClean="0"/>
-              <a:t>04.07.2018</a:t>
+              <a:t>05.07.2018</a:t>
             </a:fld>
             <a:endParaRPr lang="de-DE" dirty="0"/>
           </a:p>
@@ -19218,7 +19414,7 @@
           <a:p>
             <a:fld id="{BDC426D2-37BC-4D6E-8BCD-0EB884315D40}" type="datetime1">
               <a:rPr lang="de-DE" smtClean="0"/>
-              <a:t>04.07.2018</a:t>
+              <a:t>05.07.2018</a:t>
             </a:fld>
             <a:endParaRPr lang="de-DE" dirty="0"/>
           </a:p>
@@ -19661,7 +19857,7 @@
           <a:p>
             <a:fld id="{E3AFF1A1-558B-43BD-95CD-96015316B91C}" type="datetime1">
               <a:rPr lang="de-DE" smtClean="0"/>
-              <a:t>04.07.2018</a:t>
+              <a:t>05.07.2018</a:t>
             </a:fld>
             <a:endParaRPr lang="de-DE" dirty="0"/>
           </a:p>
@@ -19976,7 +20172,7 @@
           <a:p>
             <a:fld id="{8E1F56F0-FBD8-46B8-9CCE-1375C46ECCCC}" type="datetime1">
               <a:rPr lang="de-DE" smtClean="0"/>
-              <a:t>04.07.2018</a:t>
+              <a:t>05.07.2018</a:t>
             </a:fld>
             <a:endParaRPr lang="de-DE" dirty="0"/>
           </a:p>
@@ -20443,7 +20639,7 @@
           <a:p>
             <a:fld id="{ED849104-7AD3-412B-818F-6CE6DB6DF07F}" type="datetime1">
               <a:rPr lang="de-DE" smtClean="0"/>
-              <a:t>04.07.2018</a:t>
+              <a:t>05.07.2018</a:t>
             </a:fld>
             <a:endParaRPr lang="de-DE" dirty="0"/>
           </a:p>
@@ -20584,7 +20780,7 @@
           <a:p>
             <a:fld id="{CA86FA3F-CDFC-4A22-8B37-9097DF15AE9F}" type="datetime1">
               <a:rPr lang="de-DE" smtClean="0"/>
-              <a:t>04.07.2018</a:t>
+              <a:t>05.07.2018</a:t>
             </a:fld>
             <a:endParaRPr lang="de-DE" dirty="0"/>
           </a:p>
@@ -20701,7 +20897,7 @@
           <a:p>
             <a:fld id="{B82F912C-72CF-43A5-8EEB-3B1F5B9575CC}" type="datetime1">
               <a:rPr lang="de-DE" smtClean="0"/>
-              <a:t>04.07.2018</a:t>
+              <a:t>05.07.2018</a:t>
             </a:fld>
             <a:endParaRPr lang="de-DE" dirty="0"/>
           </a:p>
@@ -21011,7 +21207,7 @@
           <a:p>
             <a:fld id="{A27F02E9-F370-42C3-BEB2-97E80693102B}" type="datetime1">
               <a:rPr lang="de-DE" smtClean="0"/>
-              <a:t>04.07.2018</a:t>
+              <a:t>05.07.2018</a:t>
             </a:fld>
             <a:endParaRPr lang="de-DE" dirty="0"/>
           </a:p>
@@ -21311,7 +21507,7 @@
           <a:p>
             <a:fld id="{BBFB9B96-9FF9-4FDE-8196-917542E5F6F3}" type="datetime1">
               <a:rPr lang="de-DE" smtClean="0"/>
-              <a:t>04.07.2018</a:t>
+              <a:t>05.07.2018</a:t>
             </a:fld>
             <a:endParaRPr lang="de-DE" dirty="0"/>
           </a:p>
@@ -21938,7 +22134,7 @@
           <a:p>
             <a:fld id="{BAC6B33D-9E43-46BC-9DFA-9B42F761A70D}" type="datetime1">
               <a:rPr lang="de-DE" smtClean="0"/>
-              <a:t>04.07.2018</a:t>
+              <a:t>05.07.2018</a:t>
             </a:fld>
             <a:endParaRPr lang="de-DE" dirty="0"/>
           </a:p>
@@ -22810,7 +23006,7 @@
           </p:cNvPicPr>
           <p:nvPr/>
         </p:nvPicPr>
-        <p:blipFill>
+        <p:blipFill rotWithShape="1">
           <a:blip r:embed="rId4">
             <a:extLst>
               <a:ext uri="{28A0092B-C50C-407E-A947-70E740481C1C}">
@@ -22818,14 +23014,13 @@
               </a:ext>
             </a:extLst>
           </a:blip>
-          <a:stretch>
-            <a:fillRect/>
-          </a:stretch>
+          <a:srcRect t="17565"/>
+          <a:stretch/>
         </p:blipFill>
         <p:spPr>
           <a:xfrm>
-            <a:off x="1110552" y="1705173"/>
-            <a:ext cx="10582275" cy="1133475"/>
+            <a:off x="1110552" y="1904268"/>
+            <a:ext cx="10582275" cy="934380"/>
           </a:xfrm>
           <a:prstGeom prst="rect">
             <a:avLst/>
@@ -23939,9 +24134,16 @@
           <a:bodyPr/>
           <a:lstStyle/>
           <a:p>
+            <a:endParaRPr lang="de-DE" dirty="0" smtClean="0"/>
+          </a:p>
+          <a:p>
+            <a:r>
+              <a:rPr lang="de-DE" dirty="0" smtClean="0"/>
+              <a:t>Projekt </a:t>
+            </a:r>
             <a:r>
               <a:rPr lang="de-DE" dirty="0"/>
-              <a:t>Projekt aus der c‘t lauffähig machen</a:t>
+              <a:t>aus der c‘t lauffähig machen</a:t>
             </a:r>
           </a:p>
           <a:p>
@@ -23963,15 +24165,9 @@
             </a:r>
           </a:p>
           <a:p>
-            <a:endParaRPr lang="de-DE" dirty="0"/>
-          </a:p>
-          <a:p>
-            <a:r>
-              <a:rPr lang="de-DE" dirty="0"/>
-              <a:t>Umsetzung in C oder Java (optional)</a:t>
-            </a:r>
-          </a:p>
-          <a:p>
+            <a:pPr marL="0" indent="0">
+              <a:buNone/>
+            </a:pPr>
             <a:endParaRPr lang="de-DE" dirty="0"/>
           </a:p>
           <a:p>
@@ -24070,7 +24266,7 @@
         </p:blipFill>
         <p:spPr>
           <a:xfrm>
-            <a:off x="6958508" y="693932"/>
+            <a:off x="6958507" y="1233174"/>
             <a:ext cx="680383" cy="792088"/>
           </a:xfrm>
           <a:prstGeom prst="rect">
@@ -24106,7 +24302,7 @@
         </p:blipFill>
         <p:spPr>
           <a:xfrm>
-            <a:off x="6413834" y="1764257"/>
+            <a:off x="6399133" y="2406081"/>
             <a:ext cx="680383" cy="792088"/>
           </a:xfrm>
           <a:prstGeom prst="rect">
@@ -24142,7 +24338,7 @@
         </p:blipFill>
         <p:spPr>
           <a:xfrm>
-            <a:off x="7298699" y="5371980"/>
+            <a:off x="7298699" y="4797152"/>
             <a:ext cx="680383" cy="792088"/>
           </a:xfrm>
           <a:prstGeom prst="rect">
@@ -24152,10 +24348,10 @@
       </p:pic>
       <p:pic>
         <p:nvPicPr>
-          <p:cNvPr id="10" name="Grafik 9">
+          <p:cNvPr id="13" name="Grafik 12">
             <a:extLst>
               <a:ext uri="{FF2B5EF4-FFF2-40B4-BE49-F238E27FC236}">
-                <a16:creationId xmlns:a16="http://schemas.microsoft.com/office/drawing/2014/main" id="{4ABB9B78-EA30-451B-9F8B-15FCF2ED95A0}"/>
+                <a16:creationId xmlns:a16="http://schemas.microsoft.com/office/drawing/2014/main" id="{C67E35BB-D486-4549-AFEE-59886569A3AC}"/>
               </a:ext>
             </a:extLst>
           </p:cNvPr>
@@ -24178,43 +24374,7 @@
         </p:blipFill>
         <p:spPr>
           <a:xfrm>
-            <a:off x="6754026" y="4405201"/>
-            <a:ext cx="625668" cy="625668"/>
-          </a:xfrm>
-          <a:prstGeom prst="rect">
-            <a:avLst/>
-          </a:prstGeom>
-        </p:spPr>
-      </p:pic>
-      <p:pic>
-        <p:nvPicPr>
-          <p:cNvPr id="13" name="Grafik 12">
-            <a:extLst>
-              <a:ext uri="{FF2B5EF4-FFF2-40B4-BE49-F238E27FC236}">
-                <a16:creationId xmlns:a16="http://schemas.microsoft.com/office/drawing/2014/main" id="{C67E35BB-D486-4549-AFEE-59886569A3AC}"/>
-              </a:ext>
-            </a:extLst>
-          </p:cNvPr>
-          <p:cNvPicPr>
-            <a:picLocks noChangeAspect="1"/>
-          </p:cNvPicPr>
-          <p:nvPr/>
-        </p:nvPicPr>
-        <p:blipFill>
-          <a:blip r:embed="rId5" cstate="print">
-            <a:extLst>
-              <a:ext uri="{28A0092B-C50C-407E-A947-70E740481C1C}">
-                <a14:useLocalDpi xmlns:a14="http://schemas.microsoft.com/office/drawing/2010/main" val="0"/>
-              </a:ext>
-            </a:extLst>
-          </a:blip>
-          <a:stretch>
-            <a:fillRect/>
-          </a:stretch>
-        </p:blipFill>
-        <p:spPr>
-          <a:xfrm>
-            <a:off x="8470676" y="3087022"/>
+            <a:off x="8470676" y="3717032"/>
             <a:ext cx="680383" cy="683956"/>
           </a:xfrm>
           <a:prstGeom prst="rect">
@@ -24408,51 +24568,6 @@
                                     <p:set>
                                       <p:cBhvr>
                                         <p:cTn id="18" dur="1" fill="hold">
-                                          <p:stCondLst>
-                                            <p:cond delay="0"/>
-                                          </p:stCondLst>
-                                        </p:cTn>
-                                        <p:tgtEl>
-                                          <p:spTgt spid="10"/>
-                                        </p:tgtEl>
-                                        <p:attrNameLst>
-                                          <p:attrName>style.visibility</p:attrName>
-                                        </p:attrNameLst>
-                                      </p:cBhvr>
-                                      <p:to>
-                                        <p:strVal val="visible"/>
-                                      </p:to>
-                                    </p:set>
-                                  </p:childTnLst>
-                                </p:cTn>
-                              </p:par>
-                            </p:childTnLst>
-                          </p:cTn>
-                        </p:par>
-                      </p:childTnLst>
-                    </p:cTn>
-                  </p:par>
-                  <p:par>
-                    <p:cTn id="19" fill="hold">
-                      <p:stCondLst>
-                        <p:cond delay="indefinite"/>
-                      </p:stCondLst>
-                      <p:childTnLst>
-                        <p:par>
-                          <p:cTn id="20" fill="hold">
-                            <p:stCondLst>
-                              <p:cond delay="0"/>
-                            </p:stCondLst>
-                            <p:childTnLst>
-                              <p:par>
-                                <p:cTn id="21" presetID="1" presetClass="entr" presetSubtype="0" fill="hold" nodeType="clickEffect">
-                                  <p:stCondLst>
-                                    <p:cond delay="0"/>
-                                  </p:stCondLst>
-                                  <p:childTnLst>
-                                    <p:set>
-                                      <p:cBhvr>
-                                        <p:cTn id="22" dur="1" fill="hold">
                                           <p:stCondLst>
                                             <p:cond delay="0"/>
                                           </p:stCondLst>
@@ -25544,9 +25659,16 @@
           <a:bodyPr/>
           <a:lstStyle/>
           <a:p>
+            <a:endParaRPr lang="de-DE" dirty="0" smtClean="0"/>
+          </a:p>
+          <a:p>
+            <a:r>
+              <a:rPr lang="de-DE" dirty="0" smtClean="0"/>
+              <a:t>Projekt </a:t>
+            </a:r>
             <a:r>
               <a:rPr lang="de-DE" dirty="0"/>
-              <a:t>Projekt aus der c‘t lauffähig machen</a:t>
+              <a:t>aus der c‘t lauffähig machen</a:t>
             </a:r>
           </a:p>
           <a:p>
@@ -25564,7 +25686,11 @@
           <a:p>
             <a:r>
               <a:rPr lang="de-DE" dirty="0"/>
-              <a:t>schnelle Verarbeitung der eingegebenen Texte</a:t>
+              <a:t>schnelle Verarbeitung der eingegebenen </a:t>
+            </a:r>
+            <a:r>
+              <a:rPr lang="de-DE" dirty="0" smtClean="0"/>
+              <a:t>Texte</a:t>
             </a:r>
           </a:p>
           <a:p>
@@ -25572,17 +25698,12 @@
           </a:p>
           <a:p>
             <a:r>
-              <a:rPr lang="de-DE" dirty="0"/>
-              <a:t>Umsetzung in C oder Java (optional)</a:t>
+              <a:rPr lang="de-DE" dirty="0" smtClean="0"/>
+              <a:t>modulare </a:t>
             </a:r>
-          </a:p>
-          <a:p>
-            <a:endParaRPr lang="de-DE" dirty="0"/>
-          </a:p>
-          <a:p>
             <a:r>
               <a:rPr lang="de-DE" dirty="0"/>
-              <a:t>modulare Entwicklung &amp; Kommentare</a:t>
+              <a:t>Entwicklung &amp; Kommentare</a:t>
             </a:r>
           </a:p>
         </p:txBody>
